--- a/Surveying_Phylogenetic_Forests.pptx
+++ b/Surveying_Phylogenetic_Forests.pptx
@@ -5,7 +5,7 @@
     <p:sldMasterId id="2147483721" r:id="rId1"/>
   </p:sldMasterIdLst>
   <p:notesMasterIdLst>
-    <p:notesMasterId r:id="rId18"/>
+    <p:notesMasterId r:id="rId21"/>
   </p:notesMasterIdLst>
   <p:sldIdLst>
     <p:sldId id="256" r:id="rId2"/>
@@ -18,12 +18,15 @@
     <p:sldId id="269" r:id="rId9"/>
     <p:sldId id="272" r:id="rId10"/>
     <p:sldId id="273" r:id="rId11"/>
-    <p:sldId id="274" r:id="rId12"/>
-    <p:sldId id="263" r:id="rId13"/>
-    <p:sldId id="265" r:id="rId14"/>
-    <p:sldId id="264" r:id="rId15"/>
-    <p:sldId id="270" r:id="rId16"/>
-    <p:sldId id="259" r:id="rId17"/>
+    <p:sldId id="275" r:id="rId12"/>
+    <p:sldId id="274" r:id="rId13"/>
+    <p:sldId id="276" r:id="rId14"/>
+    <p:sldId id="277" r:id="rId15"/>
+    <p:sldId id="263" r:id="rId16"/>
+    <p:sldId id="265" r:id="rId17"/>
+    <p:sldId id="264" r:id="rId18"/>
+    <p:sldId id="270" r:id="rId19"/>
+    <p:sldId id="259" r:id="rId20"/>
   </p:sldIdLst>
   <p:sldSz cx="12192000" cy="6858000"/>
   <p:notesSz cx="6858000" cy="9144000"/>
@@ -212,7 +215,7 @@
           <a:p>
             <a:fld id="{3AC54121-D6F6-4C33-B49C-E67A50D5504C}" type="datetimeFigureOut">
               <a:rPr lang="en-US" smtClean="0"/>
-              <a:t>2/6/2020</a:t>
+              <a:t>2/11/2020</a:t>
             </a:fld>
             <a:endParaRPr lang="en-US"/>
           </a:p>
@@ -1078,7 +1081,7 @@
           <a:p>
             <a:fld id="{1A6D8924-F9BB-4D73-9BF9-0F7F99802865}" type="slidenum">
               <a:rPr lang="en-US" smtClean="0"/>
-              <a:t>12</a:t>
+              <a:t>15</a:t>
             </a:fld>
             <a:endParaRPr lang="en-US"/>
           </a:p>
@@ -1165,7 +1168,7 @@
           <a:p>
             <a:fld id="{1A6D8924-F9BB-4D73-9BF9-0F7F99802865}" type="slidenum">
               <a:rPr lang="en-US" smtClean="0"/>
-              <a:t>13</a:t>
+              <a:t>16</a:t>
             </a:fld>
             <a:endParaRPr lang="en-US"/>
           </a:p>
@@ -1249,7 +1252,7 @@
           <a:p>
             <a:fld id="{1A6D8924-F9BB-4D73-9BF9-0F7F99802865}" type="slidenum">
               <a:rPr lang="en-US" smtClean="0"/>
-              <a:t>14</a:t>
+              <a:t>17</a:t>
             </a:fld>
             <a:endParaRPr lang="en-US"/>
           </a:p>
@@ -1437,7 +1440,7 @@
           <a:p>
             <a:fld id="{304E4740-B399-47BF-B5A6-2EA85B90FBD9}" type="datetimeFigureOut">
               <a:rPr lang="en-US" smtClean="0"/>
-              <a:t>2/6/2020</a:t>
+              <a:t>2/11/2020</a:t>
             </a:fld>
             <a:endParaRPr lang="en-US"/>
           </a:p>
@@ -1772,7 +1775,7 @@
           <a:p>
             <a:fld id="{304E4740-B399-47BF-B5A6-2EA85B90FBD9}" type="datetimeFigureOut">
               <a:rPr lang="en-US" smtClean="0"/>
-              <a:t>2/6/2020</a:t>
+              <a:t>2/11/2020</a:t>
             </a:fld>
             <a:endParaRPr lang="en-US"/>
           </a:p>
@@ -1952,7 +1955,7 @@
           <a:p>
             <a:fld id="{304E4740-B399-47BF-B5A6-2EA85B90FBD9}" type="datetimeFigureOut">
               <a:rPr lang="en-US" smtClean="0"/>
-              <a:t>2/6/2020</a:t>
+              <a:t>2/11/2020</a:t>
             </a:fld>
             <a:endParaRPr lang="en-US"/>
           </a:p>
@@ -2122,7 +2125,7 @@
           <a:p>
             <a:fld id="{304E4740-B399-47BF-B5A6-2EA85B90FBD9}" type="datetimeFigureOut">
               <a:rPr lang="en-US" smtClean="0"/>
-              <a:t>2/6/2020</a:t>
+              <a:t>2/11/2020</a:t>
             </a:fld>
             <a:endParaRPr lang="en-US"/>
           </a:p>
@@ -2399,7 +2402,7 @@
           <a:p>
             <a:fld id="{304E4740-B399-47BF-B5A6-2EA85B90FBD9}" type="datetimeFigureOut">
               <a:rPr lang="en-US" smtClean="0"/>
-              <a:t>2/6/2020</a:t>
+              <a:t>2/11/2020</a:t>
             </a:fld>
             <a:endParaRPr lang="en-US"/>
           </a:p>
@@ -2793,7 +2796,7 @@
           <a:p>
             <a:fld id="{304E4740-B399-47BF-B5A6-2EA85B90FBD9}" type="datetimeFigureOut">
               <a:rPr lang="en-US" smtClean="0"/>
-              <a:t>2/6/2020</a:t>
+              <a:t>2/11/2020</a:t>
             </a:fld>
             <a:endParaRPr lang="en-US"/>
           </a:p>
@@ -3270,7 +3273,7 @@
           <a:p>
             <a:fld id="{304E4740-B399-47BF-B5A6-2EA85B90FBD9}" type="datetimeFigureOut">
               <a:rPr lang="en-US" smtClean="0"/>
-              <a:t>2/6/2020</a:t>
+              <a:t>2/11/2020</a:t>
             </a:fld>
             <a:endParaRPr lang="en-US"/>
           </a:p>
@@ -3388,7 +3391,7 @@
           <a:p>
             <a:fld id="{304E4740-B399-47BF-B5A6-2EA85B90FBD9}" type="datetimeFigureOut">
               <a:rPr lang="en-US" smtClean="0"/>
-              <a:t>2/6/2020</a:t>
+              <a:t>2/11/2020</a:t>
             </a:fld>
             <a:endParaRPr lang="en-US"/>
           </a:p>
@@ -3483,7 +3486,7 @@
           <a:p>
             <a:fld id="{304E4740-B399-47BF-B5A6-2EA85B90FBD9}" type="datetimeFigureOut">
               <a:rPr lang="en-US" smtClean="0"/>
-              <a:t>2/6/2020</a:t>
+              <a:t>2/11/2020</a:t>
             </a:fld>
             <a:endParaRPr lang="en-US"/>
           </a:p>
@@ -3834,7 +3837,7 @@
           <a:p>
             <a:fld id="{304E4740-B399-47BF-B5A6-2EA85B90FBD9}" type="datetimeFigureOut">
               <a:rPr lang="en-US" smtClean="0"/>
-              <a:t>2/6/2020</a:t>
+              <a:t>2/11/2020</a:t>
             </a:fld>
             <a:endParaRPr lang="en-US"/>
           </a:p>
@@ -4222,7 +4225,7 @@
           <a:p>
             <a:fld id="{304E4740-B399-47BF-B5A6-2EA85B90FBD9}" type="datetimeFigureOut">
               <a:rPr lang="en-US" smtClean="0"/>
-              <a:t>2/6/2020</a:t>
+              <a:t>2/11/2020</a:t>
             </a:fld>
             <a:endParaRPr lang="en-US"/>
           </a:p>
@@ -4500,7 +4503,7 @@
           <a:p>
             <a:fld id="{304E4740-B399-47BF-B5A6-2EA85B90FBD9}" type="datetimeFigureOut">
               <a:rPr lang="en-US" smtClean="0"/>
-              <a:t>2/6/2020</a:t>
+              <a:t>2/11/2020</a:t>
             </a:fld>
             <a:endParaRPr lang="en-US"/>
           </a:p>
@@ -5201,7 +5204,7 @@
           <p:cNvPr id="2" name="Title 1">
             <a:extLst>
               <a:ext uri="{FF2B5EF4-FFF2-40B4-BE49-F238E27FC236}">
-                <a16:creationId xmlns:a16="http://schemas.microsoft.com/office/drawing/2014/main" id="{E0A4890A-D855-4A36-A6AB-D93272C23400}"/>
+                <a16:creationId xmlns:a16="http://schemas.microsoft.com/office/drawing/2014/main" id="{E52AC21D-BCB2-4F1B-AC0C-618152ABC0CF}"/>
               </a:ext>
             </a:extLst>
           </p:cNvPr>
@@ -5219,7 +5222,7 @@
           <a:p>
             <a:r>
               <a:rPr lang="en-US" dirty="0"/>
-              <a:t>Symmetric Difference</a:t>
+              <a:t>Phylogeny Estimation: Quantifying Error</a:t>
             </a:r>
           </a:p>
         </p:txBody>
@@ -5229,7 +5232,7 @@
           <p:cNvPr id="3" name="Content Placeholder 2">
             <a:extLst>
               <a:ext uri="{FF2B5EF4-FFF2-40B4-BE49-F238E27FC236}">
-                <a16:creationId xmlns:a16="http://schemas.microsoft.com/office/drawing/2014/main" id="{8444557C-6CB3-4AB7-9F18-4678258D8DDD}"/>
+                <a16:creationId xmlns:a16="http://schemas.microsoft.com/office/drawing/2014/main" id="{12ECD62E-214D-4312-BD79-4B10F3E0423B}"/>
               </a:ext>
             </a:extLst>
           </p:cNvPr>
@@ -5245,14 +5248,48 @@
           <a:bodyPr/>
           <a:lstStyle/>
           <a:p>
-            <a:endParaRPr lang="en-US"/>
+            <a:r>
+              <a:rPr lang="en-US" dirty="0"/>
+              <a:t>False Negatives</a:t>
+            </a:r>
+          </a:p>
+          <a:p>
+            <a:r>
+              <a:rPr lang="en-US" dirty="0"/>
+              <a:t>False Positives</a:t>
+            </a:r>
+          </a:p>
+          <a:p>
+            <a:r>
+              <a:rPr lang="en-US" dirty="0"/>
+              <a:t>Robinson-</a:t>
+            </a:r>
+            <a:r>
+              <a:rPr lang="en-US" dirty="0" err="1"/>
+              <a:t>Foulds</a:t>
+            </a:r>
+            <a:r>
+              <a:rPr lang="en-US" dirty="0"/>
+              <a:t> (RF) Distance</a:t>
+            </a:r>
+          </a:p>
+          <a:p>
+            <a:pPr lvl="1"/>
+            <a:r>
+              <a:rPr lang="en-US" dirty="0">
+                <a:solidFill>
+                  <a:srgbClr val="FF0000"/>
+                </a:solidFill>
+              </a:rPr>
+              <a:t>Number of non-trivial bipartitions present in one tree but not the other</a:t>
+            </a:r>
           </a:p>
         </p:txBody>
       </p:sp>
     </p:spTree>
     <p:extLst>
       <p:ext uri="{BB962C8B-B14F-4D97-AF65-F5344CB8AC3E}">
-        <p14:creationId xmlns:p14="http://schemas.microsoft.com/office/powerpoint/2010/main" val="3323507255"/>
+        <p14:creationId xmlns:p14="http://schemas.microsoft.com/office/powerpoint/2010/main" val="862714329"/>
       </p:ext>
     </p:extLst>
   </p:cSld>
@@ -5284,7 +5321,7 @@
           <p:cNvPr id="2" name="Title 1">
             <a:extLst>
               <a:ext uri="{FF2B5EF4-FFF2-40B4-BE49-F238E27FC236}">
-                <a16:creationId xmlns:a16="http://schemas.microsoft.com/office/drawing/2014/main" id="{7C71A0DC-6AE4-4E73-BF5B-8273443BA46C}"/>
+                <a16:creationId xmlns:a16="http://schemas.microsoft.com/office/drawing/2014/main" id="{E0A4890A-D855-4A36-A6AB-D93272C23400}"/>
               </a:ext>
             </a:extLst>
           </p:cNvPr>
@@ -5302,7 +5339,7 @@
           <a:p>
             <a:r>
               <a:rPr lang="en-US" dirty="0"/>
-              <a:t>Results</a:t>
+              <a:t>Symmetric Difference</a:t>
             </a:r>
           </a:p>
         </p:txBody>
@@ -5312,7 +5349,7 @@
           <p:cNvPr id="3" name="Content Placeholder 2">
             <a:extLst>
               <a:ext uri="{FF2B5EF4-FFF2-40B4-BE49-F238E27FC236}">
-                <a16:creationId xmlns:a16="http://schemas.microsoft.com/office/drawing/2014/main" id="{E558FABB-F62F-4198-88B3-5DE192B19659}"/>
+                <a16:creationId xmlns:a16="http://schemas.microsoft.com/office/drawing/2014/main" id="{8444557C-6CB3-4AB7-9F18-4678258D8DDD}"/>
               </a:ext>
             </a:extLst>
           </p:cNvPr>
@@ -5335,7 +5372,7 @@
     </p:spTree>
     <p:extLst>
       <p:ext uri="{BB962C8B-B14F-4D97-AF65-F5344CB8AC3E}">
-        <p14:creationId xmlns:p14="http://schemas.microsoft.com/office/powerpoint/2010/main" val="1478176425"/>
+        <p14:creationId xmlns:p14="http://schemas.microsoft.com/office/powerpoint/2010/main" val="3323507255"/>
       </p:ext>
     </p:extLst>
   </p:cSld>
@@ -5367,7 +5404,7 @@
           <p:cNvPr id="2" name="Title 1">
             <a:extLst>
               <a:ext uri="{FF2B5EF4-FFF2-40B4-BE49-F238E27FC236}">
-                <a16:creationId xmlns:a16="http://schemas.microsoft.com/office/drawing/2014/main" id="{89778CF9-C0C2-4E5A-9498-8E5A3EFBEE1C}"/>
+                <a16:creationId xmlns:a16="http://schemas.microsoft.com/office/drawing/2014/main" id="{04A1F292-AFDD-4FB5-A3BC-97CA483E0F6C}"/>
               </a:ext>
             </a:extLst>
           </p:cNvPr>
@@ -5385,7 +5422,7 @@
           <a:p>
             <a:r>
               <a:rPr lang="en-US" dirty="0"/>
-              <a:t>Timings</a:t>
+              <a:t>Homeomorphic Subtrees</a:t>
             </a:r>
           </a:p>
         </p:txBody>
@@ -5395,7 +5432,7 @@
           <p:cNvPr id="3" name="Content Placeholder 2">
             <a:extLst>
               <a:ext uri="{FF2B5EF4-FFF2-40B4-BE49-F238E27FC236}">
-                <a16:creationId xmlns:a16="http://schemas.microsoft.com/office/drawing/2014/main" id="{9C662559-6FC7-4036-9067-313195B78470}"/>
+                <a16:creationId xmlns:a16="http://schemas.microsoft.com/office/drawing/2014/main" id="{22436093-9924-4B60-8213-D05CA4A64296}"/>
               </a:ext>
             </a:extLst>
           </p:cNvPr>
@@ -5411,14 +5448,45 @@
           <a:bodyPr/>
           <a:lstStyle/>
           <a:p>
-            <a:endParaRPr lang="en-US"/>
+            <a:r>
+              <a:rPr lang="en-US" dirty="0"/>
+              <a:t>EXAMPLE!</a:t>
+            </a:r>
+          </a:p>
+          <a:p>
+            <a:endParaRPr lang="en-US" dirty="0"/>
+          </a:p>
+          <a:p>
+            <a:endParaRPr lang="en-US" dirty="0"/>
+          </a:p>
+          <a:p>
+            <a:endParaRPr lang="en-US" dirty="0"/>
+          </a:p>
+          <a:p>
+            <a:endParaRPr lang="en-US" dirty="0"/>
+          </a:p>
+          <a:p>
+            <a:endParaRPr lang="en-US" dirty="0"/>
+          </a:p>
+          <a:p>
+            <a:r>
+              <a:rPr lang="en-US" dirty="0"/>
+              <a:t>Homeomorphic subtree of T induced by X</a:t>
+            </a:r>
+          </a:p>
+          <a:p>
+            <a:pPr lvl="1"/>
+            <a:r>
+              <a:rPr lang="en-US" dirty="0"/>
+              <a:t>AKA: T|X</a:t>
+            </a:r>
           </a:p>
         </p:txBody>
       </p:sp>
     </p:spTree>
     <p:extLst>
       <p:ext uri="{BB962C8B-B14F-4D97-AF65-F5344CB8AC3E}">
-        <p14:creationId xmlns:p14="http://schemas.microsoft.com/office/powerpoint/2010/main" val="834576793"/>
+        <p14:creationId xmlns:p14="http://schemas.microsoft.com/office/powerpoint/2010/main" val="164477223"/>
       </p:ext>
     </p:extLst>
   </p:cSld>
@@ -5450,7 +5518,7 @@
           <p:cNvPr id="2" name="Title 1">
             <a:extLst>
               <a:ext uri="{FF2B5EF4-FFF2-40B4-BE49-F238E27FC236}">
-                <a16:creationId xmlns:a16="http://schemas.microsoft.com/office/drawing/2014/main" id="{D03F5BF0-0AD7-4B01-BD13-01EDFD009E2E}"/>
+                <a16:creationId xmlns:a16="http://schemas.microsoft.com/office/drawing/2014/main" id="{1DA41681-B73B-4C7B-9403-9B676704E574}"/>
               </a:ext>
             </a:extLst>
           </p:cNvPr>
@@ -5467,10 +5535,9 @@
           <a:lstStyle/>
           <a:p>
             <a:r>
-              <a:rPr lang="en-US" dirty="0" err="1"/>
-              <a:t>PhyloTools</a:t>
-            </a:r>
-            <a:endParaRPr lang="en-US" dirty="0"/>
+              <a:rPr lang="en-US" dirty="0"/>
+              <a:t>Compatibility</a:t>
+            </a:r>
           </a:p>
         </p:txBody>
       </p:sp>
@@ -5479,7 +5546,7 @@
           <p:cNvPr id="3" name="Content Placeholder 2">
             <a:extLst>
               <a:ext uri="{FF2B5EF4-FFF2-40B4-BE49-F238E27FC236}">
-                <a16:creationId xmlns:a16="http://schemas.microsoft.com/office/drawing/2014/main" id="{0967048B-71FB-4B8F-84A2-0201BFF4D0FE}"/>
+                <a16:creationId xmlns:a16="http://schemas.microsoft.com/office/drawing/2014/main" id="{677896E2-6BA8-4B78-B2F2-48B1F155C856}"/>
               </a:ext>
             </a:extLst>
           </p:cNvPr>
@@ -5495,63 +5562,14 @@
           <a:bodyPr/>
           <a:lstStyle/>
           <a:p>
-            <a:r>
-              <a:rPr lang="en-US" dirty="0"/>
-              <a:t>Swiss army knife</a:t>
-            </a:r>
-          </a:p>
-          <a:p>
-            <a:pPr lvl="1"/>
-            <a:r>
-              <a:rPr lang="en-US" dirty="0"/>
-              <a:t>Input:</a:t>
-            </a:r>
-          </a:p>
-          <a:p>
-            <a:pPr lvl="2"/>
-            <a:r>
-              <a:rPr lang="en-US" dirty="0"/>
-              <a:t>FASTA sequences</a:t>
-            </a:r>
-          </a:p>
-          <a:p>
-            <a:pPr lvl="2"/>
-            <a:r>
-              <a:rPr lang="en-US" dirty="0"/>
-              <a:t>…</a:t>
-            </a:r>
-          </a:p>
-          <a:p>
-            <a:pPr lvl="1"/>
-            <a:r>
-              <a:rPr lang="en-US" dirty="0"/>
-              <a:t>Output:</a:t>
-            </a:r>
-          </a:p>
-          <a:p>
-            <a:pPr lvl="2"/>
-            <a:r>
-              <a:rPr lang="en-US" dirty="0"/>
-              <a:t>Tree analysis document</a:t>
-            </a:r>
-          </a:p>
-          <a:p>
-            <a:pPr lvl="2"/>
-            <a:r>
-              <a:rPr lang="en-US" dirty="0"/>
-              <a:t>…</a:t>
-            </a:r>
-          </a:p>
-          <a:p>
-            <a:pPr lvl="1"/>
-            <a:endParaRPr lang="en-US" dirty="0"/>
+            <a:endParaRPr lang="en-US"/>
           </a:p>
         </p:txBody>
       </p:sp>
     </p:spTree>
     <p:extLst>
       <p:ext uri="{BB962C8B-B14F-4D97-AF65-F5344CB8AC3E}">
-        <p14:creationId xmlns:p14="http://schemas.microsoft.com/office/powerpoint/2010/main" val="1581292021"/>
+        <p14:creationId xmlns:p14="http://schemas.microsoft.com/office/powerpoint/2010/main" val="79932279"/>
       </p:ext>
     </p:extLst>
   </p:cSld>
@@ -5583,6 +5601,305 @@
           <p:cNvPr id="2" name="Title 1">
             <a:extLst>
               <a:ext uri="{FF2B5EF4-FFF2-40B4-BE49-F238E27FC236}">
+                <a16:creationId xmlns:a16="http://schemas.microsoft.com/office/drawing/2014/main" id="{7C71A0DC-6AE4-4E73-BF5B-8273443BA46C}"/>
+              </a:ext>
+            </a:extLst>
+          </p:cNvPr>
+          <p:cNvSpPr>
+            <a:spLocks noGrp="1"/>
+          </p:cNvSpPr>
+          <p:nvPr>
+            <p:ph type="title"/>
+          </p:nvPr>
+        </p:nvSpPr>
+        <p:spPr/>
+        <p:txBody>
+          <a:bodyPr/>
+          <a:lstStyle/>
+          <a:p>
+            <a:r>
+              <a:rPr lang="en-US" dirty="0"/>
+              <a:t>Results</a:t>
+            </a:r>
+          </a:p>
+        </p:txBody>
+      </p:sp>
+      <p:sp>
+        <p:nvSpPr>
+          <p:cNvPr id="3" name="Content Placeholder 2">
+            <a:extLst>
+              <a:ext uri="{FF2B5EF4-FFF2-40B4-BE49-F238E27FC236}">
+                <a16:creationId xmlns:a16="http://schemas.microsoft.com/office/drawing/2014/main" id="{E558FABB-F62F-4198-88B3-5DE192B19659}"/>
+              </a:ext>
+            </a:extLst>
+          </p:cNvPr>
+          <p:cNvSpPr>
+            <a:spLocks noGrp="1"/>
+          </p:cNvSpPr>
+          <p:nvPr>
+            <p:ph idx="1"/>
+          </p:nvPr>
+        </p:nvSpPr>
+        <p:spPr/>
+        <p:txBody>
+          <a:bodyPr/>
+          <a:lstStyle/>
+          <a:p>
+            <a:endParaRPr lang="en-US"/>
+          </a:p>
+        </p:txBody>
+      </p:sp>
+    </p:spTree>
+    <p:extLst>
+      <p:ext uri="{BB962C8B-B14F-4D97-AF65-F5344CB8AC3E}">
+        <p14:creationId xmlns:p14="http://schemas.microsoft.com/office/powerpoint/2010/main" val="1478176425"/>
+      </p:ext>
+    </p:extLst>
+  </p:cSld>
+  <p:clrMapOvr>
+    <a:masterClrMapping/>
+  </p:clrMapOvr>
+</p:sld>
+</file>
+
+<file path=ppt/slides/slide16.xml><?xml version="1.0" encoding="utf-8"?>
+<p:sld xmlns:a="http://schemas.openxmlformats.org/drawingml/2006/main" xmlns:r="http://schemas.openxmlformats.org/officeDocument/2006/relationships" xmlns:p="http://schemas.openxmlformats.org/presentationml/2006/main">
+  <p:cSld>
+    <p:spTree>
+      <p:nvGrpSpPr>
+        <p:cNvPr id="1" name=""/>
+        <p:cNvGrpSpPr/>
+        <p:nvPr/>
+      </p:nvGrpSpPr>
+      <p:grpSpPr>
+        <a:xfrm>
+          <a:off x="0" y="0"/>
+          <a:ext cx="0" cy="0"/>
+          <a:chOff x="0" y="0"/>
+          <a:chExt cx="0" cy="0"/>
+        </a:xfrm>
+      </p:grpSpPr>
+      <p:sp>
+        <p:nvSpPr>
+          <p:cNvPr id="2" name="Title 1">
+            <a:extLst>
+              <a:ext uri="{FF2B5EF4-FFF2-40B4-BE49-F238E27FC236}">
+                <a16:creationId xmlns:a16="http://schemas.microsoft.com/office/drawing/2014/main" id="{89778CF9-C0C2-4E5A-9498-8E5A3EFBEE1C}"/>
+              </a:ext>
+            </a:extLst>
+          </p:cNvPr>
+          <p:cNvSpPr>
+            <a:spLocks noGrp="1"/>
+          </p:cNvSpPr>
+          <p:nvPr>
+            <p:ph type="title"/>
+          </p:nvPr>
+        </p:nvSpPr>
+        <p:spPr/>
+        <p:txBody>
+          <a:bodyPr/>
+          <a:lstStyle/>
+          <a:p>
+            <a:r>
+              <a:rPr lang="en-US" dirty="0"/>
+              <a:t>Timings</a:t>
+            </a:r>
+          </a:p>
+        </p:txBody>
+      </p:sp>
+      <p:sp>
+        <p:nvSpPr>
+          <p:cNvPr id="3" name="Content Placeholder 2">
+            <a:extLst>
+              <a:ext uri="{FF2B5EF4-FFF2-40B4-BE49-F238E27FC236}">
+                <a16:creationId xmlns:a16="http://schemas.microsoft.com/office/drawing/2014/main" id="{9C662559-6FC7-4036-9067-313195B78470}"/>
+              </a:ext>
+            </a:extLst>
+          </p:cNvPr>
+          <p:cNvSpPr>
+            <a:spLocks noGrp="1"/>
+          </p:cNvSpPr>
+          <p:nvPr>
+            <p:ph idx="1"/>
+          </p:nvPr>
+        </p:nvSpPr>
+        <p:spPr/>
+        <p:txBody>
+          <a:bodyPr/>
+          <a:lstStyle/>
+          <a:p>
+            <a:endParaRPr lang="en-US"/>
+          </a:p>
+        </p:txBody>
+      </p:sp>
+    </p:spTree>
+    <p:extLst>
+      <p:ext uri="{BB962C8B-B14F-4D97-AF65-F5344CB8AC3E}">
+        <p14:creationId xmlns:p14="http://schemas.microsoft.com/office/powerpoint/2010/main" val="834576793"/>
+      </p:ext>
+    </p:extLst>
+  </p:cSld>
+  <p:clrMapOvr>
+    <a:masterClrMapping/>
+  </p:clrMapOvr>
+</p:sld>
+</file>
+
+<file path=ppt/slides/slide17.xml><?xml version="1.0" encoding="utf-8"?>
+<p:sld xmlns:a="http://schemas.openxmlformats.org/drawingml/2006/main" xmlns:r="http://schemas.openxmlformats.org/officeDocument/2006/relationships" xmlns:p="http://schemas.openxmlformats.org/presentationml/2006/main">
+  <p:cSld>
+    <p:spTree>
+      <p:nvGrpSpPr>
+        <p:cNvPr id="1" name=""/>
+        <p:cNvGrpSpPr/>
+        <p:nvPr/>
+      </p:nvGrpSpPr>
+      <p:grpSpPr>
+        <a:xfrm>
+          <a:off x="0" y="0"/>
+          <a:ext cx="0" cy="0"/>
+          <a:chOff x="0" y="0"/>
+          <a:chExt cx="0" cy="0"/>
+        </a:xfrm>
+      </p:grpSpPr>
+      <p:sp>
+        <p:nvSpPr>
+          <p:cNvPr id="2" name="Title 1">
+            <a:extLst>
+              <a:ext uri="{FF2B5EF4-FFF2-40B4-BE49-F238E27FC236}">
+                <a16:creationId xmlns:a16="http://schemas.microsoft.com/office/drawing/2014/main" id="{D03F5BF0-0AD7-4B01-BD13-01EDFD009E2E}"/>
+              </a:ext>
+            </a:extLst>
+          </p:cNvPr>
+          <p:cNvSpPr>
+            <a:spLocks noGrp="1"/>
+          </p:cNvSpPr>
+          <p:nvPr>
+            <p:ph type="title"/>
+          </p:nvPr>
+        </p:nvSpPr>
+        <p:spPr/>
+        <p:txBody>
+          <a:bodyPr/>
+          <a:lstStyle/>
+          <a:p>
+            <a:r>
+              <a:rPr lang="en-US" dirty="0" err="1"/>
+              <a:t>PhyloTools</a:t>
+            </a:r>
+            <a:endParaRPr lang="en-US" dirty="0"/>
+          </a:p>
+        </p:txBody>
+      </p:sp>
+      <p:sp>
+        <p:nvSpPr>
+          <p:cNvPr id="3" name="Content Placeholder 2">
+            <a:extLst>
+              <a:ext uri="{FF2B5EF4-FFF2-40B4-BE49-F238E27FC236}">
+                <a16:creationId xmlns:a16="http://schemas.microsoft.com/office/drawing/2014/main" id="{0967048B-71FB-4B8F-84A2-0201BFF4D0FE}"/>
+              </a:ext>
+            </a:extLst>
+          </p:cNvPr>
+          <p:cNvSpPr>
+            <a:spLocks noGrp="1"/>
+          </p:cNvSpPr>
+          <p:nvPr>
+            <p:ph idx="1"/>
+          </p:nvPr>
+        </p:nvSpPr>
+        <p:spPr/>
+        <p:txBody>
+          <a:bodyPr/>
+          <a:lstStyle/>
+          <a:p>
+            <a:r>
+              <a:rPr lang="en-US" dirty="0"/>
+              <a:t>Swiss army knife</a:t>
+            </a:r>
+          </a:p>
+          <a:p>
+            <a:pPr lvl="1"/>
+            <a:r>
+              <a:rPr lang="en-US" dirty="0"/>
+              <a:t>Input:</a:t>
+            </a:r>
+          </a:p>
+          <a:p>
+            <a:pPr lvl="2"/>
+            <a:r>
+              <a:rPr lang="en-US" dirty="0"/>
+              <a:t>FASTA sequences</a:t>
+            </a:r>
+          </a:p>
+          <a:p>
+            <a:pPr lvl="2"/>
+            <a:r>
+              <a:rPr lang="en-US" dirty="0"/>
+              <a:t>…</a:t>
+            </a:r>
+          </a:p>
+          <a:p>
+            <a:pPr lvl="1"/>
+            <a:r>
+              <a:rPr lang="en-US" dirty="0"/>
+              <a:t>Output:</a:t>
+            </a:r>
+          </a:p>
+          <a:p>
+            <a:pPr lvl="2"/>
+            <a:r>
+              <a:rPr lang="en-US" dirty="0"/>
+              <a:t>Tree analysis document</a:t>
+            </a:r>
+          </a:p>
+          <a:p>
+            <a:pPr lvl="2"/>
+            <a:r>
+              <a:rPr lang="en-US" dirty="0"/>
+              <a:t>…</a:t>
+            </a:r>
+          </a:p>
+          <a:p>
+            <a:pPr lvl="1"/>
+            <a:endParaRPr lang="en-US" dirty="0"/>
+          </a:p>
+        </p:txBody>
+      </p:sp>
+    </p:spTree>
+    <p:extLst>
+      <p:ext uri="{BB962C8B-B14F-4D97-AF65-F5344CB8AC3E}">
+        <p14:creationId xmlns:p14="http://schemas.microsoft.com/office/powerpoint/2010/main" val="1581292021"/>
+      </p:ext>
+    </p:extLst>
+  </p:cSld>
+  <p:clrMapOvr>
+    <a:masterClrMapping/>
+  </p:clrMapOvr>
+</p:sld>
+</file>
+
+<file path=ppt/slides/slide18.xml><?xml version="1.0" encoding="utf-8"?>
+<p:sld xmlns:a="http://schemas.openxmlformats.org/drawingml/2006/main" xmlns:r="http://schemas.openxmlformats.org/officeDocument/2006/relationships" xmlns:p="http://schemas.openxmlformats.org/presentationml/2006/main">
+  <p:cSld>
+    <p:spTree>
+      <p:nvGrpSpPr>
+        <p:cNvPr id="1" name=""/>
+        <p:cNvGrpSpPr/>
+        <p:nvPr/>
+      </p:nvGrpSpPr>
+      <p:grpSpPr>
+        <a:xfrm>
+          <a:off x="0" y="0"/>
+          <a:ext cx="0" cy="0"/>
+          <a:chOff x="0" y="0"/>
+          <a:chExt cx="0" cy="0"/>
+        </a:xfrm>
+      </p:grpSpPr>
+      <p:sp>
+        <p:nvSpPr>
+          <p:cNvPr id="2" name="Title 1">
+            <a:extLst>
+              <a:ext uri="{FF2B5EF4-FFF2-40B4-BE49-F238E27FC236}">
                 <a16:creationId xmlns:a16="http://schemas.microsoft.com/office/drawing/2014/main" id="{4F31E323-9959-48AA-B336-2E14EFCC13B7}"/>
               </a:ext>
             </a:extLst>
@@ -5644,7 +5961,7 @@
 </p:sld>
 </file>
 
-<file path=ppt/slides/slide16.xml><?xml version="1.0" encoding="utf-8"?>
+<file path=ppt/slides/slide19.xml><?xml version="1.0" encoding="utf-8"?>
 <p:sld xmlns:a="http://schemas.openxmlformats.org/drawingml/2006/main" xmlns:r="http://schemas.openxmlformats.org/officeDocument/2006/relationships" xmlns:p="http://schemas.openxmlformats.org/presentationml/2006/main">
   <p:cSld>
     <p:bg>
@@ -6013,7 +6330,7 @@
         </p:spPr>
         <p:txBody>
           <a:bodyPr anchor="t">
-            <a:normAutofit lnSpcReduction="10000"/>
+            <a:normAutofit fontScale="70000" lnSpcReduction="20000"/>
           </a:bodyPr>
           <a:lstStyle/>
           <a:p>
@@ -6054,9 +6371,77 @@
               </a:rPr>
               <a:t> Tree</a:t>
             </a:r>
+          </a:p>
+          <a:p>
+            <a:pPr lvl="2">
+              <a:lnSpc>
+                <a:spcPct val="101000"/>
+              </a:lnSpc>
+            </a:pPr>
+            <a:r>
+              <a:rPr lang="en-US" dirty="0" err="1"/>
+              <a:t>MrBayes</a:t>
+            </a:r>
+            <a:r>
+              <a:rPr lang="en-US" dirty="0"/>
+              <a:t> (MCMC)</a:t>
+            </a:r>
+          </a:p>
+          <a:p>
+            <a:pPr lvl="2">
+              <a:lnSpc>
+                <a:spcPct val="101000"/>
+              </a:lnSpc>
+            </a:pPr>
+            <a:r>
+              <a:rPr lang="en-US" dirty="0">
+                <a:solidFill>
+                  <a:schemeClr val="tx2"/>
+                </a:solidFill>
+              </a:rPr>
+              <a:t>NCD</a:t>
+            </a:r>
+          </a:p>
+          <a:p>
+            <a:pPr lvl="2">
+              <a:lnSpc>
+                <a:spcPct val="101000"/>
+              </a:lnSpc>
+            </a:pPr>
+            <a:r>
+              <a:rPr lang="en-US" dirty="0">
+                <a:solidFill>
+                  <a:srgbClr val="FF0000"/>
+                </a:solidFill>
+              </a:rPr>
+              <a:t>Maximum parsimony</a:t>
+            </a:r>
+          </a:p>
+          <a:p>
+            <a:pPr lvl="2">
+              <a:lnSpc>
+                <a:spcPct val="101000"/>
+              </a:lnSpc>
+            </a:pPr>
+            <a:r>
+              <a:rPr lang="en-US" dirty="0">
+                <a:solidFill>
+                  <a:srgbClr val="FF0000"/>
+                </a:solidFill>
+              </a:rPr>
+              <a:t>Maximum </a:t>
+            </a:r>
+            <a:r>
+              <a:rPr lang="en-US" dirty="0" err="1">
+                <a:solidFill>
+                  <a:srgbClr val="FF0000"/>
+                </a:solidFill>
+              </a:rPr>
+              <a:t>liklihood</a:t>
+            </a:r>
             <a:endParaRPr lang="en-US" dirty="0">
               <a:solidFill>
-                <a:schemeClr val="tx2"/>
+                <a:srgbClr val="FF0000"/>
               </a:solidFill>
             </a:endParaRPr>
           </a:p>
@@ -6260,6 +6645,13 @@
           <a:p>
             <a:r>
               <a:rPr lang="en-US" dirty="0"/>
+              <a:t>Phylogeny estimation</a:t>
+            </a:r>
+          </a:p>
+          <a:p>
+            <a:pPr lvl="1"/>
+            <a:r>
+              <a:rPr lang="en-US" dirty="0"/>
               <a:t>DNA sequences </a:t>
             </a:r>
             <a:r>
@@ -6268,6 +6660,71 @@
               </a:rPr>
               <a:t> Phylogenetic trees</a:t>
             </a:r>
+          </a:p>
+          <a:p>
+            <a:pPr lvl="2"/>
+            <a:r>
+              <a:rPr lang="en-US" dirty="0">
+                <a:solidFill>
+                  <a:srgbClr val="FF0000"/>
+                </a:solidFill>
+              </a:rPr>
+              <a:t>Phylogenetic Trees identify evolutionary relationships between species</a:t>
+            </a:r>
+          </a:p>
+          <a:p>
+            <a:r>
+              <a:rPr lang="en-US" dirty="0">
+                <a:solidFill>
+                  <a:schemeClr val="tx1"/>
+                </a:solidFill>
+              </a:rPr>
+              <a:t>From single gene phylogenies </a:t>
+            </a:r>
+            <a:r>
+              <a:rPr lang="en-US" dirty="0">
+                <a:solidFill>
+                  <a:schemeClr val="tx1"/>
+                </a:solidFill>
+                <a:sym typeface="Wingdings" panose="05000000000000000000" pitchFamily="2" charset="2"/>
+              </a:rPr>
+              <a:t></a:t>
+            </a:r>
+            <a:r>
+              <a:rPr lang="en-US" dirty="0">
+                <a:solidFill>
+                  <a:schemeClr val="tx1"/>
+                </a:solidFill>
+              </a:rPr>
+              <a:t> Genome-scale phylogenies</a:t>
+            </a:r>
+          </a:p>
+          <a:p>
+            <a:pPr lvl="1"/>
+            <a:r>
+              <a:rPr lang="en-US" dirty="0">
+                <a:solidFill>
+                  <a:srgbClr val="FF0000"/>
+                </a:solidFill>
+              </a:rPr>
+              <a:t>As with everything, hardware can only improve so much, many of the standard or best methods are fat too computationally expensive</a:t>
+            </a:r>
+          </a:p>
+          <a:p>
+            <a:pPr lvl="2"/>
+            <a:r>
+              <a:rPr lang="en-US" dirty="0">
+                <a:solidFill>
+                  <a:srgbClr val="FF0000"/>
+                </a:solidFill>
+              </a:rPr>
+              <a:t>Improved DNA sequencing allows readily available genomes + algorithms</a:t>
+            </a:r>
+          </a:p>
+          <a:p>
+            <a:pPr marL="530352" lvl="1" indent="0">
+              <a:buNone/>
+            </a:pPr>
             <a:endParaRPr lang="en-US" dirty="0"/>
           </a:p>
         </p:txBody>
@@ -6524,7 +6981,7 @@
           <a:p>
             <a:r>
               <a:rPr lang="en-US" dirty="0"/>
-              <a:t>Monte Carlo Mark-off chain</a:t>
+              <a:t>Markov Chain Monte Carlo</a:t>
             </a:r>
           </a:p>
           <a:p>
@@ -6537,6 +6994,23 @@
               </a:rPr>
               <a:t>Process + Speed</a:t>
             </a:r>
+          </a:p>
+          <a:p>
+            <a:r>
+              <a:rPr lang="en-US" dirty="0">
+                <a:solidFill>
+                  <a:schemeClr val="tx1"/>
+                </a:solidFill>
+              </a:rPr>
+              <a:t>Multiple Sequence Alignment</a:t>
+            </a:r>
+          </a:p>
+          <a:p>
+            <a:endParaRPr lang="en-US" dirty="0">
+              <a:solidFill>
+                <a:srgbClr val="FF0000"/>
+              </a:solidFill>
+            </a:endParaRPr>
           </a:p>
         </p:txBody>
       </p:sp>

--- a/Surveying_Phylogenetic_Forests.pptx
+++ b/Surveying_Phylogenetic_Forests.pptx
@@ -5,7 +5,7 @@
     <p:sldMasterId id="2147483721" r:id="rId1"/>
   </p:sldMasterIdLst>
   <p:notesMasterIdLst>
-    <p:notesMasterId r:id="rId21"/>
+    <p:notesMasterId r:id="rId22"/>
   </p:notesMasterIdLst>
   <p:sldIdLst>
     <p:sldId id="256" r:id="rId2"/>
@@ -22,11 +22,12 @@
     <p:sldId id="274" r:id="rId13"/>
     <p:sldId id="276" r:id="rId14"/>
     <p:sldId id="277" r:id="rId15"/>
-    <p:sldId id="263" r:id="rId16"/>
-    <p:sldId id="265" r:id="rId17"/>
-    <p:sldId id="264" r:id="rId18"/>
-    <p:sldId id="270" r:id="rId19"/>
-    <p:sldId id="259" r:id="rId20"/>
+    <p:sldId id="278" r:id="rId16"/>
+    <p:sldId id="263" r:id="rId17"/>
+    <p:sldId id="265" r:id="rId18"/>
+    <p:sldId id="264" r:id="rId19"/>
+    <p:sldId id="270" r:id="rId20"/>
+    <p:sldId id="259" r:id="rId21"/>
   </p:sldIdLst>
   <p:sldSz cx="12192000" cy="6858000"/>
   <p:notesSz cx="6858000" cy="9144000"/>
@@ -215,7 +216,7 @@
           <a:p>
             <a:fld id="{3AC54121-D6F6-4C33-B49C-E67A50D5504C}" type="datetimeFigureOut">
               <a:rPr lang="en-US" smtClean="0"/>
-              <a:t>2/11/2020</a:t>
+              <a:t>2/12/2020</a:t>
             </a:fld>
             <a:endParaRPr lang="en-US"/>
           </a:p>
@@ -1081,7 +1082,7 @@
           <a:p>
             <a:fld id="{1A6D8924-F9BB-4D73-9BF9-0F7F99802865}" type="slidenum">
               <a:rPr lang="en-US" smtClean="0"/>
-              <a:t>15</a:t>
+              <a:t>16</a:t>
             </a:fld>
             <a:endParaRPr lang="en-US"/>
           </a:p>
@@ -1168,7 +1169,7 @@
           <a:p>
             <a:fld id="{1A6D8924-F9BB-4D73-9BF9-0F7F99802865}" type="slidenum">
               <a:rPr lang="en-US" smtClean="0"/>
-              <a:t>16</a:t>
+              <a:t>17</a:t>
             </a:fld>
             <a:endParaRPr lang="en-US"/>
           </a:p>
@@ -1252,7 +1253,7 @@
           <a:p>
             <a:fld id="{1A6D8924-F9BB-4D73-9BF9-0F7F99802865}" type="slidenum">
               <a:rPr lang="en-US" smtClean="0"/>
-              <a:t>17</a:t>
+              <a:t>18</a:t>
             </a:fld>
             <a:endParaRPr lang="en-US"/>
           </a:p>
@@ -1440,7 +1441,7 @@
           <a:p>
             <a:fld id="{304E4740-B399-47BF-B5A6-2EA85B90FBD9}" type="datetimeFigureOut">
               <a:rPr lang="en-US" smtClean="0"/>
-              <a:t>2/11/2020</a:t>
+              <a:t>2/12/2020</a:t>
             </a:fld>
             <a:endParaRPr lang="en-US"/>
           </a:p>
@@ -1775,7 +1776,7 @@
           <a:p>
             <a:fld id="{304E4740-B399-47BF-B5A6-2EA85B90FBD9}" type="datetimeFigureOut">
               <a:rPr lang="en-US" smtClean="0"/>
-              <a:t>2/11/2020</a:t>
+              <a:t>2/12/2020</a:t>
             </a:fld>
             <a:endParaRPr lang="en-US"/>
           </a:p>
@@ -1955,7 +1956,7 @@
           <a:p>
             <a:fld id="{304E4740-B399-47BF-B5A6-2EA85B90FBD9}" type="datetimeFigureOut">
               <a:rPr lang="en-US" smtClean="0"/>
-              <a:t>2/11/2020</a:t>
+              <a:t>2/12/2020</a:t>
             </a:fld>
             <a:endParaRPr lang="en-US"/>
           </a:p>
@@ -2125,7 +2126,7 @@
           <a:p>
             <a:fld id="{304E4740-B399-47BF-B5A6-2EA85B90FBD9}" type="datetimeFigureOut">
               <a:rPr lang="en-US" smtClean="0"/>
-              <a:t>2/11/2020</a:t>
+              <a:t>2/12/2020</a:t>
             </a:fld>
             <a:endParaRPr lang="en-US"/>
           </a:p>
@@ -2402,7 +2403,7 @@
           <a:p>
             <a:fld id="{304E4740-B399-47BF-B5A6-2EA85B90FBD9}" type="datetimeFigureOut">
               <a:rPr lang="en-US" smtClean="0"/>
-              <a:t>2/11/2020</a:t>
+              <a:t>2/12/2020</a:t>
             </a:fld>
             <a:endParaRPr lang="en-US"/>
           </a:p>
@@ -2796,7 +2797,7 @@
           <a:p>
             <a:fld id="{304E4740-B399-47BF-B5A6-2EA85B90FBD9}" type="datetimeFigureOut">
               <a:rPr lang="en-US" smtClean="0"/>
-              <a:t>2/11/2020</a:t>
+              <a:t>2/12/2020</a:t>
             </a:fld>
             <a:endParaRPr lang="en-US"/>
           </a:p>
@@ -3273,7 +3274,7 @@
           <a:p>
             <a:fld id="{304E4740-B399-47BF-B5A6-2EA85B90FBD9}" type="datetimeFigureOut">
               <a:rPr lang="en-US" smtClean="0"/>
-              <a:t>2/11/2020</a:t>
+              <a:t>2/12/2020</a:t>
             </a:fld>
             <a:endParaRPr lang="en-US"/>
           </a:p>
@@ -3391,7 +3392,7 @@
           <a:p>
             <a:fld id="{304E4740-B399-47BF-B5A6-2EA85B90FBD9}" type="datetimeFigureOut">
               <a:rPr lang="en-US" smtClean="0"/>
-              <a:t>2/11/2020</a:t>
+              <a:t>2/12/2020</a:t>
             </a:fld>
             <a:endParaRPr lang="en-US"/>
           </a:p>
@@ -3486,7 +3487,7 @@
           <a:p>
             <a:fld id="{304E4740-B399-47BF-B5A6-2EA85B90FBD9}" type="datetimeFigureOut">
               <a:rPr lang="en-US" smtClean="0"/>
-              <a:t>2/11/2020</a:t>
+              <a:t>2/12/2020</a:t>
             </a:fld>
             <a:endParaRPr lang="en-US"/>
           </a:p>
@@ -3837,7 +3838,7 @@
           <a:p>
             <a:fld id="{304E4740-B399-47BF-B5A6-2EA85B90FBD9}" type="datetimeFigureOut">
               <a:rPr lang="en-US" smtClean="0"/>
-              <a:t>2/11/2020</a:t>
+              <a:t>2/12/2020</a:t>
             </a:fld>
             <a:endParaRPr lang="en-US"/>
           </a:p>
@@ -4225,7 +4226,7 @@
           <a:p>
             <a:fld id="{304E4740-B399-47BF-B5A6-2EA85B90FBD9}" type="datetimeFigureOut">
               <a:rPr lang="en-US" smtClean="0"/>
-              <a:t>2/11/2020</a:t>
+              <a:t>2/12/2020</a:t>
             </a:fld>
             <a:endParaRPr lang="en-US"/>
           </a:p>
@@ -4503,7 +4504,7 @@
           <a:p>
             <a:fld id="{304E4740-B399-47BF-B5A6-2EA85B90FBD9}" type="datetimeFigureOut">
               <a:rPr lang="en-US" smtClean="0"/>
-              <a:t>2/11/2020</a:t>
+              <a:t>2/12/2020</a:t>
             </a:fld>
             <a:endParaRPr lang="en-US"/>
           </a:p>
@@ -5254,12 +5255,34 @@
             </a:r>
           </a:p>
           <a:p>
+            <a:pPr lvl="1"/>
+            <a:r>
+              <a:rPr lang="en-US" dirty="0">
+                <a:solidFill>
+                  <a:srgbClr val="FF0000"/>
+                </a:solidFill>
+              </a:rPr>
+              <a:t>Bipartitions in true tree, not in T*</a:t>
+            </a:r>
+          </a:p>
+          <a:p>
             <a:r>
               <a:rPr lang="en-US" dirty="0"/>
               <a:t>False Positives</a:t>
             </a:r>
           </a:p>
           <a:p>
+            <a:pPr lvl="1"/>
+            <a:r>
+              <a:rPr lang="en-US" dirty="0">
+                <a:solidFill>
+                  <a:srgbClr val="FF0000"/>
+                </a:solidFill>
+              </a:rPr>
+              <a:t>Bipartitions in T not in true-tree</a:t>
+            </a:r>
+          </a:p>
+          <a:p>
             <a:r>
               <a:rPr lang="en-US" dirty="0"/>
               <a:t>Robinson-</a:t>
@@ -5283,6 +5306,32 @@
               </a:rPr>
               <a:t>Number of non-trivial bipartitions present in one tree but not the other</a:t>
             </a:r>
+          </a:p>
+          <a:p>
+            <a:pPr lvl="1"/>
+            <a:r>
+              <a:rPr lang="en-US" dirty="0">
+                <a:solidFill>
+                  <a:srgbClr val="FF0000"/>
+                </a:solidFill>
+              </a:rPr>
+              <a:t>FN + FP / 2n - 6</a:t>
+            </a:r>
+          </a:p>
+          <a:p>
+            <a:pPr lvl="1"/>
+            <a:endParaRPr lang="en-US" dirty="0">
+              <a:solidFill>
+                <a:srgbClr val="FF0000"/>
+              </a:solidFill>
+            </a:endParaRPr>
+          </a:p>
+          <a:p>
+            <a:endParaRPr lang="en-US" dirty="0">
+              <a:solidFill>
+                <a:srgbClr val="FF0000"/>
+              </a:solidFill>
+            </a:endParaRPr>
           </a:p>
         </p:txBody>
       </p:sp>
@@ -5365,7 +5414,44 @@
           <a:bodyPr/>
           <a:lstStyle/>
           <a:p>
-            <a:endParaRPr lang="en-US"/>
+            <a:r>
+              <a:rPr lang="en-US" dirty="0"/>
+              <a:t>Range:</a:t>
+            </a:r>
+          </a:p>
+          <a:p>
+            <a:pPr lvl="1"/>
+            <a:r>
+              <a:rPr lang="en-US" dirty="0"/>
+              <a:t>0 – Identical structures</a:t>
+            </a:r>
+          </a:p>
+          <a:p>
+            <a:pPr lvl="1"/>
+            <a:r>
+              <a:rPr lang="en-US" dirty="0"/>
+              <a:t>2n – 6 – maximally different trees</a:t>
+            </a:r>
+          </a:p>
+          <a:p>
+            <a:pPr lvl="2"/>
+            <a:r>
+              <a:rPr lang="en-US" dirty="0">
+                <a:solidFill>
+                  <a:srgbClr val="FF0000"/>
+                </a:solidFill>
+              </a:rPr>
+              <a:t>N – 3 internal edges</a:t>
+            </a:r>
+          </a:p>
+          <a:p>
+            <a:pPr marL="0" indent="0">
+              <a:buNone/>
+            </a:pPr>
+            <a:r>
+              <a:rPr lang="en-US" dirty="0"/>
+              <a:t> </a:t>
+            </a:r>
           </a:p>
         </p:txBody>
       </p:sp>
@@ -5445,13 +5531,44 @@
         </p:nvSpPr>
         <p:spPr/>
         <p:txBody>
-          <a:bodyPr/>
-          <a:lstStyle/>
-          <a:p>
-            <a:r>
-              <a:rPr lang="en-US" dirty="0"/>
-              <a:t>EXAMPLE!</a:t>
-            </a:r>
+          <a:bodyPr>
+            <a:normAutofit lnSpcReduction="10000"/>
+          </a:bodyPr>
+          <a:lstStyle/>
+          <a:p>
+            <a:r>
+              <a:rPr lang="en-US" dirty="0">
+                <a:solidFill>
+                  <a:srgbClr val="FF0000"/>
+                </a:solidFill>
+              </a:rPr>
+              <a:t>EXAMPLE! (build)</a:t>
+            </a:r>
+          </a:p>
+          <a:p>
+            <a:pPr lvl="1"/>
+            <a:r>
+              <a:rPr lang="en-US" dirty="0">
+                <a:solidFill>
+                  <a:srgbClr val="FF0000"/>
+                </a:solidFill>
+              </a:rPr>
+              <a:t>Large-tree </a:t>
+            </a:r>
+            <a:r>
+              <a:rPr lang="en-US" dirty="0">
+                <a:solidFill>
+                  <a:srgbClr val="FF0000"/>
+                </a:solidFill>
+                <a:sym typeface="Wingdings" panose="05000000000000000000" pitchFamily="2" charset="2"/>
+              </a:rPr>
+              <a:t> induced tree highlighted  induced tree refined and extracted</a:t>
+            </a:r>
+            <a:endParaRPr lang="en-US" dirty="0">
+              <a:solidFill>
+                <a:srgbClr val="FF0000"/>
+              </a:solidFill>
+            </a:endParaRPr>
           </a:p>
           <a:p>
             <a:endParaRPr lang="en-US" dirty="0"/>
@@ -5559,10 +5676,180 @@
         </p:nvSpPr>
         <p:spPr/>
         <p:txBody>
-          <a:bodyPr/>
-          <a:lstStyle/>
-          <a:p>
-            <a:endParaRPr lang="en-US"/>
+          <a:bodyPr>
+            <a:normAutofit fontScale="92500" lnSpcReduction="10000"/>
+          </a:bodyPr>
+          <a:lstStyle/>
+          <a:p>
+            <a:r>
+              <a:rPr lang="en-US" dirty="0"/>
+              <a:t>Identical trees / Total tree count</a:t>
+            </a:r>
+          </a:p>
+          <a:p>
+            <a:endParaRPr lang="en-US" dirty="0"/>
+          </a:p>
+          <a:p>
+            <a:r>
+              <a:rPr lang="en-US" dirty="0">
+                <a:solidFill>
+                  <a:srgbClr val="FF0000"/>
+                </a:solidFill>
+                <a:sym typeface="Wingdings" panose="05000000000000000000" pitchFamily="2" charset="2"/>
+              </a:rPr>
+              <a:t>Quartet compatibility – induced quartets compared to directly generated quartets</a:t>
+            </a:r>
+          </a:p>
+          <a:p>
+            <a:pPr lvl="1"/>
+            <a:r>
+              <a:rPr lang="en-US" dirty="0">
+                <a:solidFill>
+                  <a:srgbClr val="FF0000"/>
+                </a:solidFill>
+                <a:sym typeface="Wingdings" panose="05000000000000000000" pitchFamily="2" charset="2"/>
+              </a:rPr>
+              <a:t>(p. 91) St. John et al (2003) proved induced quartets from NJ more </a:t>
+            </a:r>
+            <a:r>
+              <a:rPr lang="en-US" dirty="0" err="1">
+                <a:solidFill>
+                  <a:srgbClr val="FF0000"/>
+                </a:solidFill>
+                <a:sym typeface="Wingdings" panose="05000000000000000000" pitchFamily="2" charset="2"/>
+              </a:rPr>
+              <a:t>accuarete</a:t>
+            </a:r>
+            <a:r>
+              <a:rPr lang="en-US" dirty="0">
+                <a:solidFill>
+                  <a:srgbClr val="FF0000"/>
+                </a:solidFill>
+                <a:sym typeface="Wingdings" panose="05000000000000000000" pitchFamily="2" charset="2"/>
+              </a:rPr>
+              <a:t> than directly generated Quartets from FPM</a:t>
+            </a:r>
+          </a:p>
+          <a:p>
+            <a:endParaRPr lang="en-US" dirty="0">
+              <a:solidFill>
+                <a:srgbClr val="FF0000"/>
+              </a:solidFill>
+              <a:sym typeface="Wingdings" panose="05000000000000000000" pitchFamily="2" charset="2"/>
+            </a:endParaRPr>
+          </a:p>
+          <a:p>
+            <a:r>
+              <a:rPr lang="en-US" dirty="0">
+                <a:solidFill>
+                  <a:srgbClr val="FF0000"/>
+                </a:solidFill>
+                <a:sym typeface="Wingdings" panose="05000000000000000000" pitchFamily="2" charset="2"/>
+              </a:rPr>
+              <a:t>T &amp; t</a:t>
+            </a:r>
+          </a:p>
+          <a:p>
+            <a:pPr lvl="1"/>
+            <a:r>
+              <a:rPr lang="en-US" dirty="0">
+                <a:solidFill>
+                  <a:srgbClr val="FF0000"/>
+                </a:solidFill>
+                <a:sym typeface="Wingdings" panose="05000000000000000000" pitchFamily="2" charset="2"/>
+              </a:rPr>
+              <a:t>If T|X is refinement of t ( i.e. C(T|X) contains all bipartitions of C(t) )</a:t>
+            </a:r>
+          </a:p>
+          <a:p>
+            <a:pPr lvl="2"/>
+            <a:r>
+              <a:rPr lang="en-US" dirty="0">
+                <a:solidFill>
+                  <a:srgbClr val="FF0000"/>
+                </a:solidFill>
+                <a:sym typeface="Wingdings" panose="05000000000000000000" pitchFamily="2" charset="2"/>
+              </a:rPr>
+              <a:t>NOTE: C(T|X) may have additional </a:t>
+            </a:r>
+            <a:r>
+              <a:rPr lang="en-US" dirty="0" err="1">
+                <a:solidFill>
+                  <a:srgbClr val="FF0000"/>
+                </a:solidFill>
+                <a:sym typeface="Wingdings" panose="05000000000000000000" pitchFamily="2" charset="2"/>
+              </a:rPr>
+              <a:t>bipparitions</a:t>
+            </a:r>
+            <a:r>
+              <a:rPr lang="en-US" dirty="0">
+                <a:solidFill>
+                  <a:srgbClr val="FF0000"/>
+                </a:solidFill>
+                <a:sym typeface="Wingdings" panose="05000000000000000000" pitchFamily="2" charset="2"/>
+              </a:rPr>
+              <a:t> (refinement)</a:t>
+            </a:r>
+          </a:p>
+          <a:p>
+            <a:pPr lvl="2"/>
+            <a:r>
+              <a:rPr lang="en-US" dirty="0">
+                <a:solidFill>
+                  <a:srgbClr val="FF0000"/>
+                </a:solidFill>
+                <a:sym typeface="Wingdings" panose="05000000000000000000" pitchFamily="2" charset="2"/>
+              </a:rPr>
+              <a:t>(p. 52)  For every tree (t-</a:t>
+            </a:r>
+            <a:r>
+              <a:rPr lang="en-US" dirty="0" err="1">
+                <a:solidFill>
+                  <a:srgbClr val="FF0000"/>
+                </a:solidFill>
+                <a:sym typeface="Wingdings" panose="05000000000000000000" pitchFamily="2" charset="2"/>
+              </a:rPr>
+              <a:t>i</a:t>
+            </a:r>
+            <a:r>
+              <a:rPr lang="en-US" dirty="0">
+                <a:solidFill>
+                  <a:srgbClr val="FF0000"/>
+                </a:solidFill>
+                <a:sym typeface="Wingdings" panose="05000000000000000000" pitchFamily="2" charset="2"/>
+              </a:rPr>
+              <a:t>) in tree set, sum of RF(</a:t>
+            </a:r>
+            <a:r>
+              <a:rPr lang="en-US" dirty="0" err="1">
+                <a:solidFill>
+                  <a:srgbClr val="FF0000"/>
+                </a:solidFill>
+                <a:sym typeface="Wingdings" panose="05000000000000000000" pitchFamily="2" charset="2"/>
+              </a:rPr>
+              <a:t>T|t-i</a:t>
+            </a:r>
+            <a:r>
+              <a:rPr lang="en-US" dirty="0">
+                <a:solidFill>
+                  <a:srgbClr val="FF0000"/>
+                </a:solidFill>
+                <a:sym typeface="Wingdings" panose="05000000000000000000" pitchFamily="2" charset="2"/>
+              </a:rPr>
+              <a:t>) == 0</a:t>
+            </a:r>
+          </a:p>
+          <a:p>
+            <a:pPr marL="0" indent="0">
+              <a:buNone/>
+            </a:pPr>
+            <a:endParaRPr lang="en-US" dirty="0"/>
+          </a:p>
+          <a:p>
+            <a:pPr marL="0" indent="0">
+              <a:buNone/>
+            </a:pPr>
+            <a:endParaRPr lang="en-US" dirty="0"/>
           </a:p>
         </p:txBody>
       </p:sp>
@@ -5601,7 +5888,7 @@
           <p:cNvPr id="2" name="Title 1">
             <a:extLst>
               <a:ext uri="{FF2B5EF4-FFF2-40B4-BE49-F238E27FC236}">
-                <a16:creationId xmlns:a16="http://schemas.microsoft.com/office/drawing/2014/main" id="{7C71A0DC-6AE4-4E73-BF5B-8273443BA46C}"/>
+                <a16:creationId xmlns:a16="http://schemas.microsoft.com/office/drawing/2014/main" id="{1F654729-F01B-4F9F-8EA4-A870B05B28CF}"/>
               </a:ext>
             </a:extLst>
           </p:cNvPr>
@@ -5619,7 +5906,7 @@
           <a:p>
             <a:r>
               <a:rPr lang="en-US" dirty="0"/>
-              <a:t>Results</a:t>
+              <a:t>Agreement</a:t>
             </a:r>
           </a:p>
         </p:txBody>
@@ -5629,7 +5916,7 @@
           <p:cNvPr id="3" name="Content Placeholder 2">
             <a:extLst>
               <a:ext uri="{FF2B5EF4-FFF2-40B4-BE49-F238E27FC236}">
-                <a16:creationId xmlns:a16="http://schemas.microsoft.com/office/drawing/2014/main" id="{E558FABB-F62F-4198-88B3-5DE192B19659}"/>
+                <a16:creationId xmlns:a16="http://schemas.microsoft.com/office/drawing/2014/main" id="{41842C8C-5488-46EF-86AA-79550E6AB743}"/>
               </a:ext>
             </a:extLst>
           </p:cNvPr>
@@ -5645,14 +5932,119 @@
           <a:bodyPr/>
           <a:lstStyle/>
           <a:p>
-            <a:endParaRPr lang="en-US"/>
+            <a:r>
+              <a:rPr lang="en-US" dirty="0"/>
+              <a:t>Q(T0) (intersection) Q(T)</a:t>
+            </a:r>
+          </a:p>
+          <a:p>
+            <a:pPr lvl="1"/>
+            <a:r>
+              <a:rPr lang="en-US" dirty="0">
+                <a:solidFill>
+                  <a:srgbClr val="FF0000"/>
+                </a:solidFill>
+              </a:rPr>
+              <a:t>T0 </a:t>
+            </a:r>
+            <a:r>
+              <a:rPr lang="en-US" dirty="0">
+                <a:solidFill>
+                  <a:srgbClr val="FF0000"/>
+                </a:solidFill>
+                <a:sym typeface="Wingdings" panose="05000000000000000000" pitchFamily="2" charset="2"/>
+              </a:rPr>
+              <a:t> “true tree”</a:t>
+            </a:r>
+          </a:p>
+          <a:p>
+            <a:pPr lvl="1"/>
+            <a:endParaRPr lang="en-US" dirty="0">
+              <a:solidFill>
+                <a:srgbClr val="FF0000"/>
+              </a:solidFill>
+              <a:sym typeface="Wingdings" panose="05000000000000000000" pitchFamily="2" charset="2"/>
+            </a:endParaRPr>
+          </a:p>
+          <a:p>
+            <a:r>
+              <a:rPr lang="en-US" dirty="0">
+                <a:solidFill>
+                  <a:schemeClr val="tx1"/>
+                </a:solidFill>
+                <a:sym typeface="Wingdings" panose="05000000000000000000" pitchFamily="2" charset="2"/>
+              </a:rPr>
+              <a:t>Quartet Agreement</a:t>
+            </a:r>
+          </a:p>
+          <a:p>
+            <a:pPr lvl="1"/>
+            <a:r>
+              <a:rPr lang="en-US" dirty="0">
+                <a:solidFill>
+                  <a:srgbClr val="FF0000"/>
+                </a:solidFill>
+                <a:sym typeface="Wingdings" panose="05000000000000000000" pitchFamily="2" charset="2"/>
+              </a:rPr>
+              <a:t>Agreement between directly generated quartet trees </a:t>
+            </a:r>
+          </a:p>
+          <a:p>
+            <a:r>
+              <a:rPr lang="en-US" dirty="0">
+                <a:solidFill>
+                  <a:schemeClr val="tx1"/>
+                </a:solidFill>
+                <a:sym typeface="Wingdings" panose="05000000000000000000" pitchFamily="2" charset="2"/>
+              </a:rPr>
+              <a:t>Induced Quartet Agreement</a:t>
+            </a:r>
+          </a:p>
+          <a:p>
+            <a:pPr lvl="1"/>
+            <a:r>
+              <a:rPr lang="en-US" dirty="0">
+                <a:solidFill>
+                  <a:srgbClr val="FF0000"/>
+                </a:solidFill>
+                <a:sym typeface="Wingdings" panose="05000000000000000000" pitchFamily="2" charset="2"/>
+              </a:rPr>
+              <a:t>Agreement between induced quartet trees </a:t>
+            </a:r>
+          </a:p>
+          <a:p>
+            <a:endParaRPr lang="en-US" dirty="0">
+              <a:solidFill>
+                <a:schemeClr val="tx1"/>
+              </a:solidFill>
+              <a:sym typeface="Wingdings" panose="05000000000000000000" pitchFamily="2" charset="2"/>
+            </a:endParaRPr>
+          </a:p>
+          <a:p>
+            <a:endParaRPr lang="en-US" dirty="0">
+              <a:solidFill>
+                <a:schemeClr val="tx1"/>
+              </a:solidFill>
+              <a:sym typeface="Wingdings" panose="05000000000000000000" pitchFamily="2" charset="2"/>
+            </a:endParaRPr>
+          </a:p>
+          <a:p>
+            <a:pPr marL="0" indent="0">
+              <a:buNone/>
+            </a:pPr>
+            <a:endParaRPr lang="en-US" dirty="0">
+              <a:solidFill>
+                <a:srgbClr val="FF0000"/>
+              </a:solidFill>
+              <a:sym typeface="Wingdings" panose="05000000000000000000" pitchFamily="2" charset="2"/>
+            </a:endParaRPr>
           </a:p>
         </p:txBody>
       </p:sp>
     </p:spTree>
     <p:extLst>
       <p:ext uri="{BB962C8B-B14F-4D97-AF65-F5344CB8AC3E}">
-        <p14:creationId xmlns:p14="http://schemas.microsoft.com/office/powerpoint/2010/main" val="1478176425"/>
+        <p14:creationId xmlns:p14="http://schemas.microsoft.com/office/powerpoint/2010/main" val="2890113839"/>
       </p:ext>
     </p:extLst>
   </p:cSld>
@@ -5684,7 +6076,7 @@
           <p:cNvPr id="2" name="Title 1">
             <a:extLst>
               <a:ext uri="{FF2B5EF4-FFF2-40B4-BE49-F238E27FC236}">
-                <a16:creationId xmlns:a16="http://schemas.microsoft.com/office/drawing/2014/main" id="{89778CF9-C0C2-4E5A-9498-8E5A3EFBEE1C}"/>
+                <a16:creationId xmlns:a16="http://schemas.microsoft.com/office/drawing/2014/main" id="{7C71A0DC-6AE4-4E73-BF5B-8273443BA46C}"/>
               </a:ext>
             </a:extLst>
           </p:cNvPr>
@@ -5702,7 +6094,7 @@
           <a:p>
             <a:r>
               <a:rPr lang="en-US" dirty="0"/>
-              <a:t>Timings</a:t>
+              <a:t>Results</a:t>
             </a:r>
           </a:p>
         </p:txBody>
@@ -5712,7 +6104,7 @@
           <p:cNvPr id="3" name="Content Placeholder 2">
             <a:extLst>
               <a:ext uri="{FF2B5EF4-FFF2-40B4-BE49-F238E27FC236}">
-                <a16:creationId xmlns:a16="http://schemas.microsoft.com/office/drawing/2014/main" id="{9C662559-6FC7-4036-9067-313195B78470}"/>
+                <a16:creationId xmlns:a16="http://schemas.microsoft.com/office/drawing/2014/main" id="{E558FABB-F62F-4198-88B3-5DE192B19659}"/>
               </a:ext>
             </a:extLst>
           </p:cNvPr>
@@ -5735,7 +6127,7 @@
     </p:spTree>
     <p:extLst>
       <p:ext uri="{BB962C8B-B14F-4D97-AF65-F5344CB8AC3E}">
-        <p14:creationId xmlns:p14="http://schemas.microsoft.com/office/powerpoint/2010/main" val="834576793"/>
+        <p14:creationId xmlns:p14="http://schemas.microsoft.com/office/powerpoint/2010/main" val="1478176425"/>
       </p:ext>
     </p:extLst>
   </p:cSld>
@@ -5767,7 +6159,7 @@
           <p:cNvPr id="2" name="Title 1">
             <a:extLst>
               <a:ext uri="{FF2B5EF4-FFF2-40B4-BE49-F238E27FC236}">
-                <a16:creationId xmlns:a16="http://schemas.microsoft.com/office/drawing/2014/main" id="{D03F5BF0-0AD7-4B01-BD13-01EDFD009E2E}"/>
+                <a16:creationId xmlns:a16="http://schemas.microsoft.com/office/drawing/2014/main" id="{89778CF9-C0C2-4E5A-9498-8E5A3EFBEE1C}"/>
               </a:ext>
             </a:extLst>
           </p:cNvPr>
@@ -5784,10 +6176,9 @@
           <a:lstStyle/>
           <a:p>
             <a:r>
-              <a:rPr lang="en-US" dirty="0" err="1"/>
-              <a:t>PhyloTools</a:t>
-            </a:r>
-            <a:endParaRPr lang="en-US" dirty="0"/>
+              <a:rPr lang="en-US" dirty="0"/>
+              <a:t>Timings</a:t>
+            </a:r>
           </a:p>
         </p:txBody>
       </p:sp>
@@ -5796,7 +6187,7 @@
           <p:cNvPr id="3" name="Content Placeholder 2">
             <a:extLst>
               <a:ext uri="{FF2B5EF4-FFF2-40B4-BE49-F238E27FC236}">
-                <a16:creationId xmlns:a16="http://schemas.microsoft.com/office/drawing/2014/main" id="{0967048B-71FB-4B8F-84A2-0201BFF4D0FE}"/>
+                <a16:creationId xmlns:a16="http://schemas.microsoft.com/office/drawing/2014/main" id="{9C662559-6FC7-4036-9067-313195B78470}"/>
               </a:ext>
             </a:extLst>
           </p:cNvPr>
@@ -5812,63 +6203,14 @@
           <a:bodyPr/>
           <a:lstStyle/>
           <a:p>
-            <a:r>
-              <a:rPr lang="en-US" dirty="0"/>
-              <a:t>Swiss army knife</a:t>
-            </a:r>
-          </a:p>
-          <a:p>
-            <a:pPr lvl="1"/>
-            <a:r>
-              <a:rPr lang="en-US" dirty="0"/>
-              <a:t>Input:</a:t>
-            </a:r>
-          </a:p>
-          <a:p>
-            <a:pPr lvl="2"/>
-            <a:r>
-              <a:rPr lang="en-US" dirty="0"/>
-              <a:t>FASTA sequences</a:t>
-            </a:r>
-          </a:p>
-          <a:p>
-            <a:pPr lvl="2"/>
-            <a:r>
-              <a:rPr lang="en-US" dirty="0"/>
-              <a:t>…</a:t>
-            </a:r>
-          </a:p>
-          <a:p>
-            <a:pPr lvl="1"/>
-            <a:r>
-              <a:rPr lang="en-US" dirty="0"/>
-              <a:t>Output:</a:t>
-            </a:r>
-          </a:p>
-          <a:p>
-            <a:pPr lvl="2"/>
-            <a:r>
-              <a:rPr lang="en-US" dirty="0"/>
-              <a:t>Tree analysis document</a:t>
-            </a:r>
-          </a:p>
-          <a:p>
-            <a:pPr lvl="2"/>
-            <a:r>
-              <a:rPr lang="en-US" dirty="0"/>
-              <a:t>…</a:t>
-            </a:r>
-          </a:p>
-          <a:p>
-            <a:pPr lvl="1"/>
-            <a:endParaRPr lang="en-US" dirty="0"/>
+            <a:endParaRPr lang="en-US"/>
           </a:p>
         </p:txBody>
       </p:sp>
     </p:spTree>
     <p:extLst>
       <p:ext uri="{BB962C8B-B14F-4D97-AF65-F5344CB8AC3E}">
-        <p14:creationId xmlns:p14="http://schemas.microsoft.com/office/powerpoint/2010/main" val="1581292021"/>
+        <p14:creationId xmlns:p14="http://schemas.microsoft.com/office/powerpoint/2010/main" val="834576793"/>
       </p:ext>
     </p:extLst>
   </p:cSld>
@@ -5900,6 +6242,139 @@
           <p:cNvPr id="2" name="Title 1">
             <a:extLst>
               <a:ext uri="{FF2B5EF4-FFF2-40B4-BE49-F238E27FC236}">
+                <a16:creationId xmlns:a16="http://schemas.microsoft.com/office/drawing/2014/main" id="{D03F5BF0-0AD7-4B01-BD13-01EDFD009E2E}"/>
+              </a:ext>
+            </a:extLst>
+          </p:cNvPr>
+          <p:cNvSpPr>
+            <a:spLocks noGrp="1"/>
+          </p:cNvSpPr>
+          <p:nvPr>
+            <p:ph type="title"/>
+          </p:nvPr>
+        </p:nvSpPr>
+        <p:spPr/>
+        <p:txBody>
+          <a:bodyPr/>
+          <a:lstStyle/>
+          <a:p>
+            <a:r>
+              <a:rPr lang="en-US" dirty="0" err="1"/>
+              <a:t>PhyloTools</a:t>
+            </a:r>
+            <a:endParaRPr lang="en-US" dirty="0"/>
+          </a:p>
+        </p:txBody>
+      </p:sp>
+      <p:sp>
+        <p:nvSpPr>
+          <p:cNvPr id="3" name="Content Placeholder 2">
+            <a:extLst>
+              <a:ext uri="{FF2B5EF4-FFF2-40B4-BE49-F238E27FC236}">
+                <a16:creationId xmlns:a16="http://schemas.microsoft.com/office/drawing/2014/main" id="{0967048B-71FB-4B8F-84A2-0201BFF4D0FE}"/>
+              </a:ext>
+            </a:extLst>
+          </p:cNvPr>
+          <p:cNvSpPr>
+            <a:spLocks noGrp="1"/>
+          </p:cNvSpPr>
+          <p:nvPr>
+            <p:ph idx="1"/>
+          </p:nvPr>
+        </p:nvSpPr>
+        <p:spPr/>
+        <p:txBody>
+          <a:bodyPr/>
+          <a:lstStyle/>
+          <a:p>
+            <a:r>
+              <a:rPr lang="en-US" dirty="0"/>
+              <a:t>Swiss army knife</a:t>
+            </a:r>
+          </a:p>
+          <a:p>
+            <a:pPr lvl="1"/>
+            <a:r>
+              <a:rPr lang="en-US" dirty="0"/>
+              <a:t>Input:</a:t>
+            </a:r>
+          </a:p>
+          <a:p>
+            <a:pPr lvl="2"/>
+            <a:r>
+              <a:rPr lang="en-US" dirty="0"/>
+              <a:t>FASTA sequences</a:t>
+            </a:r>
+          </a:p>
+          <a:p>
+            <a:pPr lvl="2"/>
+            <a:r>
+              <a:rPr lang="en-US" dirty="0"/>
+              <a:t>…</a:t>
+            </a:r>
+          </a:p>
+          <a:p>
+            <a:pPr lvl="1"/>
+            <a:r>
+              <a:rPr lang="en-US" dirty="0"/>
+              <a:t>Output:</a:t>
+            </a:r>
+          </a:p>
+          <a:p>
+            <a:pPr lvl="2"/>
+            <a:r>
+              <a:rPr lang="en-US" dirty="0"/>
+              <a:t>Tree analysis document</a:t>
+            </a:r>
+          </a:p>
+          <a:p>
+            <a:pPr lvl="2"/>
+            <a:r>
+              <a:rPr lang="en-US" dirty="0"/>
+              <a:t>…</a:t>
+            </a:r>
+          </a:p>
+          <a:p>
+            <a:pPr lvl="1"/>
+            <a:endParaRPr lang="en-US" dirty="0"/>
+          </a:p>
+        </p:txBody>
+      </p:sp>
+    </p:spTree>
+    <p:extLst>
+      <p:ext uri="{BB962C8B-B14F-4D97-AF65-F5344CB8AC3E}">
+        <p14:creationId xmlns:p14="http://schemas.microsoft.com/office/powerpoint/2010/main" val="1581292021"/>
+      </p:ext>
+    </p:extLst>
+  </p:cSld>
+  <p:clrMapOvr>
+    <a:masterClrMapping/>
+  </p:clrMapOvr>
+</p:sld>
+</file>
+
+<file path=ppt/slides/slide19.xml><?xml version="1.0" encoding="utf-8"?>
+<p:sld xmlns:a="http://schemas.openxmlformats.org/drawingml/2006/main" xmlns:r="http://schemas.openxmlformats.org/officeDocument/2006/relationships" xmlns:p="http://schemas.openxmlformats.org/presentationml/2006/main">
+  <p:cSld>
+    <p:spTree>
+      <p:nvGrpSpPr>
+        <p:cNvPr id="1" name=""/>
+        <p:cNvGrpSpPr/>
+        <p:nvPr/>
+      </p:nvGrpSpPr>
+      <p:grpSpPr>
+        <a:xfrm>
+          <a:off x="0" y="0"/>
+          <a:ext cx="0" cy="0"/>
+          <a:chOff x="0" y="0"/>
+          <a:chExt cx="0" cy="0"/>
+        </a:xfrm>
+      </p:grpSpPr>
+      <p:sp>
+        <p:nvSpPr>
+          <p:cNvPr id="2" name="Title 1">
+            <a:extLst>
+              <a:ext uri="{FF2B5EF4-FFF2-40B4-BE49-F238E27FC236}">
                 <a16:creationId xmlns:a16="http://schemas.microsoft.com/office/drawing/2014/main" id="{4F31E323-9959-48AA-B336-2E14EFCC13B7}"/>
               </a:ext>
             </a:extLst>
@@ -5944,7 +6419,7 @@
           <a:bodyPr/>
           <a:lstStyle/>
           <a:p>
-            <a:endParaRPr lang="en-US"/>
+            <a:endParaRPr lang="en-US" dirty="0"/>
           </a:p>
         </p:txBody>
       </p:sp>
@@ -5961,7 +6436,345 @@
 </p:sld>
 </file>
 
-<file path=ppt/slides/slide19.xml><?xml version="1.0" encoding="utf-8"?>
+<file path=ppt/slides/slide2.xml><?xml version="1.0" encoding="utf-8"?>
+<p:sld xmlns:a="http://schemas.openxmlformats.org/drawingml/2006/main" xmlns:r="http://schemas.openxmlformats.org/officeDocument/2006/relationships" xmlns:p="http://schemas.openxmlformats.org/presentationml/2006/main">
+  <p:cSld>
+    <p:bg>
+      <p:bgPr>
+        <a:solidFill>
+          <a:schemeClr val="bg1">
+            <a:tint val="95000"/>
+            <a:satMod val="170000"/>
+          </a:schemeClr>
+        </a:solidFill>
+        <a:effectLst/>
+      </p:bgPr>
+    </p:bg>
+    <p:spTree>
+      <p:nvGrpSpPr>
+        <p:cNvPr id="1" name=""/>
+        <p:cNvGrpSpPr/>
+        <p:nvPr/>
+      </p:nvGrpSpPr>
+      <p:grpSpPr>
+        <a:xfrm>
+          <a:off x="0" y="0"/>
+          <a:ext cx="0" cy="0"/>
+          <a:chOff x="0" y="0"/>
+          <a:chExt cx="0" cy="0"/>
+        </a:xfrm>
+      </p:grpSpPr>
+      <p:sp>
+        <p:nvSpPr>
+          <p:cNvPr id="2" name="Title 1">
+            <a:extLst>
+              <a:ext uri="{FF2B5EF4-FFF2-40B4-BE49-F238E27FC236}">
+                <a16:creationId xmlns:a16="http://schemas.microsoft.com/office/drawing/2014/main" id="{12F8F973-E7DE-41A2-B4B7-C9550A2C3834}"/>
+              </a:ext>
+            </a:extLst>
+          </p:cNvPr>
+          <p:cNvSpPr>
+            <a:spLocks noGrp="1"/>
+          </p:cNvSpPr>
+          <p:nvPr>
+            <p:ph type="title"/>
+          </p:nvPr>
+        </p:nvSpPr>
+        <p:spPr>
+          <a:xfrm>
+            <a:off x="4179577" y="603380"/>
+            <a:ext cx="6782338" cy="1312506"/>
+          </a:xfrm>
+        </p:spPr>
+        <p:txBody>
+          <a:bodyPr anchor="t">
+            <a:normAutofit/>
+          </a:bodyPr>
+          <a:lstStyle/>
+          <a:p>
+            <a:r>
+              <a:rPr lang="en-US" u="sng" dirty="0">
+                <a:solidFill>
+                  <a:schemeClr val="tx2"/>
+                </a:solidFill>
+              </a:rPr>
+              <a:t>Draft</a:t>
+            </a:r>
+          </a:p>
+        </p:txBody>
+      </p:sp>
+      <p:sp>
+        <p:nvSpPr>
+          <p:cNvPr id="3" name="Content Placeholder 2">
+            <a:extLst>
+              <a:ext uri="{FF2B5EF4-FFF2-40B4-BE49-F238E27FC236}">
+                <a16:creationId xmlns:a16="http://schemas.microsoft.com/office/drawing/2014/main" id="{0DDD837F-9B3E-4089-AEA6-E41063A104D8}"/>
+              </a:ext>
+            </a:extLst>
+          </p:cNvPr>
+          <p:cNvSpPr>
+            <a:spLocks noGrp="1"/>
+          </p:cNvSpPr>
+          <p:nvPr>
+            <p:ph idx="1"/>
+          </p:nvPr>
+        </p:nvSpPr>
+        <p:spPr>
+          <a:xfrm>
+            <a:off x="4179577" y="2111829"/>
+            <a:ext cx="6782338" cy="3978075"/>
+          </a:xfrm>
+        </p:spPr>
+        <p:txBody>
+          <a:bodyPr anchor="t">
+            <a:normAutofit fontScale="70000" lnSpcReduction="20000"/>
+          </a:bodyPr>
+          <a:lstStyle/>
+          <a:p>
+            <a:pPr>
+              <a:lnSpc>
+                <a:spcPct val="101000"/>
+              </a:lnSpc>
+            </a:pPr>
+            <a:r>
+              <a:rPr lang="en-US" sz="1800" dirty="0">
+                <a:solidFill>
+                  <a:schemeClr val="tx2"/>
+                </a:solidFill>
+              </a:rPr>
+              <a:t>Methods</a:t>
+            </a:r>
+          </a:p>
+          <a:p>
+            <a:pPr lvl="1">
+              <a:lnSpc>
+                <a:spcPct val="101000"/>
+              </a:lnSpc>
+            </a:pPr>
+            <a:r>
+              <a:rPr lang="en-US" dirty="0">
+                <a:solidFill>
+                  <a:schemeClr val="tx2"/>
+                </a:solidFill>
+              </a:rPr>
+              <a:t>DNA </a:t>
+            </a:r>
+            <a:r>
+              <a:rPr lang="en-US" dirty="0">
+                <a:solidFill>
+                  <a:schemeClr val="tx2"/>
+                </a:solidFill>
+                <a:sym typeface="Wingdings" panose="05000000000000000000" pitchFamily="2" charset="2"/>
+              </a:rPr>
+              <a:t> Tree</a:t>
+            </a:r>
+          </a:p>
+          <a:p>
+            <a:pPr lvl="2">
+              <a:lnSpc>
+                <a:spcPct val="101000"/>
+              </a:lnSpc>
+            </a:pPr>
+            <a:r>
+              <a:rPr lang="en-US" dirty="0" err="1"/>
+              <a:t>MrBayes</a:t>
+            </a:r>
+            <a:r>
+              <a:rPr lang="en-US" dirty="0"/>
+              <a:t> (MCMC)</a:t>
+            </a:r>
+          </a:p>
+          <a:p>
+            <a:pPr lvl="2">
+              <a:lnSpc>
+                <a:spcPct val="101000"/>
+              </a:lnSpc>
+            </a:pPr>
+            <a:r>
+              <a:rPr lang="en-US" dirty="0">
+                <a:solidFill>
+                  <a:schemeClr val="tx2"/>
+                </a:solidFill>
+              </a:rPr>
+              <a:t>NCD</a:t>
+            </a:r>
+          </a:p>
+          <a:p>
+            <a:pPr lvl="2">
+              <a:lnSpc>
+                <a:spcPct val="101000"/>
+              </a:lnSpc>
+            </a:pPr>
+            <a:r>
+              <a:rPr lang="en-US" dirty="0">
+                <a:solidFill>
+                  <a:srgbClr val="FF0000"/>
+                </a:solidFill>
+              </a:rPr>
+              <a:t>Maximum parsimony</a:t>
+            </a:r>
+          </a:p>
+          <a:p>
+            <a:pPr lvl="2">
+              <a:lnSpc>
+                <a:spcPct val="101000"/>
+              </a:lnSpc>
+            </a:pPr>
+            <a:r>
+              <a:rPr lang="en-US" dirty="0">
+                <a:solidFill>
+                  <a:srgbClr val="FF0000"/>
+                </a:solidFill>
+              </a:rPr>
+              <a:t>Maximum </a:t>
+            </a:r>
+            <a:r>
+              <a:rPr lang="en-US" dirty="0" err="1">
+                <a:solidFill>
+                  <a:srgbClr val="FF0000"/>
+                </a:solidFill>
+              </a:rPr>
+              <a:t>liklihood</a:t>
+            </a:r>
+            <a:endParaRPr lang="en-US" dirty="0">
+              <a:solidFill>
+                <a:srgbClr val="FF0000"/>
+              </a:solidFill>
+            </a:endParaRPr>
+          </a:p>
+          <a:p>
+            <a:pPr>
+              <a:lnSpc>
+                <a:spcPct val="101000"/>
+              </a:lnSpc>
+            </a:pPr>
+            <a:r>
+              <a:rPr lang="en-US" sz="1800" dirty="0">
+                <a:solidFill>
+                  <a:schemeClr val="tx2"/>
+                </a:solidFill>
+              </a:rPr>
+              <a:t>Analysis Tools</a:t>
+            </a:r>
+          </a:p>
+          <a:p>
+            <a:pPr lvl="1">
+              <a:lnSpc>
+                <a:spcPct val="101000"/>
+              </a:lnSpc>
+            </a:pPr>
+            <a:r>
+              <a:rPr lang="en-US" dirty="0">
+                <a:solidFill>
+                  <a:schemeClr val="tx2"/>
+                </a:solidFill>
+              </a:rPr>
+              <a:t>Symmetric Difference</a:t>
+            </a:r>
+          </a:p>
+          <a:p>
+            <a:pPr lvl="1">
+              <a:lnSpc>
+                <a:spcPct val="101000"/>
+              </a:lnSpc>
+            </a:pPr>
+            <a:r>
+              <a:rPr lang="en-US" dirty="0">
+                <a:solidFill>
+                  <a:schemeClr val="tx2"/>
+                </a:solidFill>
+              </a:rPr>
+              <a:t>Quartet Compatibility</a:t>
+            </a:r>
+          </a:p>
+          <a:p>
+            <a:pPr lvl="1">
+              <a:lnSpc>
+                <a:spcPct val="101000"/>
+              </a:lnSpc>
+            </a:pPr>
+            <a:r>
+              <a:rPr lang="en-US" dirty="0">
+                <a:solidFill>
+                  <a:schemeClr val="tx2"/>
+                </a:solidFill>
+              </a:rPr>
+              <a:t>Quartet Agreement</a:t>
+            </a:r>
+          </a:p>
+          <a:p>
+            <a:pPr lvl="1">
+              <a:lnSpc>
+                <a:spcPct val="101000"/>
+              </a:lnSpc>
+            </a:pPr>
+            <a:r>
+              <a:rPr lang="en-US" dirty="0">
+                <a:solidFill>
+                  <a:schemeClr val="tx2"/>
+                </a:solidFill>
+              </a:rPr>
+              <a:t>Induced Quartet Agreement</a:t>
+            </a:r>
+          </a:p>
+          <a:p>
+            <a:pPr lvl="1">
+              <a:lnSpc>
+                <a:spcPct val="101000"/>
+              </a:lnSpc>
+            </a:pPr>
+            <a:endParaRPr lang="en-US" dirty="0">
+              <a:solidFill>
+                <a:schemeClr val="tx2"/>
+              </a:solidFill>
+            </a:endParaRPr>
+          </a:p>
+          <a:p>
+            <a:pPr>
+              <a:lnSpc>
+                <a:spcPct val="101000"/>
+              </a:lnSpc>
+            </a:pPr>
+            <a:r>
+              <a:rPr lang="en-US" sz="1800" dirty="0">
+                <a:solidFill>
+                  <a:schemeClr val="tx2"/>
+                </a:solidFill>
+              </a:rPr>
+              <a:t>Timing differences</a:t>
+            </a:r>
+          </a:p>
+          <a:p>
+            <a:pPr>
+              <a:lnSpc>
+                <a:spcPct val="101000"/>
+              </a:lnSpc>
+            </a:pPr>
+            <a:r>
+              <a:rPr lang="en-US" sz="1800" dirty="0">
+                <a:solidFill>
+                  <a:schemeClr val="tx2"/>
+                </a:solidFill>
+              </a:rPr>
+              <a:t>Results</a:t>
+            </a:r>
+          </a:p>
+        </p:txBody>
+      </p:sp>
+    </p:spTree>
+    <p:extLst>
+      <p:ext uri="{BB962C8B-B14F-4D97-AF65-F5344CB8AC3E}">
+        <p14:creationId xmlns:p14="http://schemas.microsoft.com/office/powerpoint/2010/main" val="2253688014"/>
+      </p:ext>
+    </p:extLst>
+  </p:cSld>
+  <p:clrMapOvr>
+    <a:overrideClrMapping bg1="dk1" tx1="lt1" bg2="dk2" tx2="lt2" accent1="accent1" accent2="accent2" accent3="accent3" accent4="accent4" accent5="accent5" accent6="accent6" hlink="hlink" folHlink="folHlink"/>
+  </p:clrMapOvr>
+</p:sld>
+</file>
+
+<file path=ppt/slides/slide20.xml><?xml version="1.0" encoding="utf-8"?>
 <p:sld xmlns:a="http://schemas.openxmlformats.org/drawingml/2006/main" xmlns:r="http://schemas.openxmlformats.org/officeDocument/2006/relationships" xmlns:p="http://schemas.openxmlformats.org/presentationml/2006/main">
   <p:cSld>
     <p:bg>
@@ -6126,6 +6939,12 @@
             <a:r>
               <a:rPr lang="en-US" dirty="0"/>
               <a:t> citation</a:t>
+            </a:r>
+          </a:p>
+          <a:p>
+            <a:r>
+              <a:rPr lang="en-US" dirty="0"/>
+              <a:t>Dr. Rogers</a:t>
             </a:r>
           </a:p>
           <a:p>
@@ -6235,344 +7054,6 @@
   </p:cSld>
   <p:clrMapOvr>
     <a:masterClrMapping/>
-  </p:clrMapOvr>
-</p:sld>
-</file>
-
-<file path=ppt/slides/slide2.xml><?xml version="1.0" encoding="utf-8"?>
-<p:sld xmlns:a="http://schemas.openxmlformats.org/drawingml/2006/main" xmlns:r="http://schemas.openxmlformats.org/officeDocument/2006/relationships" xmlns:p="http://schemas.openxmlformats.org/presentationml/2006/main">
-  <p:cSld>
-    <p:bg>
-      <p:bgPr>
-        <a:solidFill>
-          <a:schemeClr val="bg1">
-            <a:tint val="95000"/>
-            <a:satMod val="170000"/>
-          </a:schemeClr>
-        </a:solidFill>
-        <a:effectLst/>
-      </p:bgPr>
-    </p:bg>
-    <p:spTree>
-      <p:nvGrpSpPr>
-        <p:cNvPr id="1" name=""/>
-        <p:cNvGrpSpPr/>
-        <p:nvPr/>
-      </p:nvGrpSpPr>
-      <p:grpSpPr>
-        <a:xfrm>
-          <a:off x="0" y="0"/>
-          <a:ext cx="0" cy="0"/>
-          <a:chOff x="0" y="0"/>
-          <a:chExt cx="0" cy="0"/>
-        </a:xfrm>
-      </p:grpSpPr>
-      <p:sp>
-        <p:nvSpPr>
-          <p:cNvPr id="2" name="Title 1">
-            <a:extLst>
-              <a:ext uri="{FF2B5EF4-FFF2-40B4-BE49-F238E27FC236}">
-                <a16:creationId xmlns:a16="http://schemas.microsoft.com/office/drawing/2014/main" id="{12F8F973-E7DE-41A2-B4B7-C9550A2C3834}"/>
-              </a:ext>
-            </a:extLst>
-          </p:cNvPr>
-          <p:cNvSpPr>
-            <a:spLocks noGrp="1"/>
-          </p:cNvSpPr>
-          <p:nvPr>
-            <p:ph type="title"/>
-          </p:nvPr>
-        </p:nvSpPr>
-        <p:spPr>
-          <a:xfrm>
-            <a:off x="4179577" y="603380"/>
-            <a:ext cx="6782338" cy="1312506"/>
-          </a:xfrm>
-        </p:spPr>
-        <p:txBody>
-          <a:bodyPr anchor="t">
-            <a:normAutofit/>
-          </a:bodyPr>
-          <a:lstStyle/>
-          <a:p>
-            <a:r>
-              <a:rPr lang="en-US" u="sng" dirty="0">
-                <a:solidFill>
-                  <a:schemeClr val="tx2"/>
-                </a:solidFill>
-              </a:rPr>
-              <a:t>Draft</a:t>
-            </a:r>
-          </a:p>
-        </p:txBody>
-      </p:sp>
-      <p:sp>
-        <p:nvSpPr>
-          <p:cNvPr id="3" name="Content Placeholder 2">
-            <a:extLst>
-              <a:ext uri="{FF2B5EF4-FFF2-40B4-BE49-F238E27FC236}">
-                <a16:creationId xmlns:a16="http://schemas.microsoft.com/office/drawing/2014/main" id="{0DDD837F-9B3E-4089-AEA6-E41063A104D8}"/>
-              </a:ext>
-            </a:extLst>
-          </p:cNvPr>
-          <p:cNvSpPr>
-            <a:spLocks noGrp="1"/>
-          </p:cNvSpPr>
-          <p:nvPr>
-            <p:ph idx="1"/>
-          </p:nvPr>
-        </p:nvSpPr>
-        <p:spPr>
-          <a:xfrm>
-            <a:off x="4179577" y="2111829"/>
-            <a:ext cx="6782338" cy="3978075"/>
-          </a:xfrm>
-        </p:spPr>
-        <p:txBody>
-          <a:bodyPr anchor="t">
-            <a:normAutofit fontScale="70000" lnSpcReduction="20000"/>
-          </a:bodyPr>
-          <a:lstStyle/>
-          <a:p>
-            <a:pPr>
-              <a:lnSpc>
-                <a:spcPct val="101000"/>
-              </a:lnSpc>
-            </a:pPr>
-            <a:r>
-              <a:rPr lang="en-US" sz="1800" dirty="0">
-                <a:solidFill>
-                  <a:schemeClr val="tx2"/>
-                </a:solidFill>
-              </a:rPr>
-              <a:t>Methods</a:t>
-            </a:r>
-          </a:p>
-          <a:p>
-            <a:pPr lvl="1">
-              <a:lnSpc>
-                <a:spcPct val="101000"/>
-              </a:lnSpc>
-            </a:pPr>
-            <a:r>
-              <a:rPr lang="en-US" dirty="0">
-                <a:solidFill>
-                  <a:schemeClr val="tx2"/>
-                </a:solidFill>
-              </a:rPr>
-              <a:t>DNA </a:t>
-            </a:r>
-            <a:r>
-              <a:rPr lang="en-US" dirty="0">
-                <a:solidFill>
-                  <a:schemeClr val="tx2"/>
-                </a:solidFill>
-                <a:sym typeface="Wingdings" panose="05000000000000000000" pitchFamily="2" charset="2"/>
-              </a:rPr>
-              <a:t> Tree</a:t>
-            </a:r>
-          </a:p>
-          <a:p>
-            <a:pPr lvl="2">
-              <a:lnSpc>
-                <a:spcPct val="101000"/>
-              </a:lnSpc>
-            </a:pPr>
-            <a:r>
-              <a:rPr lang="en-US" dirty="0" err="1"/>
-              <a:t>MrBayes</a:t>
-            </a:r>
-            <a:r>
-              <a:rPr lang="en-US" dirty="0"/>
-              <a:t> (MCMC)</a:t>
-            </a:r>
-          </a:p>
-          <a:p>
-            <a:pPr lvl="2">
-              <a:lnSpc>
-                <a:spcPct val="101000"/>
-              </a:lnSpc>
-            </a:pPr>
-            <a:r>
-              <a:rPr lang="en-US" dirty="0">
-                <a:solidFill>
-                  <a:schemeClr val="tx2"/>
-                </a:solidFill>
-              </a:rPr>
-              <a:t>NCD</a:t>
-            </a:r>
-          </a:p>
-          <a:p>
-            <a:pPr lvl="2">
-              <a:lnSpc>
-                <a:spcPct val="101000"/>
-              </a:lnSpc>
-            </a:pPr>
-            <a:r>
-              <a:rPr lang="en-US" dirty="0">
-                <a:solidFill>
-                  <a:srgbClr val="FF0000"/>
-                </a:solidFill>
-              </a:rPr>
-              <a:t>Maximum parsimony</a:t>
-            </a:r>
-          </a:p>
-          <a:p>
-            <a:pPr lvl="2">
-              <a:lnSpc>
-                <a:spcPct val="101000"/>
-              </a:lnSpc>
-            </a:pPr>
-            <a:r>
-              <a:rPr lang="en-US" dirty="0">
-                <a:solidFill>
-                  <a:srgbClr val="FF0000"/>
-                </a:solidFill>
-              </a:rPr>
-              <a:t>Maximum </a:t>
-            </a:r>
-            <a:r>
-              <a:rPr lang="en-US" dirty="0" err="1">
-                <a:solidFill>
-                  <a:srgbClr val="FF0000"/>
-                </a:solidFill>
-              </a:rPr>
-              <a:t>liklihood</a:t>
-            </a:r>
-            <a:endParaRPr lang="en-US" dirty="0">
-              <a:solidFill>
-                <a:srgbClr val="FF0000"/>
-              </a:solidFill>
-            </a:endParaRPr>
-          </a:p>
-          <a:p>
-            <a:pPr>
-              <a:lnSpc>
-                <a:spcPct val="101000"/>
-              </a:lnSpc>
-            </a:pPr>
-            <a:r>
-              <a:rPr lang="en-US" sz="1800" dirty="0">
-                <a:solidFill>
-                  <a:schemeClr val="tx2"/>
-                </a:solidFill>
-              </a:rPr>
-              <a:t>Analysis Tools</a:t>
-            </a:r>
-          </a:p>
-          <a:p>
-            <a:pPr lvl="1">
-              <a:lnSpc>
-                <a:spcPct val="101000"/>
-              </a:lnSpc>
-            </a:pPr>
-            <a:r>
-              <a:rPr lang="en-US" dirty="0">
-                <a:solidFill>
-                  <a:schemeClr val="tx2"/>
-                </a:solidFill>
-              </a:rPr>
-              <a:t>Symmetric Difference</a:t>
-            </a:r>
-          </a:p>
-          <a:p>
-            <a:pPr lvl="1">
-              <a:lnSpc>
-                <a:spcPct val="101000"/>
-              </a:lnSpc>
-            </a:pPr>
-            <a:r>
-              <a:rPr lang="en-US" dirty="0">
-                <a:solidFill>
-                  <a:schemeClr val="tx2"/>
-                </a:solidFill>
-              </a:rPr>
-              <a:t>Quartet Compatibility</a:t>
-            </a:r>
-          </a:p>
-          <a:p>
-            <a:pPr lvl="1">
-              <a:lnSpc>
-                <a:spcPct val="101000"/>
-              </a:lnSpc>
-            </a:pPr>
-            <a:r>
-              <a:rPr lang="en-US" dirty="0">
-                <a:solidFill>
-                  <a:schemeClr val="tx2"/>
-                </a:solidFill>
-              </a:rPr>
-              <a:t>Quartet Agreement</a:t>
-            </a:r>
-          </a:p>
-          <a:p>
-            <a:pPr lvl="1">
-              <a:lnSpc>
-                <a:spcPct val="101000"/>
-              </a:lnSpc>
-            </a:pPr>
-            <a:r>
-              <a:rPr lang="en-US" dirty="0">
-                <a:solidFill>
-                  <a:schemeClr val="tx2"/>
-                </a:solidFill>
-              </a:rPr>
-              <a:t>Induced Quartet Agreement</a:t>
-            </a:r>
-          </a:p>
-          <a:p>
-            <a:pPr lvl="1">
-              <a:lnSpc>
-                <a:spcPct val="101000"/>
-              </a:lnSpc>
-            </a:pPr>
-            <a:endParaRPr lang="en-US" dirty="0">
-              <a:solidFill>
-                <a:schemeClr val="tx2"/>
-              </a:solidFill>
-            </a:endParaRPr>
-          </a:p>
-          <a:p>
-            <a:pPr>
-              <a:lnSpc>
-                <a:spcPct val="101000"/>
-              </a:lnSpc>
-            </a:pPr>
-            <a:r>
-              <a:rPr lang="en-US" sz="1800" dirty="0">
-                <a:solidFill>
-                  <a:schemeClr val="tx2"/>
-                </a:solidFill>
-              </a:rPr>
-              <a:t>Timing differences</a:t>
-            </a:r>
-          </a:p>
-          <a:p>
-            <a:pPr>
-              <a:lnSpc>
-                <a:spcPct val="101000"/>
-              </a:lnSpc>
-            </a:pPr>
-            <a:r>
-              <a:rPr lang="en-US" sz="1800" dirty="0">
-                <a:solidFill>
-                  <a:schemeClr val="tx2"/>
-                </a:solidFill>
-              </a:rPr>
-              <a:t>Results</a:t>
-            </a:r>
-          </a:p>
-        </p:txBody>
-      </p:sp>
-    </p:spTree>
-    <p:extLst>
-      <p:ext uri="{BB962C8B-B14F-4D97-AF65-F5344CB8AC3E}">
-        <p14:creationId xmlns:p14="http://schemas.microsoft.com/office/powerpoint/2010/main" val="2253688014"/>
-      </p:ext>
-    </p:extLst>
-  </p:cSld>
-  <p:clrMapOvr>
-    <a:overrideClrMapping bg1="dk1" tx1="lt1" bg2="dk2" tx2="lt2" accent1="accent1" accent2="accent2" accent3="accent3" accent4="accent4" accent5="accent5" accent6="accent6" hlink="hlink" folHlink="folHlink"/>
   </p:clrMapOvr>
 </p:sld>
 </file>

--- a/Surveying_Phylogenetic_Forests.pptx
+++ b/Surveying_Phylogenetic_Forests.pptx
@@ -6419,7 +6419,24 @@
           <a:bodyPr/>
           <a:lstStyle/>
           <a:p>
-            <a:endParaRPr lang="en-US" dirty="0"/>
+            <a:r>
+              <a:rPr lang="en-US" dirty="0"/>
+              <a:t>Exploring compression methods</a:t>
+            </a:r>
+          </a:p>
+          <a:p>
+            <a:pPr lvl="1"/>
+            <a:r>
+              <a:rPr lang="en-US" dirty="0"/>
+              <a:t>7zip vs. WinZip</a:t>
+            </a:r>
+          </a:p>
+          <a:p>
+            <a:pPr lvl="1"/>
+            <a:r>
+              <a:rPr lang="en-US" dirty="0"/>
+              <a:t>Biological assumptions in compression (MFC)</a:t>
+            </a:r>
           </a:p>
         </p:txBody>
       </p:sp>
@@ -6626,21 +6643,8 @@
                   <a:srgbClr val="FF0000"/>
                 </a:solidFill>
               </a:rPr>
-              <a:t>Maximum </a:t>
-            </a:r>
-            <a:r>
-              <a:rPr lang="en-US" dirty="0" err="1">
-                <a:solidFill>
-                  <a:srgbClr val="FF0000"/>
-                </a:solidFill>
-              </a:rPr>
-              <a:t>liklihood</a:t>
-            </a:r>
-            <a:endParaRPr lang="en-US" dirty="0">
-              <a:solidFill>
-                <a:srgbClr val="FF0000"/>
-              </a:solidFill>
-            </a:endParaRPr>
+              <a:t>Maximum likelihood</a:t>
+            </a:r>
           </a:p>
           <a:p>
             <a:pPr>
@@ -7487,6 +7491,17 @@
             </a:r>
           </a:p>
           <a:p>
+            <a:pPr lvl="1"/>
+            <a:r>
+              <a:rPr lang="en-US" dirty="0">
+                <a:solidFill>
+                  <a:srgbClr val="FF0000"/>
+                </a:solidFill>
+              </a:rPr>
+              <a:t>costly precursor</a:t>
+            </a:r>
+          </a:p>
+          <a:p>
             <a:endParaRPr lang="en-US" dirty="0">
               <a:solidFill>
                 <a:srgbClr val="FF0000"/>
@@ -7671,6 +7686,22 @@
               </a:rPr>
               <a:t>Avoids Multiple Sequence Alignment</a:t>
             </a:r>
+          </a:p>
+          <a:p>
+            <a:pPr lvl="1"/>
+            <a:r>
+              <a:rPr lang="en-US">
+                <a:solidFill>
+                  <a:srgbClr val="FF0000"/>
+                </a:solidFill>
+              </a:rPr>
+              <a:t>Muscle timings</a:t>
+            </a:r>
+            <a:endParaRPr lang="en-US" dirty="0">
+              <a:solidFill>
+                <a:srgbClr val="FF0000"/>
+              </a:solidFill>
+            </a:endParaRPr>
           </a:p>
         </p:txBody>
       </p:sp>

--- a/Surveying_Phylogenetic_Forests.pptx
+++ b/Surveying_Phylogenetic_Forests.pptx
@@ -216,7 +216,7 @@
           <a:p>
             <a:fld id="{3AC54121-D6F6-4C33-B49C-E67A50D5504C}" type="datetimeFigureOut">
               <a:rPr lang="en-US" smtClean="0"/>
-              <a:t>2/12/2020</a:t>
+              <a:t>2/14/2020</a:t>
             </a:fld>
             <a:endParaRPr lang="en-US"/>
           </a:p>
@@ -1441,7 +1441,7 @@
           <a:p>
             <a:fld id="{304E4740-B399-47BF-B5A6-2EA85B90FBD9}" type="datetimeFigureOut">
               <a:rPr lang="en-US" smtClean="0"/>
-              <a:t>2/12/2020</a:t>
+              <a:t>2/14/2020</a:t>
             </a:fld>
             <a:endParaRPr lang="en-US"/>
           </a:p>
@@ -1776,7 +1776,7 @@
           <a:p>
             <a:fld id="{304E4740-B399-47BF-B5A6-2EA85B90FBD9}" type="datetimeFigureOut">
               <a:rPr lang="en-US" smtClean="0"/>
-              <a:t>2/12/2020</a:t>
+              <a:t>2/14/2020</a:t>
             </a:fld>
             <a:endParaRPr lang="en-US"/>
           </a:p>
@@ -1956,7 +1956,7 @@
           <a:p>
             <a:fld id="{304E4740-B399-47BF-B5A6-2EA85B90FBD9}" type="datetimeFigureOut">
               <a:rPr lang="en-US" smtClean="0"/>
-              <a:t>2/12/2020</a:t>
+              <a:t>2/14/2020</a:t>
             </a:fld>
             <a:endParaRPr lang="en-US"/>
           </a:p>
@@ -2126,7 +2126,7 @@
           <a:p>
             <a:fld id="{304E4740-B399-47BF-B5A6-2EA85B90FBD9}" type="datetimeFigureOut">
               <a:rPr lang="en-US" smtClean="0"/>
-              <a:t>2/12/2020</a:t>
+              <a:t>2/14/2020</a:t>
             </a:fld>
             <a:endParaRPr lang="en-US"/>
           </a:p>
@@ -2403,7 +2403,7 @@
           <a:p>
             <a:fld id="{304E4740-B399-47BF-B5A6-2EA85B90FBD9}" type="datetimeFigureOut">
               <a:rPr lang="en-US" smtClean="0"/>
-              <a:t>2/12/2020</a:t>
+              <a:t>2/14/2020</a:t>
             </a:fld>
             <a:endParaRPr lang="en-US"/>
           </a:p>
@@ -2797,7 +2797,7 @@
           <a:p>
             <a:fld id="{304E4740-B399-47BF-B5A6-2EA85B90FBD9}" type="datetimeFigureOut">
               <a:rPr lang="en-US" smtClean="0"/>
-              <a:t>2/12/2020</a:t>
+              <a:t>2/14/2020</a:t>
             </a:fld>
             <a:endParaRPr lang="en-US"/>
           </a:p>
@@ -3274,7 +3274,7 @@
           <a:p>
             <a:fld id="{304E4740-B399-47BF-B5A6-2EA85B90FBD9}" type="datetimeFigureOut">
               <a:rPr lang="en-US" smtClean="0"/>
-              <a:t>2/12/2020</a:t>
+              <a:t>2/14/2020</a:t>
             </a:fld>
             <a:endParaRPr lang="en-US"/>
           </a:p>
@@ -3392,7 +3392,7 @@
           <a:p>
             <a:fld id="{304E4740-B399-47BF-B5A6-2EA85B90FBD9}" type="datetimeFigureOut">
               <a:rPr lang="en-US" smtClean="0"/>
-              <a:t>2/12/2020</a:t>
+              <a:t>2/14/2020</a:t>
             </a:fld>
             <a:endParaRPr lang="en-US"/>
           </a:p>
@@ -3487,7 +3487,7 @@
           <a:p>
             <a:fld id="{304E4740-B399-47BF-B5A6-2EA85B90FBD9}" type="datetimeFigureOut">
               <a:rPr lang="en-US" smtClean="0"/>
-              <a:t>2/12/2020</a:t>
+              <a:t>2/14/2020</a:t>
             </a:fld>
             <a:endParaRPr lang="en-US"/>
           </a:p>
@@ -3838,7 +3838,7 @@
           <a:p>
             <a:fld id="{304E4740-B399-47BF-B5A6-2EA85B90FBD9}" type="datetimeFigureOut">
               <a:rPr lang="en-US" smtClean="0"/>
-              <a:t>2/12/2020</a:t>
+              <a:t>2/14/2020</a:t>
             </a:fld>
             <a:endParaRPr lang="en-US"/>
           </a:p>
@@ -4226,7 +4226,7 @@
           <a:p>
             <a:fld id="{304E4740-B399-47BF-B5A6-2EA85B90FBD9}" type="datetimeFigureOut">
               <a:rPr lang="en-US" smtClean="0"/>
-              <a:t>2/12/2020</a:t>
+              <a:t>2/14/2020</a:t>
             </a:fld>
             <a:endParaRPr lang="en-US"/>
           </a:p>
@@ -4504,7 +4504,7 @@
           <a:p>
             <a:fld id="{304E4740-B399-47BF-B5A6-2EA85B90FBD9}" type="datetimeFigureOut">
               <a:rPr lang="en-US" smtClean="0"/>
-              <a:t>2/12/2020</a:t>
+              <a:t>2/14/2020</a:t>
             </a:fld>
             <a:endParaRPr lang="en-US"/>
           </a:p>
@@ -7499,6 +7499,62 @@
                 </a:solidFill>
               </a:rPr>
               <a:t>costly precursor</a:t>
+            </a:r>
+          </a:p>
+          <a:p>
+            <a:r>
+              <a:rPr lang="en-US" dirty="0">
+                <a:solidFill>
+                  <a:schemeClr val="tx1"/>
+                </a:solidFill>
+              </a:rPr>
+              <a:t>Bells and whistles</a:t>
+            </a:r>
+          </a:p>
+          <a:p>
+            <a:pPr lvl="1"/>
+            <a:r>
+              <a:rPr lang="en-US" dirty="0">
+                <a:solidFill>
+                  <a:schemeClr val="tx1"/>
+                </a:solidFill>
+              </a:rPr>
+              <a:t>Parameters of </a:t>
+            </a:r>
+            <a:r>
+              <a:rPr lang="en-US" dirty="0" err="1">
+                <a:solidFill>
+                  <a:schemeClr val="tx1"/>
+                </a:solidFill>
+              </a:rPr>
+              <a:t>MrBayes</a:t>
+            </a:r>
+            <a:endParaRPr lang="en-US" dirty="0">
+              <a:solidFill>
+                <a:schemeClr val="tx1"/>
+              </a:solidFill>
+            </a:endParaRPr>
+          </a:p>
+          <a:p>
+            <a:pPr lvl="2"/>
+            <a:r>
+              <a:rPr lang="en-US" dirty="0">
+                <a:solidFill>
+                  <a:srgbClr val="FF0000"/>
+                </a:solidFill>
+              </a:rPr>
+              <a:t>Substitution rates</a:t>
+            </a:r>
+          </a:p>
+          <a:p>
+            <a:pPr lvl="1"/>
+            <a:r>
+              <a:rPr lang="en-US" dirty="0">
+                <a:solidFill>
+                  <a:srgbClr val="FF0000"/>
+                </a:solidFill>
+              </a:rPr>
+              <a:t>Assumptions!</a:t>
             </a:r>
           </a:p>
           <a:p>

--- a/Surveying_Phylogenetic_Forests.pptx
+++ b/Surveying_Phylogenetic_Forests.pptx
@@ -5,7 +5,7 @@
     <p:sldMasterId id="2147483721" r:id="rId1"/>
   </p:sldMasterIdLst>
   <p:notesMasterIdLst>
-    <p:notesMasterId r:id="rId22"/>
+    <p:notesMasterId r:id="rId23"/>
   </p:notesMasterIdLst>
   <p:sldIdLst>
     <p:sldId id="256" r:id="rId2"/>
@@ -16,18 +16,19 @@
     <p:sldId id="266" r:id="rId7"/>
     <p:sldId id="271" r:id="rId8"/>
     <p:sldId id="269" r:id="rId9"/>
-    <p:sldId id="272" r:id="rId10"/>
-    <p:sldId id="273" r:id="rId11"/>
-    <p:sldId id="275" r:id="rId12"/>
-    <p:sldId id="274" r:id="rId13"/>
-    <p:sldId id="276" r:id="rId14"/>
-    <p:sldId id="277" r:id="rId15"/>
-    <p:sldId id="278" r:id="rId16"/>
-    <p:sldId id="263" r:id="rId17"/>
-    <p:sldId id="265" r:id="rId18"/>
-    <p:sldId id="264" r:id="rId19"/>
-    <p:sldId id="270" r:id="rId20"/>
-    <p:sldId id="259" r:id="rId21"/>
+    <p:sldId id="279" r:id="rId10"/>
+    <p:sldId id="272" r:id="rId11"/>
+    <p:sldId id="273" r:id="rId12"/>
+    <p:sldId id="275" r:id="rId13"/>
+    <p:sldId id="274" r:id="rId14"/>
+    <p:sldId id="276" r:id="rId15"/>
+    <p:sldId id="277" r:id="rId16"/>
+    <p:sldId id="278" r:id="rId17"/>
+    <p:sldId id="263" r:id="rId18"/>
+    <p:sldId id="265" r:id="rId19"/>
+    <p:sldId id="264" r:id="rId20"/>
+    <p:sldId id="270" r:id="rId21"/>
+    <p:sldId id="259" r:id="rId22"/>
   </p:sldIdLst>
   <p:sldSz cx="12192000" cy="6858000"/>
   <p:notesSz cx="6858000" cy="9144000"/>
@@ -216,7 +217,7 @@
           <a:p>
             <a:fld id="{3AC54121-D6F6-4C33-B49C-E67A50D5504C}" type="datetimeFigureOut">
               <a:rPr lang="en-US" smtClean="0"/>
-              <a:t>2/14/2020</a:t>
+              <a:t>2/25/2020</a:t>
             </a:fld>
             <a:endParaRPr lang="en-US"/>
           </a:p>
@@ -1082,7 +1083,7 @@
           <a:p>
             <a:fld id="{1A6D8924-F9BB-4D73-9BF9-0F7F99802865}" type="slidenum">
               <a:rPr lang="en-US" smtClean="0"/>
-              <a:t>16</a:t>
+              <a:t>17</a:t>
             </a:fld>
             <a:endParaRPr lang="en-US"/>
           </a:p>
@@ -1169,7 +1170,7 @@
           <a:p>
             <a:fld id="{1A6D8924-F9BB-4D73-9BF9-0F7F99802865}" type="slidenum">
               <a:rPr lang="en-US" smtClean="0"/>
-              <a:t>17</a:t>
+              <a:t>18</a:t>
             </a:fld>
             <a:endParaRPr lang="en-US"/>
           </a:p>
@@ -1253,7 +1254,7 @@
           <a:p>
             <a:fld id="{1A6D8924-F9BB-4D73-9BF9-0F7F99802865}" type="slidenum">
               <a:rPr lang="en-US" smtClean="0"/>
-              <a:t>18</a:t>
+              <a:t>19</a:t>
             </a:fld>
             <a:endParaRPr lang="en-US"/>
           </a:p>
@@ -1441,7 +1442,7 @@
           <a:p>
             <a:fld id="{304E4740-B399-47BF-B5A6-2EA85B90FBD9}" type="datetimeFigureOut">
               <a:rPr lang="en-US" smtClean="0"/>
-              <a:t>2/14/2020</a:t>
+              <a:t>2/25/2020</a:t>
             </a:fld>
             <a:endParaRPr lang="en-US"/>
           </a:p>
@@ -1776,7 +1777,7 @@
           <a:p>
             <a:fld id="{304E4740-B399-47BF-B5A6-2EA85B90FBD9}" type="datetimeFigureOut">
               <a:rPr lang="en-US" smtClean="0"/>
-              <a:t>2/14/2020</a:t>
+              <a:t>2/25/2020</a:t>
             </a:fld>
             <a:endParaRPr lang="en-US"/>
           </a:p>
@@ -1956,7 +1957,7 @@
           <a:p>
             <a:fld id="{304E4740-B399-47BF-B5A6-2EA85B90FBD9}" type="datetimeFigureOut">
               <a:rPr lang="en-US" smtClean="0"/>
-              <a:t>2/14/2020</a:t>
+              <a:t>2/25/2020</a:t>
             </a:fld>
             <a:endParaRPr lang="en-US"/>
           </a:p>
@@ -2126,7 +2127,7 @@
           <a:p>
             <a:fld id="{304E4740-B399-47BF-B5A6-2EA85B90FBD9}" type="datetimeFigureOut">
               <a:rPr lang="en-US" smtClean="0"/>
-              <a:t>2/14/2020</a:t>
+              <a:t>2/25/2020</a:t>
             </a:fld>
             <a:endParaRPr lang="en-US"/>
           </a:p>
@@ -2403,7 +2404,7 @@
           <a:p>
             <a:fld id="{304E4740-B399-47BF-B5A6-2EA85B90FBD9}" type="datetimeFigureOut">
               <a:rPr lang="en-US" smtClean="0"/>
-              <a:t>2/14/2020</a:t>
+              <a:t>2/25/2020</a:t>
             </a:fld>
             <a:endParaRPr lang="en-US"/>
           </a:p>
@@ -2797,7 +2798,7 @@
           <a:p>
             <a:fld id="{304E4740-B399-47BF-B5A6-2EA85B90FBD9}" type="datetimeFigureOut">
               <a:rPr lang="en-US" smtClean="0"/>
-              <a:t>2/14/2020</a:t>
+              <a:t>2/25/2020</a:t>
             </a:fld>
             <a:endParaRPr lang="en-US"/>
           </a:p>
@@ -3274,7 +3275,7 @@
           <a:p>
             <a:fld id="{304E4740-B399-47BF-B5A6-2EA85B90FBD9}" type="datetimeFigureOut">
               <a:rPr lang="en-US" smtClean="0"/>
-              <a:t>2/14/2020</a:t>
+              <a:t>2/25/2020</a:t>
             </a:fld>
             <a:endParaRPr lang="en-US"/>
           </a:p>
@@ -3392,7 +3393,7 @@
           <a:p>
             <a:fld id="{304E4740-B399-47BF-B5A6-2EA85B90FBD9}" type="datetimeFigureOut">
               <a:rPr lang="en-US" smtClean="0"/>
-              <a:t>2/14/2020</a:t>
+              <a:t>2/25/2020</a:t>
             </a:fld>
             <a:endParaRPr lang="en-US"/>
           </a:p>
@@ -3487,7 +3488,7 @@
           <a:p>
             <a:fld id="{304E4740-B399-47BF-B5A6-2EA85B90FBD9}" type="datetimeFigureOut">
               <a:rPr lang="en-US" smtClean="0"/>
-              <a:t>2/14/2020</a:t>
+              <a:t>2/25/2020</a:t>
             </a:fld>
             <a:endParaRPr lang="en-US"/>
           </a:p>
@@ -3838,7 +3839,7 @@
           <a:p>
             <a:fld id="{304E4740-B399-47BF-B5A6-2EA85B90FBD9}" type="datetimeFigureOut">
               <a:rPr lang="en-US" smtClean="0"/>
-              <a:t>2/14/2020</a:t>
+              <a:t>2/25/2020</a:t>
             </a:fld>
             <a:endParaRPr lang="en-US"/>
           </a:p>
@@ -4226,7 +4227,7 @@
           <a:p>
             <a:fld id="{304E4740-B399-47BF-B5A6-2EA85B90FBD9}" type="datetimeFigureOut">
               <a:rPr lang="en-US" smtClean="0"/>
-              <a:t>2/14/2020</a:t>
+              <a:t>2/25/2020</a:t>
             </a:fld>
             <a:endParaRPr lang="en-US"/>
           </a:p>
@@ -4504,7 +4505,7 @@
           <a:p>
             <a:fld id="{304E4740-B399-47BF-B5A6-2EA85B90FBD9}" type="datetimeFigureOut">
               <a:rPr lang="en-US" smtClean="0"/>
-              <a:t>2/14/2020</a:t>
+              <a:t>2/25/2020</a:t>
             </a:fld>
             <a:endParaRPr lang="en-US"/>
           </a:p>
@@ -5107,7 +5108,7 @@
           <p:cNvPr id="2" name="Title 1">
             <a:extLst>
               <a:ext uri="{FF2B5EF4-FFF2-40B4-BE49-F238E27FC236}">
-                <a16:creationId xmlns:a16="http://schemas.microsoft.com/office/drawing/2014/main" id="{3B38CDF1-777B-415A-8A63-65558373EDD2}"/>
+                <a16:creationId xmlns:a16="http://schemas.microsoft.com/office/drawing/2014/main" id="{2107398C-C9F6-4BFE-BAE5-B39B1BD7F361}"/>
               </a:ext>
             </a:extLst>
           </p:cNvPr>
@@ -5135,7 +5136,7 @@
           <p:cNvPr id="3" name="Content Placeholder 2">
             <a:extLst>
               <a:ext uri="{FF2B5EF4-FFF2-40B4-BE49-F238E27FC236}">
-                <a16:creationId xmlns:a16="http://schemas.microsoft.com/office/drawing/2014/main" id="{E3854C25-AA3B-4373-B99E-DE55FE90174D}"/>
+                <a16:creationId xmlns:a16="http://schemas.microsoft.com/office/drawing/2014/main" id="{2E61FCCF-ADB1-4D16-9FE9-A6754EAC0ACF}"/>
               </a:ext>
             </a:extLst>
           </p:cNvPr>
@@ -5152,20 +5153,12 @@
           <a:lstStyle/>
           <a:p>
             <a:r>
-              <a:rPr lang="en-US" dirty="0" err="1">
+              <a:rPr lang="en-US" dirty="0">
                 <a:solidFill>
                   <a:srgbClr val="FF0000"/>
                 </a:solidFill>
               </a:rPr>
-              <a:t>Biparted</a:t>
-            </a:r>
-            <a:r>
-              <a:rPr lang="en-US" dirty="0">
-                <a:solidFill>
-                  <a:srgbClr val="FF0000"/>
-                </a:solidFill>
-              </a:rPr>
-              <a:t> tree diagram (build – slide_2)</a:t>
+              <a:t>Tree diagram (build – slide_1)</a:t>
             </a:r>
           </a:p>
         </p:txBody>
@@ -5173,7 +5166,7 @@
     </p:spTree>
     <p:extLst>
       <p:ext uri="{BB962C8B-B14F-4D97-AF65-F5344CB8AC3E}">
-        <p14:creationId xmlns:p14="http://schemas.microsoft.com/office/powerpoint/2010/main" val="2215564459"/>
+        <p14:creationId xmlns:p14="http://schemas.microsoft.com/office/powerpoint/2010/main" val="3437789769"/>
       </p:ext>
     </p:extLst>
   </p:cSld>
@@ -5205,7 +5198,7 @@
           <p:cNvPr id="2" name="Title 1">
             <a:extLst>
               <a:ext uri="{FF2B5EF4-FFF2-40B4-BE49-F238E27FC236}">
-                <a16:creationId xmlns:a16="http://schemas.microsoft.com/office/drawing/2014/main" id="{E52AC21D-BCB2-4F1B-AC0C-618152ABC0CF}"/>
+                <a16:creationId xmlns:a16="http://schemas.microsoft.com/office/drawing/2014/main" id="{3B38CDF1-777B-415A-8A63-65558373EDD2}"/>
               </a:ext>
             </a:extLst>
           </p:cNvPr>
@@ -5223,7 +5216,7 @@
           <a:p>
             <a:r>
               <a:rPr lang="en-US" dirty="0"/>
-              <a:t>Phylogeny Estimation: Quantifying Error</a:t>
+              <a:t>Bipartition</a:t>
             </a:r>
           </a:p>
         </p:txBody>
@@ -5233,7 +5226,7 @@
           <p:cNvPr id="3" name="Content Placeholder 2">
             <a:extLst>
               <a:ext uri="{FF2B5EF4-FFF2-40B4-BE49-F238E27FC236}">
-                <a16:creationId xmlns:a16="http://schemas.microsoft.com/office/drawing/2014/main" id="{12ECD62E-214D-4312-BD79-4B10F3E0423B}"/>
+                <a16:creationId xmlns:a16="http://schemas.microsoft.com/office/drawing/2014/main" id="{E3854C25-AA3B-4373-B99E-DE55FE90174D}"/>
               </a:ext>
             </a:extLst>
           </p:cNvPr>
@@ -5250,95 +5243,28 @@
           <a:lstStyle/>
           <a:p>
             <a:r>
-              <a:rPr lang="en-US" dirty="0"/>
-              <a:t>False Negatives</a:t>
-            </a:r>
-          </a:p>
-          <a:p>
-            <a:pPr lvl="1"/>
+              <a:rPr lang="en-US" dirty="0" err="1">
+                <a:solidFill>
+                  <a:srgbClr val="FF0000"/>
+                </a:solidFill>
+              </a:rPr>
+              <a:t>Biparted</a:t>
+            </a:r>
             <a:r>
               <a:rPr lang="en-US" dirty="0">
                 <a:solidFill>
                   <a:srgbClr val="FF0000"/>
                 </a:solidFill>
               </a:rPr>
-              <a:t>Bipartitions in true tree, not in T*</a:t>
-            </a:r>
-          </a:p>
-          <a:p>
-            <a:r>
-              <a:rPr lang="en-US" dirty="0"/>
-              <a:t>False Positives</a:t>
-            </a:r>
-          </a:p>
-          <a:p>
-            <a:pPr lvl="1"/>
-            <a:r>
-              <a:rPr lang="en-US" dirty="0">
-                <a:solidFill>
-                  <a:srgbClr val="FF0000"/>
-                </a:solidFill>
-              </a:rPr>
-              <a:t>Bipartitions in T not in true-tree</a:t>
-            </a:r>
-          </a:p>
-          <a:p>
-            <a:r>
-              <a:rPr lang="en-US" dirty="0"/>
-              <a:t>Robinson-</a:t>
-            </a:r>
-            <a:r>
-              <a:rPr lang="en-US" dirty="0" err="1"/>
-              <a:t>Foulds</a:t>
-            </a:r>
-            <a:r>
-              <a:rPr lang="en-US" dirty="0"/>
-              <a:t> (RF) Distance</a:t>
-            </a:r>
-          </a:p>
-          <a:p>
-            <a:pPr lvl="1"/>
-            <a:r>
-              <a:rPr lang="en-US" dirty="0">
-                <a:solidFill>
-                  <a:srgbClr val="FF0000"/>
-                </a:solidFill>
-              </a:rPr>
-              <a:t>Number of non-trivial bipartitions present in one tree but not the other</a:t>
-            </a:r>
-          </a:p>
-          <a:p>
-            <a:pPr lvl="1"/>
-            <a:r>
-              <a:rPr lang="en-US" dirty="0">
-                <a:solidFill>
-                  <a:srgbClr val="FF0000"/>
-                </a:solidFill>
-              </a:rPr>
-              <a:t>FN + FP / 2n - 6</a:t>
-            </a:r>
-          </a:p>
-          <a:p>
-            <a:pPr lvl="1"/>
-            <a:endParaRPr lang="en-US" dirty="0">
-              <a:solidFill>
-                <a:srgbClr val="FF0000"/>
-              </a:solidFill>
-            </a:endParaRPr>
-          </a:p>
-          <a:p>
-            <a:endParaRPr lang="en-US" dirty="0">
-              <a:solidFill>
-                <a:srgbClr val="FF0000"/>
-              </a:solidFill>
-            </a:endParaRPr>
+              <a:t> tree diagram (build – slide_2)</a:t>
+            </a:r>
           </a:p>
         </p:txBody>
       </p:sp>
     </p:spTree>
     <p:extLst>
       <p:ext uri="{BB962C8B-B14F-4D97-AF65-F5344CB8AC3E}">
-        <p14:creationId xmlns:p14="http://schemas.microsoft.com/office/powerpoint/2010/main" val="862714329"/>
+        <p14:creationId xmlns:p14="http://schemas.microsoft.com/office/powerpoint/2010/main" val="2215564459"/>
       </p:ext>
     </p:extLst>
   </p:cSld>
@@ -5370,7 +5296,7 @@
           <p:cNvPr id="2" name="Title 1">
             <a:extLst>
               <a:ext uri="{FF2B5EF4-FFF2-40B4-BE49-F238E27FC236}">
-                <a16:creationId xmlns:a16="http://schemas.microsoft.com/office/drawing/2014/main" id="{E0A4890A-D855-4A36-A6AB-D93272C23400}"/>
+                <a16:creationId xmlns:a16="http://schemas.microsoft.com/office/drawing/2014/main" id="{E52AC21D-BCB2-4F1B-AC0C-618152ABC0CF}"/>
               </a:ext>
             </a:extLst>
           </p:cNvPr>
@@ -5388,7 +5314,7 @@
           <a:p>
             <a:r>
               <a:rPr lang="en-US" dirty="0"/>
-              <a:t>Symmetric Difference</a:t>
+              <a:t>Phylogeny Estimation: Quantifying Error</a:t>
             </a:r>
           </a:p>
         </p:txBody>
@@ -5398,7 +5324,7 @@
           <p:cNvPr id="3" name="Content Placeholder 2">
             <a:extLst>
               <a:ext uri="{FF2B5EF4-FFF2-40B4-BE49-F238E27FC236}">
-                <a16:creationId xmlns:a16="http://schemas.microsoft.com/office/drawing/2014/main" id="{8444557C-6CB3-4AB7-9F18-4678258D8DDD}"/>
+                <a16:creationId xmlns:a16="http://schemas.microsoft.com/office/drawing/2014/main" id="{12ECD62E-214D-4312-BD79-4B10F3E0423B}"/>
               </a:ext>
             </a:extLst>
           </p:cNvPr>
@@ -5416,49 +5342,94 @@
           <a:p>
             <a:r>
               <a:rPr lang="en-US" dirty="0"/>
-              <a:t>Range:</a:t>
+              <a:t>False Negatives</a:t>
             </a:r>
           </a:p>
           <a:p>
             <a:pPr lvl="1"/>
             <a:r>
+              <a:rPr lang="en-US" dirty="0">
+                <a:solidFill>
+                  <a:srgbClr val="FF0000"/>
+                </a:solidFill>
+              </a:rPr>
+              <a:t>Bipartitions in true tree, not in T*</a:t>
+            </a:r>
+          </a:p>
+          <a:p>
+            <a:r>
               <a:rPr lang="en-US" dirty="0"/>
-              <a:t>0 – Identical structures</a:t>
+              <a:t>False Positives</a:t>
             </a:r>
           </a:p>
           <a:p>
             <a:pPr lvl="1"/>
             <a:r>
+              <a:rPr lang="en-US" dirty="0">
+                <a:solidFill>
+                  <a:srgbClr val="FF0000"/>
+                </a:solidFill>
+              </a:rPr>
+              <a:t>Bipartitions in T not in true-tree</a:t>
+            </a:r>
+          </a:p>
+          <a:p>
+            <a:r>
               <a:rPr lang="en-US" dirty="0"/>
-              <a:t>2n – 6 – maximally different trees</a:t>
-            </a:r>
-          </a:p>
-          <a:p>
-            <a:pPr lvl="2"/>
+              <a:t>Robinson-</a:t>
+            </a:r>
+            <a:r>
+              <a:rPr lang="en-US" dirty="0" err="1"/>
+              <a:t>Foulds</a:t>
+            </a:r>
+            <a:r>
+              <a:rPr lang="en-US" dirty="0"/>
+              <a:t> (RF) Distance</a:t>
+            </a:r>
+          </a:p>
+          <a:p>
+            <a:pPr lvl="1"/>
             <a:r>
               <a:rPr lang="en-US" dirty="0">
                 <a:solidFill>
                   <a:srgbClr val="FF0000"/>
                 </a:solidFill>
               </a:rPr>
-              <a:t>N – 3 internal edges</a:t>
-            </a:r>
-          </a:p>
-          <a:p>
-            <a:pPr marL="0" indent="0">
-              <a:buNone/>
-            </a:pPr>
-            <a:r>
-              <a:rPr lang="en-US" dirty="0"/>
-              <a:t> </a:t>
-            </a:r>
+              <a:t>Number of non-trivial bipartitions present in one tree but not the other</a:t>
+            </a:r>
+          </a:p>
+          <a:p>
+            <a:pPr lvl="1"/>
+            <a:r>
+              <a:rPr lang="en-US" dirty="0">
+                <a:solidFill>
+                  <a:srgbClr val="FF0000"/>
+                </a:solidFill>
+              </a:rPr>
+              <a:t>FN + FP / 2n - 6</a:t>
+            </a:r>
+          </a:p>
+          <a:p>
+            <a:pPr lvl="1"/>
+            <a:endParaRPr lang="en-US" dirty="0">
+              <a:solidFill>
+                <a:srgbClr val="FF0000"/>
+              </a:solidFill>
+            </a:endParaRPr>
+          </a:p>
+          <a:p>
+            <a:endParaRPr lang="en-US" dirty="0">
+              <a:solidFill>
+                <a:srgbClr val="FF0000"/>
+              </a:solidFill>
+            </a:endParaRPr>
           </a:p>
         </p:txBody>
       </p:sp>
     </p:spTree>
     <p:extLst>
       <p:ext uri="{BB962C8B-B14F-4D97-AF65-F5344CB8AC3E}">
-        <p14:creationId xmlns:p14="http://schemas.microsoft.com/office/powerpoint/2010/main" val="3323507255"/>
+        <p14:creationId xmlns:p14="http://schemas.microsoft.com/office/powerpoint/2010/main" val="862714329"/>
       </p:ext>
     </p:extLst>
   </p:cSld>
@@ -5490,7 +5461,7 @@
           <p:cNvPr id="2" name="Title 1">
             <a:extLst>
               <a:ext uri="{FF2B5EF4-FFF2-40B4-BE49-F238E27FC236}">
-                <a16:creationId xmlns:a16="http://schemas.microsoft.com/office/drawing/2014/main" id="{04A1F292-AFDD-4FB5-A3BC-97CA483E0F6C}"/>
+                <a16:creationId xmlns:a16="http://schemas.microsoft.com/office/drawing/2014/main" id="{E0A4890A-D855-4A36-A6AB-D93272C23400}"/>
               </a:ext>
             </a:extLst>
           </p:cNvPr>
@@ -5508,7 +5479,7 @@
           <a:p>
             <a:r>
               <a:rPr lang="en-US" dirty="0"/>
-              <a:t>Homeomorphic Subtrees</a:t>
+              <a:t>Symmetric Difference</a:t>
             </a:r>
           </a:p>
         </p:txBody>
@@ -5518,7 +5489,7 @@
           <p:cNvPr id="3" name="Content Placeholder 2">
             <a:extLst>
               <a:ext uri="{FF2B5EF4-FFF2-40B4-BE49-F238E27FC236}">
-                <a16:creationId xmlns:a16="http://schemas.microsoft.com/office/drawing/2014/main" id="{22436093-9924-4B60-8213-D05CA4A64296}"/>
+                <a16:creationId xmlns:a16="http://schemas.microsoft.com/office/drawing/2014/main" id="{8444557C-6CB3-4AB7-9F18-4678258D8DDD}"/>
               </a:ext>
             </a:extLst>
           </p:cNvPr>
@@ -5529,40 +5500,65 @@
             <p:ph idx="1"/>
           </p:nvPr>
         </p:nvSpPr>
-        <p:spPr/>
-        <p:txBody>
-          <a:bodyPr>
-            <a:normAutofit lnSpcReduction="10000"/>
-          </a:bodyPr>
-          <a:lstStyle/>
-          <a:p>
+        <p:spPr>
+          <a:xfrm>
+            <a:off x="1371600" y="2286000"/>
+            <a:ext cx="9601200" cy="3581400"/>
+          </a:xfrm>
+        </p:spPr>
+        <p:txBody>
+          <a:bodyPr/>
+          <a:lstStyle/>
+          <a:p>
+            <a:r>
+              <a:rPr lang="en-US" dirty="0"/>
+              <a:t>Range:</a:t>
+            </a:r>
+          </a:p>
+          <a:p>
+            <a:pPr lvl="1"/>
+            <a:r>
+              <a:rPr lang="en-US" dirty="0"/>
+              <a:t>0 – Identical structures</a:t>
+            </a:r>
+          </a:p>
+          <a:p>
+            <a:pPr lvl="1"/>
+            <a:r>
+              <a:rPr lang="en-US" dirty="0"/>
+              <a:t>2n – 6 – maximally different trees</a:t>
+            </a:r>
+          </a:p>
+          <a:p>
+            <a:pPr lvl="2"/>
             <a:r>
               <a:rPr lang="en-US" dirty="0">
                 <a:solidFill>
                   <a:srgbClr val="FF0000"/>
                 </a:solidFill>
               </a:rPr>
-              <a:t>EXAMPLE! (build)</a:t>
-            </a:r>
-          </a:p>
-          <a:p>
-            <a:pPr lvl="1"/>
+              <a:t>N – 3 internal edges</a:t>
+            </a:r>
+          </a:p>
+          <a:p>
+            <a:pPr marL="0" indent="0">
+              <a:buNone/>
+            </a:pPr>
             <a:r>
               <a:rPr lang="en-US" dirty="0">
                 <a:solidFill>
                   <a:srgbClr val="FF0000"/>
                 </a:solidFill>
               </a:rPr>
-              <a:t>Large-tree </a:t>
-            </a:r>
-            <a:r>
-              <a:rPr lang="en-US" dirty="0">
+              <a:t> - importance of difference in </a:t>
+            </a:r>
+            <a:r>
+              <a:rPr lang="en-US" dirty="0" err="1">
                 <a:solidFill>
                   <a:srgbClr val="FF0000"/>
                 </a:solidFill>
-                <a:sym typeface="Wingdings" panose="05000000000000000000" pitchFamily="2" charset="2"/>
-              </a:rPr>
-              <a:t> induced tree highlighted  induced tree refined and extracted</a:t>
+              </a:rPr>
+              <a:t>biparititons</a:t>
             </a:r>
             <a:endParaRPr lang="en-US" dirty="0">
               <a:solidFill>
@@ -5571,31 +5567,12 @@
             </a:endParaRPr>
           </a:p>
           <a:p>
-            <a:endParaRPr lang="en-US" dirty="0"/>
-          </a:p>
-          <a:p>
-            <a:endParaRPr lang="en-US" dirty="0"/>
-          </a:p>
-          <a:p>
-            <a:endParaRPr lang="en-US" dirty="0"/>
-          </a:p>
-          <a:p>
-            <a:endParaRPr lang="en-US" dirty="0"/>
-          </a:p>
-          <a:p>
-            <a:endParaRPr lang="en-US" dirty="0"/>
-          </a:p>
-          <a:p>
+            <a:pPr marL="0" indent="0">
+              <a:buNone/>
+            </a:pPr>
             <a:r>
               <a:rPr lang="en-US" dirty="0"/>
-              <a:t>Homeomorphic subtree of T induced by X</a:t>
-            </a:r>
-          </a:p>
-          <a:p>
-            <a:pPr lvl="1"/>
-            <a:r>
-              <a:rPr lang="en-US" dirty="0"/>
-              <a:t>AKA: T|X</a:t>
+              <a:t>(fitting into biological standard ) proof of concept</a:t>
             </a:r>
           </a:p>
         </p:txBody>
@@ -5603,7 +5580,7 @@
     </p:spTree>
     <p:extLst>
       <p:ext uri="{BB962C8B-B14F-4D97-AF65-F5344CB8AC3E}">
-        <p14:creationId xmlns:p14="http://schemas.microsoft.com/office/powerpoint/2010/main" val="164477223"/>
+        <p14:creationId xmlns:p14="http://schemas.microsoft.com/office/powerpoint/2010/main" val="3323507255"/>
       </p:ext>
     </p:extLst>
   </p:cSld>
@@ -5635,7 +5612,7 @@
           <p:cNvPr id="2" name="Title 1">
             <a:extLst>
               <a:ext uri="{FF2B5EF4-FFF2-40B4-BE49-F238E27FC236}">
-                <a16:creationId xmlns:a16="http://schemas.microsoft.com/office/drawing/2014/main" id="{1DA41681-B73B-4C7B-9403-9B676704E574}"/>
+                <a16:creationId xmlns:a16="http://schemas.microsoft.com/office/drawing/2014/main" id="{04A1F292-AFDD-4FB5-A3BC-97CA483E0F6C}"/>
               </a:ext>
             </a:extLst>
           </p:cNvPr>
@@ -5653,7 +5630,7 @@
           <a:p>
             <a:r>
               <a:rPr lang="en-US" dirty="0"/>
-              <a:t>Compatibility</a:t>
+              <a:t>Homeomorphic Subtrees</a:t>
             </a:r>
           </a:p>
         </p:txBody>
@@ -5663,7 +5640,7 @@
           <p:cNvPr id="3" name="Content Placeholder 2">
             <a:extLst>
               <a:ext uri="{FF2B5EF4-FFF2-40B4-BE49-F238E27FC236}">
-                <a16:creationId xmlns:a16="http://schemas.microsoft.com/office/drawing/2014/main" id="{677896E2-6BA8-4B78-B2F2-48B1F155C856}"/>
+                <a16:creationId xmlns:a16="http://schemas.microsoft.com/office/drawing/2014/main" id="{22436093-9924-4B60-8213-D05CA4A64296}"/>
               </a:ext>
             </a:extLst>
           </p:cNvPr>
@@ -5677,186 +5654,78 @@
         <p:spPr/>
         <p:txBody>
           <a:bodyPr>
-            <a:normAutofit fontScale="92500" lnSpcReduction="10000"/>
+            <a:normAutofit lnSpcReduction="10000"/>
           </a:bodyPr>
           <a:lstStyle/>
           <a:p>
             <a:r>
-              <a:rPr lang="en-US" dirty="0"/>
-              <a:t>Identical trees / Total tree count</a:t>
-            </a:r>
-          </a:p>
-          <a:p>
-            <a:endParaRPr lang="en-US" dirty="0"/>
-          </a:p>
-          <a:p>
-            <a:r>
               <a:rPr lang="en-US" dirty="0">
                 <a:solidFill>
                   <a:srgbClr val="FF0000"/>
                 </a:solidFill>
+              </a:rPr>
+              <a:t>EXAMPLE! (build)</a:t>
+            </a:r>
+          </a:p>
+          <a:p>
+            <a:pPr lvl="1"/>
+            <a:r>
+              <a:rPr lang="en-US" dirty="0">
+                <a:solidFill>
+                  <a:srgbClr val="FF0000"/>
+                </a:solidFill>
+              </a:rPr>
+              <a:t>Large-tree </a:t>
+            </a:r>
+            <a:r>
+              <a:rPr lang="en-US" dirty="0">
+                <a:solidFill>
+                  <a:srgbClr val="FF0000"/>
+                </a:solidFill>
                 <a:sym typeface="Wingdings" panose="05000000000000000000" pitchFamily="2" charset="2"/>
               </a:rPr>
-              <a:t>Quartet compatibility – induced quartets compared to directly generated quartets</a:t>
-            </a:r>
-          </a:p>
-          <a:p>
-            <a:pPr lvl="1"/>
-            <a:r>
-              <a:rPr lang="en-US" dirty="0">
-                <a:solidFill>
-                  <a:srgbClr val="FF0000"/>
-                </a:solidFill>
-                <a:sym typeface="Wingdings" panose="05000000000000000000" pitchFamily="2" charset="2"/>
-              </a:rPr>
-              <a:t>(p. 91) St. John et al (2003) proved induced quartets from NJ more </a:t>
-            </a:r>
-            <a:r>
-              <a:rPr lang="en-US" dirty="0" err="1">
-                <a:solidFill>
-                  <a:srgbClr val="FF0000"/>
-                </a:solidFill>
-                <a:sym typeface="Wingdings" panose="05000000000000000000" pitchFamily="2" charset="2"/>
-              </a:rPr>
-              <a:t>accuarete</a:t>
-            </a:r>
-            <a:r>
-              <a:rPr lang="en-US" dirty="0">
-                <a:solidFill>
-                  <a:srgbClr val="FF0000"/>
-                </a:solidFill>
-                <a:sym typeface="Wingdings" panose="05000000000000000000" pitchFamily="2" charset="2"/>
-              </a:rPr>
-              <a:t> than directly generated Quartets from FPM</a:t>
-            </a:r>
-          </a:p>
-          <a:p>
+              <a:t> induced tree highlighted  induced tree refined and extracted</a:t>
+            </a:r>
             <a:endParaRPr lang="en-US" dirty="0">
               <a:solidFill>
                 <a:srgbClr val="FF0000"/>
               </a:solidFill>
-              <a:sym typeface="Wingdings" panose="05000000000000000000" pitchFamily="2" charset="2"/>
             </a:endParaRPr>
           </a:p>
           <a:p>
-            <a:r>
-              <a:rPr lang="en-US" dirty="0">
-                <a:solidFill>
-                  <a:srgbClr val="FF0000"/>
-                </a:solidFill>
-                <a:sym typeface="Wingdings" panose="05000000000000000000" pitchFamily="2" charset="2"/>
-              </a:rPr>
-              <a:t>T &amp; t</a:t>
+            <a:endParaRPr lang="en-US" dirty="0"/>
+          </a:p>
+          <a:p>
+            <a:endParaRPr lang="en-US" dirty="0"/>
+          </a:p>
+          <a:p>
+            <a:endParaRPr lang="en-US" dirty="0"/>
+          </a:p>
+          <a:p>
+            <a:endParaRPr lang="en-US" dirty="0"/>
+          </a:p>
+          <a:p>
+            <a:endParaRPr lang="en-US" dirty="0"/>
+          </a:p>
+          <a:p>
+            <a:r>
+              <a:rPr lang="en-US" dirty="0"/>
+              <a:t>Homeomorphic subtree of T induced by X</a:t>
             </a:r>
           </a:p>
           <a:p>
             <a:pPr lvl="1"/>
             <a:r>
-              <a:rPr lang="en-US" dirty="0">
-                <a:solidFill>
-                  <a:srgbClr val="FF0000"/>
-                </a:solidFill>
-                <a:sym typeface="Wingdings" panose="05000000000000000000" pitchFamily="2" charset="2"/>
-              </a:rPr>
-              <a:t>If T|X is refinement of t ( i.e. C(T|X) contains all bipartitions of C(t) )</a:t>
-            </a:r>
-          </a:p>
-          <a:p>
-            <a:pPr lvl="2"/>
-            <a:r>
-              <a:rPr lang="en-US" dirty="0">
-                <a:solidFill>
-                  <a:srgbClr val="FF0000"/>
-                </a:solidFill>
-                <a:sym typeface="Wingdings" panose="05000000000000000000" pitchFamily="2" charset="2"/>
-              </a:rPr>
-              <a:t>NOTE: C(T|X) may have additional </a:t>
-            </a:r>
-            <a:r>
-              <a:rPr lang="en-US" dirty="0" err="1">
-                <a:solidFill>
-                  <a:srgbClr val="FF0000"/>
-                </a:solidFill>
-                <a:sym typeface="Wingdings" panose="05000000000000000000" pitchFamily="2" charset="2"/>
-              </a:rPr>
-              <a:t>bipparitions</a:t>
-            </a:r>
-            <a:r>
-              <a:rPr lang="en-US" dirty="0">
-                <a:solidFill>
-                  <a:srgbClr val="FF0000"/>
-                </a:solidFill>
-                <a:sym typeface="Wingdings" panose="05000000000000000000" pitchFamily="2" charset="2"/>
-              </a:rPr>
-              <a:t> (refinement)</a:t>
-            </a:r>
-          </a:p>
-          <a:p>
-            <a:pPr lvl="2"/>
-            <a:r>
-              <a:rPr lang="en-US" dirty="0">
-                <a:solidFill>
-                  <a:srgbClr val="FF0000"/>
-                </a:solidFill>
-                <a:sym typeface="Wingdings" panose="05000000000000000000" pitchFamily="2" charset="2"/>
-              </a:rPr>
-              <a:t>(p. 52)  For every tree (t-</a:t>
-            </a:r>
-            <a:r>
-              <a:rPr lang="en-US" dirty="0" err="1">
-                <a:solidFill>
-                  <a:srgbClr val="FF0000"/>
-                </a:solidFill>
-                <a:sym typeface="Wingdings" panose="05000000000000000000" pitchFamily="2" charset="2"/>
-              </a:rPr>
-              <a:t>i</a:t>
-            </a:r>
-            <a:r>
-              <a:rPr lang="en-US" dirty="0">
-                <a:solidFill>
-                  <a:srgbClr val="FF0000"/>
-                </a:solidFill>
-                <a:sym typeface="Wingdings" panose="05000000000000000000" pitchFamily="2" charset="2"/>
-              </a:rPr>
-              <a:t>) in tree set, sum of RF(</a:t>
-            </a:r>
-            <a:r>
-              <a:rPr lang="en-US" dirty="0" err="1">
-                <a:solidFill>
-                  <a:srgbClr val="FF0000"/>
-                </a:solidFill>
-                <a:sym typeface="Wingdings" panose="05000000000000000000" pitchFamily="2" charset="2"/>
-              </a:rPr>
-              <a:t>T|t-i</a:t>
-            </a:r>
-            <a:r>
-              <a:rPr lang="en-US" dirty="0">
-                <a:solidFill>
-                  <a:srgbClr val="FF0000"/>
-                </a:solidFill>
-                <a:sym typeface="Wingdings" panose="05000000000000000000" pitchFamily="2" charset="2"/>
-              </a:rPr>
-              <a:t>) == 0</a:t>
-            </a:r>
-          </a:p>
-          <a:p>
-            <a:pPr marL="0" indent="0">
-              <a:buNone/>
-            </a:pPr>
-            <a:endParaRPr lang="en-US" dirty="0"/>
-          </a:p>
-          <a:p>
-            <a:pPr marL="0" indent="0">
-              <a:buNone/>
-            </a:pPr>
-            <a:endParaRPr lang="en-US" dirty="0"/>
+              <a:rPr lang="en-US" dirty="0"/>
+              <a:t>AKA: T|X</a:t>
+            </a:r>
           </a:p>
         </p:txBody>
       </p:sp>
     </p:spTree>
     <p:extLst>
       <p:ext uri="{BB962C8B-B14F-4D97-AF65-F5344CB8AC3E}">
-        <p14:creationId xmlns:p14="http://schemas.microsoft.com/office/powerpoint/2010/main" val="79932279"/>
+        <p14:creationId xmlns:p14="http://schemas.microsoft.com/office/powerpoint/2010/main" val="164477223"/>
       </p:ext>
     </p:extLst>
   </p:cSld>
@@ -5888,7 +5757,7 @@
           <p:cNvPr id="2" name="Title 1">
             <a:extLst>
               <a:ext uri="{FF2B5EF4-FFF2-40B4-BE49-F238E27FC236}">
-                <a16:creationId xmlns:a16="http://schemas.microsoft.com/office/drawing/2014/main" id="{1F654729-F01B-4F9F-8EA4-A870B05B28CF}"/>
+                <a16:creationId xmlns:a16="http://schemas.microsoft.com/office/drawing/2014/main" id="{1DA41681-B73B-4C7B-9403-9B676704E574}"/>
               </a:ext>
             </a:extLst>
           </p:cNvPr>
@@ -5906,7 +5775,7 @@
           <a:p>
             <a:r>
               <a:rPr lang="en-US" dirty="0"/>
-              <a:t>Agreement</a:t>
+              <a:t>Compatibility</a:t>
             </a:r>
           </a:p>
         </p:txBody>
@@ -5916,7 +5785,7 @@
           <p:cNvPr id="3" name="Content Placeholder 2">
             <a:extLst>
               <a:ext uri="{FF2B5EF4-FFF2-40B4-BE49-F238E27FC236}">
-                <a16:creationId xmlns:a16="http://schemas.microsoft.com/office/drawing/2014/main" id="{41842C8C-5488-46EF-86AA-79550E6AB743}"/>
+                <a16:creationId xmlns:a16="http://schemas.microsoft.com/office/drawing/2014/main" id="{677896E2-6BA8-4B78-B2F2-48B1F155C856}"/>
               </a:ext>
             </a:extLst>
           </p:cNvPr>
@@ -5929,52 +5798,51 @@
         </p:nvSpPr>
         <p:spPr/>
         <p:txBody>
-          <a:bodyPr/>
+          <a:bodyPr>
+            <a:normAutofit fontScale="70000" lnSpcReduction="20000"/>
+          </a:bodyPr>
           <a:lstStyle/>
           <a:p>
             <a:r>
               <a:rPr lang="en-US" dirty="0"/>
-              <a:t>Q(T0) (intersection) Q(T)</a:t>
-            </a:r>
-          </a:p>
-          <a:p>
-            <a:pPr lvl="1"/>
+              <a:t>Identical trees / Total tree count</a:t>
+            </a:r>
+          </a:p>
+          <a:p>
+            <a:endParaRPr lang="en-US" dirty="0"/>
+          </a:p>
+          <a:p>
             <a:r>
               <a:rPr lang="en-US" dirty="0">
                 <a:solidFill>
                   <a:srgbClr val="FF0000"/>
                 </a:solidFill>
               </a:rPr>
-              <a:t>T0 </a:t>
-            </a:r>
-            <a:r>
-              <a:rPr lang="en-US" dirty="0">
+              <a:t>Wilson-rogers </a:t>
+            </a:r>
+            <a:r>
+              <a:rPr lang="en-US" dirty="0" err="1">
                 <a:solidFill>
                   <a:srgbClr val="FF0000"/>
                 </a:solidFill>
-                <a:sym typeface="Wingdings" panose="05000000000000000000" pitchFamily="2" charset="2"/>
-              </a:rPr>
-              <a:t> “true tree”</a:t>
-            </a:r>
-          </a:p>
-          <a:p>
-            <a:pPr lvl="1"/>
+              </a:rPr>
+              <a:t>compatability</a:t>
+            </a:r>
             <a:endParaRPr lang="en-US" dirty="0">
               <a:solidFill>
                 <a:srgbClr val="FF0000"/>
               </a:solidFill>
-              <a:sym typeface="Wingdings" panose="05000000000000000000" pitchFamily="2" charset="2"/>
             </a:endParaRPr>
           </a:p>
           <a:p>
             <a:r>
               <a:rPr lang="en-US" dirty="0">
                 <a:solidFill>
-                  <a:schemeClr val="tx1"/>
+                  <a:srgbClr val="FF0000"/>
                 </a:solidFill>
                 <a:sym typeface="Wingdings" panose="05000000000000000000" pitchFamily="2" charset="2"/>
               </a:rPr>
-              <a:t>Quartet Agreement</a:t>
+              <a:t>Quartet compatibility – induced quartets compared to directly generated quartets</a:t>
             </a:r>
           </a:p>
           <a:p>
@@ -5986,18 +5854,25 @@
                 </a:solidFill>
                 <a:sym typeface="Wingdings" panose="05000000000000000000" pitchFamily="2" charset="2"/>
               </a:rPr>
-              <a:t>Agreement between directly generated quartet trees </a:t>
-            </a:r>
-          </a:p>
-          <a:p>
+              <a:t>(p. 91) St. John et al (2003) proved induced quartets from NJ more </a:t>
+            </a:r>
+            <a:r>
+              <a:rPr lang="en-US" dirty="0" err="1">
+                <a:solidFill>
+                  <a:srgbClr val="FF0000"/>
+                </a:solidFill>
+                <a:sym typeface="Wingdings" panose="05000000000000000000" pitchFamily="2" charset="2"/>
+              </a:rPr>
+              <a:t>accuarete</a:t>
+            </a:r>
             <a:r>
               <a:rPr lang="en-US" dirty="0">
                 <a:solidFill>
-                  <a:schemeClr val="tx1"/>
+                  <a:srgbClr val="FF0000"/>
                 </a:solidFill>
                 <a:sym typeface="Wingdings" panose="05000000000000000000" pitchFamily="2" charset="2"/>
               </a:rPr>
-              <a:t>Induced Quartet Agreement</a:t>
+              <a:t> than directly generated Quartets from FPM</a:t>
             </a:r>
           </a:p>
           <a:p>
@@ -6009,42 +5884,169 @@
                 </a:solidFill>
                 <a:sym typeface="Wingdings" panose="05000000000000000000" pitchFamily="2" charset="2"/>
               </a:rPr>
-              <a:t>Agreement between induced quartet trees </a:t>
-            </a:r>
-          </a:p>
-          <a:p>
-            <a:endParaRPr lang="en-US" dirty="0">
-              <a:solidFill>
-                <a:schemeClr val="tx1"/>
-              </a:solidFill>
-              <a:sym typeface="Wingdings" panose="05000000000000000000" pitchFamily="2" charset="2"/>
-            </a:endParaRPr>
-          </a:p>
-          <a:p>
-            <a:endParaRPr lang="en-US" dirty="0">
-              <a:solidFill>
-                <a:schemeClr val="tx1"/>
-              </a:solidFill>
-              <a:sym typeface="Wingdings" panose="05000000000000000000" pitchFamily="2" charset="2"/>
-            </a:endParaRPr>
+              <a:t>WHY QUARTETS?</a:t>
+            </a:r>
+          </a:p>
+          <a:p>
+            <a:pPr lvl="2"/>
+            <a:r>
+              <a:rPr lang="en-US" dirty="0">
+                <a:solidFill>
+                  <a:srgbClr val="FF0000"/>
+                </a:solidFill>
+                <a:sym typeface="Wingdings" panose="05000000000000000000" pitchFamily="2" charset="2"/>
+              </a:rPr>
+              <a:t>Smallest unit -- Building blocks???</a:t>
+            </a:r>
+          </a:p>
+          <a:p>
+            <a:r>
+              <a:rPr lang="en-US" dirty="0">
+                <a:solidFill>
+                  <a:srgbClr val="FF0000"/>
+                </a:solidFill>
+                <a:sym typeface="Wingdings" panose="05000000000000000000" pitchFamily="2" charset="2"/>
+              </a:rPr>
+              <a:t>(behaving like </a:t>
+            </a:r>
+            <a:r>
+              <a:rPr lang="en-US" dirty="0" err="1">
+                <a:solidFill>
+                  <a:srgbClr val="FF0000"/>
+                </a:solidFill>
+                <a:sym typeface="Wingdings" panose="05000000000000000000" pitchFamily="2" charset="2"/>
+              </a:rPr>
+              <a:t>mrBayes</a:t>
+            </a:r>
+            <a:r>
+              <a:rPr lang="en-US" dirty="0">
+                <a:solidFill>
+                  <a:srgbClr val="FF0000"/>
+                </a:solidFill>
+                <a:sym typeface="Wingdings" panose="05000000000000000000" pitchFamily="2" charset="2"/>
+              </a:rPr>
+              <a:t> – proof of concept)</a:t>
+            </a:r>
+          </a:p>
+          <a:p>
+            <a:r>
+              <a:rPr lang="en-US" dirty="0">
+                <a:solidFill>
+                  <a:srgbClr val="FF0000"/>
+                </a:solidFill>
+                <a:sym typeface="Wingdings" panose="05000000000000000000" pitchFamily="2" charset="2"/>
+              </a:rPr>
+              <a:t>T &amp; t</a:t>
+            </a:r>
+          </a:p>
+          <a:p>
+            <a:pPr lvl="1"/>
+            <a:r>
+              <a:rPr lang="en-US" dirty="0">
+                <a:solidFill>
+                  <a:srgbClr val="FF0000"/>
+                </a:solidFill>
+                <a:sym typeface="Wingdings" panose="05000000000000000000" pitchFamily="2" charset="2"/>
+              </a:rPr>
+              <a:t>If T|X is refinement of t ( i.e. C(T|X) contains all bipartitions of C(t) )</a:t>
+            </a:r>
+          </a:p>
+          <a:p>
+            <a:pPr lvl="2"/>
+            <a:r>
+              <a:rPr lang="en-US" dirty="0">
+                <a:solidFill>
+                  <a:srgbClr val="FF0000"/>
+                </a:solidFill>
+                <a:sym typeface="Wingdings" panose="05000000000000000000" pitchFamily="2" charset="2"/>
+              </a:rPr>
+              <a:t>NOTE: C(T|X) may have additional </a:t>
+            </a:r>
+            <a:r>
+              <a:rPr lang="en-US" dirty="0" err="1">
+                <a:solidFill>
+                  <a:srgbClr val="FF0000"/>
+                </a:solidFill>
+                <a:sym typeface="Wingdings" panose="05000000000000000000" pitchFamily="2" charset="2"/>
+              </a:rPr>
+              <a:t>bipparitions</a:t>
+            </a:r>
+            <a:r>
+              <a:rPr lang="en-US" dirty="0">
+                <a:solidFill>
+                  <a:srgbClr val="FF0000"/>
+                </a:solidFill>
+                <a:sym typeface="Wingdings" panose="05000000000000000000" pitchFamily="2" charset="2"/>
+              </a:rPr>
+              <a:t> (refinement)</a:t>
+            </a:r>
+          </a:p>
+          <a:p>
+            <a:pPr lvl="2"/>
+            <a:r>
+              <a:rPr lang="en-US" dirty="0">
+                <a:solidFill>
+                  <a:srgbClr val="FF0000"/>
+                </a:solidFill>
+                <a:sym typeface="Wingdings" panose="05000000000000000000" pitchFamily="2" charset="2"/>
+              </a:rPr>
+              <a:t>(p. 52)  For every tree (t-</a:t>
+            </a:r>
+            <a:r>
+              <a:rPr lang="en-US" dirty="0" err="1">
+                <a:solidFill>
+                  <a:srgbClr val="FF0000"/>
+                </a:solidFill>
+                <a:sym typeface="Wingdings" panose="05000000000000000000" pitchFamily="2" charset="2"/>
+              </a:rPr>
+              <a:t>i</a:t>
+            </a:r>
+            <a:r>
+              <a:rPr lang="en-US" dirty="0">
+                <a:solidFill>
+                  <a:srgbClr val="FF0000"/>
+                </a:solidFill>
+                <a:sym typeface="Wingdings" panose="05000000000000000000" pitchFamily="2" charset="2"/>
+              </a:rPr>
+              <a:t>) in tree set, sum of RF(</a:t>
+            </a:r>
+            <a:r>
+              <a:rPr lang="en-US" dirty="0" err="1">
+                <a:solidFill>
+                  <a:srgbClr val="FF0000"/>
+                </a:solidFill>
+                <a:sym typeface="Wingdings" panose="05000000000000000000" pitchFamily="2" charset="2"/>
+              </a:rPr>
+              <a:t>T|t-i</a:t>
+            </a:r>
+            <a:r>
+              <a:rPr lang="en-US" dirty="0">
+                <a:solidFill>
+                  <a:srgbClr val="FF0000"/>
+                </a:solidFill>
+                <a:sym typeface="Wingdings" panose="05000000000000000000" pitchFamily="2" charset="2"/>
+              </a:rPr>
+              <a:t>) == 0</a:t>
+            </a:r>
           </a:p>
           <a:p>
             <a:pPr marL="0" indent="0">
               <a:buNone/>
             </a:pPr>
-            <a:endParaRPr lang="en-US" dirty="0">
-              <a:solidFill>
-                <a:srgbClr val="FF0000"/>
-              </a:solidFill>
-              <a:sym typeface="Wingdings" panose="05000000000000000000" pitchFamily="2" charset="2"/>
-            </a:endParaRPr>
+            <a:endParaRPr lang="en-US" dirty="0"/>
+          </a:p>
+          <a:p>
+            <a:pPr marL="0" indent="0">
+              <a:buNone/>
+            </a:pPr>
+            <a:endParaRPr lang="en-US" dirty="0"/>
           </a:p>
         </p:txBody>
       </p:sp>
     </p:spTree>
     <p:extLst>
       <p:ext uri="{BB962C8B-B14F-4D97-AF65-F5344CB8AC3E}">
-        <p14:creationId xmlns:p14="http://schemas.microsoft.com/office/powerpoint/2010/main" val="2890113839"/>
+        <p14:creationId xmlns:p14="http://schemas.microsoft.com/office/powerpoint/2010/main" val="79932279"/>
       </p:ext>
     </p:extLst>
   </p:cSld>
@@ -6076,7 +6078,7 @@
           <p:cNvPr id="2" name="Title 1">
             <a:extLst>
               <a:ext uri="{FF2B5EF4-FFF2-40B4-BE49-F238E27FC236}">
-                <a16:creationId xmlns:a16="http://schemas.microsoft.com/office/drawing/2014/main" id="{7C71A0DC-6AE4-4E73-BF5B-8273443BA46C}"/>
+                <a16:creationId xmlns:a16="http://schemas.microsoft.com/office/drawing/2014/main" id="{1F654729-F01B-4F9F-8EA4-A870B05B28CF}"/>
               </a:ext>
             </a:extLst>
           </p:cNvPr>
@@ -6094,7 +6096,7 @@
           <a:p>
             <a:r>
               <a:rPr lang="en-US" dirty="0"/>
-              <a:t>Results</a:t>
+              <a:t>Agreement</a:t>
             </a:r>
           </a:p>
         </p:txBody>
@@ -6104,7 +6106,7 @@
           <p:cNvPr id="3" name="Content Placeholder 2">
             <a:extLst>
               <a:ext uri="{FF2B5EF4-FFF2-40B4-BE49-F238E27FC236}">
-                <a16:creationId xmlns:a16="http://schemas.microsoft.com/office/drawing/2014/main" id="{E558FABB-F62F-4198-88B3-5DE192B19659}"/>
+                <a16:creationId xmlns:a16="http://schemas.microsoft.com/office/drawing/2014/main" id="{41842C8C-5488-46EF-86AA-79550E6AB743}"/>
               </a:ext>
             </a:extLst>
           </p:cNvPr>
@@ -6117,17 +6119,157 @@
         </p:nvSpPr>
         <p:spPr/>
         <p:txBody>
-          <a:bodyPr/>
-          <a:lstStyle/>
-          <a:p>
-            <a:endParaRPr lang="en-US"/>
+          <a:bodyPr>
+            <a:normAutofit fontScale="92500" lnSpcReduction="10000"/>
+          </a:bodyPr>
+          <a:lstStyle/>
+          <a:p>
+            <a:r>
+              <a:rPr lang="en-US" dirty="0"/>
+              <a:t>Q(T0) (intersection) Q(T)</a:t>
+            </a:r>
+          </a:p>
+          <a:p>
+            <a:pPr lvl="1"/>
+            <a:r>
+              <a:rPr lang="en-US" dirty="0">
+                <a:solidFill>
+                  <a:srgbClr val="FF0000"/>
+                </a:solidFill>
+              </a:rPr>
+              <a:t>T0 </a:t>
+            </a:r>
+            <a:r>
+              <a:rPr lang="en-US" dirty="0">
+                <a:solidFill>
+                  <a:srgbClr val="FF0000"/>
+                </a:solidFill>
+                <a:sym typeface="Wingdings" panose="05000000000000000000" pitchFamily="2" charset="2"/>
+              </a:rPr>
+              <a:t> “true tree”</a:t>
+            </a:r>
+          </a:p>
+          <a:p>
+            <a:pPr lvl="1"/>
+            <a:endParaRPr lang="en-US" dirty="0">
+              <a:solidFill>
+                <a:srgbClr val="FF0000"/>
+              </a:solidFill>
+              <a:sym typeface="Wingdings" panose="05000000000000000000" pitchFamily="2" charset="2"/>
+            </a:endParaRPr>
+          </a:p>
+          <a:p>
+            <a:r>
+              <a:rPr lang="en-US" dirty="0">
+                <a:solidFill>
+                  <a:schemeClr val="tx1"/>
+                </a:solidFill>
+                <a:sym typeface="Wingdings" panose="05000000000000000000" pitchFamily="2" charset="2"/>
+              </a:rPr>
+              <a:t>Quartet Agreement</a:t>
+            </a:r>
+          </a:p>
+          <a:p>
+            <a:pPr lvl="1"/>
+            <a:r>
+              <a:rPr lang="en-US" dirty="0">
+                <a:solidFill>
+                  <a:srgbClr val="FF0000"/>
+                </a:solidFill>
+                <a:sym typeface="Wingdings" panose="05000000000000000000" pitchFamily="2" charset="2"/>
+              </a:rPr>
+              <a:t>Agreement between directly generated quartet trees </a:t>
+            </a:r>
+          </a:p>
+          <a:p>
+            <a:r>
+              <a:rPr lang="en-US" dirty="0">
+                <a:solidFill>
+                  <a:schemeClr val="tx1"/>
+                </a:solidFill>
+                <a:sym typeface="Wingdings" panose="05000000000000000000" pitchFamily="2" charset="2"/>
+              </a:rPr>
+              <a:t>Induced Quartet Agreement</a:t>
+            </a:r>
+          </a:p>
+          <a:p>
+            <a:pPr lvl="1"/>
+            <a:r>
+              <a:rPr lang="en-US" dirty="0">
+                <a:solidFill>
+                  <a:srgbClr val="FF0000"/>
+                </a:solidFill>
+                <a:sym typeface="Wingdings" panose="05000000000000000000" pitchFamily="2" charset="2"/>
+              </a:rPr>
+              <a:t>Agreement between induced quartet trees </a:t>
+            </a:r>
+          </a:p>
+          <a:p>
+            <a:pPr lvl="1"/>
+            <a:endParaRPr lang="en-US" dirty="0">
+              <a:solidFill>
+                <a:srgbClr val="FF0000"/>
+              </a:solidFill>
+              <a:sym typeface="Wingdings" panose="05000000000000000000" pitchFamily="2" charset="2"/>
+            </a:endParaRPr>
+          </a:p>
+          <a:p>
+            <a:pPr lvl="1"/>
+            <a:r>
+              <a:rPr lang="en-US" dirty="0">
+                <a:solidFill>
+                  <a:srgbClr val="FF0000"/>
+                </a:solidFill>
+                <a:sym typeface="Wingdings" panose="05000000000000000000" pitchFamily="2" charset="2"/>
+              </a:rPr>
+              <a:t>What does this result say???</a:t>
+            </a:r>
+          </a:p>
+          <a:p>
+            <a:pPr lvl="1"/>
+            <a:r>
+              <a:rPr lang="en-US" dirty="0">
+                <a:solidFill>
+                  <a:srgbClr val="FF0000"/>
+                </a:solidFill>
+                <a:sym typeface="Wingdings" panose="05000000000000000000" pitchFamily="2" charset="2"/>
+              </a:rPr>
+              <a:t>Why quartets???</a:t>
+            </a:r>
+          </a:p>
+          <a:p>
+            <a:endParaRPr lang="en-US" dirty="0">
+              <a:solidFill>
+                <a:schemeClr val="tx1"/>
+              </a:solidFill>
+              <a:sym typeface="Wingdings" panose="05000000000000000000" pitchFamily="2" charset="2"/>
+            </a:endParaRPr>
+          </a:p>
+          <a:p>
+            <a:endParaRPr lang="en-US" dirty="0">
+              <a:solidFill>
+                <a:schemeClr val="tx1"/>
+              </a:solidFill>
+              <a:sym typeface="Wingdings" panose="05000000000000000000" pitchFamily="2" charset="2"/>
+            </a:endParaRPr>
+          </a:p>
+          <a:p>
+            <a:pPr marL="0" indent="0">
+              <a:buNone/>
+            </a:pPr>
+            <a:endParaRPr lang="en-US" dirty="0">
+              <a:solidFill>
+                <a:srgbClr val="FF0000"/>
+              </a:solidFill>
+              <a:sym typeface="Wingdings" panose="05000000000000000000" pitchFamily="2" charset="2"/>
+            </a:endParaRPr>
           </a:p>
         </p:txBody>
       </p:sp>
     </p:spTree>
     <p:extLst>
       <p:ext uri="{BB962C8B-B14F-4D97-AF65-F5344CB8AC3E}">
-        <p14:creationId xmlns:p14="http://schemas.microsoft.com/office/powerpoint/2010/main" val="1478176425"/>
+        <p14:creationId xmlns:p14="http://schemas.microsoft.com/office/powerpoint/2010/main" val="2890113839"/>
       </p:ext>
     </p:extLst>
   </p:cSld>
@@ -6159,7 +6301,7 @@
           <p:cNvPr id="2" name="Title 1">
             <a:extLst>
               <a:ext uri="{FF2B5EF4-FFF2-40B4-BE49-F238E27FC236}">
-                <a16:creationId xmlns:a16="http://schemas.microsoft.com/office/drawing/2014/main" id="{89778CF9-C0C2-4E5A-9498-8E5A3EFBEE1C}"/>
+                <a16:creationId xmlns:a16="http://schemas.microsoft.com/office/drawing/2014/main" id="{7C71A0DC-6AE4-4E73-BF5B-8273443BA46C}"/>
               </a:ext>
             </a:extLst>
           </p:cNvPr>
@@ -6177,7 +6319,7 @@
           <a:p>
             <a:r>
               <a:rPr lang="en-US" dirty="0"/>
-              <a:t>Timings</a:t>
+              <a:t>Results</a:t>
             </a:r>
           </a:p>
         </p:txBody>
@@ -6187,7 +6329,7 @@
           <p:cNvPr id="3" name="Content Placeholder 2">
             <a:extLst>
               <a:ext uri="{FF2B5EF4-FFF2-40B4-BE49-F238E27FC236}">
-                <a16:creationId xmlns:a16="http://schemas.microsoft.com/office/drawing/2014/main" id="{9C662559-6FC7-4036-9067-313195B78470}"/>
+                <a16:creationId xmlns:a16="http://schemas.microsoft.com/office/drawing/2014/main" id="{E558FABB-F62F-4198-88B3-5DE192B19659}"/>
               </a:ext>
             </a:extLst>
           </p:cNvPr>
@@ -6203,14 +6345,17 @@
           <a:bodyPr/>
           <a:lstStyle/>
           <a:p>
-            <a:endParaRPr lang="en-US"/>
+            <a:r>
+              <a:rPr lang="en-US" dirty="0"/>
+              <a:t>Pick tables that show argument</a:t>
+            </a:r>
           </a:p>
         </p:txBody>
       </p:sp>
     </p:spTree>
     <p:extLst>
       <p:ext uri="{BB962C8B-B14F-4D97-AF65-F5344CB8AC3E}">
-        <p14:creationId xmlns:p14="http://schemas.microsoft.com/office/powerpoint/2010/main" val="834576793"/>
+        <p14:creationId xmlns:p14="http://schemas.microsoft.com/office/powerpoint/2010/main" val="1478176425"/>
       </p:ext>
     </p:extLst>
   </p:cSld>
@@ -6242,7 +6387,7 @@
           <p:cNvPr id="2" name="Title 1">
             <a:extLst>
               <a:ext uri="{FF2B5EF4-FFF2-40B4-BE49-F238E27FC236}">
-                <a16:creationId xmlns:a16="http://schemas.microsoft.com/office/drawing/2014/main" id="{D03F5BF0-0AD7-4B01-BD13-01EDFD009E2E}"/>
+                <a16:creationId xmlns:a16="http://schemas.microsoft.com/office/drawing/2014/main" id="{89778CF9-C0C2-4E5A-9498-8E5A3EFBEE1C}"/>
               </a:ext>
             </a:extLst>
           </p:cNvPr>
@@ -6259,10 +6404,9 @@
           <a:lstStyle/>
           <a:p>
             <a:r>
-              <a:rPr lang="en-US" dirty="0" err="1"/>
-              <a:t>PhyloTools</a:t>
-            </a:r>
-            <a:endParaRPr lang="en-US" dirty="0"/>
+              <a:rPr lang="en-US" dirty="0"/>
+              <a:t>Timings</a:t>
+            </a:r>
           </a:p>
         </p:txBody>
       </p:sp>
@@ -6271,7 +6415,7 @@
           <p:cNvPr id="3" name="Content Placeholder 2">
             <a:extLst>
               <a:ext uri="{FF2B5EF4-FFF2-40B4-BE49-F238E27FC236}">
-                <a16:creationId xmlns:a16="http://schemas.microsoft.com/office/drawing/2014/main" id="{0967048B-71FB-4B8F-84A2-0201BFF4D0FE}"/>
+                <a16:creationId xmlns:a16="http://schemas.microsoft.com/office/drawing/2014/main" id="{9C662559-6FC7-4036-9067-313195B78470}"/>
               </a:ext>
             </a:extLst>
           </p:cNvPr>
@@ -6287,63 +6431,14 @@
           <a:bodyPr/>
           <a:lstStyle/>
           <a:p>
-            <a:r>
-              <a:rPr lang="en-US" dirty="0"/>
-              <a:t>Swiss army knife</a:t>
-            </a:r>
-          </a:p>
-          <a:p>
-            <a:pPr lvl="1"/>
-            <a:r>
-              <a:rPr lang="en-US" dirty="0"/>
-              <a:t>Input:</a:t>
-            </a:r>
-          </a:p>
-          <a:p>
-            <a:pPr lvl="2"/>
-            <a:r>
-              <a:rPr lang="en-US" dirty="0"/>
-              <a:t>FASTA sequences</a:t>
-            </a:r>
-          </a:p>
-          <a:p>
-            <a:pPr lvl="2"/>
-            <a:r>
-              <a:rPr lang="en-US" dirty="0"/>
-              <a:t>…</a:t>
-            </a:r>
-          </a:p>
-          <a:p>
-            <a:pPr lvl="1"/>
-            <a:r>
-              <a:rPr lang="en-US" dirty="0"/>
-              <a:t>Output:</a:t>
-            </a:r>
-          </a:p>
-          <a:p>
-            <a:pPr lvl="2"/>
-            <a:r>
-              <a:rPr lang="en-US" dirty="0"/>
-              <a:t>Tree analysis document</a:t>
-            </a:r>
-          </a:p>
-          <a:p>
-            <a:pPr lvl="2"/>
-            <a:r>
-              <a:rPr lang="en-US" dirty="0"/>
-              <a:t>…</a:t>
-            </a:r>
-          </a:p>
-          <a:p>
-            <a:pPr lvl="1"/>
-            <a:endParaRPr lang="en-US" dirty="0"/>
+            <a:endParaRPr lang="en-US"/>
           </a:p>
         </p:txBody>
       </p:sp>
     </p:spTree>
     <p:extLst>
       <p:ext uri="{BB962C8B-B14F-4D97-AF65-F5344CB8AC3E}">
-        <p14:creationId xmlns:p14="http://schemas.microsoft.com/office/powerpoint/2010/main" val="1581292021"/>
+        <p14:creationId xmlns:p14="http://schemas.microsoft.com/office/powerpoint/2010/main" val="834576793"/>
       </p:ext>
     </p:extLst>
   </p:cSld>
@@ -6375,7 +6470,7 @@
           <p:cNvPr id="2" name="Title 1">
             <a:extLst>
               <a:ext uri="{FF2B5EF4-FFF2-40B4-BE49-F238E27FC236}">
-                <a16:creationId xmlns:a16="http://schemas.microsoft.com/office/drawing/2014/main" id="{4F31E323-9959-48AA-B336-2E14EFCC13B7}"/>
+                <a16:creationId xmlns:a16="http://schemas.microsoft.com/office/drawing/2014/main" id="{D03F5BF0-0AD7-4B01-BD13-01EDFD009E2E}"/>
               </a:ext>
             </a:extLst>
           </p:cNvPr>
@@ -6392,9 +6487,10 @@
           <a:lstStyle/>
           <a:p>
             <a:r>
-              <a:rPr lang="en-US" dirty="0"/>
-              <a:t>Future Steps?</a:t>
-            </a:r>
+              <a:rPr lang="en-US" dirty="0" err="1"/>
+              <a:t>PhyloTools</a:t>
+            </a:r>
+            <a:endParaRPr lang="en-US" dirty="0"/>
           </a:p>
         </p:txBody>
       </p:sp>
@@ -6403,7 +6499,7 @@
           <p:cNvPr id="3" name="Content Placeholder 2">
             <a:extLst>
               <a:ext uri="{FF2B5EF4-FFF2-40B4-BE49-F238E27FC236}">
-                <a16:creationId xmlns:a16="http://schemas.microsoft.com/office/drawing/2014/main" id="{280A7F7D-7743-4CCA-AD50-1149CA40B723}"/>
+                <a16:creationId xmlns:a16="http://schemas.microsoft.com/office/drawing/2014/main" id="{0967048B-71FB-4B8F-84A2-0201BFF4D0FE}"/>
               </a:ext>
             </a:extLst>
           </p:cNvPr>
@@ -6421,29 +6517,61 @@
           <a:p>
             <a:r>
               <a:rPr lang="en-US" dirty="0"/>
-              <a:t>Exploring compression methods</a:t>
+              <a:t>Swiss army knife</a:t>
             </a:r>
           </a:p>
           <a:p>
             <a:pPr lvl="1"/>
             <a:r>
               <a:rPr lang="en-US" dirty="0"/>
-              <a:t>7zip vs. WinZip</a:t>
+              <a:t>Input:</a:t>
+            </a:r>
+          </a:p>
+          <a:p>
+            <a:pPr lvl="2"/>
+            <a:r>
+              <a:rPr lang="en-US" dirty="0"/>
+              <a:t>FASTA sequences</a:t>
+            </a:r>
+          </a:p>
+          <a:p>
+            <a:pPr lvl="2"/>
+            <a:r>
+              <a:rPr lang="en-US" dirty="0"/>
+              <a:t>…</a:t>
             </a:r>
           </a:p>
           <a:p>
             <a:pPr lvl="1"/>
             <a:r>
               <a:rPr lang="en-US" dirty="0"/>
-              <a:t>Biological assumptions in compression (MFC)</a:t>
-            </a:r>
+              <a:t>Output:</a:t>
+            </a:r>
+          </a:p>
+          <a:p>
+            <a:pPr lvl="2"/>
+            <a:r>
+              <a:rPr lang="en-US" dirty="0"/>
+              <a:t>Tree analysis document</a:t>
+            </a:r>
+          </a:p>
+          <a:p>
+            <a:pPr lvl="2"/>
+            <a:r>
+              <a:rPr lang="en-US" dirty="0"/>
+              <a:t>…</a:t>
+            </a:r>
+          </a:p>
+          <a:p>
+            <a:pPr lvl="1"/>
+            <a:endParaRPr lang="en-US" dirty="0"/>
           </a:p>
         </p:txBody>
       </p:sp>
     </p:spTree>
     <p:extLst>
       <p:ext uri="{BB962C8B-B14F-4D97-AF65-F5344CB8AC3E}">
-        <p14:creationId xmlns:p14="http://schemas.microsoft.com/office/powerpoint/2010/main" val="1846401161"/>
+        <p14:creationId xmlns:p14="http://schemas.microsoft.com/office/powerpoint/2010/main" val="1581292021"/>
       </p:ext>
     </p:extLst>
   </p:cSld>
@@ -6779,6 +6907,106 @@
 </file>
 
 <file path=ppt/slides/slide20.xml><?xml version="1.0" encoding="utf-8"?>
+<p:sld xmlns:a="http://schemas.openxmlformats.org/drawingml/2006/main" xmlns:r="http://schemas.openxmlformats.org/officeDocument/2006/relationships" xmlns:p="http://schemas.openxmlformats.org/presentationml/2006/main">
+  <p:cSld>
+    <p:spTree>
+      <p:nvGrpSpPr>
+        <p:cNvPr id="1" name=""/>
+        <p:cNvGrpSpPr/>
+        <p:nvPr/>
+      </p:nvGrpSpPr>
+      <p:grpSpPr>
+        <a:xfrm>
+          <a:off x="0" y="0"/>
+          <a:ext cx="0" cy="0"/>
+          <a:chOff x="0" y="0"/>
+          <a:chExt cx="0" cy="0"/>
+        </a:xfrm>
+      </p:grpSpPr>
+      <p:sp>
+        <p:nvSpPr>
+          <p:cNvPr id="2" name="Title 1">
+            <a:extLst>
+              <a:ext uri="{FF2B5EF4-FFF2-40B4-BE49-F238E27FC236}">
+                <a16:creationId xmlns:a16="http://schemas.microsoft.com/office/drawing/2014/main" id="{4F31E323-9959-48AA-B336-2E14EFCC13B7}"/>
+              </a:ext>
+            </a:extLst>
+          </p:cNvPr>
+          <p:cNvSpPr>
+            <a:spLocks noGrp="1"/>
+          </p:cNvSpPr>
+          <p:nvPr>
+            <p:ph type="title"/>
+          </p:nvPr>
+        </p:nvSpPr>
+        <p:spPr/>
+        <p:txBody>
+          <a:bodyPr/>
+          <a:lstStyle/>
+          <a:p>
+            <a:r>
+              <a:rPr lang="en-US" dirty="0"/>
+              <a:t>Future Steps?</a:t>
+            </a:r>
+          </a:p>
+        </p:txBody>
+      </p:sp>
+      <p:sp>
+        <p:nvSpPr>
+          <p:cNvPr id="3" name="Content Placeholder 2">
+            <a:extLst>
+              <a:ext uri="{FF2B5EF4-FFF2-40B4-BE49-F238E27FC236}">
+                <a16:creationId xmlns:a16="http://schemas.microsoft.com/office/drawing/2014/main" id="{280A7F7D-7743-4CCA-AD50-1149CA40B723}"/>
+              </a:ext>
+            </a:extLst>
+          </p:cNvPr>
+          <p:cNvSpPr>
+            <a:spLocks noGrp="1"/>
+          </p:cNvSpPr>
+          <p:nvPr>
+            <p:ph idx="1"/>
+          </p:nvPr>
+        </p:nvSpPr>
+        <p:spPr/>
+        <p:txBody>
+          <a:bodyPr/>
+          <a:lstStyle/>
+          <a:p>
+            <a:r>
+              <a:rPr lang="en-US" dirty="0"/>
+              <a:t>Exploring compression methods</a:t>
+            </a:r>
+          </a:p>
+          <a:p>
+            <a:pPr lvl="1"/>
+            <a:r>
+              <a:rPr lang="en-US" dirty="0"/>
+              <a:t>7zip vs. WinZip</a:t>
+            </a:r>
+          </a:p>
+          <a:p>
+            <a:pPr lvl="1"/>
+            <a:r>
+              <a:rPr lang="en-US" dirty="0"/>
+              <a:t>Biological assumptions in compression (MFC)</a:t>
+            </a:r>
+          </a:p>
+        </p:txBody>
+      </p:sp>
+    </p:spTree>
+    <p:extLst>
+      <p:ext uri="{BB962C8B-B14F-4D97-AF65-F5344CB8AC3E}">
+        <p14:creationId xmlns:p14="http://schemas.microsoft.com/office/powerpoint/2010/main" val="1846401161"/>
+      </p:ext>
+    </p:extLst>
+  </p:cSld>
+  <p:clrMapOvr>
+    <a:masterClrMapping/>
+  </p:clrMapOvr>
+</p:sld>
+</file>
+
+<file path=ppt/slides/slide21.xml><?xml version="1.0" encoding="utf-8"?>
 <p:sld xmlns:a="http://schemas.openxmlformats.org/drawingml/2006/main" xmlns:r="http://schemas.openxmlformats.org/officeDocument/2006/relationships" xmlns:p="http://schemas.openxmlformats.org/presentationml/2006/main">
   <p:cSld>
     <p:bg>
@@ -7502,62 +7730,6 @@
             </a:r>
           </a:p>
           <a:p>
-            <a:r>
-              <a:rPr lang="en-US" dirty="0">
-                <a:solidFill>
-                  <a:schemeClr val="tx1"/>
-                </a:solidFill>
-              </a:rPr>
-              <a:t>Bells and whistles</a:t>
-            </a:r>
-          </a:p>
-          <a:p>
-            <a:pPr lvl="1"/>
-            <a:r>
-              <a:rPr lang="en-US" dirty="0">
-                <a:solidFill>
-                  <a:schemeClr val="tx1"/>
-                </a:solidFill>
-              </a:rPr>
-              <a:t>Parameters of </a:t>
-            </a:r>
-            <a:r>
-              <a:rPr lang="en-US" dirty="0" err="1">
-                <a:solidFill>
-                  <a:schemeClr val="tx1"/>
-                </a:solidFill>
-              </a:rPr>
-              <a:t>MrBayes</a:t>
-            </a:r>
-            <a:endParaRPr lang="en-US" dirty="0">
-              <a:solidFill>
-                <a:schemeClr val="tx1"/>
-              </a:solidFill>
-            </a:endParaRPr>
-          </a:p>
-          <a:p>
-            <a:pPr lvl="2"/>
-            <a:r>
-              <a:rPr lang="en-US" dirty="0">
-                <a:solidFill>
-                  <a:srgbClr val="FF0000"/>
-                </a:solidFill>
-              </a:rPr>
-              <a:t>Substitution rates</a:t>
-            </a:r>
-          </a:p>
-          <a:p>
-            <a:pPr lvl="1"/>
-            <a:r>
-              <a:rPr lang="en-US" dirty="0">
-                <a:solidFill>
-                  <a:srgbClr val="FF0000"/>
-                </a:solidFill>
-              </a:rPr>
-              <a:t>Assumptions!</a:t>
-            </a:r>
-          </a:p>
-          <a:p>
             <a:endParaRPr lang="en-US" dirty="0">
               <a:solidFill>
                 <a:srgbClr val="FF0000"/>
@@ -7746,18 +7918,13 @@
           <a:p>
             <a:pPr lvl="1"/>
             <a:r>
-              <a:rPr lang="en-US">
+              <a:rPr lang="en-US" dirty="0">
                 <a:solidFill>
                   <a:srgbClr val="FF0000"/>
                 </a:solidFill>
               </a:rPr>
               <a:t>Muscle timings</a:t>
             </a:r>
-            <a:endParaRPr lang="en-US" dirty="0">
-              <a:solidFill>
-                <a:srgbClr val="FF0000"/>
-              </a:solidFill>
-            </a:endParaRPr>
           </a:p>
         </p:txBody>
       </p:sp>
@@ -7941,7 +8108,9 @@
         </p:nvSpPr>
         <p:spPr/>
         <p:txBody>
-          <a:bodyPr/>
+          <a:bodyPr>
+            <a:normAutofit fontScale="55000" lnSpcReduction="20000"/>
+          </a:bodyPr>
           <a:lstStyle/>
           <a:p>
             <a:pPr lvl="1">
@@ -7986,6 +8155,294 @@
               <a:rPr lang="en-US" dirty="0"/>
               <a:t>Induced Quartet Agreement</a:t>
             </a:r>
+          </a:p>
+          <a:p>
+            <a:pPr lvl="1">
+              <a:lnSpc>
+                <a:spcPct val="101000"/>
+              </a:lnSpc>
+            </a:pPr>
+            <a:endParaRPr lang="en-US" dirty="0"/>
+          </a:p>
+          <a:p>
+            <a:pPr lvl="1">
+              <a:lnSpc>
+                <a:spcPct val="101000"/>
+              </a:lnSpc>
+            </a:pPr>
+            <a:r>
+              <a:rPr lang="en-US" dirty="0">
+                <a:solidFill>
+                  <a:srgbClr val="7030A0"/>
+                </a:solidFill>
+              </a:rPr>
+              <a:t>Quartet Compatibility</a:t>
+            </a:r>
+          </a:p>
+          <a:p>
+            <a:pPr lvl="2">
+              <a:lnSpc>
+                <a:spcPct val="101000"/>
+              </a:lnSpc>
+            </a:pPr>
+            <a:r>
+              <a:rPr lang="en-US" dirty="0">
+                <a:solidFill>
+                  <a:srgbClr val="7030A0"/>
+                </a:solidFill>
+              </a:rPr>
+              <a:t>Sum of RF distance for each pairing</a:t>
+            </a:r>
+          </a:p>
+          <a:p>
+            <a:pPr lvl="3">
+              <a:lnSpc>
+                <a:spcPct val="101000"/>
+              </a:lnSpc>
+            </a:pPr>
+            <a:r>
+              <a:rPr lang="en-US" dirty="0" err="1">
+                <a:solidFill>
+                  <a:srgbClr val="7030A0"/>
+                </a:solidFill>
+              </a:rPr>
+              <a:t>LargeTree</a:t>
+            </a:r>
+            <a:r>
+              <a:rPr lang="en-US" dirty="0">
+                <a:solidFill>
+                  <a:srgbClr val="7030A0"/>
+                </a:solidFill>
+              </a:rPr>
+              <a:t> </a:t>
+            </a:r>
+            <a:r>
+              <a:rPr lang="en-US" dirty="0">
+                <a:solidFill>
+                  <a:srgbClr val="7030A0"/>
+                </a:solidFill>
+                <a:sym typeface="Wingdings" panose="05000000000000000000" pitchFamily="2" charset="2"/>
+              </a:rPr>
+              <a:t> </a:t>
+            </a:r>
+            <a:r>
+              <a:rPr lang="en-US" dirty="0">
+                <a:solidFill>
+                  <a:srgbClr val="7030A0"/>
+                </a:solidFill>
+              </a:rPr>
+              <a:t> </a:t>
+            </a:r>
+            <a:r>
+              <a:rPr lang="en-US" dirty="0">
+                <a:solidFill>
+                  <a:srgbClr val="7030A0"/>
+                </a:solidFill>
+                <a:sym typeface="Wingdings" panose="05000000000000000000" pitchFamily="2" charset="2"/>
+              </a:rPr>
+              <a:t></a:t>
+            </a:r>
+            <a:r>
+              <a:rPr lang="en-US" dirty="0">
+                <a:solidFill>
+                  <a:srgbClr val="7030A0"/>
+                </a:solidFill>
+              </a:rPr>
+              <a:t> </a:t>
+            </a:r>
+            <a:r>
+              <a:rPr lang="en-US" dirty="0" err="1">
+                <a:solidFill>
+                  <a:srgbClr val="7030A0"/>
+                </a:solidFill>
+              </a:rPr>
+              <a:t>LargeTree</a:t>
+            </a:r>
+            <a:endParaRPr lang="en-US" dirty="0">
+              <a:solidFill>
+                <a:srgbClr val="7030A0"/>
+              </a:solidFill>
+            </a:endParaRPr>
+          </a:p>
+          <a:p>
+            <a:pPr lvl="4">
+              <a:lnSpc>
+                <a:spcPct val="101000"/>
+              </a:lnSpc>
+            </a:pPr>
+            <a:r>
+              <a:rPr lang="en-US" dirty="0">
+                <a:solidFill>
+                  <a:srgbClr val="7030A0"/>
+                </a:solidFill>
+              </a:rPr>
+              <a:t>True distance</a:t>
+            </a:r>
+          </a:p>
+          <a:p>
+            <a:pPr lvl="3">
+              <a:lnSpc>
+                <a:spcPct val="101000"/>
+              </a:lnSpc>
+            </a:pPr>
+            <a:r>
+              <a:rPr lang="en-US" dirty="0">
+                <a:solidFill>
+                  <a:srgbClr val="7030A0"/>
+                </a:solidFill>
+              </a:rPr>
+              <a:t>Induced Quartets </a:t>
+            </a:r>
+            <a:r>
+              <a:rPr lang="en-US" dirty="0">
+                <a:solidFill>
+                  <a:srgbClr val="7030A0"/>
+                </a:solidFill>
+                <a:sym typeface="Wingdings" panose="05000000000000000000" pitchFamily="2" charset="2"/>
+              </a:rPr>
+              <a:t> Quartets</a:t>
+            </a:r>
+          </a:p>
+          <a:p>
+            <a:pPr lvl="4">
+              <a:lnSpc>
+                <a:spcPct val="101000"/>
+              </a:lnSpc>
+            </a:pPr>
+            <a:r>
+              <a:rPr lang="en-US" dirty="0">
+                <a:solidFill>
+                  <a:srgbClr val="7030A0"/>
+                </a:solidFill>
+                <a:sym typeface="Wingdings" panose="05000000000000000000" pitchFamily="2" charset="2"/>
+              </a:rPr>
+              <a:t>??? Purpose</a:t>
+            </a:r>
+          </a:p>
+          <a:p>
+            <a:pPr lvl="3">
+              <a:lnSpc>
+                <a:spcPct val="101000"/>
+              </a:lnSpc>
+            </a:pPr>
+            <a:r>
+              <a:rPr lang="en-US" dirty="0">
+                <a:solidFill>
+                  <a:srgbClr val="7030A0"/>
+                </a:solidFill>
+                <a:sym typeface="Wingdings" panose="05000000000000000000" pitchFamily="2" charset="2"/>
+              </a:rPr>
+              <a:t>Quartets  Quartets</a:t>
+            </a:r>
+          </a:p>
+          <a:p>
+            <a:pPr lvl="4">
+              <a:lnSpc>
+                <a:spcPct val="101000"/>
+              </a:lnSpc>
+            </a:pPr>
+            <a:r>
+              <a:rPr lang="en-US" dirty="0">
+                <a:solidFill>
+                  <a:srgbClr val="7030A0"/>
+                </a:solidFill>
+                <a:sym typeface="Wingdings" panose="05000000000000000000" pitchFamily="2" charset="2"/>
+              </a:rPr>
+              <a:t>??? Purpose</a:t>
+            </a:r>
+          </a:p>
+          <a:p>
+            <a:pPr lvl="4">
+              <a:lnSpc>
+                <a:spcPct val="101000"/>
+              </a:lnSpc>
+            </a:pPr>
+            <a:r>
+              <a:rPr lang="en-US" dirty="0">
+                <a:solidFill>
+                  <a:srgbClr val="7030A0"/>
+                </a:solidFill>
+                <a:sym typeface="Wingdings" panose="05000000000000000000" pitchFamily="2" charset="2"/>
+              </a:rPr>
+              <a:t>Analyzing tree on smaller scale -&gt; results</a:t>
+            </a:r>
+          </a:p>
+          <a:p>
+            <a:pPr lvl="3">
+              <a:lnSpc>
+                <a:spcPct val="101000"/>
+              </a:lnSpc>
+            </a:pPr>
+            <a:r>
+              <a:rPr lang="en-US" dirty="0">
+                <a:solidFill>
+                  <a:srgbClr val="7030A0"/>
+                </a:solidFill>
+                <a:sym typeface="Wingdings" panose="05000000000000000000" pitchFamily="2" charset="2"/>
+              </a:rPr>
+              <a:t>Induced Quartets  Induced Quartet </a:t>
+            </a:r>
+          </a:p>
+          <a:p>
+            <a:pPr lvl="4">
+              <a:lnSpc>
+                <a:spcPct val="101000"/>
+              </a:lnSpc>
+            </a:pPr>
+            <a:r>
+              <a:rPr lang="en-US" dirty="0">
+                <a:solidFill>
+                  <a:srgbClr val="7030A0"/>
+                </a:solidFill>
+                <a:sym typeface="Wingdings" panose="05000000000000000000" pitchFamily="2" charset="2"/>
+              </a:rPr>
+              <a:t>Should be similar (identical relations?) results to </a:t>
+            </a:r>
+            <a:r>
+              <a:rPr lang="en-US" dirty="0" err="1">
+                <a:solidFill>
+                  <a:srgbClr val="7030A0"/>
+                </a:solidFill>
+                <a:sym typeface="Wingdings" panose="05000000000000000000" pitchFamily="2" charset="2"/>
+              </a:rPr>
+              <a:t>largetree</a:t>
+            </a:r>
+            <a:r>
+              <a:rPr lang="en-US" dirty="0">
+                <a:solidFill>
+                  <a:srgbClr val="7030A0"/>
+                </a:solidFill>
+                <a:sym typeface="Wingdings" panose="05000000000000000000" pitchFamily="2" charset="2"/>
+              </a:rPr>
+              <a:t>  </a:t>
+            </a:r>
+            <a:r>
+              <a:rPr lang="en-US" dirty="0" err="1">
+                <a:solidFill>
+                  <a:srgbClr val="7030A0"/>
+                </a:solidFill>
+                <a:sym typeface="Wingdings" panose="05000000000000000000" pitchFamily="2" charset="2"/>
+              </a:rPr>
+              <a:t>largetree</a:t>
+            </a:r>
+            <a:endParaRPr lang="en-US" dirty="0">
+              <a:solidFill>
+                <a:srgbClr val="7030A0"/>
+              </a:solidFill>
+              <a:sym typeface="Wingdings" panose="05000000000000000000" pitchFamily="2" charset="2"/>
+            </a:endParaRPr>
+          </a:p>
+          <a:p>
+            <a:pPr lvl="3">
+              <a:lnSpc>
+                <a:spcPct val="101000"/>
+              </a:lnSpc>
+            </a:pPr>
+            <a:endParaRPr lang="en-US" dirty="0">
+              <a:solidFill>
+                <a:srgbClr val="7030A0"/>
+              </a:solidFill>
+            </a:endParaRPr>
           </a:p>
           <a:p>
             <a:endParaRPr lang="en-US" dirty="0"/>
@@ -8027,7 +8484,7 @@
           <p:cNvPr id="2" name="Title 1">
             <a:extLst>
               <a:ext uri="{FF2B5EF4-FFF2-40B4-BE49-F238E27FC236}">
-                <a16:creationId xmlns:a16="http://schemas.microsoft.com/office/drawing/2014/main" id="{2107398C-C9F6-4BFE-BAE5-B39B1BD7F361}"/>
+                <a16:creationId xmlns:a16="http://schemas.microsoft.com/office/drawing/2014/main" id="{771A3C2B-D06F-4627-BE8A-A9208E64726A}"/>
               </a:ext>
             </a:extLst>
           </p:cNvPr>
@@ -8045,7 +8502,7 @@
           <a:p>
             <a:r>
               <a:rPr lang="en-US" dirty="0"/>
-              <a:t>Bipartition</a:t>
+              <a:t>Simulations</a:t>
             </a:r>
           </a:p>
         </p:txBody>
@@ -8055,7 +8512,7 @@
           <p:cNvPr id="3" name="Content Placeholder 2">
             <a:extLst>
               <a:ext uri="{FF2B5EF4-FFF2-40B4-BE49-F238E27FC236}">
-                <a16:creationId xmlns:a16="http://schemas.microsoft.com/office/drawing/2014/main" id="{2E61FCCF-ADB1-4D16-9FE9-A6754EAC0ACF}"/>
+                <a16:creationId xmlns:a16="http://schemas.microsoft.com/office/drawing/2014/main" id="{75F8180F-83FB-4460-B63E-B9BF95996242}"/>
               </a:ext>
             </a:extLst>
           </p:cNvPr>
@@ -8072,12 +8529,8 @@
           <a:lstStyle/>
           <a:p>
             <a:r>
-              <a:rPr lang="en-US" dirty="0">
-                <a:solidFill>
-                  <a:srgbClr val="FF0000"/>
-                </a:solidFill>
-              </a:rPr>
-              <a:t>Tree diagram (build – slide_1)</a:t>
+              <a:rPr lang="en-US" dirty="0"/>
+              <a:t>True tree</a:t>
             </a:r>
           </a:p>
         </p:txBody>
@@ -8085,7 +8538,7 @@
     </p:spTree>
     <p:extLst>
       <p:ext uri="{BB962C8B-B14F-4D97-AF65-F5344CB8AC3E}">
-        <p14:creationId xmlns:p14="http://schemas.microsoft.com/office/powerpoint/2010/main" val="3437789769"/>
+        <p14:creationId xmlns:p14="http://schemas.microsoft.com/office/powerpoint/2010/main" val="4232178544"/>
       </p:ext>
     </p:extLst>
   </p:cSld>

--- a/Surveying_Phylogenetic_Forests.pptx
+++ b/Surveying_Phylogenetic_Forests.pptx
@@ -5,30 +5,31 @@
     <p:sldMasterId id="2147483721" r:id="rId1"/>
   </p:sldMasterIdLst>
   <p:notesMasterIdLst>
-    <p:notesMasterId r:id="rId23"/>
+    <p:notesMasterId r:id="rId24"/>
   </p:notesMasterIdLst>
   <p:sldIdLst>
     <p:sldId id="256" r:id="rId2"/>
     <p:sldId id="257" r:id="rId3"/>
-    <p:sldId id="258" r:id="rId4"/>
-    <p:sldId id="262" r:id="rId5"/>
-    <p:sldId id="267" r:id="rId6"/>
-    <p:sldId id="266" r:id="rId7"/>
-    <p:sldId id="271" r:id="rId8"/>
-    <p:sldId id="269" r:id="rId9"/>
-    <p:sldId id="279" r:id="rId10"/>
-    <p:sldId id="272" r:id="rId11"/>
-    <p:sldId id="273" r:id="rId12"/>
-    <p:sldId id="275" r:id="rId13"/>
-    <p:sldId id="274" r:id="rId14"/>
-    <p:sldId id="276" r:id="rId15"/>
-    <p:sldId id="277" r:id="rId16"/>
-    <p:sldId id="278" r:id="rId17"/>
-    <p:sldId id="263" r:id="rId18"/>
-    <p:sldId id="265" r:id="rId19"/>
-    <p:sldId id="264" r:id="rId20"/>
-    <p:sldId id="270" r:id="rId21"/>
-    <p:sldId id="259" r:id="rId22"/>
+    <p:sldId id="280" r:id="rId4"/>
+    <p:sldId id="258" r:id="rId5"/>
+    <p:sldId id="262" r:id="rId6"/>
+    <p:sldId id="267" r:id="rId7"/>
+    <p:sldId id="266" r:id="rId8"/>
+    <p:sldId id="271" r:id="rId9"/>
+    <p:sldId id="269" r:id="rId10"/>
+    <p:sldId id="279" r:id="rId11"/>
+    <p:sldId id="272" r:id="rId12"/>
+    <p:sldId id="273" r:id="rId13"/>
+    <p:sldId id="275" r:id="rId14"/>
+    <p:sldId id="274" r:id="rId15"/>
+    <p:sldId id="276" r:id="rId16"/>
+    <p:sldId id="277" r:id="rId17"/>
+    <p:sldId id="278" r:id="rId18"/>
+    <p:sldId id="263" r:id="rId19"/>
+    <p:sldId id="265" r:id="rId20"/>
+    <p:sldId id="264" r:id="rId21"/>
+    <p:sldId id="270" r:id="rId22"/>
+    <p:sldId id="259" r:id="rId23"/>
   </p:sldIdLst>
   <p:sldSz cx="12192000" cy="6858000"/>
   <p:notesSz cx="6858000" cy="9144000"/>
@@ -135,6 +136,4229 @@
 </p:presentation>
 </file>
 
+<file path=ppt/diagrams/colors1.xml><?xml version="1.0" encoding="utf-8"?>
+<dgm:colorsDef xmlns:dgm="http://schemas.openxmlformats.org/drawingml/2006/diagram" xmlns:a="http://schemas.openxmlformats.org/drawingml/2006/main" uniqueId="urn:microsoft.com/office/officeart/2005/8/colors/colorful2">
+  <dgm:title val=""/>
+  <dgm:desc val=""/>
+  <dgm:catLst>
+    <dgm:cat type="colorful" pri="10200"/>
+  </dgm:catLst>
+  <dgm:styleLbl name="node0">
+    <dgm:fillClrLst meth="repeat">
+      <a:schemeClr val="accent1"/>
+    </dgm:fillClrLst>
+    <dgm:linClrLst meth="repeat">
+      <a:schemeClr val="lt1"/>
+    </dgm:linClrLst>
+    <dgm:effectClrLst/>
+    <dgm:txLinClrLst/>
+    <dgm:txFillClrLst/>
+    <dgm:txEffectClrLst/>
+  </dgm:styleLbl>
+  <dgm:styleLbl name="node1">
+    <dgm:fillClrLst>
+      <a:schemeClr val="accent2"/>
+      <a:schemeClr val="accent3"/>
+    </dgm:fillClrLst>
+    <dgm:linClrLst meth="repeat">
+      <a:schemeClr val="lt1"/>
+    </dgm:linClrLst>
+    <dgm:effectClrLst/>
+    <dgm:txLinClrLst/>
+    <dgm:txFillClrLst/>
+    <dgm:txEffectClrLst/>
+  </dgm:styleLbl>
+  <dgm:styleLbl name="alignNode1">
+    <dgm:fillClrLst>
+      <a:schemeClr val="accent2"/>
+      <a:schemeClr val="accent3"/>
+    </dgm:fillClrLst>
+    <dgm:linClrLst>
+      <a:schemeClr val="accent2"/>
+      <a:schemeClr val="accent3"/>
+    </dgm:linClrLst>
+    <dgm:effectClrLst/>
+    <dgm:txLinClrLst/>
+    <dgm:txFillClrLst/>
+    <dgm:txEffectClrLst/>
+  </dgm:styleLbl>
+  <dgm:styleLbl name="lnNode1">
+    <dgm:fillClrLst>
+      <a:schemeClr val="accent2"/>
+      <a:schemeClr val="accent3"/>
+    </dgm:fillClrLst>
+    <dgm:linClrLst meth="repeat">
+      <a:schemeClr val="lt1"/>
+    </dgm:linClrLst>
+    <dgm:effectClrLst/>
+    <dgm:txLinClrLst/>
+    <dgm:txFillClrLst/>
+    <dgm:txEffectClrLst/>
+  </dgm:styleLbl>
+  <dgm:styleLbl name="vennNode1">
+    <dgm:fillClrLst>
+      <a:schemeClr val="accent2">
+        <a:alpha val="50000"/>
+      </a:schemeClr>
+      <a:schemeClr val="accent3">
+        <a:alpha val="50000"/>
+      </a:schemeClr>
+    </dgm:fillClrLst>
+    <dgm:linClrLst meth="repeat">
+      <a:schemeClr val="lt1"/>
+    </dgm:linClrLst>
+    <dgm:effectClrLst/>
+    <dgm:txLinClrLst/>
+    <dgm:txFillClrLst/>
+    <dgm:txEffectClrLst/>
+  </dgm:styleLbl>
+  <dgm:styleLbl name="node2">
+    <dgm:fillClrLst>
+      <a:schemeClr val="accent3"/>
+    </dgm:fillClrLst>
+    <dgm:linClrLst meth="repeat">
+      <a:schemeClr val="lt1"/>
+    </dgm:linClrLst>
+    <dgm:effectClrLst/>
+    <dgm:txLinClrLst/>
+    <dgm:txFillClrLst/>
+    <dgm:txEffectClrLst/>
+  </dgm:styleLbl>
+  <dgm:styleLbl name="node3">
+    <dgm:fillClrLst>
+      <a:schemeClr val="accent4"/>
+    </dgm:fillClrLst>
+    <dgm:linClrLst meth="repeat">
+      <a:schemeClr val="lt1"/>
+    </dgm:linClrLst>
+    <dgm:effectClrLst/>
+    <dgm:txLinClrLst/>
+    <dgm:txFillClrLst/>
+    <dgm:txEffectClrLst/>
+  </dgm:styleLbl>
+  <dgm:styleLbl name="node4">
+    <dgm:fillClrLst>
+      <a:schemeClr val="accent5"/>
+    </dgm:fillClrLst>
+    <dgm:linClrLst meth="repeat">
+      <a:schemeClr val="lt1"/>
+    </dgm:linClrLst>
+    <dgm:effectClrLst/>
+    <dgm:txLinClrLst/>
+    <dgm:txFillClrLst/>
+    <dgm:txEffectClrLst/>
+  </dgm:styleLbl>
+  <dgm:styleLbl name="fgImgPlace1">
+    <dgm:fillClrLst>
+      <a:schemeClr val="accent2">
+        <a:tint val="50000"/>
+      </a:schemeClr>
+      <a:schemeClr val="accent3">
+        <a:tint val="50000"/>
+      </a:schemeClr>
+    </dgm:fillClrLst>
+    <dgm:linClrLst meth="repeat">
+      <a:schemeClr val="lt1"/>
+    </dgm:linClrLst>
+    <dgm:effectClrLst/>
+    <dgm:txLinClrLst/>
+    <dgm:txFillClrLst meth="repeat">
+      <a:schemeClr val="lt1"/>
+    </dgm:txFillClrLst>
+    <dgm:txEffectClrLst/>
+  </dgm:styleLbl>
+  <dgm:styleLbl name="alignImgPlace1">
+    <dgm:fillClrLst>
+      <a:schemeClr val="accent2">
+        <a:tint val="50000"/>
+      </a:schemeClr>
+      <a:schemeClr val="accent3">
+        <a:tint val="20000"/>
+      </a:schemeClr>
+    </dgm:fillClrLst>
+    <dgm:linClrLst meth="repeat">
+      <a:schemeClr val="lt1"/>
+    </dgm:linClrLst>
+    <dgm:effectClrLst/>
+    <dgm:txLinClrLst/>
+    <dgm:txFillClrLst meth="repeat">
+      <a:schemeClr val="lt1"/>
+    </dgm:txFillClrLst>
+    <dgm:txEffectClrLst/>
+  </dgm:styleLbl>
+  <dgm:styleLbl name="bgImgPlace1">
+    <dgm:fillClrLst>
+      <a:schemeClr val="accent2">
+        <a:tint val="50000"/>
+      </a:schemeClr>
+      <a:schemeClr val="accent3">
+        <a:tint val="20000"/>
+      </a:schemeClr>
+    </dgm:fillClrLst>
+    <dgm:linClrLst meth="repeat">
+      <a:schemeClr val="lt1"/>
+    </dgm:linClrLst>
+    <dgm:effectClrLst/>
+    <dgm:txLinClrLst/>
+    <dgm:txFillClrLst meth="repeat">
+      <a:schemeClr val="lt1"/>
+    </dgm:txFillClrLst>
+    <dgm:txEffectClrLst/>
+  </dgm:styleLbl>
+  <dgm:styleLbl name="sibTrans2D1">
+    <dgm:fillClrLst>
+      <a:schemeClr val="accent2"/>
+      <a:schemeClr val="accent3"/>
+    </dgm:fillClrLst>
+    <dgm:linClrLst meth="repeat">
+      <a:schemeClr val="lt1"/>
+    </dgm:linClrLst>
+    <dgm:effectClrLst/>
+    <dgm:txLinClrLst/>
+    <dgm:txFillClrLst/>
+    <dgm:txEffectClrLst/>
+  </dgm:styleLbl>
+  <dgm:styleLbl name="fgSibTrans2D1">
+    <dgm:fillClrLst>
+      <a:schemeClr val="accent2"/>
+      <a:schemeClr val="accent3"/>
+    </dgm:fillClrLst>
+    <dgm:linClrLst meth="repeat">
+      <a:schemeClr val="lt1"/>
+    </dgm:linClrLst>
+    <dgm:effectClrLst/>
+    <dgm:txLinClrLst/>
+    <dgm:txFillClrLst meth="repeat">
+      <a:schemeClr val="lt1"/>
+    </dgm:txFillClrLst>
+    <dgm:txEffectClrLst/>
+  </dgm:styleLbl>
+  <dgm:styleLbl name="bgSibTrans2D1">
+    <dgm:fillClrLst>
+      <a:schemeClr val="accent2"/>
+      <a:schemeClr val="accent3"/>
+    </dgm:fillClrLst>
+    <dgm:linClrLst meth="repeat">
+      <a:schemeClr val="lt1"/>
+    </dgm:linClrLst>
+    <dgm:effectClrLst/>
+    <dgm:txLinClrLst/>
+    <dgm:txFillClrLst meth="repeat">
+      <a:schemeClr val="lt1"/>
+    </dgm:txFillClrLst>
+    <dgm:txEffectClrLst/>
+  </dgm:styleLbl>
+  <dgm:styleLbl name="sibTrans1D1">
+    <dgm:fillClrLst/>
+    <dgm:linClrLst>
+      <a:schemeClr val="accent2"/>
+      <a:schemeClr val="accent3"/>
+    </dgm:linClrLst>
+    <dgm:effectClrLst/>
+    <dgm:txLinClrLst/>
+    <dgm:txFillClrLst meth="repeat">
+      <a:schemeClr val="tx1"/>
+    </dgm:txFillClrLst>
+    <dgm:txEffectClrLst/>
+  </dgm:styleLbl>
+  <dgm:styleLbl name="callout">
+    <dgm:fillClrLst meth="repeat">
+      <a:schemeClr val="accent2"/>
+    </dgm:fillClrLst>
+    <dgm:linClrLst meth="repeat">
+      <a:schemeClr val="accent2">
+        <a:tint val="50000"/>
+      </a:schemeClr>
+    </dgm:linClrLst>
+    <dgm:effectClrLst/>
+    <dgm:txLinClrLst/>
+    <dgm:txFillClrLst meth="repeat">
+      <a:schemeClr val="tx1"/>
+    </dgm:txFillClrLst>
+    <dgm:txEffectClrLst/>
+  </dgm:styleLbl>
+  <dgm:styleLbl name="asst0">
+    <dgm:fillClrLst meth="repeat">
+      <a:schemeClr val="accent2"/>
+    </dgm:fillClrLst>
+    <dgm:linClrLst meth="repeat">
+      <a:schemeClr val="lt1">
+        <a:shade val="80000"/>
+      </a:schemeClr>
+    </dgm:linClrLst>
+    <dgm:effectClrLst/>
+    <dgm:txLinClrLst/>
+    <dgm:txFillClrLst/>
+    <dgm:txEffectClrLst/>
+  </dgm:styleLbl>
+  <dgm:styleLbl name="asst1">
+    <dgm:fillClrLst meth="repeat">
+      <a:schemeClr val="accent3"/>
+    </dgm:fillClrLst>
+    <dgm:linClrLst meth="repeat">
+      <a:schemeClr val="lt1">
+        <a:shade val="80000"/>
+      </a:schemeClr>
+    </dgm:linClrLst>
+    <dgm:effectClrLst/>
+    <dgm:txLinClrLst/>
+    <dgm:txFillClrLst/>
+    <dgm:txEffectClrLst/>
+  </dgm:styleLbl>
+  <dgm:styleLbl name="asst2">
+    <dgm:fillClrLst>
+      <a:schemeClr val="accent4"/>
+    </dgm:fillClrLst>
+    <dgm:linClrLst meth="repeat">
+      <a:schemeClr val="lt1"/>
+    </dgm:linClrLst>
+    <dgm:effectClrLst/>
+    <dgm:txLinClrLst/>
+    <dgm:txFillClrLst/>
+    <dgm:txEffectClrLst/>
+  </dgm:styleLbl>
+  <dgm:styleLbl name="asst3">
+    <dgm:fillClrLst>
+      <a:schemeClr val="accent5"/>
+    </dgm:fillClrLst>
+    <dgm:linClrLst meth="repeat">
+      <a:schemeClr val="lt1"/>
+    </dgm:linClrLst>
+    <dgm:effectClrLst/>
+    <dgm:txLinClrLst/>
+    <dgm:txFillClrLst/>
+    <dgm:txEffectClrLst/>
+  </dgm:styleLbl>
+  <dgm:styleLbl name="asst4">
+    <dgm:fillClrLst>
+      <a:schemeClr val="accent6"/>
+    </dgm:fillClrLst>
+    <dgm:linClrLst meth="repeat">
+      <a:schemeClr val="lt1"/>
+    </dgm:linClrLst>
+    <dgm:effectClrLst/>
+    <dgm:txLinClrLst/>
+    <dgm:txFillClrLst/>
+    <dgm:txEffectClrLst/>
+  </dgm:styleLbl>
+  <dgm:styleLbl name="parChTrans2D1">
+    <dgm:fillClrLst meth="repeat">
+      <a:schemeClr val="accent2"/>
+    </dgm:fillClrLst>
+    <dgm:linClrLst meth="repeat">
+      <a:schemeClr val="lt1"/>
+    </dgm:linClrLst>
+    <dgm:effectClrLst/>
+    <dgm:txLinClrLst/>
+    <dgm:txFillClrLst meth="repeat">
+      <a:schemeClr val="lt1"/>
+    </dgm:txFillClrLst>
+    <dgm:txEffectClrLst/>
+  </dgm:styleLbl>
+  <dgm:styleLbl name="parChTrans2D2">
+    <dgm:fillClrLst meth="repeat">
+      <a:schemeClr val="accent3"/>
+    </dgm:fillClrLst>
+    <dgm:linClrLst meth="repeat">
+      <a:schemeClr val="lt1"/>
+    </dgm:linClrLst>
+    <dgm:effectClrLst/>
+    <dgm:txLinClrLst/>
+    <dgm:txFillClrLst/>
+    <dgm:txEffectClrLst/>
+  </dgm:styleLbl>
+  <dgm:styleLbl name="parChTrans2D3">
+    <dgm:fillClrLst meth="repeat">
+      <a:schemeClr val="accent4"/>
+    </dgm:fillClrLst>
+    <dgm:linClrLst meth="repeat">
+      <a:schemeClr val="lt1"/>
+    </dgm:linClrLst>
+    <dgm:effectClrLst/>
+    <dgm:txLinClrLst/>
+    <dgm:txFillClrLst/>
+    <dgm:txEffectClrLst/>
+  </dgm:styleLbl>
+  <dgm:styleLbl name="parChTrans2D4">
+    <dgm:fillClrLst meth="repeat">
+      <a:schemeClr val="accent5"/>
+    </dgm:fillClrLst>
+    <dgm:linClrLst meth="repeat">
+      <a:schemeClr val="lt1"/>
+    </dgm:linClrLst>
+    <dgm:effectClrLst/>
+    <dgm:txLinClrLst/>
+    <dgm:txFillClrLst meth="repeat">
+      <a:schemeClr val="lt1"/>
+    </dgm:txFillClrLst>
+    <dgm:txEffectClrLst/>
+  </dgm:styleLbl>
+  <dgm:styleLbl name="parChTrans1D1">
+    <dgm:fillClrLst meth="repeat">
+      <a:schemeClr val="accent2"/>
+    </dgm:fillClrLst>
+    <dgm:linClrLst meth="repeat">
+      <a:schemeClr val="accent2"/>
+    </dgm:linClrLst>
+    <dgm:effectClrLst/>
+    <dgm:txLinClrLst/>
+    <dgm:txFillClrLst meth="repeat">
+      <a:schemeClr val="tx1"/>
+    </dgm:txFillClrLst>
+    <dgm:txEffectClrLst/>
+  </dgm:styleLbl>
+  <dgm:styleLbl name="parChTrans1D2">
+    <dgm:fillClrLst meth="repeat">
+      <a:schemeClr val="accent2">
+        <a:tint val="90000"/>
+      </a:schemeClr>
+    </dgm:fillClrLst>
+    <dgm:linClrLst meth="repeat">
+      <a:schemeClr val="accent3"/>
+    </dgm:linClrLst>
+    <dgm:effectClrLst/>
+    <dgm:txLinClrLst/>
+    <dgm:txFillClrLst meth="repeat">
+      <a:schemeClr val="tx1"/>
+    </dgm:txFillClrLst>
+    <dgm:txEffectClrLst/>
+  </dgm:styleLbl>
+  <dgm:styleLbl name="parChTrans1D3">
+    <dgm:fillClrLst meth="repeat">
+      <a:schemeClr val="accent2">
+        <a:tint val="70000"/>
+      </a:schemeClr>
+    </dgm:fillClrLst>
+    <dgm:linClrLst meth="repeat">
+      <a:schemeClr val="accent4"/>
+    </dgm:linClrLst>
+    <dgm:effectClrLst/>
+    <dgm:txLinClrLst/>
+    <dgm:txFillClrLst meth="repeat">
+      <a:schemeClr val="tx1"/>
+    </dgm:txFillClrLst>
+    <dgm:txEffectClrLst/>
+  </dgm:styleLbl>
+  <dgm:styleLbl name="parChTrans1D4">
+    <dgm:fillClrLst meth="repeat">
+      <a:schemeClr val="accent2">
+        <a:tint val="50000"/>
+      </a:schemeClr>
+    </dgm:fillClrLst>
+    <dgm:linClrLst meth="repeat">
+      <a:schemeClr val="accent5"/>
+    </dgm:linClrLst>
+    <dgm:effectClrLst/>
+    <dgm:txLinClrLst/>
+    <dgm:txFillClrLst meth="repeat">
+      <a:schemeClr val="tx1"/>
+    </dgm:txFillClrLst>
+    <dgm:txEffectClrLst/>
+  </dgm:styleLbl>
+  <dgm:styleLbl name="fgAcc1">
+    <dgm:fillClrLst meth="repeat">
+      <a:schemeClr val="lt1">
+        <a:alpha val="90000"/>
+      </a:schemeClr>
+    </dgm:fillClrLst>
+    <dgm:linClrLst>
+      <a:schemeClr val="accent2"/>
+      <a:schemeClr val="accent3"/>
+    </dgm:linClrLst>
+    <dgm:effectClrLst/>
+    <dgm:txLinClrLst/>
+    <dgm:txFillClrLst meth="repeat">
+      <a:schemeClr val="dk1"/>
+    </dgm:txFillClrLst>
+    <dgm:txEffectClrLst/>
+  </dgm:styleLbl>
+  <dgm:styleLbl name="conFgAcc1">
+    <dgm:fillClrLst meth="repeat">
+      <a:schemeClr val="lt1">
+        <a:alpha val="90000"/>
+      </a:schemeClr>
+    </dgm:fillClrLst>
+    <dgm:linClrLst>
+      <a:schemeClr val="accent2"/>
+      <a:schemeClr val="accent3"/>
+    </dgm:linClrLst>
+    <dgm:effectClrLst/>
+    <dgm:txLinClrLst/>
+    <dgm:txFillClrLst meth="repeat">
+      <a:schemeClr val="dk1"/>
+    </dgm:txFillClrLst>
+    <dgm:txEffectClrLst/>
+  </dgm:styleLbl>
+  <dgm:styleLbl name="alignAcc1">
+    <dgm:fillClrLst meth="repeat">
+      <a:schemeClr val="lt1">
+        <a:alpha val="90000"/>
+      </a:schemeClr>
+    </dgm:fillClrLst>
+    <dgm:linClrLst>
+      <a:schemeClr val="accent2"/>
+      <a:schemeClr val="accent3"/>
+    </dgm:linClrLst>
+    <dgm:effectClrLst/>
+    <dgm:txLinClrLst/>
+    <dgm:txFillClrLst meth="repeat">
+      <a:schemeClr val="dk1"/>
+    </dgm:txFillClrLst>
+    <dgm:txEffectClrLst/>
+  </dgm:styleLbl>
+  <dgm:styleLbl name="trAlignAcc1">
+    <dgm:fillClrLst meth="repeat">
+      <a:schemeClr val="lt1">
+        <a:alpha val="40000"/>
+      </a:schemeClr>
+    </dgm:fillClrLst>
+    <dgm:linClrLst meth="repeat">
+      <a:schemeClr val="accent2"/>
+    </dgm:linClrLst>
+    <dgm:effectClrLst/>
+    <dgm:txLinClrLst/>
+    <dgm:txFillClrLst meth="repeat">
+      <a:schemeClr val="dk1"/>
+    </dgm:txFillClrLst>
+    <dgm:txEffectClrLst/>
+  </dgm:styleLbl>
+  <dgm:styleLbl name="bgAcc1">
+    <dgm:fillClrLst meth="repeat">
+      <a:schemeClr val="lt1">
+        <a:alpha val="90000"/>
+      </a:schemeClr>
+    </dgm:fillClrLst>
+    <dgm:linClrLst>
+      <a:schemeClr val="accent2"/>
+      <a:schemeClr val="accent3"/>
+    </dgm:linClrLst>
+    <dgm:effectClrLst/>
+    <dgm:txLinClrLst/>
+    <dgm:txFillClrLst meth="repeat">
+      <a:schemeClr val="dk1"/>
+    </dgm:txFillClrLst>
+    <dgm:txEffectClrLst/>
+  </dgm:styleLbl>
+  <dgm:styleLbl name="solidFgAcc1">
+    <dgm:fillClrLst meth="repeat">
+      <a:schemeClr val="lt1"/>
+    </dgm:fillClrLst>
+    <dgm:linClrLst>
+      <a:schemeClr val="accent2"/>
+      <a:schemeClr val="accent3"/>
+    </dgm:linClrLst>
+    <dgm:effectClrLst/>
+    <dgm:txLinClrLst/>
+    <dgm:txFillClrLst meth="repeat">
+      <a:schemeClr val="dk1"/>
+    </dgm:txFillClrLst>
+    <dgm:txEffectClrLst/>
+  </dgm:styleLbl>
+  <dgm:styleLbl name="solidAlignAcc1">
+    <dgm:fillClrLst meth="repeat">
+      <a:schemeClr val="lt1"/>
+    </dgm:fillClrLst>
+    <dgm:linClrLst>
+      <a:schemeClr val="accent2"/>
+      <a:schemeClr val="accent3"/>
+    </dgm:linClrLst>
+    <dgm:effectClrLst/>
+    <dgm:txLinClrLst/>
+    <dgm:txFillClrLst meth="repeat">
+      <a:schemeClr val="dk1"/>
+    </dgm:txFillClrLst>
+    <dgm:txEffectClrLst/>
+  </dgm:styleLbl>
+  <dgm:styleLbl name="solidBgAcc1">
+    <dgm:fillClrLst meth="repeat">
+      <a:schemeClr val="lt1"/>
+    </dgm:fillClrLst>
+    <dgm:linClrLst>
+      <a:schemeClr val="accent2"/>
+      <a:schemeClr val="accent3"/>
+    </dgm:linClrLst>
+    <dgm:effectClrLst/>
+    <dgm:txLinClrLst/>
+    <dgm:txFillClrLst meth="repeat">
+      <a:schemeClr val="dk1"/>
+    </dgm:txFillClrLst>
+    <dgm:txEffectClrLst/>
+  </dgm:styleLbl>
+  <dgm:styleLbl name="fgAccFollowNode1">
+    <dgm:fillClrLst>
+      <a:schemeClr val="accent2">
+        <a:tint val="40000"/>
+        <a:alpha val="90000"/>
+      </a:schemeClr>
+      <a:schemeClr val="accent3">
+        <a:tint val="40000"/>
+        <a:alpha val="90000"/>
+      </a:schemeClr>
+    </dgm:fillClrLst>
+    <dgm:linClrLst>
+      <a:schemeClr val="accent2">
+        <a:tint val="40000"/>
+        <a:alpha val="90000"/>
+      </a:schemeClr>
+      <a:schemeClr val="accent3">
+        <a:tint val="40000"/>
+        <a:alpha val="90000"/>
+      </a:schemeClr>
+    </dgm:linClrLst>
+    <dgm:effectClrLst/>
+    <dgm:txLinClrLst/>
+    <dgm:txFillClrLst meth="repeat">
+      <a:schemeClr val="dk1"/>
+    </dgm:txFillClrLst>
+    <dgm:txEffectClrLst/>
+  </dgm:styleLbl>
+  <dgm:styleLbl name="alignAccFollowNode1">
+    <dgm:fillClrLst>
+      <a:schemeClr val="accent2">
+        <a:tint val="40000"/>
+        <a:alpha val="90000"/>
+      </a:schemeClr>
+      <a:schemeClr val="accent3">
+        <a:tint val="40000"/>
+        <a:alpha val="90000"/>
+      </a:schemeClr>
+    </dgm:fillClrLst>
+    <dgm:linClrLst>
+      <a:schemeClr val="accent2">
+        <a:tint val="40000"/>
+        <a:alpha val="90000"/>
+      </a:schemeClr>
+      <a:schemeClr val="accent3">
+        <a:tint val="40000"/>
+        <a:alpha val="90000"/>
+      </a:schemeClr>
+    </dgm:linClrLst>
+    <dgm:effectClrLst/>
+    <dgm:txLinClrLst/>
+    <dgm:txFillClrLst meth="repeat">
+      <a:schemeClr val="dk1"/>
+    </dgm:txFillClrLst>
+    <dgm:txEffectClrLst/>
+  </dgm:styleLbl>
+  <dgm:styleLbl name="bgAccFollowNode1">
+    <dgm:fillClrLst>
+      <a:schemeClr val="accent2">
+        <a:tint val="40000"/>
+        <a:alpha val="90000"/>
+      </a:schemeClr>
+      <a:schemeClr val="accent3">
+        <a:tint val="40000"/>
+        <a:alpha val="90000"/>
+      </a:schemeClr>
+    </dgm:fillClrLst>
+    <dgm:linClrLst>
+      <a:schemeClr val="accent2">
+        <a:tint val="40000"/>
+        <a:alpha val="90000"/>
+      </a:schemeClr>
+      <a:schemeClr val="accent3">
+        <a:tint val="40000"/>
+        <a:alpha val="90000"/>
+      </a:schemeClr>
+    </dgm:linClrLst>
+    <dgm:effectClrLst/>
+    <dgm:txLinClrLst/>
+    <dgm:txFillClrLst meth="repeat">
+      <a:schemeClr val="dk1"/>
+    </dgm:txFillClrLst>
+    <dgm:txEffectClrLst/>
+  </dgm:styleLbl>
+  <dgm:styleLbl name="fgAcc0">
+    <dgm:fillClrLst meth="repeat">
+      <a:schemeClr val="lt1">
+        <a:alpha val="90000"/>
+      </a:schemeClr>
+    </dgm:fillClrLst>
+    <dgm:linClrLst>
+      <a:schemeClr val="accent1"/>
+    </dgm:linClrLst>
+    <dgm:effectClrLst/>
+    <dgm:txLinClrLst/>
+    <dgm:txFillClrLst meth="repeat">
+      <a:schemeClr val="dk1"/>
+    </dgm:txFillClrLst>
+    <dgm:txEffectClrLst/>
+  </dgm:styleLbl>
+  <dgm:styleLbl name="fgAcc2">
+    <dgm:fillClrLst meth="repeat">
+      <a:schemeClr val="lt1">
+        <a:alpha val="90000"/>
+      </a:schemeClr>
+    </dgm:fillClrLst>
+    <dgm:linClrLst>
+      <a:schemeClr val="accent3"/>
+    </dgm:linClrLst>
+    <dgm:effectClrLst/>
+    <dgm:txLinClrLst/>
+    <dgm:txFillClrLst meth="repeat">
+      <a:schemeClr val="dk1"/>
+    </dgm:txFillClrLst>
+    <dgm:txEffectClrLst/>
+  </dgm:styleLbl>
+  <dgm:styleLbl name="fgAcc3">
+    <dgm:fillClrLst meth="repeat">
+      <a:schemeClr val="lt1">
+        <a:alpha val="90000"/>
+      </a:schemeClr>
+    </dgm:fillClrLst>
+    <dgm:linClrLst>
+      <a:schemeClr val="accent4"/>
+    </dgm:linClrLst>
+    <dgm:effectClrLst/>
+    <dgm:txLinClrLst/>
+    <dgm:txFillClrLst meth="repeat">
+      <a:schemeClr val="dk1"/>
+    </dgm:txFillClrLst>
+    <dgm:txEffectClrLst/>
+  </dgm:styleLbl>
+  <dgm:styleLbl name="fgAcc4">
+    <dgm:fillClrLst meth="repeat">
+      <a:schemeClr val="lt1">
+        <a:alpha val="90000"/>
+      </a:schemeClr>
+    </dgm:fillClrLst>
+    <dgm:linClrLst>
+      <a:schemeClr val="accent5"/>
+    </dgm:linClrLst>
+    <dgm:effectClrLst/>
+    <dgm:txLinClrLst/>
+    <dgm:txFillClrLst meth="repeat">
+      <a:schemeClr val="dk1"/>
+    </dgm:txFillClrLst>
+    <dgm:txEffectClrLst/>
+  </dgm:styleLbl>
+  <dgm:styleLbl name="bgShp">
+    <dgm:fillClrLst meth="repeat">
+      <a:schemeClr val="accent2">
+        <a:tint val="40000"/>
+      </a:schemeClr>
+    </dgm:fillClrLst>
+    <dgm:linClrLst meth="repeat">
+      <a:schemeClr val="dk1"/>
+    </dgm:linClrLst>
+    <dgm:effectClrLst/>
+    <dgm:txLinClrLst/>
+    <dgm:txFillClrLst meth="repeat">
+      <a:schemeClr val="dk1"/>
+    </dgm:txFillClrLst>
+    <dgm:txEffectClrLst/>
+  </dgm:styleLbl>
+  <dgm:styleLbl name="dkBgShp">
+    <dgm:fillClrLst meth="repeat">
+      <a:schemeClr val="accent2">
+        <a:shade val="90000"/>
+      </a:schemeClr>
+    </dgm:fillClrLst>
+    <dgm:linClrLst meth="repeat">
+      <a:schemeClr val="dk1"/>
+    </dgm:linClrLst>
+    <dgm:effectClrLst/>
+    <dgm:txLinClrLst/>
+    <dgm:txFillClrLst meth="repeat">
+      <a:schemeClr val="lt1"/>
+    </dgm:txFillClrLst>
+    <dgm:txEffectClrLst/>
+  </dgm:styleLbl>
+  <dgm:styleLbl name="trBgShp">
+    <dgm:fillClrLst meth="repeat">
+      <a:schemeClr val="accent2">
+        <a:tint val="50000"/>
+        <a:alpha val="40000"/>
+      </a:schemeClr>
+    </dgm:fillClrLst>
+    <dgm:linClrLst meth="repeat">
+      <a:schemeClr val="accent2"/>
+    </dgm:linClrLst>
+    <dgm:effectClrLst/>
+    <dgm:txLinClrLst/>
+    <dgm:txFillClrLst meth="repeat">
+      <a:schemeClr val="lt1"/>
+    </dgm:txFillClrLst>
+    <dgm:txEffectClrLst/>
+  </dgm:styleLbl>
+  <dgm:styleLbl name="fgShp">
+    <dgm:fillClrLst meth="repeat">
+      <a:schemeClr val="accent2">
+        <a:tint val="40000"/>
+      </a:schemeClr>
+    </dgm:fillClrLst>
+    <dgm:linClrLst meth="repeat">
+      <a:schemeClr val="lt1"/>
+    </dgm:linClrLst>
+    <dgm:effectClrLst/>
+    <dgm:txLinClrLst/>
+    <dgm:txFillClrLst meth="repeat">
+      <a:schemeClr val="dk1"/>
+    </dgm:txFillClrLst>
+    <dgm:txEffectClrLst/>
+  </dgm:styleLbl>
+  <dgm:styleLbl name="revTx">
+    <dgm:fillClrLst meth="repeat">
+      <a:schemeClr val="lt1">
+        <a:alpha val="0"/>
+      </a:schemeClr>
+    </dgm:fillClrLst>
+    <dgm:linClrLst meth="repeat">
+      <a:schemeClr val="dk1">
+        <a:alpha val="0"/>
+      </a:schemeClr>
+    </dgm:linClrLst>
+    <dgm:effectClrLst/>
+    <dgm:txLinClrLst/>
+    <dgm:txFillClrLst meth="repeat">
+      <a:schemeClr val="tx1"/>
+    </dgm:txFillClrLst>
+    <dgm:txEffectClrLst/>
+  </dgm:styleLbl>
+</dgm:colorsDef>
+</file>
+
+<file path=ppt/diagrams/data1.xml><?xml version="1.0" encoding="utf-8"?>
+<dgm:dataModel xmlns:dgm="http://schemas.openxmlformats.org/drawingml/2006/diagram" xmlns:a="http://schemas.openxmlformats.org/drawingml/2006/main">
+  <dgm:ptLst>
+    <dgm:pt modelId="{AE76EEDA-C5E1-4898-84EA-A5E507B102EE}" type="doc">
+      <dgm:prSet loTypeId="urn:microsoft.com/office/officeart/2005/8/layout/vList2" loCatId="list" qsTypeId="urn:microsoft.com/office/officeart/2005/8/quickstyle/simple1" qsCatId="simple" csTypeId="urn:microsoft.com/office/officeart/2005/8/colors/colorful2" csCatId="colorful"/>
+      <dgm:spPr/>
+      <dgm:t>
+        <a:bodyPr/>
+        <a:lstStyle/>
+        <a:p>
+          <a:endParaRPr lang="en-US"/>
+        </a:p>
+      </dgm:t>
+    </dgm:pt>
+    <dgm:pt modelId="{B624E6D0-A3E1-4142-A6A3-821E5ED6BCB0}">
+      <dgm:prSet/>
+      <dgm:spPr/>
+      <dgm:t>
+        <a:bodyPr/>
+        <a:lstStyle/>
+        <a:p>
+          <a:r>
+            <a:rPr lang="en-US"/>
+            <a:t>NID/Kolomogorov</a:t>
+          </a:r>
+        </a:p>
+      </dgm:t>
+    </dgm:pt>
+    <dgm:pt modelId="{949D14A0-DBD4-44FD-B93D-714E56F55430}" type="parTrans" cxnId="{5710DAAA-48B1-4756-8431-7D73E90480C6}">
+      <dgm:prSet/>
+      <dgm:spPr/>
+      <dgm:t>
+        <a:bodyPr/>
+        <a:lstStyle/>
+        <a:p>
+          <a:endParaRPr lang="en-US"/>
+        </a:p>
+      </dgm:t>
+    </dgm:pt>
+    <dgm:pt modelId="{CA13F75D-8F46-482D-85D7-7B48B7C473AF}" type="sibTrans" cxnId="{5710DAAA-48B1-4756-8431-7D73E90480C6}">
+      <dgm:prSet/>
+      <dgm:spPr/>
+      <dgm:t>
+        <a:bodyPr/>
+        <a:lstStyle/>
+        <a:p>
+          <a:endParaRPr lang="en-US"/>
+        </a:p>
+      </dgm:t>
+    </dgm:pt>
+    <dgm:pt modelId="{449D51E5-F92E-420A-830B-37D630EC72BE}">
+      <dgm:prSet/>
+      <dgm:spPr/>
+      <dgm:t>
+        <a:bodyPr/>
+        <a:lstStyle/>
+        <a:p>
+          <a:r>
+            <a:rPr lang="en-US" dirty="0"/>
+            <a:t>NCD </a:t>
+          </a:r>
+          <a:r>
+            <a:rPr lang="en-US" dirty="0">
+              <a:sym typeface="Wingdings" panose="05000000000000000000" pitchFamily="2" charset="2"/>
+            </a:rPr>
+            <a:t></a:t>
+          </a:r>
+          <a:r>
+            <a:rPr lang="en-US" dirty="0"/>
+            <a:t> Formula + basis</a:t>
+          </a:r>
+        </a:p>
+      </dgm:t>
+    </dgm:pt>
+    <dgm:pt modelId="{56BBAAED-97C0-418D-B561-4BBFCE452563}" type="parTrans" cxnId="{86C5C62D-C4EC-451F-ADB1-46DFC2E4C366}">
+      <dgm:prSet/>
+      <dgm:spPr/>
+      <dgm:t>
+        <a:bodyPr/>
+        <a:lstStyle/>
+        <a:p>
+          <a:endParaRPr lang="en-US"/>
+        </a:p>
+      </dgm:t>
+    </dgm:pt>
+    <dgm:pt modelId="{E68C48DC-06A4-4E36-BAF5-306E4F522FDE}" type="sibTrans" cxnId="{86C5C62D-C4EC-451F-ADB1-46DFC2E4C366}">
+      <dgm:prSet/>
+      <dgm:spPr/>
+      <dgm:t>
+        <a:bodyPr/>
+        <a:lstStyle/>
+        <a:p>
+          <a:endParaRPr lang="en-US"/>
+        </a:p>
+      </dgm:t>
+    </dgm:pt>
+    <dgm:pt modelId="{BD854F4D-6DDD-40C0-9515-0A98EC7B84C2}">
+      <dgm:prSet/>
+      <dgm:spPr/>
+      <dgm:t>
+        <a:bodyPr/>
+        <a:lstStyle/>
+        <a:p>
+          <a:r>
+            <a:rPr lang="en-US"/>
+            <a:t>Distance matrices</a:t>
+          </a:r>
+        </a:p>
+      </dgm:t>
+    </dgm:pt>
+    <dgm:pt modelId="{F1DF0F76-D19E-4E73-80C1-C9381A6840EF}" type="parTrans" cxnId="{44F5364B-EAB5-4B8A-BC2A-578B97B8715D}">
+      <dgm:prSet/>
+      <dgm:spPr/>
+      <dgm:t>
+        <a:bodyPr/>
+        <a:lstStyle/>
+        <a:p>
+          <a:endParaRPr lang="en-US"/>
+        </a:p>
+      </dgm:t>
+    </dgm:pt>
+    <dgm:pt modelId="{21428DB6-B467-4862-9678-47E8DF8E77A4}" type="sibTrans" cxnId="{44F5364B-EAB5-4B8A-BC2A-578B97B8715D}">
+      <dgm:prSet/>
+      <dgm:spPr/>
+      <dgm:t>
+        <a:bodyPr/>
+        <a:lstStyle/>
+        <a:p>
+          <a:endParaRPr lang="en-US"/>
+        </a:p>
+      </dgm:t>
+    </dgm:pt>
+    <dgm:pt modelId="{47B0EC76-828A-4745-BFA8-1AA6C51DF922}">
+      <dgm:prSet/>
+      <dgm:spPr/>
+      <dgm:t>
+        <a:bodyPr/>
+        <a:lstStyle/>
+        <a:p>
+          <a:r>
+            <a:rPr lang="en-US"/>
+            <a:t>Distance based alignment-free methods</a:t>
+          </a:r>
+        </a:p>
+      </dgm:t>
+    </dgm:pt>
+    <dgm:pt modelId="{DC267042-C3F0-41EB-B403-F7EAB5508E3F}" type="parTrans" cxnId="{8DE68782-F9FD-483F-B935-476276A0A1C8}">
+      <dgm:prSet/>
+      <dgm:spPr/>
+      <dgm:t>
+        <a:bodyPr/>
+        <a:lstStyle/>
+        <a:p>
+          <a:endParaRPr lang="en-US"/>
+        </a:p>
+      </dgm:t>
+    </dgm:pt>
+    <dgm:pt modelId="{89572C98-C4EF-4486-A87B-B657B1837113}" type="sibTrans" cxnId="{8DE68782-F9FD-483F-B935-476276A0A1C8}">
+      <dgm:prSet/>
+      <dgm:spPr/>
+      <dgm:t>
+        <a:bodyPr/>
+        <a:lstStyle/>
+        <a:p>
+          <a:endParaRPr lang="en-US"/>
+        </a:p>
+      </dgm:t>
+    </dgm:pt>
+    <dgm:pt modelId="{AA5111DB-D012-40C0-9FDB-B0322AE755BF}">
+      <dgm:prSet/>
+      <dgm:spPr/>
+      <dgm:t>
+        <a:bodyPr/>
+        <a:lstStyle/>
+        <a:p>
+          <a:r>
+            <a:rPr lang="en-US"/>
+            <a:t>examples</a:t>
+          </a:r>
+        </a:p>
+      </dgm:t>
+    </dgm:pt>
+    <dgm:pt modelId="{2400D38D-97C1-4E89-B200-C7E22F56DB63}" type="parTrans" cxnId="{5D9D358E-43EA-4F09-B37F-85E07286C8C2}">
+      <dgm:prSet/>
+      <dgm:spPr/>
+      <dgm:t>
+        <a:bodyPr/>
+        <a:lstStyle/>
+        <a:p>
+          <a:endParaRPr lang="en-US"/>
+        </a:p>
+      </dgm:t>
+    </dgm:pt>
+    <dgm:pt modelId="{BA4B8C38-4843-4181-B3F3-B189B8E42763}" type="sibTrans" cxnId="{5D9D358E-43EA-4F09-B37F-85E07286C8C2}">
+      <dgm:prSet/>
+      <dgm:spPr/>
+      <dgm:t>
+        <a:bodyPr/>
+        <a:lstStyle/>
+        <a:p>
+          <a:endParaRPr lang="en-US"/>
+        </a:p>
+      </dgm:t>
+    </dgm:pt>
+    <dgm:pt modelId="{5D9D8BE6-46B4-4DB4-B717-8A76E0F5EF14}">
+      <dgm:prSet/>
+      <dgm:spPr/>
+      <dgm:t>
+        <a:bodyPr/>
+        <a:lstStyle/>
+        <a:p>
+          <a:r>
+            <a:rPr lang="en-US"/>
+            <a:t>Trees</a:t>
+          </a:r>
+        </a:p>
+      </dgm:t>
+    </dgm:pt>
+    <dgm:pt modelId="{FAEAEB9C-B8CC-4575-82F7-6832E9FF9BF7}" type="parTrans" cxnId="{3EC59DA3-68C2-41DD-A7F6-C2ABDB26BFCA}">
+      <dgm:prSet/>
+      <dgm:spPr/>
+      <dgm:t>
+        <a:bodyPr/>
+        <a:lstStyle/>
+        <a:p>
+          <a:endParaRPr lang="en-US"/>
+        </a:p>
+      </dgm:t>
+    </dgm:pt>
+    <dgm:pt modelId="{5505534B-69EA-4912-A780-49BA33E8E813}" type="sibTrans" cxnId="{3EC59DA3-68C2-41DD-A7F6-C2ABDB26BFCA}">
+      <dgm:prSet/>
+      <dgm:spPr/>
+      <dgm:t>
+        <a:bodyPr/>
+        <a:lstStyle/>
+        <a:p>
+          <a:endParaRPr lang="en-US"/>
+        </a:p>
+      </dgm:t>
+    </dgm:pt>
+    <dgm:pt modelId="{A199361B-6D77-4479-8141-53EB8F529F25}">
+      <dgm:prSet/>
+      <dgm:spPr/>
+      <dgm:t>
+        <a:bodyPr/>
+        <a:lstStyle/>
+        <a:p>
+          <a:r>
+            <a:rPr lang="en-US"/>
+            <a:t>Datasets…</a:t>
+          </a:r>
+        </a:p>
+      </dgm:t>
+    </dgm:pt>
+    <dgm:pt modelId="{CF9E8F3E-F203-496A-B28B-D26A2D55D25F}" type="parTrans" cxnId="{E695BC83-C453-40E4-98F9-312F894919FA}">
+      <dgm:prSet/>
+      <dgm:spPr/>
+      <dgm:t>
+        <a:bodyPr/>
+        <a:lstStyle/>
+        <a:p>
+          <a:endParaRPr lang="en-US"/>
+        </a:p>
+      </dgm:t>
+    </dgm:pt>
+    <dgm:pt modelId="{CC4819C8-CE75-4177-B6BA-60F38141B350}" type="sibTrans" cxnId="{E695BC83-C453-40E4-98F9-312F894919FA}">
+      <dgm:prSet/>
+      <dgm:spPr/>
+      <dgm:t>
+        <a:bodyPr/>
+        <a:lstStyle/>
+        <a:p>
+          <a:endParaRPr lang="en-US"/>
+        </a:p>
+      </dgm:t>
+    </dgm:pt>
+    <dgm:pt modelId="{D5784D28-E2FE-4B58-97A6-BE1F1871DD71}">
+      <dgm:prSet/>
+      <dgm:spPr/>
+      <dgm:t>
+        <a:bodyPr/>
+        <a:lstStyle/>
+        <a:p>
+          <a:r>
+            <a:rPr lang="en-US"/>
+            <a:t>justification</a:t>
+          </a:r>
+        </a:p>
+      </dgm:t>
+    </dgm:pt>
+    <dgm:pt modelId="{52383339-29A0-436B-AC6A-45458AC1D4F4}" type="parTrans" cxnId="{7323B0EB-3D6B-465E-AF81-CC0C55188456}">
+      <dgm:prSet/>
+      <dgm:spPr/>
+      <dgm:t>
+        <a:bodyPr/>
+        <a:lstStyle/>
+        <a:p>
+          <a:endParaRPr lang="en-US"/>
+        </a:p>
+      </dgm:t>
+    </dgm:pt>
+    <dgm:pt modelId="{EF34D46C-2851-411B-BE76-38EFE4088B80}" type="sibTrans" cxnId="{7323B0EB-3D6B-465E-AF81-CC0C55188456}">
+      <dgm:prSet/>
+      <dgm:spPr/>
+      <dgm:t>
+        <a:bodyPr/>
+        <a:lstStyle/>
+        <a:p>
+          <a:endParaRPr lang="en-US"/>
+        </a:p>
+      </dgm:t>
+    </dgm:pt>
+    <dgm:pt modelId="{9DB6600F-12AD-4985-A63F-9DAFD8A2FB92}">
+      <dgm:prSet/>
+      <dgm:spPr/>
+      <dgm:t>
+        <a:bodyPr/>
+        <a:lstStyle/>
+        <a:p>
+          <a:r>
+            <a:rPr lang="en-US"/>
+            <a:t>Methods</a:t>
+          </a:r>
+        </a:p>
+      </dgm:t>
+    </dgm:pt>
+    <dgm:pt modelId="{ED548EA7-52AA-4722-9A8A-BD4AA1120A5E}" type="parTrans" cxnId="{AA1FEDAD-478B-46E6-865C-E6F2225AE6F4}">
+      <dgm:prSet/>
+      <dgm:spPr/>
+      <dgm:t>
+        <a:bodyPr/>
+        <a:lstStyle/>
+        <a:p>
+          <a:endParaRPr lang="en-US"/>
+        </a:p>
+      </dgm:t>
+    </dgm:pt>
+    <dgm:pt modelId="{A3884232-01AA-4457-BDC4-210DC937BDAD}" type="sibTrans" cxnId="{AA1FEDAD-478B-46E6-865C-E6F2225AE6F4}">
+      <dgm:prSet/>
+      <dgm:spPr/>
+      <dgm:t>
+        <a:bodyPr/>
+        <a:lstStyle/>
+        <a:p>
+          <a:endParaRPr lang="en-US"/>
+        </a:p>
+      </dgm:t>
+    </dgm:pt>
+    <dgm:pt modelId="{384A1639-9D90-4B14-8755-38EAD7E74928}">
+      <dgm:prSet/>
+      <dgm:spPr/>
+      <dgm:t>
+        <a:bodyPr/>
+        <a:lstStyle/>
+        <a:p>
+          <a:r>
+            <a:rPr lang="en-US"/>
+            <a:t>DNA </a:t>
+          </a:r>
+          <a:r>
+            <a:rPr lang="en-US">
+              <a:sym typeface="Wingdings" panose="05000000000000000000" pitchFamily="2" charset="2"/>
+            </a:rPr>
+            <a:t></a:t>
+          </a:r>
+          <a:r>
+            <a:rPr lang="en-US"/>
+            <a:t> Tree</a:t>
+          </a:r>
+        </a:p>
+      </dgm:t>
+    </dgm:pt>
+    <dgm:pt modelId="{C1FE2FDE-FEB6-474F-A96F-83116CC5C555}" type="parTrans" cxnId="{362A3C0C-C3FF-45D9-A791-10730CA20A54}">
+      <dgm:prSet/>
+      <dgm:spPr/>
+      <dgm:t>
+        <a:bodyPr/>
+        <a:lstStyle/>
+        <a:p>
+          <a:endParaRPr lang="en-US"/>
+        </a:p>
+      </dgm:t>
+    </dgm:pt>
+    <dgm:pt modelId="{48718E54-997A-4826-8E83-EA449E73E46F}" type="sibTrans" cxnId="{362A3C0C-C3FF-45D9-A791-10730CA20A54}">
+      <dgm:prSet/>
+      <dgm:spPr/>
+      <dgm:t>
+        <a:bodyPr/>
+        <a:lstStyle/>
+        <a:p>
+          <a:endParaRPr lang="en-US"/>
+        </a:p>
+      </dgm:t>
+    </dgm:pt>
+    <dgm:pt modelId="{06367717-CB25-4F7E-9569-39BF6BF99EB2}">
+      <dgm:prSet/>
+      <dgm:spPr/>
+      <dgm:t>
+        <a:bodyPr/>
+        <a:lstStyle/>
+        <a:p>
+          <a:r>
+            <a:rPr lang="en-US"/>
+            <a:t>MrBayes (MCMC)</a:t>
+          </a:r>
+        </a:p>
+      </dgm:t>
+    </dgm:pt>
+    <dgm:pt modelId="{3EDD23AA-4306-4232-825B-21AA0B16D9B9}" type="parTrans" cxnId="{9036F960-2FCE-4D26-84F9-F8F3E3DFDA80}">
+      <dgm:prSet/>
+      <dgm:spPr/>
+      <dgm:t>
+        <a:bodyPr/>
+        <a:lstStyle/>
+        <a:p>
+          <a:endParaRPr lang="en-US"/>
+        </a:p>
+      </dgm:t>
+    </dgm:pt>
+    <dgm:pt modelId="{57702B93-D18C-4E2A-BE95-E26528D39F58}" type="sibTrans" cxnId="{9036F960-2FCE-4D26-84F9-F8F3E3DFDA80}">
+      <dgm:prSet/>
+      <dgm:spPr/>
+      <dgm:t>
+        <a:bodyPr/>
+        <a:lstStyle/>
+        <a:p>
+          <a:endParaRPr lang="en-US"/>
+        </a:p>
+      </dgm:t>
+    </dgm:pt>
+    <dgm:pt modelId="{B51967C4-3861-4051-AD8E-7AE2A2873801}">
+      <dgm:prSet/>
+      <dgm:spPr/>
+      <dgm:t>
+        <a:bodyPr/>
+        <a:lstStyle/>
+        <a:p>
+          <a:r>
+            <a:rPr lang="en-US"/>
+            <a:t>Neighbor Joining with p-value(NJp)</a:t>
+          </a:r>
+        </a:p>
+      </dgm:t>
+    </dgm:pt>
+    <dgm:pt modelId="{93D19905-7223-4ADD-87D2-6D30079B336D}" type="parTrans" cxnId="{5FE8D746-FD2C-4AC7-BE66-CCC090C72F16}">
+      <dgm:prSet/>
+      <dgm:spPr/>
+      <dgm:t>
+        <a:bodyPr/>
+        <a:lstStyle/>
+        <a:p>
+          <a:endParaRPr lang="en-US"/>
+        </a:p>
+      </dgm:t>
+    </dgm:pt>
+    <dgm:pt modelId="{84046210-8895-4D60-BFB0-47958BDE7A0E}" type="sibTrans" cxnId="{5FE8D746-FD2C-4AC7-BE66-CCC090C72F16}">
+      <dgm:prSet/>
+      <dgm:spPr/>
+      <dgm:t>
+        <a:bodyPr/>
+        <a:lstStyle/>
+        <a:p>
+          <a:endParaRPr lang="en-US"/>
+        </a:p>
+      </dgm:t>
+    </dgm:pt>
+    <dgm:pt modelId="{965419A9-4F71-445F-BD33-6163EF2CD0BA}">
+      <dgm:prSet/>
+      <dgm:spPr/>
+      <dgm:t>
+        <a:bodyPr/>
+        <a:lstStyle/>
+        <a:p>
+          <a:r>
+            <a:rPr lang="en-US"/>
+            <a:t>NCD</a:t>
+          </a:r>
+        </a:p>
+      </dgm:t>
+    </dgm:pt>
+    <dgm:pt modelId="{3F5E2B34-7CBA-4A6F-9BC5-EA0B24437875}" type="parTrans" cxnId="{8D61434E-822C-4499-AFEF-A57D9144DAC5}">
+      <dgm:prSet/>
+      <dgm:spPr/>
+      <dgm:t>
+        <a:bodyPr/>
+        <a:lstStyle/>
+        <a:p>
+          <a:endParaRPr lang="en-US"/>
+        </a:p>
+      </dgm:t>
+    </dgm:pt>
+    <dgm:pt modelId="{A4BB5F61-285B-4AE8-B5F2-373B5B94DE52}" type="sibTrans" cxnId="{8D61434E-822C-4499-AFEF-A57D9144DAC5}">
+      <dgm:prSet/>
+      <dgm:spPr/>
+      <dgm:t>
+        <a:bodyPr/>
+        <a:lstStyle/>
+        <a:p>
+          <a:endParaRPr lang="en-US"/>
+        </a:p>
+      </dgm:t>
+    </dgm:pt>
+    <dgm:pt modelId="{4201557D-6DE1-4D8E-A0CB-05BF2ED1E24E}">
+      <dgm:prSet/>
+      <dgm:spPr/>
+      <dgm:t>
+        <a:bodyPr/>
+        <a:lstStyle/>
+        <a:p>
+          <a:r>
+            <a:rPr lang="en-US"/>
+            <a:t>Analysis by comparison…</a:t>
+          </a:r>
+        </a:p>
+      </dgm:t>
+    </dgm:pt>
+    <dgm:pt modelId="{03BCBC86-4529-4C1E-8705-CB961F146F6A}" type="parTrans" cxnId="{346A9307-65F9-4ABB-A661-202E04080ED1}">
+      <dgm:prSet/>
+      <dgm:spPr/>
+      <dgm:t>
+        <a:bodyPr/>
+        <a:lstStyle/>
+        <a:p>
+          <a:endParaRPr lang="en-US"/>
+        </a:p>
+      </dgm:t>
+    </dgm:pt>
+    <dgm:pt modelId="{756D5A08-67DE-4E14-A10E-C7416DED4EF4}" type="sibTrans" cxnId="{346A9307-65F9-4ABB-A661-202E04080ED1}">
+      <dgm:prSet/>
+      <dgm:spPr/>
+      <dgm:t>
+        <a:bodyPr/>
+        <a:lstStyle/>
+        <a:p>
+          <a:endParaRPr lang="en-US"/>
+        </a:p>
+      </dgm:t>
+    </dgm:pt>
+    <dgm:pt modelId="{DF7528CE-F088-4260-AED3-E42CFF308C4C}">
+      <dgm:prSet/>
+      <dgm:spPr/>
+      <dgm:t>
+        <a:bodyPr/>
+        <a:lstStyle/>
+        <a:p>
+          <a:r>
+            <a:rPr lang="en-US"/>
+            <a:t>Results</a:t>
+          </a:r>
+        </a:p>
+      </dgm:t>
+    </dgm:pt>
+    <dgm:pt modelId="{B5FC47F1-25BB-4286-B0B2-AB1849FFB005}" type="parTrans" cxnId="{BD087399-B5FC-4554-85FC-57A7BBC83C71}">
+      <dgm:prSet/>
+      <dgm:spPr/>
+      <dgm:t>
+        <a:bodyPr/>
+        <a:lstStyle/>
+        <a:p>
+          <a:endParaRPr lang="en-US"/>
+        </a:p>
+      </dgm:t>
+    </dgm:pt>
+    <dgm:pt modelId="{3EC17337-F41C-40E1-A25B-55AA610DA48E}" type="sibTrans" cxnId="{BD087399-B5FC-4554-85FC-57A7BBC83C71}">
+      <dgm:prSet/>
+      <dgm:spPr/>
+      <dgm:t>
+        <a:bodyPr/>
+        <a:lstStyle/>
+        <a:p>
+          <a:endParaRPr lang="en-US"/>
+        </a:p>
+      </dgm:t>
+    </dgm:pt>
+    <dgm:pt modelId="{DB38BADC-94ED-44FC-AF01-9A9AD84C2FDD}">
+      <dgm:prSet/>
+      <dgm:spPr/>
+      <dgm:t>
+        <a:bodyPr/>
+        <a:lstStyle/>
+        <a:p>
+          <a:r>
+            <a:rPr lang="en-US"/>
+            <a:t>Analysis Tools</a:t>
+          </a:r>
+        </a:p>
+      </dgm:t>
+    </dgm:pt>
+    <dgm:pt modelId="{90773716-274E-4F7E-B7A4-144BFF63D6E2}" type="parTrans" cxnId="{06D89718-2A7B-4B2F-A7CE-2BE1BD5ED063}">
+      <dgm:prSet/>
+      <dgm:spPr/>
+      <dgm:t>
+        <a:bodyPr/>
+        <a:lstStyle/>
+        <a:p>
+          <a:endParaRPr lang="en-US"/>
+        </a:p>
+      </dgm:t>
+    </dgm:pt>
+    <dgm:pt modelId="{0AE94247-34A8-4172-BB69-47718FCAC83C}" type="sibTrans" cxnId="{06D89718-2A7B-4B2F-A7CE-2BE1BD5ED063}">
+      <dgm:prSet/>
+      <dgm:spPr/>
+      <dgm:t>
+        <a:bodyPr/>
+        <a:lstStyle/>
+        <a:p>
+          <a:endParaRPr lang="en-US"/>
+        </a:p>
+      </dgm:t>
+    </dgm:pt>
+    <dgm:pt modelId="{06B26D1C-6018-46D2-BEAE-9A478E618F83}">
+      <dgm:prSet/>
+      <dgm:spPr/>
+      <dgm:t>
+        <a:bodyPr/>
+        <a:lstStyle/>
+        <a:p>
+          <a:r>
+            <a:rPr lang="en-US"/>
+            <a:t>Symmetric Difference</a:t>
+          </a:r>
+        </a:p>
+      </dgm:t>
+    </dgm:pt>
+    <dgm:pt modelId="{769FCBB5-A235-4C05-A387-DD6ADD909C21}" type="parTrans" cxnId="{91FB4DFA-1CE6-409B-8D42-A539B94F2F17}">
+      <dgm:prSet/>
+      <dgm:spPr/>
+      <dgm:t>
+        <a:bodyPr/>
+        <a:lstStyle/>
+        <a:p>
+          <a:endParaRPr lang="en-US"/>
+        </a:p>
+      </dgm:t>
+    </dgm:pt>
+    <dgm:pt modelId="{FD0FB379-B146-4D2F-BD04-6649087515C3}" type="sibTrans" cxnId="{91FB4DFA-1CE6-409B-8D42-A539B94F2F17}">
+      <dgm:prSet/>
+      <dgm:spPr/>
+      <dgm:t>
+        <a:bodyPr/>
+        <a:lstStyle/>
+        <a:p>
+          <a:endParaRPr lang="en-US"/>
+        </a:p>
+      </dgm:t>
+    </dgm:pt>
+    <dgm:pt modelId="{14A07BDA-1CCB-4B03-ABBE-969C641D2D36}">
+      <dgm:prSet/>
+      <dgm:spPr/>
+      <dgm:t>
+        <a:bodyPr/>
+        <a:lstStyle/>
+        <a:p>
+          <a:r>
+            <a:rPr lang="en-US"/>
+            <a:t>Quartet Compatibility</a:t>
+          </a:r>
+        </a:p>
+      </dgm:t>
+    </dgm:pt>
+    <dgm:pt modelId="{C3FB1DCA-8B38-4ADB-8D76-83C1A6C5B2E6}" type="parTrans" cxnId="{298065DB-8522-4D0B-A195-2FEAB62B1EF5}">
+      <dgm:prSet/>
+      <dgm:spPr/>
+      <dgm:t>
+        <a:bodyPr/>
+        <a:lstStyle/>
+        <a:p>
+          <a:endParaRPr lang="en-US"/>
+        </a:p>
+      </dgm:t>
+    </dgm:pt>
+    <dgm:pt modelId="{13ED5013-3E7D-412A-8617-3D9BDFB72622}" type="sibTrans" cxnId="{298065DB-8522-4D0B-A195-2FEAB62B1EF5}">
+      <dgm:prSet/>
+      <dgm:spPr/>
+      <dgm:t>
+        <a:bodyPr/>
+        <a:lstStyle/>
+        <a:p>
+          <a:endParaRPr lang="en-US"/>
+        </a:p>
+      </dgm:t>
+    </dgm:pt>
+    <dgm:pt modelId="{65083F01-AE28-4777-ABEB-6E1BEB12707E}">
+      <dgm:prSet/>
+      <dgm:spPr/>
+      <dgm:t>
+        <a:bodyPr/>
+        <a:lstStyle/>
+        <a:p>
+          <a:r>
+            <a:rPr lang="en-US"/>
+            <a:t>Quartet Agreement</a:t>
+          </a:r>
+        </a:p>
+      </dgm:t>
+    </dgm:pt>
+    <dgm:pt modelId="{CA9B2C1B-D035-4644-AD83-3E5377AA0C56}" type="parTrans" cxnId="{BEA21B7B-EF60-4D6F-B38A-B9A94886AA34}">
+      <dgm:prSet/>
+      <dgm:spPr/>
+      <dgm:t>
+        <a:bodyPr/>
+        <a:lstStyle/>
+        <a:p>
+          <a:endParaRPr lang="en-US"/>
+        </a:p>
+      </dgm:t>
+    </dgm:pt>
+    <dgm:pt modelId="{DD715BF4-B08C-414D-9DA8-3C5161F92E2D}" type="sibTrans" cxnId="{BEA21B7B-EF60-4D6F-B38A-B9A94886AA34}">
+      <dgm:prSet/>
+      <dgm:spPr/>
+      <dgm:t>
+        <a:bodyPr/>
+        <a:lstStyle/>
+        <a:p>
+          <a:endParaRPr lang="en-US"/>
+        </a:p>
+      </dgm:t>
+    </dgm:pt>
+    <dgm:pt modelId="{79083327-97E6-44B0-BC9F-F22CB36C31AF}">
+      <dgm:prSet/>
+      <dgm:spPr/>
+      <dgm:t>
+        <a:bodyPr/>
+        <a:lstStyle/>
+        <a:p>
+          <a:r>
+            <a:rPr lang="en-US"/>
+            <a:t>Induced Quartet Agreement</a:t>
+          </a:r>
+        </a:p>
+      </dgm:t>
+    </dgm:pt>
+    <dgm:pt modelId="{C5CB2422-41D4-4D77-89CA-3A9F6E3C719F}" type="parTrans" cxnId="{3E0417CD-90A2-4519-B048-71887130B2FF}">
+      <dgm:prSet/>
+      <dgm:spPr/>
+      <dgm:t>
+        <a:bodyPr/>
+        <a:lstStyle/>
+        <a:p>
+          <a:endParaRPr lang="en-US"/>
+        </a:p>
+      </dgm:t>
+    </dgm:pt>
+    <dgm:pt modelId="{9F837C31-E468-4D39-9EE9-19C49405BFAE}" type="sibTrans" cxnId="{3E0417CD-90A2-4519-B048-71887130B2FF}">
+      <dgm:prSet/>
+      <dgm:spPr/>
+      <dgm:t>
+        <a:bodyPr/>
+        <a:lstStyle/>
+        <a:p>
+          <a:endParaRPr lang="en-US"/>
+        </a:p>
+      </dgm:t>
+    </dgm:pt>
+    <dgm:pt modelId="{7C709E2B-4039-4D5B-8A9C-5489EBE96FF5}">
+      <dgm:prSet/>
+      <dgm:spPr/>
+      <dgm:t>
+        <a:bodyPr/>
+        <a:lstStyle/>
+        <a:p>
+          <a:r>
+            <a:rPr lang="en-US"/>
+            <a:t>Timing differences</a:t>
+          </a:r>
+        </a:p>
+      </dgm:t>
+    </dgm:pt>
+    <dgm:pt modelId="{CB4FB5E5-3F3F-4675-9AD2-CAA197015DD5}" type="parTrans" cxnId="{D740A1BE-DFDD-4637-919F-54E96F8DEC56}">
+      <dgm:prSet/>
+      <dgm:spPr/>
+      <dgm:t>
+        <a:bodyPr/>
+        <a:lstStyle/>
+        <a:p>
+          <a:endParaRPr lang="en-US"/>
+        </a:p>
+      </dgm:t>
+    </dgm:pt>
+    <dgm:pt modelId="{E49223F6-49C2-42D5-84A1-C4AC047B3A04}" type="sibTrans" cxnId="{D740A1BE-DFDD-4637-919F-54E96F8DEC56}">
+      <dgm:prSet/>
+      <dgm:spPr/>
+      <dgm:t>
+        <a:bodyPr/>
+        <a:lstStyle/>
+        <a:p>
+          <a:endParaRPr lang="en-US"/>
+        </a:p>
+      </dgm:t>
+    </dgm:pt>
+    <dgm:pt modelId="{DA08A979-C0B2-4C43-A7EE-4DD0FBA0B9C7}">
+      <dgm:prSet/>
+      <dgm:spPr/>
+      <dgm:t>
+        <a:bodyPr/>
+        <a:lstStyle/>
+        <a:p>
+          <a:r>
+            <a:rPr lang="en-US"/>
+            <a:t>Future steps</a:t>
+          </a:r>
+        </a:p>
+      </dgm:t>
+    </dgm:pt>
+    <dgm:pt modelId="{867C8C00-1463-4632-AB02-F6A69E5D9001}" type="parTrans" cxnId="{E418C1DC-408F-4AFC-B45E-7CD6A19646B5}">
+      <dgm:prSet/>
+      <dgm:spPr/>
+      <dgm:t>
+        <a:bodyPr/>
+        <a:lstStyle/>
+        <a:p>
+          <a:endParaRPr lang="en-US"/>
+        </a:p>
+      </dgm:t>
+    </dgm:pt>
+    <dgm:pt modelId="{831C2983-F84E-412E-B865-1D6339EF99EF}" type="sibTrans" cxnId="{E418C1DC-408F-4AFC-B45E-7CD6A19646B5}">
+      <dgm:prSet/>
+      <dgm:spPr/>
+      <dgm:t>
+        <a:bodyPr/>
+        <a:lstStyle/>
+        <a:p>
+          <a:endParaRPr lang="en-US"/>
+        </a:p>
+      </dgm:t>
+    </dgm:pt>
+    <dgm:pt modelId="{48953D45-DC29-4915-8192-E0D02EFB29C4}" type="pres">
+      <dgm:prSet presAssocID="{AE76EEDA-C5E1-4898-84EA-A5E507B102EE}" presName="linear" presStyleCnt="0">
+        <dgm:presLayoutVars>
+          <dgm:animLvl val="lvl"/>
+          <dgm:resizeHandles val="exact"/>
+        </dgm:presLayoutVars>
+      </dgm:prSet>
+      <dgm:spPr/>
+    </dgm:pt>
+    <dgm:pt modelId="{C40C86C9-2E61-430B-815C-DB4BF48C6B35}" type="pres">
+      <dgm:prSet presAssocID="{B624E6D0-A3E1-4142-A6A3-821E5ED6BCB0}" presName="parentText" presStyleLbl="node1" presStyleIdx="0" presStyleCnt="10">
+        <dgm:presLayoutVars>
+          <dgm:chMax val="0"/>
+          <dgm:bulletEnabled val="1"/>
+        </dgm:presLayoutVars>
+      </dgm:prSet>
+      <dgm:spPr/>
+    </dgm:pt>
+    <dgm:pt modelId="{A91DDB86-CB05-45F6-98CE-FDC6E97675B6}" type="pres">
+      <dgm:prSet presAssocID="{CA13F75D-8F46-482D-85D7-7B48B7C473AF}" presName="spacer" presStyleCnt="0"/>
+      <dgm:spPr/>
+    </dgm:pt>
+    <dgm:pt modelId="{D02F737D-DDDF-4AA1-B5B8-83ED6F662459}" type="pres">
+      <dgm:prSet presAssocID="{449D51E5-F92E-420A-830B-37D630EC72BE}" presName="parentText" presStyleLbl="node1" presStyleIdx="1" presStyleCnt="10">
+        <dgm:presLayoutVars>
+          <dgm:chMax val="0"/>
+          <dgm:bulletEnabled val="1"/>
+        </dgm:presLayoutVars>
+      </dgm:prSet>
+      <dgm:spPr/>
+    </dgm:pt>
+    <dgm:pt modelId="{F9F8F337-1DDD-4167-8437-B84436BD6831}" type="pres">
+      <dgm:prSet presAssocID="{E68C48DC-06A4-4E36-BAF5-306E4F522FDE}" presName="spacer" presStyleCnt="0"/>
+      <dgm:spPr/>
+    </dgm:pt>
+    <dgm:pt modelId="{4B120519-741D-4560-B783-249217459FD4}" type="pres">
+      <dgm:prSet presAssocID="{BD854F4D-6DDD-40C0-9515-0A98EC7B84C2}" presName="parentText" presStyleLbl="node1" presStyleIdx="2" presStyleCnt="10">
+        <dgm:presLayoutVars>
+          <dgm:chMax val="0"/>
+          <dgm:bulletEnabled val="1"/>
+        </dgm:presLayoutVars>
+      </dgm:prSet>
+      <dgm:spPr/>
+    </dgm:pt>
+    <dgm:pt modelId="{2FC5CA17-8FB3-4E42-B105-FD9DA2DC2E67}" type="pres">
+      <dgm:prSet presAssocID="{BD854F4D-6DDD-40C0-9515-0A98EC7B84C2}" presName="childText" presStyleLbl="revTx" presStyleIdx="0" presStyleCnt="4">
+        <dgm:presLayoutVars>
+          <dgm:bulletEnabled val="1"/>
+        </dgm:presLayoutVars>
+      </dgm:prSet>
+      <dgm:spPr/>
+    </dgm:pt>
+    <dgm:pt modelId="{306B17A9-F023-4368-9823-B672993DE3E2}" type="pres">
+      <dgm:prSet presAssocID="{5D9D8BE6-46B4-4DB4-B717-8A76E0F5EF14}" presName="parentText" presStyleLbl="node1" presStyleIdx="3" presStyleCnt="10">
+        <dgm:presLayoutVars>
+          <dgm:chMax val="0"/>
+          <dgm:bulletEnabled val="1"/>
+        </dgm:presLayoutVars>
+      </dgm:prSet>
+      <dgm:spPr/>
+    </dgm:pt>
+    <dgm:pt modelId="{A7CA3519-6217-4ABF-9CF5-34C78B78DB93}" type="pres">
+      <dgm:prSet presAssocID="{5D9D8BE6-46B4-4DB4-B717-8A76E0F5EF14}" presName="childText" presStyleLbl="revTx" presStyleIdx="1" presStyleCnt="4">
+        <dgm:presLayoutVars>
+          <dgm:bulletEnabled val="1"/>
+        </dgm:presLayoutVars>
+      </dgm:prSet>
+      <dgm:spPr/>
+    </dgm:pt>
+    <dgm:pt modelId="{A5CE59B0-3FA2-4905-9271-C5BFE6B43A5F}" type="pres">
+      <dgm:prSet presAssocID="{9DB6600F-12AD-4985-A63F-9DAFD8A2FB92}" presName="parentText" presStyleLbl="node1" presStyleIdx="4" presStyleCnt="10">
+        <dgm:presLayoutVars>
+          <dgm:chMax val="0"/>
+          <dgm:bulletEnabled val="1"/>
+        </dgm:presLayoutVars>
+      </dgm:prSet>
+      <dgm:spPr/>
+    </dgm:pt>
+    <dgm:pt modelId="{BCCBDE56-CD63-4E32-A45C-99A97D48F275}" type="pres">
+      <dgm:prSet presAssocID="{9DB6600F-12AD-4985-A63F-9DAFD8A2FB92}" presName="childText" presStyleLbl="revTx" presStyleIdx="2" presStyleCnt="4">
+        <dgm:presLayoutVars>
+          <dgm:bulletEnabled val="1"/>
+        </dgm:presLayoutVars>
+      </dgm:prSet>
+      <dgm:spPr/>
+    </dgm:pt>
+    <dgm:pt modelId="{21DFFCE7-AA6A-4D4E-A0CE-CA584F48FD19}" type="pres">
+      <dgm:prSet presAssocID="{4201557D-6DE1-4D8E-A0CB-05BF2ED1E24E}" presName="parentText" presStyleLbl="node1" presStyleIdx="5" presStyleCnt="10">
+        <dgm:presLayoutVars>
+          <dgm:chMax val="0"/>
+          <dgm:bulletEnabled val="1"/>
+        </dgm:presLayoutVars>
+      </dgm:prSet>
+      <dgm:spPr/>
+    </dgm:pt>
+    <dgm:pt modelId="{6D47E968-A4A3-470B-AECE-A5CE01C98D13}" type="pres">
+      <dgm:prSet presAssocID="{756D5A08-67DE-4E14-A10E-C7416DED4EF4}" presName="spacer" presStyleCnt="0"/>
+      <dgm:spPr/>
+    </dgm:pt>
+    <dgm:pt modelId="{8F75B2C6-4CE6-409E-A3E9-A2BD4349B3A3}" type="pres">
+      <dgm:prSet presAssocID="{DF7528CE-F088-4260-AED3-E42CFF308C4C}" presName="parentText" presStyleLbl="node1" presStyleIdx="6" presStyleCnt="10">
+        <dgm:presLayoutVars>
+          <dgm:chMax val="0"/>
+          <dgm:bulletEnabled val="1"/>
+        </dgm:presLayoutVars>
+      </dgm:prSet>
+      <dgm:spPr/>
+    </dgm:pt>
+    <dgm:pt modelId="{0BE36B94-DEF1-4842-ABD0-6C0AFF2A6BD0}" type="pres">
+      <dgm:prSet presAssocID="{3EC17337-F41C-40E1-A25B-55AA610DA48E}" presName="spacer" presStyleCnt="0"/>
+      <dgm:spPr/>
+    </dgm:pt>
+    <dgm:pt modelId="{E0536F9F-4EB0-4263-9ECF-ADB70B5F8025}" type="pres">
+      <dgm:prSet presAssocID="{DB38BADC-94ED-44FC-AF01-9A9AD84C2FDD}" presName="parentText" presStyleLbl="node1" presStyleIdx="7" presStyleCnt="10">
+        <dgm:presLayoutVars>
+          <dgm:chMax val="0"/>
+          <dgm:bulletEnabled val="1"/>
+        </dgm:presLayoutVars>
+      </dgm:prSet>
+      <dgm:spPr/>
+    </dgm:pt>
+    <dgm:pt modelId="{E0942B47-6ABE-4B9E-AA11-A5871A13E64D}" type="pres">
+      <dgm:prSet presAssocID="{DB38BADC-94ED-44FC-AF01-9A9AD84C2FDD}" presName="childText" presStyleLbl="revTx" presStyleIdx="3" presStyleCnt="4">
+        <dgm:presLayoutVars>
+          <dgm:bulletEnabled val="1"/>
+        </dgm:presLayoutVars>
+      </dgm:prSet>
+      <dgm:spPr/>
+    </dgm:pt>
+    <dgm:pt modelId="{A547190C-B6CA-4DE2-ACFA-3970084A7C10}" type="pres">
+      <dgm:prSet presAssocID="{7C709E2B-4039-4D5B-8A9C-5489EBE96FF5}" presName="parentText" presStyleLbl="node1" presStyleIdx="8" presStyleCnt="10">
+        <dgm:presLayoutVars>
+          <dgm:chMax val="0"/>
+          <dgm:bulletEnabled val="1"/>
+        </dgm:presLayoutVars>
+      </dgm:prSet>
+      <dgm:spPr/>
+    </dgm:pt>
+    <dgm:pt modelId="{96BC06E4-9F50-4D2C-A886-F3EA9FE624D6}" type="pres">
+      <dgm:prSet presAssocID="{E49223F6-49C2-42D5-84A1-C4AC047B3A04}" presName="spacer" presStyleCnt="0"/>
+      <dgm:spPr/>
+    </dgm:pt>
+    <dgm:pt modelId="{996B4FEA-7AF3-4B01-A6D8-1A72FB4AC4CC}" type="pres">
+      <dgm:prSet presAssocID="{DA08A979-C0B2-4C43-A7EE-4DD0FBA0B9C7}" presName="parentText" presStyleLbl="node1" presStyleIdx="9" presStyleCnt="10">
+        <dgm:presLayoutVars>
+          <dgm:chMax val="0"/>
+          <dgm:bulletEnabled val="1"/>
+        </dgm:presLayoutVars>
+      </dgm:prSet>
+      <dgm:spPr/>
+    </dgm:pt>
+  </dgm:ptLst>
+  <dgm:cxnLst>
+    <dgm:cxn modelId="{346A9307-65F9-4ABB-A661-202E04080ED1}" srcId="{AE76EEDA-C5E1-4898-84EA-A5E507B102EE}" destId="{4201557D-6DE1-4D8E-A0CB-05BF2ED1E24E}" srcOrd="5" destOrd="0" parTransId="{03BCBC86-4529-4C1E-8705-CB961F146F6A}" sibTransId="{756D5A08-67DE-4E14-A10E-C7416DED4EF4}"/>
+    <dgm:cxn modelId="{362A3C0C-C3FF-45D9-A791-10730CA20A54}" srcId="{9DB6600F-12AD-4985-A63F-9DAFD8A2FB92}" destId="{384A1639-9D90-4B14-8755-38EAD7E74928}" srcOrd="0" destOrd="0" parTransId="{C1FE2FDE-FEB6-474F-A96F-83116CC5C555}" sibTransId="{48718E54-997A-4826-8E83-EA449E73E46F}"/>
+    <dgm:cxn modelId="{AFA4FA16-103D-410E-B81E-27297C6B59B9}" type="presOf" srcId="{DA08A979-C0B2-4C43-A7EE-4DD0FBA0B9C7}" destId="{996B4FEA-7AF3-4B01-A6D8-1A72FB4AC4CC}" srcOrd="0" destOrd="0" presId="urn:microsoft.com/office/officeart/2005/8/layout/vList2"/>
+    <dgm:cxn modelId="{06D89718-2A7B-4B2F-A7CE-2BE1BD5ED063}" srcId="{AE76EEDA-C5E1-4898-84EA-A5E507B102EE}" destId="{DB38BADC-94ED-44FC-AF01-9A9AD84C2FDD}" srcOrd="7" destOrd="0" parTransId="{90773716-274E-4F7E-B7A4-144BFF63D6E2}" sibTransId="{0AE94247-34A8-4172-BB69-47718FCAC83C}"/>
+    <dgm:cxn modelId="{4D26E61B-9D31-4E92-8FF3-B7B192724D4B}" type="presOf" srcId="{A199361B-6D77-4479-8141-53EB8F529F25}" destId="{A7CA3519-6217-4ABF-9CF5-34C78B78DB93}" srcOrd="0" destOrd="0" presId="urn:microsoft.com/office/officeart/2005/8/layout/vList2"/>
+    <dgm:cxn modelId="{9D244B24-93C0-4E7D-B423-0BBEFC81424D}" type="presOf" srcId="{B51967C4-3861-4051-AD8E-7AE2A2873801}" destId="{BCCBDE56-CD63-4E32-A45C-99A97D48F275}" srcOrd="0" destOrd="2" presId="urn:microsoft.com/office/officeart/2005/8/layout/vList2"/>
+    <dgm:cxn modelId="{86C5C62D-C4EC-451F-ADB1-46DFC2E4C366}" srcId="{AE76EEDA-C5E1-4898-84EA-A5E507B102EE}" destId="{449D51E5-F92E-420A-830B-37D630EC72BE}" srcOrd="1" destOrd="0" parTransId="{56BBAAED-97C0-418D-B561-4BBFCE452563}" sibTransId="{E68C48DC-06A4-4E36-BAF5-306E4F522FDE}"/>
+    <dgm:cxn modelId="{3E7DB537-EF24-46FE-8869-7A52B5CCDBBC}" type="presOf" srcId="{BD854F4D-6DDD-40C0-9515-0A98EC7B84C2}" destId="{4B120519-741D-4560-B783-249217459FD4}" srcOrd="0" destOrd="0" presId="urn:microsoft.com/office/officeart/2005/8/layout/vList2"/>
+    <dgm:cxn modelId="{79656C3B-4C55-497D-888C-EFF2E108830D}" type="presOf" srcId="{B624E6D0-A3E1-4142-A6A3-821E5ED6BCB0}" destId="{C40C86C9-2E61-430B-815C-DB4BF48C6B35}" srcOrd="0" destOrd="0" presId="urn:microsoft.com/office/officeart/2005/8/layout/vList2"/>
+    <dgm:cxn modelId="{D107CE3C-0D6C-4987-B38A-C57BF058469C}" type="presOf" srcId="{7C709E2B-4039-4D5B-8A9C-5489EBE96FF5}" destId="{A547190C-B6CA-4DE2-ACFA-3970084A7C10}" srcOrd="0" destOrd="0" presId="urn:microsoft.com/office/officeart/2005/8/layout/vList2"/>
+    <dgm:cxn modelId="{9036F960-2FCE-4D26-84F9-F8F3E3DFDA80}" srcId="{384A1639-9D90-4B14-8755-38EAD7E74928}" destId="{06367717-CB25-4F7E-9569-39BF6BF99EB2}" srcOrd="0" destOrd="0" parTransId="{3EDD23AA-4306-4232-825B-21AA0B16D9B9}" sibTransId="{57702B93-D18C-4E2A-BE95-E26528D39F58}"/>
+    <dgm:cxn modelId="{5FE8D746-FD2C-4AC7-BE66-CCC090C72F16}" srcId="{384A1639-9D90-4B14-8755-38EAD7E74928}" destId="{B51967C4-3861-4051-AD8E-7AE2A2873801}" srcOrd="1" destOrd="0" parTransId="{93D19905-7223-4ADD-87D2-6D30079B336D}" sibTransId="{84046210-8895-4D60-BFB0-47958BDE7A0E}"/>
+    <dgm:cxn modelId="{44F5364B-EAB5-4B8A-BC2A-578B97B8715D}" srcId="{AE76EEDA-C5E1-4898-84EA-A5E507B102EE}" destId="{BD854F4D-6DDD-40C0-9515-0A98EC7B84C2}" srcOrd="2" destOrd="0" parTransId="{F1DF0F76-D19E-4E73-80C1-C9381A6840EF}" sibTransId="{21428DB6-B467-4862-9678-47E8DF8E77A4}"/>
+    <dgm:cxn modelId="{8D61434E-822C-4499-AFEF-A57D9144DAC5}" srcId="{384A1639-9D90-4B14-8755-38EAD7E74928}" destId="{965419A9-4F71-445F-BD33-6163EF2CD0BA}" srcOrd="2" destOrd="0" parTransId="{3F5E2B34-7CBA-4A6F-9BC5-EA0B24437875}" sibTransId="{A4BB5F61-285B-4AE8-B5F2-373B5B94DE52}"/>
+    <dgm:cxn modelId="{D834ED4F-C21E-4EDD-9C75-48AC9B5AD4C7}" type="presOf" srcId="{06B26D1C-6018-46D2-BEAE-9A478E618F83}" destId="{E0942B47-6ABE-4B9E-AA11-A5871A13E64D}" srcOrd="0" destOrd="0" presId="urn:microsoft.com/office/officeart/2005/8/layout/vList2"/>
+    <dgm:cxn modelId="{E5A30971-6D37-4425-9A4C-4D410A6E5350}" type="presOf" srcId="{06367717-CB25-4F7E-9569-39BF6BF99EB2}" destId="{BCCBDE56-CD63-4E32-A45C-99A97D48F275}" srcOrd="0" destOrd="1" presId="urn:microsoft.com/office/officeart/2005/8/layout/vList2"/>
+    <dgm:cxn modelId="{9FF28F76-F689-4C83-A526-A44074A00BF5}" type="presOf" srcId="{DB38BADC-94ED-44FC-AF01-9A9AD84C2FDD}" destId="{E0536F9F-4EB0-4263-9ECF-ADB70B5F8025}" srcOrd="0" destOrd="0" presId="urn:microsoft.com/office/officeart/2005/8/layout/vList2"/>
+    <dgm:cxn modelId="{BEA21B7B-EF60-4D6F-B38A-B9A94886AA34}" srcId="{DB38BADC-94ED-44FC-AF01-9A9AD84C2FDD}" destId="{65083F01-AE28-4777-ABEB-6E1BEB12707E}" srcOrd="2" destOrd="0" parTransId="{CA9B2C1B-D035-4644-AD83-3E5377AA0C56}" sibTransId="{DD715BF4-B08C-414D-9DA8-3C5161F92E2D}"/>
+    <dgm:cxn modelId="{8DE68782-F9FD-483F-B935-476276A0A1C8}" srcId="{BD854F4D-6DDD-40C0-9515-0A98EC7B84C2}" destId="{47B0EC76-828A-4745-BFA8-1AA6C51DF922}" srcOrd="0" destOrd="0" parTransId="{DC267042-C3F0-41EB-B403-F7EAB5508E3F}" sibTransId="{89572C98-C4EF-4486-A87B-B657B1837113}"/>
+    <dgm:cxn modelId="{E695BC83-C453-40E4-98F9-312F894919FA}" srcId="{5D9D8BE6-46B4-4DB4-B717-8A76E0F5EF14}" destId="{A199361B-6D77-4479-8141-53EB8F529F25}" srcOrd="0" destOrd="0" parTransId="{CF9E8F3E-F203-496A-B28B-D26A2D55D25F}" sibTransId="{CC4819C8-CE75-4177-B6BA-60F38141B350}"/>
+    <dgm:cxn modelId="{5D9D358E-43EA-4F09-B37F-85E07286C8C2}" srcId="{47B0EC76-828A-4745-BFA8-1AA6C51DF922}" destId="{AA5111DB-D012-40C0-9FDB-B0322AE755BF}" srcOrd="0" destOrd="0" parTransId="{2400D38D-97C1-4E89-B200-C7E22F56DB63}" sibTransId="{BA4B8C38-4843-4181-B3F3-B189B8E42763}"/>
+    <dgm:cxn modelId="{BD087399-B5FC-4554-85FC-57A7BBC83C71}" srcId="{AE76EEDA-C5E1-4898-84EA-A5E507B102EE}" destId="{DF7528CE-F088-4260-AED3-E42CFF308C4C}" srcOrd="6" destOrd="0" parTransId="{B5FC47F1-25BB-4286-B0B2-AB1849FFB005}" sibTransId="{3EC17337-F41C-40E1-A25B-55AA610DA48E}"/>
+    <dgm:cxn modelId="{F93FA69C-B6D9-44E8-87A6-4E908201D9A7}" type="presOf" srcId="{384A1639-9D90-4B14-8755-38EAD7E74928}" destId="{BCCBDE56-CD63-4E32-A45C-99A97D48F275}" srcOrd="0" destOrd="0" presId="urn:microsoft.com/office/officeart/2005/8/layout/vList2"/>
+    <dgm:cxn modelId="{3EC59DA3-68C2-41DD-A7F6-C2ABDB26BFCA}" srcId="{AE76EEDA-C5E1-4898-84EA-A5E507B102EE}" destId="{5D9D8BE6-46B4-4DB4-B717-8A76E0F5EF14}" srcOrd="3" destOrd="0" parTransId="{FAEAEB9C-B8CC-4575-82F7-6832E9FF9BF7}" sibTransId="{5505534B-69EA-4912-A780-49BA33E8E813}"/>
+    <dgm:cxn modelId="{5710DAAA-48B1-4756-8431-7D73E90480C6}" srcId="{AE76EEDA-C5E1-4898-84EA-A5E507B102EE}" destId="{B624E6D0-A3E1-4142-A6A3-821E5ED6BCB0}" srcOrd="0" destOrd="0" parTransId="{949D14A0-DBD4-44FD-B93D-714E56F55430}" sibTransId="{CA13F75D-8F46-482D-85D7-7B48B7C473AF}"/>
+    <dgm:cxn modelId="{3DA8F9AA-46A5-490F-B769-965F7A371A88}" type="presOf" srcId="{47B0EC76-828A-4745-BFA8-1AA6C51DF922}" destId="{2FC5CA17-8FB3-4E42-B105-FD9DA2DC2E67}" srcOrd="0" destOrd="0" presId="urn:microsoft.com/office/officeart/2005/8/layout/vList2"/>
+    <dgm:cxn modelId="{AA1FEDAD-478B-46E6-865C-E6F2225AE6F4}" srcId="{AE76EEDA-C5E1-4898-84EA-A5E507B102EE}" destId="{9DB6600F-12AD-4985-A63F-9DAFD8A2FB92}" srcOrd="4" destOrd="0" parTransId="{ED548EA7-52AA-4722-9A8A-BD4AA1120A5E}" sibTransId="{A3884232-01AA-4457-BDC4-210DC937BDAD}"/>
+    <dgm:cxn modelId="{B2E22AB2-E1E3-4C0D-9F2D-D8F48067BE24}" type="presOf" srcId="{D5784D28-E2FE-4B58-97A6-BE1F1871DD71}" destId="{A7CA3519-6217-4ABF-9CF5-34C78B78DB93}" srcOrd="0" destOrd="1" presId="urn:microsoft.com/office/officeart/2005/8/layout/vList2"/>
+    <dgm:cxn modelId="{D740A1BE-DFDD-4637-919F-54E96F8DEC56}" srcId="{AE76EEDA-C5E1-4898-84EA-A5E507B102EE}" destId="{7C709E2B-4039-4D5B-8A9C-5489EBE96FF5}" srcOrd="8" destOrd="0" parTransId="{CB4FB5E5-3F3F-4675-9AD2-CAA197015DD5}" sibTransId="{E49223F6-49C2-42D5-84A1-C4AC047B3A04}"/>
+    <dgm:cxn modelId="{A335B4C8-A895-4B04-8D1B-3280F8284F4A}" type="presOf" srcId="{449D51E5-F92E-420A-830B-37D630EC72BE}" destId="{D02F737D-DDDF-4AA1-B5B8-83ED6F662459}" srcOrd="0" destOrd="0" presId="urn:microsoft.com/office/officeart/2005/8/layout/vList2"/>
+    <dgm:cxn modelId="{85F446CA-0EA2-47AD-97DF-C1AEF2383335}" type="presOf" srcId="{65083F01-AE28-4777-ABEB-6E1BEB12707E}" destId="{E0942B47-6ABE-4B9E-AA11-A5871A13E64D}" srcOrd="0" destOrd="2" presId="urn:microsoft.com/office/officeart/2005/8/layout/vList2"/>
+    <dgm:cxn modelId="{3E0417CD-90A2-4519-B048-71887130B2FF}" srcId="{DB38BADC-94ED-44FC-AF01-9A9AD84C2FDD}" destId="{79083327-97E6-44B0-BC9F-F22CB36C31AF}" srcOrd="3" destOrd="0" parTransId="{C5CB2422-41D4-4D77-89CA-3A9F6E3C719F}" sibTransId="{9F837C31-E468-4D39-9EE9-19C49405BFAE}"/>
+    <dgm:cxn modelId="{A5E594D3-8A0B-477D-83DA-8884DCAC40AC}" type="presOf" srcId="{DF7528CE-F088-4260-AED3-E42CFF308C4C}" destId="{8F75B2C6-4CE6-409E-A3E9-A2BD4349B3A3}" srcOrd="0" destOrd="0" presId="urn:microsoft.com/office/officeart/2005/8/layout/vList2"/>
+    <dgm:cxn modelId="{0FB432DA-8D64-4CB8-86E1-B6E67D0AEB5C}" type="presOf" srcId="{5D9D8BE6-46B4-4DB4-B717-8A76E0F5EF14}" destId="{306B17A9-F023-4368-9823-B672993DE3E2}" srcOrd="0" destOrd="0" presId="urn:microsoft.com/office/officeart/2005/8/layout/vList2"/>
+    <dgm:cxn modelId="{298065DB-8522-4D0B-A195-2FEAB62B1EF5}" srcId="{DB38BADC-94ED-44FC-AF01-9A9AD84C2FDD}" destId="{14A07BDA-1CCB-4B03-ABBE-969C641D2D36}" srcOrd="1" destOrd="0" parTransId="{C3FB1DCA-8B38-4ADB-8D76-83C1A6C5B2E6}" sibTransId="{13ED5013-3E7D-412A-8617-3D9BDFB72622}"/>
+    <dgm:cxn modelId="{E418C1DC-408F-4AFC-B45E-7CD6A19646B5}" srcId="{AE76EEDA-C5E1-4898-84EA-A5E507B102EE}" destId="{DA08A979-C0B2-4C43-A7EE-4DD0FBA0B9C7}" srcOrd="9" destOrd="0" parTransId="{867C8C00-1463-4632-AB02-F6A69E5D9001}" sibTransId="{831C2983-F84E-412E-B865-1D6339EF99EF}"/>
+    <dgm:cxn modelId="{DB8E0DDF-7C69-464F-AD40-BA3B1BA78F0B}" type="presOf" srcId="{79083327-97E6-44B0-BC9F-F22CB36C31AF}" destId="{E0942B47-6ABE-4B9E-AA11-A5871A13E64D}" srcOrd="0" destOrd="3" presId="urn:microsoft.com/office/officeart/2005/8/layout/vList2"/>
+    <dgm:cxn modelId="{D7BC15E1-8E28-448C-980C-007261321DC7}" type="presOf" srcId="{14A07BDA-1CCB-4B03-ABBE-969C641D2D36}" destId="{E0942B47-6ABE-4B9E-AA11-A5871A13E64D}" srcOrd="0" destOrd="1" presId="urn:microsoft.com/office/officeart/2005/8/layout/vList2"/>
+    <dgm:cxn modelId="{7BBC3CE8-7FC1-40FF-99FC-B6D878B39CFB}" type="presOf" srcId="{4201557D-6DE1-4D8E-A0CB-05BF2ED1E24E}" destId="{21DFFCE7-AA6A-4D4E-A0CE-CA584F48FD19}" srcOrd="0" destOrd="0" presId="urn:microsoft.com/office/officeart/2005/8/layout/vList2"/>
+    <dgm:cxn modelId="{7323B0EB-3D6B-465E-AF81-CC0C55188456}" srcId="{A199361B-6D77-4479-8141-53EB8F529F25}" destId="{D5784D28-E2FE-4B58-97A6-BE1F1871DD71}" srcOrd="0" destOrd="0" parTransId="{52383339-29A0-436B-AC6A-45458AC1D4F4}" sibTransId="{EF34D46C-2851-411B-BE76-38EFE4088B80}"/>
+    <dgm:cxn modelId="{8F2FE0EB-5290-4294-8E29-28CD5557DD13}" type="presOf" srcId="{AE76EEDA-C5E1-4898-84EA-A5E507B102EE}" destId="{48953D45-DC29-4915-8192-E0D02EFB29C4}" srcOrd="0" destOrd="0" presId="urn:microsoft.com/office/officeart/2005/8/layout/vList2"/>
+    <dgm:cxn modelId="{8DBC00F2-BF37-4CD8-A1C3-EEEEF53EB573}" type="presOf" srcId="{9DB6600F-12AD-4985-A63F-9DAFD8A2FB92}" destId="{A5CE59B0-3FA2-4905-9271-C5BFE6B43A5F}" srcOrd="0" destOrd="0" presId="urn:microsoft.com/office/officeart/2005/8/layout/vList2"/>
+    <dgm:cxn modelId="{91FB4DFA-1CE6-409B-8D42-A539B94F2F17}" srcId="{DB38BADC-94ED-44FC-AF01-9A9AD84C2FDD}" destId="{06B26D1C-6018-46D2-BEAE-9A478E618F83}" srcOrd="0" destOrd="0" parTransId="{769FCBB5-A235-4C05-A387-DD6ADD909C21}" sibTransId="{FD0FB379-B146-4D2F-BD04-6649087515C3}"/>
+    <dgm:cxn modelId="{67DA6DFB-0D06-4BFC-8F77-A3CCCB363FAA}" type="presOf" srcId="{AA5111DB-D012-40C0-9FDB-B0322AE755BF}" destId="{2FC5CA17-8FB3-4E42-B105-FD9DA2DC2E67}" srcOrd="0" destOrd="1" presId="urn:microsoft.com/office/officeart/2005/8/layout/vList2"/>
+    <dgm:cxn modelId="{543D24FE-612D-4DA8-BBDB-1FBE9D41CC47}" type="presOf" srcId="{965419A9-4F71-445F-BD33-6163EF2CD0BA}" destId="{BCCBDE56-CD63-4E32-A45C-99A97D48F275}" srcOrd="0" destOrd="3" presId="urn:microsoft.com/office/officeart/2005/8/layout/vList2"/>
+    <dgm:cxn modelId="{86C6EAF6-ADA1-4321-9CC4-FB8173178848}" type="presParOf" srcId="{48953D45-DC29-4915-8192-E0D02EFB29C4}" destId="{C40C86C9-2E61-430B-815C-DB4BF48C6B35}" srcOrd="0" destOrd="0" presId="urn:microsoft.com/office/officeart/2005/8/layout/vList2"/>
+    <dgm:cxn modelId="{101596AE-F64F-439D-AD7D-33F792BAE9F7}" type="presParOf" srcId="{48953D45-DC29-4915-8192-E0D02EFB29C4}" destId="{A91DDB86-CB05-45F6-98CE-FDC6E97675B6}" srcOrd="1" destOrd="0" presId="urn:microsoft.com/office/officeart/2005/8/layout/vList2"/>
+    <dgm:cxn modelId="{9181CB5A-10E5-429A-85CC-4E71E29DC388}" type="presParOf" srcId="{48953D45-DC29-4915-8192-E0D02EFB29C4}" destId="{D02F737D-DDDF-4AA1-B5B8-83ED6F662459}" srcOrd="2" destOrd="0" presId="urn:microsoft.com/office/officeart/2005/8/layout/vList2"/>
+    <dgm:cxn modelId="{A7A3C610-3370-4A31-9B31-F18ACA2111CC}" type="presParOf" srcId="{48953D45-DC29-4915-8192-E0D02EFB29C4}" destId="{F9F8F337-1DDD-4167-8437-B84436BD6831}" srcOrd="3" destOrd="0" presId="urn:microsoft.com/office/officeart/2005/8/layout/vList2"/>
+    <dgm:cxn modelId="{28B798E9-D321-46E6-8160-0C4A85C7F708}" type="presParOf" srcId="{48953D45-DC29-4915-8192-E0D02EFB29C4}" destId="{4B120519-741D-4560-B783-249217459FD4}" srcOrd="4" destOrd="0" presId="urn:microsoft.com/office/officeart/2005/8/layout/vList2"/>
+    <dgm:cxn modelId="{4CDBAC13-BD3F-4AE3-A568-A9DB30F5E3E1}" type="presParOf" srcId="{48953D45-DC29-4915-8192-E0D02EFB29C4}" destId="{2FC5CA17-8FB3-4E42-B105-FD9DA2DC2E67}" srcOrd="5" destOrd="0" presId="urn:microsoft.com/office/officeart/2005/8/layout/vList2"/>
+    <dgm:cxn modelId="{C1D9D26A-E099-4E21-910E-8834E415F402}" type="presParOf" srcId="{48953D45-DC29-4915-8192-E0D02EFB29C4}" destId="{306B17A9-F023-4368-9823-B672993DE3E2}" srcOrd="6" destOrd="0" presId="urn:microsoft.com/office/officeart/2005/8/layout/vList2"/>
+    <dgm:cxn modelId="{CA2E34A2-57A2-45EF-A6BA-EF268C18DDF1}" type="presParOf" srcId="{48953D45-DC29-4915-8192-E0D02EFB29C4}" destId="{A7CA3519-6217-4ABF-9CF5-34C78B78DB93}" srcOrd="7" destOrd="0" presId="urn:microsoft.com/office/officeart/2005/8/layout/vList2"/>
+    <dgm:cxn modelId="{7458B060-CA05-42BD-B7DF-C10374F6DA87}" type="presParOf" srcId="{48953D45-DC29-4915-8192-E0D02EFB29C4}" destId="{A5CE59B0-3FA2-4905-9271-C5BFE6B43A5F}" srcOrd="8" destOrd="0" presId="urn:microsoft.com/office/officeart/2005/8/layout/vList2"/>
+    <dgm:cxn modelId="{DE6D5CA9-ECE4-4B58-949A-71B15B1309D8}" type="presParOf" srcId="{48953D45-DC29-4915-8192-E0D02EFB29C4}" destId="{BCCBDE56-CD63-4E32-A45C-99A97D48F275}" srcOrd="9" destOrd="0" presId="urn:microsoft.com/office/officeart/2005/8/layout/vList2"/>
+    <dgm:cxn modelId="{68B4BE53-B221-4547-95E0-160D9CC29383}" type="presParOf" srcId="{48953D45-DC29-4915-8192-E0D02EFB29C4}" destId="{21DFFCE7-AA6A-4D4E-A0CE-CA584F48FD19}" srcOrd="10" destOrd="0" presId="urn:microsoft.com/office/officeart/2005/8/layout/vList2"/>
+    <dgm:cxn modelId="{FA9F4B92-21AB-4ED8-B30B-66FF1A13C0F1}" type="presParOf" srcId="{48953D45-DC29-4915-8192-E0D02EFB29C4}" destId="{6D47E968-A4A3-470B-AECE-A5CE01C98D13}" srcOrd="11" destOrd="0" presId="urn:microsoft.com/office/officeart/2005/8/layout/vList2"/>
+    <dgm:cxn modelId="{71CF24F7-B077-4A31-859B-220D79E9B78E}" type="presParOf" srcId="{48953D45-DC29-4915-8192-E0D02EFB29C4}" destId="{8F75B2C6-4CE6-409E-A3E9-A2BD4349B3A3}" srcOrd="12" destOrd="0" presId="urn:microsoft.com/office/officeart/2005/8/layout/vList2"/>
+    <dgm:cxn modelId="{3F054910-2C6D-4997-92D0-815A469D0D5D}" type="presParOf" srcId="{48953D45-DC29-4915-8192-E0D02EFB29C4}" destId="{0BE36B94-DEF1-4842-ABD0-6C0AFF2A6BD0}" srcOrd="13" destOrd="0" presId="urn:microsoft.com/office/officeart/2005/8/layout/vList2"/>
+    <dgm:cxn modelId="{05DE43A5-9D57-4163-9357-6EF6B61CB88A}" type="presParOf" srcId="{48953D45-DC29-4915-8192-E0D02EFB29C4}" destId="{E0536F9F-4EB0-4263-9ECF-ADB70B5F8025}" srcOrd="14" destOrd="0" presId="urn:microsoft.com/office/officeart/2005/8/layout/vList2"/>
+    <dgm:cxn modelId="{9696337C-4D95-45B6-A109-0F6BFCA8DB01}" type="presParOf" srcId="{48953D45-DC29-4915-8192-E0D02EFB29C4}" destId="{E0942B47-6ABE-4B9E-AA11-A5871A13E64D}" srcOrd="15" destOrd="0" presId="urn:microsoft.com/office/officeart/2005/8/layout/vList2"/>
+    <dgm:cxn modelId="{E3DA9BE7-CE0E-41BD-897A-549AC44A722B}" type="presParOf" srcId="{48953D45-DC29-4915-8192-E0D02EFB29C4}" destId="{A547190C-B6CA-4DE2-ACFA-3970084A7C10}" srcOrd="16" destOrd="0" presId="urn:microsoft.com/office/officeart/2005/8/layout/vList2"/>
+    <dgm:cxn modelId="{9C2CB5A6-7025-4278-A04B-D45ABEBA620F}" type="presParOf" srcId="{48953D45-DC29-4915-8192-E0D02EFB29C4}" destId="{96BC06E4-9F50-4D2C-A886-F3EA9FE624D6}" srcOrd="17" destOrd="0" presId="urn:microsoft.com/office/officeart/2005/8/layout/vList2"/>
+    <dgm:cxn modelId="{5270B9BA-055E-49EF-82A7-4DF7942F2177}" type="presParOf" srcId="{48953D45-DC29-4915-8192-E0D02EFB29C4}" destId="{996B4FEA-7AF3-4B01-A6D8-1A72FB4AC4CC}" srcOrd="18" destOrd="0" presId="urn:microsoft.com/office/officeart/2005/8/layout/vList2"/>
+  </dgm:cxnLst>
+  <dgm:bg/>
+  <dgm:whole/>
+  <dgm:extLst>
+    <a:ext uri="http://schemas.microsoft.com/office/drawing/2008/diagram">
+      <dsp:dataModelExt xmlns:dsp="http://schemas.microsoft.com/office/drawing/2008/diagram" relId="rId6" minVer="http://schemas.openxmlformats.org/drawingml/2006/diagram"/>
+    </a:ext>
+  </dgm:extLst>
+</dgm:dataModel>
+</file>
+
+<file path=ppt/diagrams/drawing1.xml><?xml version="1.0" encoding="utf-8"?>
+<dsp:drawing xmlns:dgm="http://schemas.openxmlformats.org/drawingml/2006/diagram" xmlns:dsp="http://schemas.microsoft.com/office/drawing/2008/diagram" xmlns:a="http://schemas.openxmlformats.org/drawingml/2006/main">
+  <dsp:spTree>
+    <dsp:nvGrpSpPr>
+      <dsp:cNvPr id="0" name=""/>
+      <dsp:cNvGrpSpPr/>
+    </dsp:nvGrpSpPr>
+    <dsp:grpSpPr/>
+    <dsp:sp modelId="{C40C86C9-2E61-430B-815C-DB4BF48C6B35}">
+      <dsp:nvSpPr>
+        <dsp:cNvPr id="0" name=""/>
+        <dsp:cNvSpPr/>
+      </dsp:nvSpPr>
+      <dsp:spPr>
+        <a:xfrm>
+          <a:off x="0" y="26054"/>
+          <a:ext cx="6506304" cy="319409"/>
+        </a:xfrm>
+        <a:prstGeom prst="roundRect">
+          <a:avLst/>
+        </a:prstGeom>
+        <a:solidFill>
+          <a:schemeClr val="accent2">
+            <a:hueOff val="0"/>
+            <a:satOff val="0"/>
+            <a:lumOff val="0"/>
+            <a:alphaOff val="0"/>
+          </a:schemeClr>
+        </a:solidFill>
+        <a:ln w="34925" cap="flat" cmpd="sng" algn="in">
+          <a:solidFill>
+            <a:schemeClr val="lt1">
+              <a:hueOff val="0"/>
+              <a:satOff val="0"/>
+              <a:lumOff val="0"/>
+              <a:alphaOff val="0"/>
+            </a:schemeClr>
+          </a:solidFill>
+          <a:prstDash val="solid"/>
+        </a:ln>
+        <a:effectLst/>
+      </dsp:spPr>
+      <dsp:style>
+        <a:lnRef idx="2">
+          <a:scrgbClr r="0" g="0" b="0"/>
+        </a:lnRef>
+        <a:fillRef idx="1">
+          <a:scrgbClr r="0" g="0" b="0"/>
+        </a:fillRef>
+        <a:effectRef idx="0">
+          <a:scrgbClr r="0" g="0" b="0"/>
+        </a:effectRef>
+        <a:fontRef idx="minor">
+          <a:schemeClr val="lt1"/>
+        </a:fontRef>
+      </dsp:style>
+      <dsp:txBody>
+        <a:bodyPr spcFirstLastPara="0" vert="horz" wrap="square" lIns="53340" tIns="53340" rIns="53340" bIns="53340" numCol="1" spcCol="1270" anchor="ctr" anchorCtr="0">
+          <a:noAutofit/>
+        </a:bodyPr>
+        <a:lstStyle/>
+        <a:p>
+          <a:pPr marL="0" lvl="0" indent="0" algn="l" defTabSz="622300">
+            <a:lnSpc>
+              <a:spcPct val="90000"/>
+            </a:lnSpc>
+            <a:spcBef>
+              <a:spcPct val="0"/>
+            </a:spcBef>
+            <a:spcAft>
+              <a:spcPct val="35000"/>
+            </a:spcAft>
+            <a:buNone/>
+          </a:pPr>
+          <a:r>
+            <a:rPr lang="en-US" sz="1400" kern="1200"/>
+            <a:t>NID/Kolomogorov</a:t>
+          </a:r>
+        </a:p>
+      </dsp:txBody>
+      <dsp:txXfrm>
+        <a:off x="15592" y="41646"/>
+        <a:ext cx="6475120" cy="288225"/>
+      </dsp:txXfrm>
+    </dsp:sp>
+    <dsp:sp modelId="{D02F737D-DDDF-4AA1-B5B8-83ED6F662459}">
+      <dsp:nvSpPr>
+        <dsp:cNvPr id="0" name=""/>
+        <dsp:cNvSpPr/>
+      </dsp:nvSpPr>
+      <dsp:spPr>
+        <a:xfrm>
+          <a:off x="0" y="385784"/>
+          <a:ext cx="6506304" cy="319409"/>
+        </a:xfrm>
+        <a:prstGeom prst="roundRect">
+          <a:avLst/>
+        </a:prstGeom>
+        <a:solidFill>
+          <a:schemeClr val="accent2">
+            <a:hueOff val="-18406"/>
+            <a:satOff val="-6037"/>
+            <a:lumOff val="-2200"/>
+            <a:alphaOff val="0"/>
+          </a:schemeClr>
+        </a:solidFill>
+        <a:ln w="34925" cap="flat" cmpd="sng" algn="in">
+          <a:solidFill>
+            <a:schemeClr val="lt1">
+              <a:hueOff val="0"/>
+              <a:satOff val="0"/>
+              <a:lumOff val="0"/>
+              <a:alphaOff val="0"/>
+            </a:schemeClr>
+          </a:solidFill>
+          <a:prstDash val="solid"/>
+        </a:ln>
+        <a:effectLst/>
+      </dsp:spPr>
+      <dsp:style>
+        <a:lnRef idx="2">
+          <a:scrgbClr r="0" g="0" b="0"/>
+        </a:lnRef>
+        <a:fillRef idx="1">
+          <a:scrgbClr r="0" g="0" b="0"/>
+        </a:fillRef>
+        <a:effectRef idx="0">
+          <a:scrgbClr r="0" g="0" b="0"/>
+        </a:effectRef>
+        <a:fontRef idx="minor">
+          <a:schemeClr val="lt1"/>
+        </a:fontRef>
+      </dsp:style>
+      <dsp:txBody>
+        <a:bodyPr spcFirstLastPara="0" vert="horz" wrap="square" lIns="53340" tIns="53340" rIns="53340" bIns="53340" numCol="1" spcCol="1270" anchor="ctr" anchorCtr="0">
+          <a:noAutofit/>
+        </a:bodyPr>
+        <a:lstStyle/>
+        <a:p>
+          <a:pPr marL="0" lvl="0" indent="0" algn="l" defTabSz="622300">
+            <a:lnSpc>
+              <a:spcPct val="90000"/>
+            </a:lnSpc>
+            <a:spcBef>
+              <a:spcPct val="0"/>
+            </a:spcBef>
+            <a:spcAft>
+              <a:spcPct val="35000"/>
+            </a:spcAft>
+            <a:buNone/>
+          </a:pPr>
+          <a:r>
+            <a:rPr lang="en-US" sz="1400" kern="1200" dirty="0"/>
+            <a:t>NCD </a:t>
+          </a:r>
+          <a:r>
+            <a:rPr lang="en-US" sz="1400" kern="1200" dirty="0">
+              <a:sym typeface="Wingdings" panose="05000000000000000000" pitchFamily="2" charset="2"/>
+            </a:rPr>
+            <a:t></a:t>
+          </a:r>
+          <a:r>
+            <a:rPr lang="en-US" sz="1400" kern="1200" dirty="0"/>
+            <a:t> Formula + basis</a:t>
+          </a:r>
+        </a:p>
+      </dsp:txBody>
+      <dsp:txXfrm>
+        <a:off x="15592" y="401376"/>
+        <a:ext cx="6475120" cy="288225"/>
+      </dsp:txXfrm>
+    </dsp:sp>
+    <dsp:sp modelId="{4B120519-741D-4560-B783-249217459FD4}">
+      <dsp:nvSpPr>
+        <dsp:cNvPr id="0" name=""/>
+        <dsp:cNvSpPr/>
+      </dsp:nvSpPr>
+      <dsp:spPr>
+        <a:xfrm>
+          <a:off x="0" y="745514"/>
+          <a:ext cx="6506304" cy="319409"/>
+        </a:xfrm>
+        <a:prstGeom prst="roundRect">
+          <a:avLst/>
+        </a:prstGeom>
+        <a:solidFill>
+          <a:schemeClr val="accent2">
+            <a:hueOff val="-36812"/>
+            <a:satOff val="-12074"/>
+            <a:lumOff val="-4401"/>
+            <a:alphaOff val="0"/>
+          </a:schemeClr>
+        </a:solidFill>
+        <a:ln w="34925" cap="flat" cmpd="sng" algn="in">
+          <a:solidFill>
+            <a:schemeClr val="lt1">
+              <a:hueOff val="0"/>
+              <a:satOff val="0"/>
+              <a:lumOff val="0"/>
+              <a:alphaOff val="0"/>
+            </a:schemeClr>
+          </a:solidFill>
+          <a:prstDash val="solid"/>
+        </a:ln>
+        <a:effectLst/>
+      </dsp:spPr>
+      <dsp:style>
+        <a:lnRef idx="2">
+          <a:scrgbClr r="0" g="0" b="0"/>
+        </a:lnRef>
+        <a:fillRef idx="1">
+          <a:scrgbClr r="0" g="0" b="0"/>
+        </a:fillRef>
+        <a:effectRef idx="0">
+          <a:scrgbClr r="0" g="0" b="0"/>
+        </a:effectRef>
+        <a:fontRef idx="minor">
+          <a:schemeClr val="lt1"/>
+        </a:fontRef>
+      </dsp:style>
+      <dsp:txBody>
+        <a:bodyPr spcFirstLastPara="0" vert="horz" wrap="square" lIns="53340" tIns="53340" rIns="53340" bIns="53340" numCol="1" spcCol="1270" anchor="ctr" anchorCtr="0">
+          <a:noAutofit/>
+        </a:bodyPr>
+        <a:lstStyle/>
+        <a:p>
+          <a:pPr marL="0" lvl="0" indent="0" algn="l" defTabSz="622300">
+            <a:lnSpc>
+              <a:spcPct val="90000"/>
+            </a:lnSpc>
+            <a:spcBef>
+              <a:spcPct val="0"/>
+            </a:spcBef>
+            <a:spcAft>
+              <a:spcPct val="35000"/>
+            </a:spcAft>
+            <a:buNone/>
+          </a:pPr>
+          <a:r>
+            <a:rPr lang="en-US" sz="1400" kern="1200"/>
+            <a:t>Distance matrices</a:t>
+          </a:r>
+        </a:p>
+      </dsp:txBody>
+      <dsp:txXfrm>
+        <a:off x="15592" y="761106"/>
+        <a:ext cx="6475120" cy="288225"/>
+      </dsp:txXfrm>
+    </dsp:sp>
+    <dsp:sp modelId="{2FC5CA17-8FB3-4E42-B105-FD9DA2DC2E67}">
+      <dsp:nvSpPr>
+        <dsp:cNvPr id="0" name=""/>
+        <dsp:cNvSpPr/>
+      </dsp:nvSpPr>
+      <dsp:spPr>
+        <a:xfrm>
+          <a:off x="0" y="1064924"/>
+          <a:ext cx="6506304" cy="355005"/>
+        </a:xfrm>
+        <a:prstGeom prst="rect">
+          <a:avLst/>
+        </a:prstGeom>
+        <a:noFill/>
+        <a:ln>
+          <a:noFill/>
+        </a:ln>
+        <a:effectLst/>
+      </dsp:spPr>
+      <dsp:style>
+        <a:lnRef idx="0">
+          <a:scrgbClr r="0" g="0" b="0"/>
+        </a:lnRef>
+        <a:fillRef idx="0">
+          <a:scrgbClr r="0" g="0" b="0"/>
+        </a:fillRef>
+        <a:effectRef idx="0">
+          <a:scrgbClr r="0" g="0" b="0"/>
+        </a:effectRef>
+        <a:fontRef idx="minor"/>
+      </dsp:style>
+      <dsp:txBody>
+        <a:bodyPr spcFirstLastPara="0" vert="horz" wrap="square" lIns="206575" tIns="17780" rIns="99568" bIns="17780" numCol="1" spcCol="1270" anchor="t" anchorCtr="0">
+          <a:noAutofit/>
+        </a:bodyPr>
+        <a:lstStyle/>
+        <a:p>
+          <a:pPr marL="57150" lvl="1" indent="-57150" algn="l" defTabSz="488950">
+            <a:lnSpc>
+              <a:spcPct val="90000"/>
+            </a:lnSpc>
+            <a:spcBef>
+              <a:spcPct val="0"/>
+            </a:spcBef>
+            <a:spcAft>
+              <a:spcPct val="20000"/>
+            </a:spcAft>
+            <a:buChar char="•"/>
+          </a:pPr>
+          <a:r>
+            <a:rPr lang="en-US" sz="1100" kern="1200"/>
+            <a:t>Distance based alignment-free methods</a:t>
+          </a:r>
+        </a:p>
+        <a:p>
+          <a:pPr marL="114300" lvl="2" indent="-57150" algn="l" defTabSz="488950">
+            <a:lnSpc>
+              <a:spcPct val="90000"/>
+            </a:lnSpc>
+            <a:spcBef>
+              <a:spcPct val="0"/>
+            </a:spcBef>
+            <a:spcAft>
+              <a:spcPct val="20000"/>
+            </a:spcAft>
+            <a:buChar char="•"/>
+          </a:pPr>
+          <a:r>
+            <a:rPr lang="en-US" sz="1100" kern="1200"/>
+            <a:t>examples</a:t>
+          </a:r>
+        </a:p>
+      </dsp:txBody>
+      <dsp:txXfrm>
+        <a:off x="0" y="1064924"/>
+        <a:ext cx="6506304" cy="355005"/>
+      </dsp:txXfrm>
+    </dsp:sp>
+    <dsp:sp modelId="{306B17A9-F023-4368-9823-B672993DE3E2}">
+      <dsp:nvSpPr>
+        <dsp:cNvPr id="0" name=""/>
+        <dsp:cNvSpPr/>
+      </dsp:nvSpPr>
+      <dsp:spPr>
+        <a:xfrm>
+          <a:off x="0" y="1419929"/>
+          <a:ext cx="6506304" cy="319409"/>
+        </a:xfrm>
+        <a:prstGeom prst="roundRect">
+          <a:avLst/>
+        </a:prstGeom>
+        <a:solidFill>
+          <a:schemeClr val="accent2">
+            <a:hueOff val="-55218"/>
+            <a:satOff val="-18112"/>
+            <a:lumOff val="-6601"/>
+            <a:alphaOff val="0"/>
+          </a:schemeClr>
+        </a:solidFill>
+        <a:ln w="34925" cap="flat" cmpd="sng" algn="in">
+          <a:solidFill>
+            <a:schemeClr val="lt1">
+              <a:hueOff val="0"/>
+              <a:satOff val="0"/>
+              <a:lumOff val="0"/>
+              <a:alphaOff val="0"/>
+            </a:schemeClr>
+          </a:solidFill>
+          <a:prstDash val="solid"/>
+        </a:ln>
+        <a:effectLst/>
+      </dsp:spPr>
+      <dsp:style>
+        <a:lnRef idx="2">
+          <a:scrgbClr r="0" g="0" b="0"/>
+        </a:lnRef>
+        <a:fillRef idx="1">
+          <a:scrgbClr r="0" g="0" b="0"/>
+        </a:fillRef>
+        <a:effectRef idx="0">
+          <a:scrgbClr r="0" g="0" b="0"/>
+        </a:effectRef>
+        <a:fontRef idx="minor">
+          <a:schemeClr val="lt1"/>
+        </a:fontRef>
+      </dsp:style>
+      <dsp:txBody>
+        <a:bodyPr spcFirstLastPara="0" vert="horz" wrap="square" lIns="53340" tIns="53340" rIns="53340" bIns="53340" numCol="1" spcCol="1270" anchor="ctr" anchorCtr="0">
+          <a:noAutofit/>
+        </a:bodyPr>
+        <a:lstStyle/>
+        <a:p>
+          <a:pPr marL="0" lvl="0" indent="0" algn="l" defTabSz="622300">
+            <a:lnSpc>
+              <a:spcPct val="90000"/>
+            </a:lnSpc>
+            <a:spcBef>
+              <a:spcPct val="0"/>
+            </a:spcBef>
+            <a:spcAft>
+              <a:spcPct val="35000"/>
+            </a:spcAft>
+            <a:buNone/>
+          </a:pPr>
+          <a:r>
+            <a:rPr lang="en-US" sz="1400" kern="1200"/>
+            <a:t>Trees</a:t>
+          </a:r>
+        </a:p>
+      </dsp:txBody>
+      <dsp:txXfrm>
+        <a:off x="15592" y="1435521"/>
+        <a:ext cx="6475120" cy="288225"/>
+      </dsp:txXfrm>
+    </dsp:sp>
+    <dsp:sp modelId="{A7CA3519-6217-4ABF-9CF5-34C78B78DB93}">
+      <dsp:nvSpPr>
+        <dsp:cNvPr id="0" name=""/>
+        <dsp:cNvSpPr/>
+      </dsp:nvSpPr>
+      <dsp:spPr>
+        <a:xfrm>
+          <a:off x="0" y="1739339"/>
+          <a:ext cx="6506304" cy="355005"/>
+        </a:xfrm>
+        <a:prstGeom prst="rect">
+          <a:avLst/>
+        </a:prstGeom>
+        <a:noFill/>
+        <a:ln>
+          <a:noFill/>
+        </a:ln>
+        <a:effectLst/>
+      </dsp:spPr>
+      <dsp:style>
+        <a:lnRef idx="0">
+          <a:scrgbClr r="0" g="0" b="0"/>
+        </a:lnRef>
+        <a:fillRef idx="0">
+          <a:scrgbClr r="0" g="0" b="0"/>
+        </a:fillRef>
+        <a:effectRef idx="0">
+          <a:scrgbClr r="0" g="0" b="0"/>
+        </a:effectRef>
+        <a:fontRef idx="minor"/>
+      </dsp:style>
+      <dsp:txBody>
+        <a:bodyPr spcFirstLastPara="0" vert="horz" wrap="square" lIns="206575" tIns="17780" rIns="99568" bIns="17780" numCol="1" spcCol="1270" anchor="t" anchorCtr="0">
+          <a:noAutofit/>
+        </a:bodyPr>
+        <a:lstStyle/>
+        <a:p>
+          <a:pPr marL="57150" lvl="1" indent="-57150" algn="l" defTabSz="488950">
+            <a:lnSpc>
+              <a:spcPct val="90000"/>
+            </a:lnSpc>
+            <a:spcBef>
+              <a:spcPct val="0"/>
+            </a:spcBef>
+            <a:spcAft>
+              <a:spcPct val="20000"/>
+            </a:spcAft>
+            <a:buChar char="•"/>
+          </a:pPr>
+          <a:r>
+            <a:rPr lang="en-US" sz="1100" kern="1200"/>
+            <a:t>Datasets…</a:t>
+          </a:r>
+        </a:p>
+        <a:p>
+          <a:pPr marL="114300" lvl="2" indent="-57150" algn="l" defTabSz="488950">
+            <a:lnSpc>
+              <a:spcPct val="90000"/>
+            </a:lnSpc>
+            <a:spcBef>
+              <a:spcPct val="0"/>
+            </a:spcBef>
+            <a:spcAft>
+              <a:spcPct val="20000"/>
+            </a:spcAft>
+            <a:buChar char="•"/>
+          </a:pPr>
+          <a:r>
+            <a:rPr lang="en-US" sz="1100" kern="1200"/>
+            <a:t>justification</a:t>
+          </a:r>
+        </a:p>
+      </dsp:txBody>
+      <dsp:txXfrm>
+        <a:off x="0" y="1739339"/>
+        <a:ext cx="6506304" cy="355005"/>
+      </dsp:txXfrm>
+    </dsp:sp>
+    <dsp:sp modelId="{A5CE59B0-3FA2-4905-9271-C5BFE6B43A5F}">
+      <dsp:nvSpPr>
+        <dsp:cNvPr id="0" name=""/>
+        <dsp:cNvSpPr/>
+      </dsp:nvSpPr>
+      <dsp:spPr>
+        <a:xfrm>
+          <a:off x="0" y="2094344"/>
+          <a:ext cx="6506304" cy="319409"/>
+        </a:xfrm>
+        <a:prstGeom prst="roundRect">
+          <a:avLst/>
+        </a:prstGeom>
+        <a:solidFill>
+          <a:schemeClr val="accent2">
+            <a:hueOff val="-73624"/>
+            <a:satOff val="-24149"/>
+            <a:lumOff val="-8801"/>
+            <a:alphaOff val="0"/>
+          </a:schemeClr>
+        </a:solidFill>
+        <a:ln w="34925" cap="flat" cmpd="sng" algn="in">
+          <a:solidFill>
+            <a:schemeClr val="lt1">
+              <a:hueOff val="0"/>
+              <a:satOff val="0"/>
+              <a:lumOff val="0"/>
+              <a:alphaOff val="0"/>
+            </a:schemeClr>
+          </a:solidFill>
+          <a:prstDash val="solid"/>
+        </a:ln>
+        <a:effectLst/>
+      </dsp:spPr>
+      <dsp:style>
+        <a:lnRef idx="2">
+          <a:scrgbClr r="0" g="0" b="0"/>
+        </a:lnRef>
+        <a:fillRef idx="1">
+          <a:scrgbClr r="0" g="0" b="0"/>
+        </a:fillRef>
+        <a:effectRef idx="0">
+          <a:scrgbClr r="0" g="0" b="0"/>
+        </a:effectRef>
+        <a:fontRef idx="minor">
+          <a:schemeClr val="lt1"/>
+        </a:fontRef>
+      </dsp:style>
+      <dsp:txBody>
+        <a:bodyPr spcFirstLastPara="0" vert="horz" wrap="square" lIns="53340" tIns="53340" rIns="53340" bIns="53340" numCol="1" spcCol="1270" anchor="ctr" anchorCtr="0">
+          <a:noAutofit/>
+        </a:bodyPr>
+        <a:lstStyle/>
+        <a:p>
+          <a:pPr marL="0" lvl="0" indent="0" algn="l" defTabSz="622300">
+            <a:lnSpc>
+              <a:spcPct val="90000"/>
+            </a:lnSpc>
+            <a:spcBef>
+              <a:spcPct val="0"/>
+            </a:spcBef>
+            <a:spcAft>
+              <a:spcPct val="35000"/>
+            </a:spcAft>
+            <a:buNone/>
+          </a:pPr>
+          <a:r>
+            <a:rPr lang="en-US" sz="1400" kern="1200"/>
+            <a:t>Methods</a:t>
+          </a:r>
+        </a:p>
+      </dsp:txBody>
+      <dsp:txXfrm>
+        <a:off x="15592" y="2109936"/>
+        <a:ext cx="6475120" cy="288225"/>
+      </dsp:txXfrm>
+    </dsp:sp>
+    <dsp:sp modelId="{BCCBDE56-CD63-4E32-A45C-99A97D48F275}">
+      <dsp:nvSpPr>
+        <dsp:cNvPr id="0" name=""/>
+        <dsp:cNvSpPr/>
+      </dsp:nvSpPr>
+      <dsp:spPr>
+        <a:xfrm>
+          <a:off x="0" y="2413754"/>
+          <a:ext cx="6506304" cy="710010"/>
+        </a:xfrm>
+        <a:prstGeom prst="rect">
+          <a:avLst/>
+        </a:prstGeom>
+        <a:noFill/>
+        <a:ln>
+          <a:noFill/>
+        </a:ln>
+        <a:effectLst/>
+      </dsp:spPr>
+      <dsp:style>
+        <a:lnRef idx="0">
+          <a:scrgbClr r="0" g="0" b="0"/>
+        </a:lnRef>
+        <a:fillRef idx="0">
+          <a:scrgbClr r="0" g="0" b="0"/>
+        </a:fillRef>
+        <a:effectRef idx="0">
+          <a:scrgbClr r="0" g="0" b="0"/>
+        </a:effectRef>
+        <a:fontRef idx="minor"/>
+      </dsp:style>
+      <dsp:txBody>
+        <a:bodyPr spcFirstLastPara="0" vert="horz" wrap="square" lIns="206575" tIns="17780" rIns="99568" bIns="17780" numCol="1" spcCol="1270" anchor="t" anchorCtr="0">
+          <a:noAutofit/>
+        </a:bodyPr>
+        <a:lstStyle/>
+        <a:p>
+          <a:pPr marL="57150" lvl="1" indent="-57150" algn="l" defTabSz="488950">
+            <a:lnSpc>
+              <a:spcPct val="90000"/>
+            </a:lnSpc>
+            <a:spcBef>
+              <a:spcPct val="0"/>
+            </a:spcBef>
+            <a:spcAft>
+              <a:spcPct val="20000"/>
+            </a:spcAft>
+            <a:buChar char="•"/>
+          </a:pPr>
+          <a:r>
+            <a:rPr lang="en-US" sz="1100" kern="1200"/>
+            <a:t>DNA </a:t>
+          </a:r>
+          <a:r>
+            <a:rPr lang="en-US" sz="1100" kern="1200">
+              <a:sym typeface="Wingdings" panose="05000000000000000000" pitchFamily="2" charset="2"/>
+            </a:rPr>
+            <a:t></a:t>
+          </a:r>
+          <a:r>
+            <a:rPr lang="en-US" sz="1100" kern="1200"/>
+            <a:t> Tree</a:t>
+          </a:r>
+        </a:p>
+        <a:p>
+          <a:pPr marL="114300" lvl="2" indent="-57150" algn="l" defTabSz="488950">
+            <a:lnSpc>
+              <a:spcPct val="90000"/>
+            </a:lnSpc>
+            <a:spcBef>
+              <a:spcPct val="0"/>
+            </a:spcBef>
+            <a:spcAft>
+              <a:spcPct val="20000"/>
+            </a:spcAft>
+            <a:buChar char="•"/>
+          </a:pPr>
+          <a:r>
+            <a:rPr lang="en-US" sz="1100" kern="1200"/>
+            <a:t>MrBayes (MCMC)</a:t>
+          </a:r>
+        </a:p>
+        <a:p>
+          <a:pPr marL="114300" lvl="2" indent="-57150" algn="l" defTabSz="488950">
+            <a:lnSpc>
+              <a:spcPct val="90000"/>
+            </a:lnSpc>
+            <a:spcBef>
+              <a:spcPct val="0"/>
+            </a:spcBef>
+            <a:spcAft>
+              <a:spcPct val="20000"/>
+            </a:spcAft>
+            <a:buChar char="•"/>
+          </a:pPr>
+          <a:r>
+            <a:rPr lang="en-US" sz="1100" kern="1200"/>
+            <a:t>Neighbor Joining with p-value(NJp)</a:t>
+          </a:r>
+        </a:p>
+        <a:p>
+          <a:pPr marL="114300" lvl="2" indent="-57150" algn="l" defTabSz="488950">
+            <a:lnSpc>
+              <a:spcPct val="90000"/>
+            </a:lnSpc>
+            <a:spcBef>
+              <a:spcPct val="0"/>
+            </a:spcBef>
+            <a:spcAft>
+              <a:spcPct val="20000"/>
+            </a:spcAft>
+            <a:buChar char="•"/>
+          </a:pPr>
+          <a:r>
+            <a:rPr lang="en-US" sz="1100" kern="1200"/>
+            <a:t>NCD</a:t>
+          </a:r>
+        </a:p>
+      </dsp:txBody>
+      <dsp:txXfrm>
+        <a:off x="0" y="2413754"/>
+        <a:ext cx="6506304" cy="710010"/>
+      </dsp:txXfrm>
+    </dsp:sp>
+    <dsp:sp modelId="{21DFFCE7-AA6A-4D4E-A0CE-CA584F48FD19}">
+      <dsp:nvSpPr>
+        <dsp:cNvPr id="0" name=""/>
+        <dsp:cNvSpPr/>
+      </dsp:nvSpPr>
+      <dsp:spPr>
+        <a:xfrm>
+          <a:off x="0" y="3123764"/>
+          <a:ext cx="6506304" cy="319409"/>
+        </a:xfrm>
+        <a:prstGeom prst="roundRect">
+          <a:avLst/>
+        </a:prstGeom>
+        <a:solidFill>
+          <a:schemeClr val="accent2">
+            <a:hueOff val="-92030"/>
+            <a:satOff val="-30186"/>
+            <a:lumOff val="-11002"/>
+            <a:alphaOff val="0"/>
+          </a:schemeClr>
+        </a:solidFill>
+        <a:ln w="34925" cap="flat" cmpd="sng" algn="in">
+          <a:solidFill>
+            <a:schemeClr val="lt1">
+              <a:hueOff val="0"/>
+              <a:satOff val="0"/>
+              <a:lumOff val="0"/>
+              <a:alphaOff val="0"/>
+            </a:schemeClr>
+          </a:solidFill>
+          <a:prstDash val="solid"/>
+        </a:ln>
+        <a:effectLst/>
+      </dsp:spPr>
+      <dsp:style>
+        <a:lnRef idx="2">
+          <a:scrgbClr r="0" g="0" b="0"/>
+        </a:lnRef>
+        <a:fillRef idx="1">
+          <a:scrgbClr r="0" g="0" b="0"/>
+        </a:fillRef>
+        <a:effectRef idx="0">
+          <a:scrgbClr r="0" g="0" b="0"/>
+        </a:effectRef>
+        <a:fontRef idx="minor">
+          <a:schemeClr val="lt1"/>
+        </a:fontRef>
+      </dsp:style>
+      <dsp:txBody>
+        <a:bodyPr spcFirstLastPara="0" vert="horz" wrap="square" lIns="53340" tIns="53340" rIns="53340" bIns="53340" numCol="1" spcCol="1270" anchor="ctr" anchorCtr="0">
+          <a:noAutofit/>
+        </a:bodyPr>
+        <a:lstStyle/>
+        <a:p>
+          <a:pPr marL="0" lvl="0" indent="0" algn="l" defTabSz="622300">
+            <a:lnSpc>
+              <a:spcPct val="90000"/>
+            </a:lnSpc>
+            <a:spcBef>
+              <a:spcPct val="0"/>
+            </a:spcBef>
+            <a:spcAft>
+              <a:spcPct val="35000"/>
+            </a:spcAft>
+            <a:buNone/>
+          </a:pPr>
+          <a:r>
+            <a:rPr lang="en-US" sz="1400" kern="1200"/>
+            <a:t>Analysis by comparison…</a:t>
+          </a:r>
+        </a:p>
+      </dsp:txBody>
+      <dsp:txXfrm>
+        <a:off x="15592" y="3139356"/>
+        <a:ext cx="6475120" cy="288225"/>
+      </dsp:txXfrm>
+    </dsp:sp>
+    <dsp:sp modelId="{8F75B2C6-4CE6-409E-A3E9-A2BD4349B3A3}">
+      <dsp:nvSpPr>
+        <dsp:cNvPr id="0" name=""/>
+        <dsp:cNvSpPr/>
+      </dsp:nvSpPr>
+      <dsp:spPr>
+        <a:xfrm>
+          <a:off x="0" y="3483494"/>
+          <a:ext cx="6506304" cy="319409"/>
+        </a:xfrm>
+        <a:prstGeom prst="roundRect">
+          <a:avLst/>
+        </a:prstGeom>
+        <a:solidFill>
+          <a:schemeClr val="accent2">
+            <a:hueOff val="-110436"/>
+            <a:satOff val="-36223"/>
+            <a:lumOff val="-13202"/>
+            <a:alphaOff val="0"/>
+          </a:schemeClr>
+        </a:solidFill>
+        <a:ln w="34925" cap="flat" cmpd="sng" algn="in">
+          <a:solidFill>
+            <a:schemeClr val="lt1">
+              <a:hueOff val="0"/>
+              <a:satOff val="0"/>
+              <a:lumOff val="0"/>
+              <a:alphaOff val="0"/>
+            </a:schemeClr>
+          </a:solidFill>
+          <a:prstDash val="solid"/>
+        </a:ln>
+        <a:effectLst/>
+      </dsp:spPr>
+      <dsp:style>
+        <a:lnRef idx="2">
+          <a:scrgbClr r="0" g="0" b="0"/>
+        </a:lnRef>
+        <a:fillRef idx="1">
+          <a:scrgbClr r="0" g="0" b="0"/>
+        </a:fillRef>
+        <a:effectRef idx="0">
+          <a:scrgbClr r="0" g="0" b="0"/>
+        </a:effectRef>
+        <a:fontRef idx="minor">
+          <a:schemeClr val="lt1"/>
+        </a:fontRef>
+      </dsp:style>
+      <dsp:txBody>
+        <a:bodyPr spcFirstLastPara="0" vert="horz" wrap="square" lIns="53340" tIns="53340" rIns="53340" bIns="53340" numCol="1" spcCol="1270" anchor="ctr" anchorCtr="0">
+          <a:noAutofit/>
+        </a:bodyPr>
+        <a:lstStyle/>
+        <a:p>
+          <a:pPr marL="0" lvl="0" indent="0" algn="l" defTabSz="622300">
+            <a:lnSpc>
+              <a:spcPct val="90000"/>
+            </a:lnSpc>
+            <a:spcBef>
+              <a:spcPct val="0"/>
+            </a:spcBef>
+            <a:spcAft>
+              <a:spcPct val="35000"/>
+            </a:spcAft>
+            <a:buNone/>
+          </a:pPr>
+          <a:r>
+            <a:rPr lang="en-US" sz="1400" kern="1200"/>
+            <a:t>Results</a:t>
+          </a:r>
+        </a:p>
+      </dsp:txBody>
+      <dsp:txXfrm>
+        <a:off x="15592" y="3499086"/>
+        <a:ext cx="6475120" cy="288225"/>
+      </dsp:txXfrm>
+    </dsp:sp>
+    <dsp:sp modelId="{E0536F9F-4EB0-4263-9ECF-ADB70B5F8025}">
+      <dsp:nvSpPr>
+        <dsp:cNvPr id="0" name=""/>
+        <dsp:cNvSpPr/>
+      </dsp:nvSpPr>
+      <dsp:spPr>
+        <a:xfrm>
+          <a:off x="0" y="3843225"/>
+          <a:ext cx="6506304" cy="319409"/>
+        </a:xfrm>
+        <a:prstGeom prst="roundRect">
+          <a:avLst/>
+        </a:prstGeom>
+        <a:solidFill>
+          <a:schemeClr val="accent2">
+            <a:hueOff val="-128842"/>
+            <a:satOff val="-42261"/>
+            <a:lumOff val="-15402"/>
+            <a:alphaOff val="0"/>
+          </a:schemeClr>
+        </a:solidFill>
+        <a:ln w="34925" cap="flat" cmpd="sng" algn="in">
+          <a:solidFill>
+            <a:schemeClr val="lt1">
+              <a:hueOff val="0"/>
+              <a:satOff val="0"/>
+              <a:lumOff val="0"/>
+              <a:alphaOff val="0"/>
+            </a:schemeClr>
+          </a:solidFill>
+          <a:prstDash val="solid"/>
+        </a:ln>
+        <a:effectLst/>
+      </dsp:spPr>
+      <dsp:style>
+        <a:lnRef idx="2">
+          <a:scrgbClr r="0" g="0" b="0"/>
+        </a:lnRef>
+        <a:fillRef idx="1">
+          <a:scrgbClr r="0" g="0" b="0"/>
+        </a:fillRef>
+        <a:effectRef idx="0">
+          <a:scrgbClr r="0" g="0" b="0"/>
+        </a:effectRef>
+        <a:fontRef idx="minor">
+          <a:schemeClr val="lt1"/>
+        </a:fontRef>
+      </dsp:style>
+      <dsp:txBody>
+        <a:bodyPr spcFirstLastPara="0" vert="horz" wrap="square" lIns="53340" tIns="53340" rIns="53340" bIns="53340" numCol="1" spcCol="1270" anchor="ctr" anchorCtr="0">
+          <a:noAutofit/>
+        </a:bodyPr>
+        <a:lstStyle/>
+        <a:p>
+          <a:pPr marL="0" lvl="0" indent="0" algn="l" defTabSz="622300">
+            <a:lnSpc>
+              <a:spcPct val="90000"/>
+            </a:lnSpc>
+            <a:spcBef>
+              <a:spcPct val="0"/>
+            </a:spcBef>
+            <a:spcAft>
+              <a:spcPct val="35000"/>
+            </a:spcAft>
+            <a:buNone/>
+          </a:pPr>
+          <a:r>
+            <a:rPr lang="en-US" sz="1400" kern="1200"/>
+            <a:t>Analysis Tools</a:t>
+          </a:r>
+        </a:p>
+      </dsp:txBody>
+      <dsp:txXfrm>
+        <a:off x="15592" y="3858817"/>
+        <a:ext cx="6475120" cy="288225"/>
+      </dsp:txXfrm>
+    </dsp:sp>
+    <dsp:sp modelId="{E0942B47-6ABE-4B9E-AA11-A5871A13E64D}">
+      <dsp:nvSpPr>
+        <dsp:cNvPr id="0" name=""/>
+        <dsp:cNvSpPr/>
+      </dsp:nvSpPr>
+      <dsp:spPr>
+        <a:xfrm>
+          <a:off x="0" y="4162635"/>
+          <a:ext cx="6506304" cy="710010"/>
+        </a:xfrm>
+        <a:prstGeom prst="rect">
+          <a:avLst/>
+        </a:prstGeom>
+        <a:noFill/>
+        <a:ln>
+          <a:noFill/>
+        </a:ln>
+        <a:effectLst/>
+      </dsp:spPr>
+      <dsp:style>
+        <a:lnRef idx="0">
+          <a:scrgbClr r="0" g="0" b="0"/>
+        </a:lnRef>
+        <a:fillRef idx="0">
+          <a:scrgbClr r="0" g="0" b="0"/>
+        </a:fillRef>
+        <a:effectRef idx="0">
+          <a:scrgbClr r="0" g="0" b="0"/>
+        </a:effectRef>
+        <a:fontRef idx="minor"/>
+      </dsp:style>
+      <dsp:txBody>
+        <a:bodyPr spcFirstLastPara="0" vert="horz" wrap="square" lIns="206575" tIns="17780" rIns="99568" bIns="17780" numCol="1" spcCol="1270" anchor="t" anchorCtr="0">
+          <a:noAutofit/>
+        </a:bodyPr>
+        <a:lstStyle/>
+        <a:p>
+          <a:pPr marL="57150" lvl="1" indent="-57150" algn="l" defTabSz="488950">
+            <a:lnSpc>
+              <a:spcPct val="90000"/>
+            </a:lnSpc>
+            <a:spcBef>
+              <a:spcPct val="0"/>
+            </a:spcBef>
+            <a:spcAft>
+              <a:spcPct val="20000"/>
+            </a:spcAft>
+            <a:buChar char="•"/>
+          </a:pPr>
+          <a:r>
+            <a:rPr lang="en-US" sz="1100" kern="1200"/>
+            <a:t>Symmetric Difference</a:t>
+          </a:r>
+        </a:p>
+        <a:p>
+          <a:pPr marL="57150" lvl="1" indent="-57150" algn="l" defTabSz="488950">
+            <a:lnSpc>
+              <a:spcPct val="90000"/>
+            </a:lnSpc>
+            <a:spcBef>
+              <a:spcPct val="0"/>
+            </a:spcBef>
+            <a:spcAft>
+              <a:spcPct val="20000"/>
+            </a:spcAft>
+            <a:buChar char="•"/>
+          </a:pPr>
+          <a:r>
+            <a:rPr lang="en-US" sz="1100" kern="1200"/>
+            <a:t>Quartet Compatibility</a:t>
+          </a:r>
+        </a:p>
+        <a:p>
+          <a:pPr marL="57150" lvl="1" indent="-57150" algn="l" defTabSz="488950">
+            <a:lnSpc>
+              <a:spcPct val="90000"/>
+            </a:lnSpc>
+            <a:spcBef>
+              <a:spcPct val="0"/>
+            </a:spcBef>
+            <a:spcAft>
+              <a:spcPct val="20000"/>
+            </a:spcAft>
+            <a:buChar char="•"/>
+          </a:pPr>
+          <a:r>
+            <a:rPr lang="en-US" sz="1100" kern="1200"/>
+            <a:t>Quartet Agreement</a:t>
+          </a:r>
+        </a:p>
+        <a:p>
+          <a:pPr marL="57150" lvl="1" indent="-57150" algn="l" defTabSz="488950">
+            <a:lnSpc>
+              <a:spcPct val="90000"/>
+            </a:lnSpc>
+            <a:spcBef>
+              <a:spcPct val="0"/>
+            </a:spcBef>
+            <a:spcAft>
+              <a:spcPct val="20000"/>
+            </a:spcAft>
+            <a:buChar char="•"/>
+          </a:pPr>
+          <a:r>
+            <a:rPr lang="en-US" sz="1100" kern="1200"/>
+            <a:t>Induced Quartet Agreement</a:t>
+          </a:r>
+        </a:p>
+      </dsp:txBody>
+      <dsp:txXfrm>
+        <a:off x="0" y="4162635"/>
+        <a:ext cx="6506304" cy="710010"/>
+      </dsp:txXfrm>
+    </dsp:sp>
+    <dsp:sp modelId="{A547190C-B6CA-4DE2-ACFA-3970084A7C10}">
+      <dsp:nvSpPr>
+        <dsp:cNvPr id="0" name=""/>
+        <dsp:cNvSpPr/>
+      </dsp:nvSpPr>
+      <dsp:spPr>
+        <a:xfrm>
+          <a:off x="0" y="4872645"/>
+          <a:ext cx="6506304" cy="319409"/>
+        </a:xfrm>
+        <a:prstGeom prst="roundRect">
+          <a:avLst/>
+        </a:prstGeom>
+        <a:solidFill>
+          <a:schemeClr val="accent2">
+            <a:hueOff val="-147248"/>
+            <a:satOff val="-48298"/>
+            <a:lumOff val="-17603"/>
+            <a:alphaOff val="0"/>
+          </a:schemeClr>
+        </a:solidFill>
+        <a:ln w="34925" cap="flat" cmpd="sng" algn="in">
+          <a:solidFill>
+            <a:schemeClr val="lt1">
+              <a:hueOff val="0"/>
+              <a:satOff val="0"/>
+              <a:lumOff val="0"/>
+              <a:alphaOff val="0"/>
+            </a:schemeClr>
+          </a:solidFill>
+          <a:prstDash val="solid"/>
+        </a:ln>
+        <a:effectLst/>
+      </dsp:spPr>
+      <dsp:style>
+        <a:lnRef idx="2">
+          <a:scrgbClr r="0" g="0" b="0"/>
+        </a:lnRef>
+        <a:fillRef idx="1">
+          <a:scrgbClr r="0" g="0" b="0"/>
+        </a:fillRef>
+        <a:effectRef idx="0">
+          <a:scrgbClr r="0" g="0" b="0"/>
+        </a:effectRef>
+        <a:fontRef idx="minor">
+          <a:schemeClr val="lt1"/>
+        </a:fontRef>
+      </dsp:style>
+      <dsp:txBody>
+        <a:bodyPr spcFirstLastPara="0" vert="horz" wrap="square" lIns="53340" tIns="53340" rIns="53340" bIns="53340" numCol="1" spcCol="1270" anchor="ctr" anchorCtr="0">
+          <a:noAutofit/>
+        </a:bodyPr>
+        <a:lstStyle/>
+        <a:p>
+          <a:pPr marL="0" lvl="0" indent="0" algn="l" defTabSz="622300">
+            <a:lnSpc>
+              <a:spcPct val="90000"/>
+            </a:lnSpc>
+            <a:spcBef>
+              <a:spcPct val="0"/>
+            </a:spcBef>
+            <a:spcAft>
+              <a:spcPct val="35000"/>
+            </a:spcAft>
+            <a:buNone/>
+          </a:pPr>
+          <a:r>
+            <a:rPr lang="en-US" sz="1400" kern="1200"/>
+            <a:t>Timing differences</a:t>
+          </a:r>
+        </a:p>
+      </dsp:txBody>
+      <dsp:txXfrm>
+        <a:off x="15592" y="4888237"/>
+        <a:ext cx="6475120" cy="288225"/>
+      </dsp:txXfrm>
+    </dsp:sp>
+    <dsp:sp modelId="{996B4FEA-7AF3-4B01-A6D8-1A72FB4AC4CC}">
+      <dsp:nvSpPr>
+        <dsp:cNvPr id="0" name=""/>
+        <dsp:cNvSpPr/>
+      </dsp:nvSpPr>
+      <dsp:spPr>
+        <a:xfrm>
+          <a:off x="0" y="5232375"/>
+          <a:ext cx="6506304" cy="319409"/>
+        </a:xfrm>
+        <a:prstGeom prst="roundRect">
+          <a:avLst/>
+        </a:prstGeom>
+        <a:solidFill>
+          <a:schemeClr val="accent2">
+            <a:hueOff val="-165654"/>
+            <a:satOff val="-54335"/>
+            <a:lumOff val="-19803"/>
+            <a:alphaOff val="0"/>
+          </a:schemeClr>
+        </a:solidFill>
+        <a:ln w="34925" cap="flat" cmpd="sng" algn="in">
+          <a:solidFill>
+            <a:schemeClr val="lt1">
+              <a:hueOff val="0"/>
+              <a:satOff val="0"/>
+              <a:lumOff val="0"/>
+              <a:alphaOff val="0"/>
+            </a:schemeClr>
+          </a:solidFill>
+          <a:prstDash val="solid"/>
+        </a:ln>
+        <a:effectLst/>
+      </dsp:spPr>
+      <dsp:style>
+        <a:lnRef idx="2">
+          <a:scrgbClr r="0" g="0" b="0"/>
+        </a:lnRef>
+        <a:fillRef idx="1">
+          <a:scrgbClr r="0" g="0" b="0"/>
+        </a:fillRef>
+        <a:effectRef idx="0">
+          <a:scrgbClr r="0" g="0" b="0"/>
+        </a:effectRef>
+        <a:fontRef idx="minor">
+          <a:schemeClr val="lt1"/>
+        </a:fontRef>
+      </dsp:style>
+      <dsp:txBody>
+        <a:bodyPr spcFirstLastPara="0" vert="horz" wrap="square" lIns="53340" tIns="53340" rIns="53340" bIns="53340" numCol="1" spcCol="1270" anchor="ctr" anchorCtr="0">
+          <a:noAutofit/>
+        </a:bodyPr>
+        <a:lstStyle/>
+        <a:p>
+          <a:pPr marL="0" lvl="0" indent="0" algn="l" defTabSz="622300">
+            <a:lnSpc>
+              <a:spcPct val="90000"/>
+            </a:lnSpc>
+            <a:spcBef>
+              <a:spcPct val="0"/>
+            </a:spcBef>
+            <a:spcAft>
+              <a:spcPct val="35000"/>
+            </a:spcAft>
+            <a:buNone/>
+          </a:pPr>
+          <a:r>
+            <a:rPr lang="en-US" sz="1400" kern="1200"/>
+            <a:t>Future steps</a:t>
+          </a:r>
+        </a:p>
+      </dsp:txBody>
+      <dsp:txXfrm>
+        <a:off x="15592" y="5247967"/>
+        <a:ext cx="6475120" cy="288225"/>
+      </dsp:txXfrm>
+    </dsp:sp>
+  </dsp:spTree>
+</dsp:drawing>
+</file>
+
+<file path=ppt/diagrams/layout1.xml><?xml version="1.0" encoding="utf-8"?>
+<dgm:layoutDef xmlns:dgm="http://schemas.openxmlformats.org/drawingml/2006/diagram" xmlns:a="http://schemas.openxmlformats.org/drawingml/2006/main" uniqueId="urn:microsoft.com/office/officeart/2005/8/layout/vList2">
+  <dgm:title val=""/>
+  <dgm:desc val=""/>
+  <dgm:catLst>
+    <dgm:cat type="list" pri="3000"/>
+    <dgm:cat type="convert" pri="1000"/>
+  </dgm:catLst>
+  <dgm:sampData>
+    <dgm:dataModel>
+      <dgm:ptLst>
+        <dgm:pt modelId="0" type="doc"/>
+        <dgm:pt modelId="1">
+          <dgm:prSet phldr="1"/>
+        </dgm:pt>
+        <dgm:pt modelId="11">
+          <dgm:prSet phldr="1"/>
+        </dgm:pt>
+        <dgm:pt modelId="2">
+          <dgm:prSet phldr="1"/>
+        </dgm:pt>
+        <dgm:pt modelId="21">
+          <dgm:prSet phldr="1"/>
+        </dgm:pt>
+      </dgm:ptLst>
+      <dgm:cxnLst>
+        <dgm:cxn modelId="4" srcId="0" destId="1" srcOrd="0" destOrd="0"/>
+        <dgm:cxn modelId="5" srcId="0" destId="2" srcOrd="1" destOrd="0"/>
+        <dgm:cxn modelId="12" srcId="1" destId="11" srcOrd="0" destOrd="0"/>
+        <dgm:cxn modelId="23" srcId="2" destId="21" srcOrd="0" destOrd="0"/>
+      </dgm:cxnLst>
+      <dgm:bg/>
+      <dgm:whole/>
+    </dgm:dataModel>
+  </dgm:sampData>
+  <dgm:styleData>
+    <dgm:dataModel>
+      <dgm:ptLst>
+        <dgm:pt modelId="0" type="doc"/>
+        <dgm:pt modelId="1"/>
+        <dgm:pt modelId="2"/>
+      </dgm:ptLst>
+      <dgm:cxnLst>
+        <dgm:cxn modelId="3" srcId="0" destId="1" srcOrd="0" destOrd="0"/>
+        <dgm:cxn modelId="4" srcId="0" destId="2" srcOrd="1" destOrd="0"/>
+      </dgm:cxnLst>
+      <dgm:bg/>
+      <dgm:whole/>
+    </dgm:dataModel>
+  </dgm:styleData>
+  <dgm:clrData>
+    <dgm:dataModel>
+      <dgm:ptLst>
+        <dgm:pt modelId="0" type="doc"/>
+        <dgm:pt modelId="1"/>
+        <dgm:pt modelId="2"/>
+        <dgm:pt modelId="3"/>
+        <dgm:pt modelId="4"/>
+      </dgm:ptLst>
+      <dgm:cxnLst>
+        <dgm:cxn modelId="5" srcId="0" destId="1" srcOrd="0" destOrd="0"/>
+        <dgm:cxn modelId="6" srcId="0" destId="2" srcOrd="1" destOrd="0"/>
+        <dgm:cxn modelId="7" srcId="0" destId="3" srcOrd="2" destOrd="0"/>
+        <dgm:cxn modelId="8" srcId="0" destId="4" srcOrd="3" destOrd="0"/>
+      </dgm:cxnLst>
+      <dgm:bg/>
+      <dgm:whole/>
+    </dgm:dataModel>
+  </dgm:clrData>
+  <dgm:layoutNode name="linear">
+    <dgm:varLst>
+      <dgm:animLvl val="lvl"/>
+      <dgm:resizeHandles val="exact"/>
+    </dgm:varLst>
+    <dgm:alg type="lin">
+      <dgm:param type="linDir" val="fromT"/>
+      <dgm:param type="vertAlign" val="mid"/>
+    </dgm:alg>
+    <dgm:shape xmlns:r="http://schemas.openxmlformats.org/officeDocument/2006/relationships" r:blip="">
+      <dgm:adjLst/>
+    </dgm:shape>
+    <dgm:presOf/>
+    <dgm:constrLst>
+      <dgm:constr type="w" for="ch" forName="parentText" refType="w"/>
+      <dgm:constr type="h" for="ch" forName="parentText" refType="primFontSz" refFor="ch" refForName="parentText" fact="0.52"/>
+      <dgm:constr type="w" for="ch" forName="childText" refType="w"/>
+      <dgm:constr type="h" for="ch" forName="childText" refType="primFontSz" refFor="ch" refForName="parentText" fact="0.46"/>
+      <dgm:constr type="h" for="ch" forName="parentText" op="equ"/>
+      <dgm:constr type="primFontSz" for="ch" forName="parentText" op="equ" val="65"/>
+      <dgm:constr type="primFontSz" for="ch" forName="childText" refType="primFontSz" refFor="ch" refForName="parentText" op="equ"/>
+      <dgm:constr type="h" for="ch" forName="spacer" refType="primFontSz" refFor="ch" refForName="parentText" fact="0.08"/>
+    </dgm:constrLst>
+    <dgm:ruleLst>
+      <dgm:rule type="primFontSz" for="ch" forName="parentText" val="5" fact="NaN" max="NaN"/>
+    </dgm:ruleLst>
+    <dgm:forEach name="Name0" axis="ch" ptType="node">
+      <dgm:layoutNode name="parentText" styleLbl="node1">
+        <dgm:varLst>
+          <dgm:chMax val="0"/>
+          <dgm:bulletEnabled val="1"/>
+        </dgm:varLst>
+        <dgm:alg type="tx">
+          <dgm:param type="parTxLTRAlign" val="l"/>
+          <dgm:param type="parTxRTLAlign" val="r"/>
+        </dgm:alg>
+        <dgm:shape xmlns:r="http://schemas.openxmlformats.org/officeDocument/2006/relationships" type="roundRect" r:blip="">
+          <dgm:adjLst/>
+        </dgm:shape>
+        <dgm:presOf axis="self"/>
+        <dgm:constrLst>
+          <dgm:constr type="tMarg" refType="primFontSz" fact="0.3"/>
+          <dgm:constr type="bMarg" refType="primFontSz" fact="0.3"/>
+          <dgm:constr type="lMarg" refType="primFontSz" fact="0.3"/>
+          <dgm:constr type="rMarg" refType="primFontSz" fact="0.3"/>
+        </dgm:constrLst>
+        <dgm:ruleLst>
+          <dgm:rule type="h" val="INF" fact="NaN" max="NaN"/>
+        </dgm:ruleLst>
+      </dgm:layoutNode>
+      <dgm:choose name="Name1">
+        <dgm:if name="Name2" axis="ch" ptType="node" func="cnt" op="gte" val="1">
+          <dgm:layoutNode name="childText" styleLbl="revTx">
+            <dgm:varLst>
+              <dgm:bulletEnabled val="1"/>
+            </dgm:varLst>
+            <dgm:alg type="tx">
+              <dgm:param type="stBulletLvl" val="1"/>
+              <dgm:param type="lnSpAfChP" val="20"/>
+            </dgm:alg>
+            <dgm:shape xmlns:r="http://schemas.openxmlformats.org/officeDocument/2006/relationships" type="rect" r:blip="">
+              <dgm:adjLst/>
+            </dgm:shape>
+            <dgm:presOf axis="des" ptType="node"/>
+            <dgm:constrLst>
+              <dgm:constr type="tMarg" refType="primFontSz" fact="0.1"/>
+              <dgm:constr type="bMarg" refType="primFontSz" fact="0.1"/>
+              <dgm:constr type="lMarg" refType="w" fact="0.09"/>
+            </dgm:constrLst>
+            <dgm:ruleLst>
+              <dgm:rule type="h" val="INF" fact="NaN" max="NaN"/>
+            </dgm:ruleLst>
+          </dgm:layoutNode>
+        </dgm:if>
+        <dgm:else name="Name3">
+          <dgm:choose name="Name4">
+            <dgm:if name="Name5" axis="par ch" ptType="doc node" func="cnt" op="gte" val="2">
+              <dgm:forEach name="Name6" axis="followSib" ptType="sibTrans" cnt="1">
+                <dgm:layoutNode name="spacer">
+                  <dgm:alg type="sp"/>
+                  <dgm:shape xmlns:r="http://schemas.openxmlformats.org/officeDocument/2006/relationships" r:blip="">
+                    <dgm:adjLst/>
+                  </dgm:shape>
+                  <dgm:presOf/>
+                  <dgm:constrLst/>
+                  <dgm:ruleLst/>
+                </dgm:layoutNode>
+              </dgm:forEach>
+            </dgm:if>
+            <dgm:else name="Name7"/>
+          </dgm:choose>
+        </dgm:else>
+      </dgm:choose>
+    </dgm:forEach>
+  </dgm:layoutNode>
+</dgm:layoutDef>
+</file>
+
+<file path=ppt/diagrams/quickStyle1.xml><?xml version="1.0" encoding="utf-8"?>
+<dgm:styleDef xmlns:dgm="http://schemas.openxmlformats.org/drawingml/2006/diagram" xmlns:a="http://schemas.openxmlformats.org/drawingml/2006/main" uniqueId="urn:microsoft.com/office/officeart/2005/8/quickstyle/simple1">
+  <dgm:title val=""/>
+  <dgm:desc val=""/>
+  <dgm:catLst>
+    <dgm:cat type="simple" pri="10100"/>
+  </dgm:catLst>
+  <dgm:scene3d>
+    <a:camera prst="orthographicFront"/>
+    <a:lightRig rig="threePt" dir="t"/>
+  </dgm:scene3d>
+  <dgm:styleLbl name="node0">
+    <dgm:scene3d>
+      <a:camera prst="orthographicFront"/>
+      <a:lightRig rig="threePt" dir="t"/>
+    </dgm:scene3d>
+    <dgm:sp3d/>
+    <dgm:txPr/>
+    <dgm:style>
+      <a:lnRef idx="2">
+        <a:scrgbClr r="0" g="0" b="0"/>
+      </a:lnRef>
+      <a:fillRef idx="1">
+        <a:scrgbClr r="0" g="0" b="0"/>
+      </a:fillRef>
+      <a:effectRef idx="0">
+        <a:scrgbClr r="0" g="0" b="0"/>
+      </a:effectRef>
+      <a:fontRef idx="minor">
+        <a:schemeClr val="lt1"/>
+      </a:fontRef>
+    </dgm:style>
+  </dgm:styleLbl>
+  <dgm:styleLbl name="lnNode1">
+    <dgm:scene3d>
+      <a:camera prst="orthographicFront"/>
+      <a:lightRig rig="threePt" dir="t"/>
+    </dgm:scene3d>
+    <dgm:sp3d/>
+    <dgm:txPr/>
+    <dgm:style>
+      <a:lnRef idx="2">
+        <a:scrgbClr r="0" g="0" b="0"/>
+      </a:lnRef>
+      <a:fillRef idx="1">
+        <a:scrgbClr r="0" g="0" b="0"/>
+      </a:fillRef>
+      <a:effectRef idx="0">
+        <a:scrgbClr r="0" g="0" b="0"/>
+      </a:effectRef>
+      <a:fontRef idx="minor">
+        <a:schemeClr val="lt1"/>
+      </a:fontRef>
+    </dgm:style>
+  </dgm:styleLbl>
+  <dgm:styleLbl name="vennNode1">
+    <dgm:scene3d>
+      <a:camera prst="orthographicFront"/>
+      <a:lightRig rig="threePt" dir="t"/>
+    </dgm:scene3d>
+    <dgm:sp3d/>
+    <dgm:txPr/>
+    <dgm:style>
+      <a:lnRef idx="2">
+        <a:scrgbClr r="0" g="0" b="0"/>
+      </a:lnRef>
+      <a:fillRef idx="1">
+        <a:scrgbClr r="0" g="0" b="0"/>
+      </a:fillRef>
+      <a:effectRef idx="0">
+        <a:scrgbClr r="0" g="0" b="0"/>
+      </a:effectRef>
+      <a:fontRef idx="minor">
+        <a:schemeClr val="tx1"/>
+      </a:fontRef>
+    </dgm:style>
+  </dgm:styleLbl>
+  <dgm:styleLbl name="alignNode1">
+    <dgm:scene3d>
+      <a:camera prst="orthographicFront"/>
+      <a:lightRig rig="threePt" dir="t"/>
+    </dgm:scene3d>
+    <dgm:sp3d/>
+    <dgm:txPr/>
+    <dgm:style>
+      <a:lnRef idx="2">
+        <a:scrgbClr r="0" g="0" b="0"/>
+      </a:lnRef>
+      <a:fillRef idx="1">
+        <a:scrgbClr r="0" g="0" b="0"/>
+      </a:fillRef>
+      <a:effectRef idx="0">
+        <a:scrgbClr r="0" g="0" b="0"/>
+      </a:effectRef>
+      <a:fontRef idx="minor">
+        <a:schemeClr val="lt1"/>
+      </a:fontRef>
+    </dgm:style>
+  </dgm:styleLbl>
+  <dgm:styleLbl name="node1">
+    <dgm:scene3d>
+      <a:camera prst="orthographicFront"/>
+      <a:lightRig rig="threePt" dir="t"/>
+    </dgm:scene3d>
+    <dgm:sp3d/>
+    <dgm:txPr/>
+    <dgm:style>
+      <a:lnRef idx="2">
+        <a:scrgbClr r="0" g="0" b="0"/>
+      </a:lnRef>
+      <a:fillRef idx="1">
+        <a:scrgbClr r="0" g="0" b="0"/>
+      </a:fillRef>
+      <a:effectRef idx="0">
+        <a:scrgbClr r="0" g="0" b="0"/>
+      </a:effectRef>
+      <a:fontRef idx="minor">
+        <a:schemeClr val="lt1"/>
+      </a:fontRef>
+    </dgm:style>
+  </dgm:styleLbl>
+  <dgm:styleLbl name="node2">
+    <dgm:scene3d>
+      <a:camera prst="orthographicFront"/>
+      <a:lightRig rig="threePt" dir="t"/>
+    </dgm:scene3d>
+    <dgm:sp3d/>
+    <dgm:txPr/>
+    <dgm:style>
+      <a:lnRef idx="2">
+        <a:scrgbClr r="0" g="0" b="0"/>
+      </a:lnRef>
+      <a:fillRef idx="1">
+        <a:scrgbClr r="0" g="0" b="0"/>
+      </a:fillRef>
+      <a:effectRef idx="0">
+        <a:scrgbClr r="0" g="0" b="0"/>
+      </a:effectRef>
+      <a:fontRef idx="minor">
+        <a:schemeClr val="lt1"/>
+      </a:fontRef>
+    </dgm:style>
+  </dgm:styleLbl>
+  <dgm:styleLbl name="node3">
+    <dgm:scene3d>
+      <a:camera prst="orthographicFront"/>
+      <a:lightRig rig="threePt" dir="t"/>
+    </dgm:scene3d>
+    <dgm:sp3d/>
+    <dgm:txPr/>
+    <dgm:style>
+      <a:lnRef idx="2">
+        <a:scrgbClr r="0" g="0" b="0"/>
+      </a:lnRef>
+      <a:fillRef idx="1">
+        <a:scrgbClr r="0" g="0" b="0"/>
+      </a:fillRef>
+      <a:effectRef idx="0">
+        <a:scrgbClr r="0" g="0" b="0"/>
+      </a:effectRef>
+      <a:fontRef idx="minor">
+        <a:schemeClr val="lt1"/>
+      </a:fontRef>
+    </dgm:style>
+  </dgm:styleLbl>
+  <dgm:styleLbl name="node4">
+    <dgm:scene3d>
+      <a:camera prst="orthographicFront"/>
+      <a:lightRig rig="threePt" dir="t"/>
+    </dgm:scene3d>
+    <dgm:sp3d/>
+    <dgm:txPr/>
+    <dgm:style>
+      <a:lnRef idx="2">
+        <a:scrgbClr r="0" g="0" b="0"/>
+      </a:lnRef>
+      <a:fillRef idx="1">
+        <a:scrgbClr r="0" g="0" b="0"/>
+      </a:fillRef>
+      <a:effectRef idx="0">
+        <a:scrgbClr r="0" g="0" b="0"/>
+      </a:effectRef>
+      <a:fontRef idx="minor">
+        <a:schemeClr val="lt1"/>
+      </a:fontRef>
+    </dgm:style>
+  </dgm:styleLbl>
+  <dgm:styleLbl name="fgImgPlace1">
+    <dgm:scene3d>
+      <a:camera prst="orthographicFront"/>
+      <a:lightRig rig="threePt" dir="t"/>
+    </dgm:scene3d>
+    <dgm:sp3d/>
+    <dgm:txPr/>
+    <dgm:style>
+      <a:lnRef idx="2">
+        <a:scrgbClr r="0" g="0" b="0"/>
+      </a:lnRef>
+      <a:fillRef idx="1">
+        <a:scrgbClr r="0" g="0" b="0"/>
+      </a:fillRef>
+      <a:effectRef idx="0">
+        <a:scrgbClr r="0" g="0" b="0"/>
+      </a:effectRef>
+      <a:fontRef idx="minor"/>
+    </dgm:style>
+  </dgm:styleLbl>
+  <dgm:styleLbl name="alignImgPlace1">
+    <dgm:scene3d>
+      <a:camera prst="orthographicFront"/>
+      <a:lightRig rig="threePt" dir="t"/>
+    </dgm:scene3d>
+    <dgm:sp3d/>
+    <dgm:txPr/>
+    <dgm:style>
+      <a:lnRef idx="2">
+        <a:scrgbClr r="0" g="0" b="0"/>
+      </a:lnRef>
+      <a:fillRef idx="1">
+        <a:scrgbClr r="0" g="0" b="0"/>
+      </a:fillRef>
+      <a:effectRef idx="0">
+        <a:scrgbClr r="0" g="0" b="0"/>
+      </a:effectRef>
+      <a:fontRef idx="minor"/>
+    </dgm:style>
+  </dgm:styleLbl>
+  <dgm:styleLbl name="bgImgPlace1">
+    <dgm:scene3d>
+      <a:camera prst="orthographicFront"/>
+      <a:lightRig rig="threePt" dir="t"/>
+    </dgm:scene3d>
+    <dgm:sp3d/>
+    <dgm:txPr/>
+    <dgm:style>
+      <a:lnRef idx="2">
+        <a:scrgbClr r="0" g="0" b="0"/>
+      </a:lnRef>
+      <a:fillRef idx="1">
+        <a:scrgbClr r="0" g="0" b="0"/>
+      </a:fillRef>
+      <a:effectRef idx="0">
+        <a:scrgbClr r="0" g="0" b="0"/>
+      </a:effectRef>
+      <a:fontRef idx="minor"/>
+    </dgm:style>
+  </dgm:styleLbl>
+  <dgm:styleLbl name="sibTrans2D1">
+    <dgm:scene3d>
+      <a:camera prst="orthographicFront"/>
+      <a:lightRig rig="threePt" dir="t"/>
+    </dgm:scene3d>
+    <dgm:sp3d/>
+    <dgm:txPr/>
+    <dgm:style>
+      <a:lnRef idx="0">
+        <a:scrgbClr r="0" g="0" b="0"/>
+      </a:lnRef>
+      <a:fillRef idx="1">
+        <a:scrgbClr r="0" g="0" b="0"/>
+      </a:fillRef>
+      <a:effectRef idx="0">
+        <a:scrgbClr r="0" g="0" b="0"/>
+      </a:effectRef>
+      <a:fontRef idx="minor">
+        <a:schemeClr val="lt1"/>
+      </a:fontRef>
+    </dgm:style>
+  </dgm:styleLbl>
+  <dgm:styleLbl name="fgSibTrans2D1">
+    <dgm:scene3d>
+      <a:camera prst="orthographicFront"/>
+      <a:lightRig rig="threePt" dir="t"/>
+    </dgm:scene3d>
+    <dgm:sp3d/>
+    <dgm:txPr/>
+    <dgm:style>
+      <a:lnRef idx="0">
+        <a:scrgbClr r="0" g="0" b="0"/>
+      </a:lnRef>
+      <a:fillRef idx="1">
+        <a:scrgbClr r="0" g="0" b="0"/>
+      </a:fillRef>
+      <a:effectRef idx="0">
+        <a:scrgbClr r="0" g="0" b="0"/>
+      </a:effectRef>
+      <a:fontRef idx="minor">
+        <a:schemeClr val="lt1"/>
+      </a:fontRef>
+    </dgm:style>
+  </dgm:styleLbl>
+  <dgm:styleLbl name="bgSibTrans2D1">
+    <dgm:scene3d>
+      <a:camera prst="orthographicFront"/>
+      <a:lightRig rig="threePt" dir="t"/>
+    </dgm:scene3d>
+    <dgm:sp3d/>
+    <dgm:txPr/>
+    <dgm:style>
+      <a:lnRef idx="0">
+        <a:scrgbClr r="0" g="0" b="0"/>
+      </a:lnRef>
+      <a:fillRef idx="1">
+        <a:scrgbClr r="0" g="0" b="0"/>
+      </a:fillRef>
+      <a:effectRef idx="0">
+        <a:scrgbClr r="0" g="0" b="0"/>
+      </a:effectRef>
+      <a:fontRef idx="minor">
+        <a:schemeClr val="lt1"/>
+      </a:fontRef>
+    </dgm:style>
+  </dgm:styleLbl>
+  <dgm:styleLbl name="sibTrans1D1">
+    <dgm:scene3d>
+      <a:camera prst="orthographicFront"/>
+      <a:lightRig rig="threePt" dir="t"/>
+    </dgm:scene3d>
+    <dgm:sp3d/>
+    <dgm:txPr/>
+    <dgm:style>
+      <a:lnRef idx="1">
+        <a:scrgbClr r="0" g="0" b="0"/>
+      </a:lnRef>
+      <a:fillRef idx="0">
+        <a:scrgbClr r="0" g="0" b="0"/>
+      </a:fillRef>
+      <a:effectRef idx="0">
+        <a:scrgbClr r="0" g="0" b="0"/>
+      </a:effectRef>
+      <a:fontRef idx="minor"/>
+    </dgm:style>
+  </dgm:styleLbl>
+  <dgm:styleLbl name="callout">
+    <dgm:scene3d>
+      <a:camera prst="orthographicFront"/>
+      <a:lightRig rig="threePt" dir="t"/>
+    </dgm:scene3d>
+    <dgm:sp3d/>
+    <dgm:txPr/>
+    <dgm:style>
+      <a:lnRef idx="2">
+        <a:scrgbClr r="0" g="0" b="0"/>
+      </a:lnRef>
+      <a:fillRef idx="1">
+        <a:scrgbClr r="0" g="0" b="0"/>
+      </a:fillRef>
+      <a:effectRef idx="0">
+        <a:scrgbClr r="0" g="0" b="0"/>
+      </a:effectRef>
+      <a:fontRef idx="minor"/>
+    </dgm:style>
+  </dgm:styleLbl>
+  <dgm:styleLbl name="asst0">
+    <dgm:scene3d>
+      <a:camera prst="orthographicFront"/>
+      <a:lightRig rig="threePt" dir="t"/>
+    </dgm:scene3d>
+    <dgm:sp3d/>
+    <dgm:txPr/>
+    <dgm:style>
+      <a:lnRef idx="2">
+        <a:scrgbClr r="0" g="0" b="0"/>
+      </a:lnRef>
+      <a:fillRef idx="1">
+        <a:scrgbClr r="0" g="0" b="0"/>
+      </a:fillRef>
+      <a:effectRef idx="0">
+        <a:scrgbClr r="0" g="0" b="0"/>
+      </a:effectRef>
+      <a:fontRef idx="minor">
+        <a:schemeClr val="lt1"/>
+      </a:fontRef>
+    </dgm:style>
+  </dgm:styleLbl>
+  <dgm:styleLbl name="asst1">
+    <dgm:scene3d>
+      <a:camera prst="orthographicFront"/>
+      <a:lightRig rig="threePt" dir="t"/>
+    </dgm:scene3d>
+    <dgm:sp3d/>
+    <dgm:txPr/>
+    <dgm:style>
+      <a:lnRef idx="2">
+        <a:scrgbClr r="0" g="0" b="0"/>
+      </a:lnRef>
+      <a:fillRef idx="1">
+        <a:scrgbClr r="0" g="0" b="0"/>
+      </a:fillRef>
+      <a:effectRef idx="0">
+        <a:scrgbClr r="0" g="0" b="0"/>
+      </a:effectRef>
+      <a:fontRef idx="minor">
+        <a:schemeClr val="lt1"/>
+      </a:fontRef>
+    </dgm:style>
+  </dgm:styleLbl>
+  <dgm:styleLbl name="asst2">
+    <dgm:scene3d>
+      <a:camera prst="orthographicFront"/>
+      <a:lightRig rig="threePt" dir="t"/>
+    </dgm:scene3d>
+    <dgm:sp3d/>
+    <dgm:txPr/>
+    <dgm:style>
+      <a:lnRef idx="2">
+        <a:scrgbClr r="0" g="0" b="0"/>
+      </a:lnRef>
+      <a:fillRef idx="1">
+        <a:scrgbClr r="0" g="0" b="0"/>
+      </a:fillRef>
+      <a:effectRef idx="0">
+        <a:scrgbClr r="0" g="0" b="0"/>
+      </a:effectRef>
+      <a:fontRef idx="minor">
+        <a:schemeClr val="lt1"/>
+      </a:fontRef>
+    </dgm:style>
+  </dgm:styleLbl>
+  <dgm:styleLbl name="asst3">
+    <dgm:scene3d>
+      <a:camera prst="orthographicFront"/>
+      <a:lightRig rig="threePt" dir="t"/>
+    </dgm:scene3d>
+    <dgm:sp3d/>
+    <dgm:txPr/>
+    <dgm:style>
+      <a:lnRef idx="2">
+        <a:scrgbClr r="0" g="0" b="0"/>
+      </a:lnRef>
+      <a:fillRef idx="1">
+        <a:scrgbClr r="0" g="0" b="0"/>
+      </a:fillRef>
+      <a:effectRef idx="0">
+        <a:scrgbClr r="0" g="0" b="0"/>
+      </a:effectRef>
+      <a:fontRef idx="minor">
+        <a:schemeClr val="lt1"/>
+      </a:fontRef>
+    </dgm:style>
+  </dgm:styleLbl>
+  <dgm:styleLbl name="asst4">
+    <dgm:scene3d>
+      <a:camera prst="orthographicFront"/>
+      <a:lightRig rig="threePt" dir="t"/>
+    </dgm:scene3d>
+    <dgm:sp3d/>
+    <dgm:txPr/>
+    <dgm:style>
+      <a:lnRef idx="2">
+        <a:scrgbClr r="0" g="0" b="0"/>
+      </a:lnRef>
+      <a:fillRef idx="1">
+        <a:scrgbClr r="0" g="0" b="0"/>
+      </a:fillRef>
+      <a:effectRef idx="0">
+        <a:scrgbClr r="0" g="0" b="0"/>
+      </a:effectRef>
+      <a:fontRef idx="minor">
+        <a:schemeClr val="lt1"/>
+      </a:fontRef>
+    </dgm:style>
+  </dgm:styleLbl>
+  <dgm:styleLbl name="parChTrans2D1">
+    <dgm:scene3d>
+      <a:camera prst="orthographicFront"/>
+      <a:lightRig rig="threePt" dir="t"/>
+    </dgm:scene3d>
+    <dgm:sp3d/>
+    <dgm:txPr/>
+    <dgm:style>
+      <a:lnRef idx="2">
+        <a:scrgbClr r="0" g="0" b="0"/>
+      </a:lnRef>
+      <a:fillRef idx="1">
+        <a:scrgbClr r="0" g="0" b="0"/>
+      </a:fillRef>
+      <a:effectRef idx="0">
+        <a:scrgbClr r="0" g="0" b="0"/>
+      </a:effectRef>
+      <a:fontRef idx="minor">
+        <a:schemeClr val="lt1"/>
+      </a:fontRef>
+    </dgm:style>
+  </dgm:styleLbl>
+  <dgm:styleLbl name="parChTrans2D2">
+    <dgm:scene3d>
+      <a:camera prst="orthographicFront"/>
+      <a:lightRig rig="threePt" dir="t"/>
+    </dgm:scene3d>
+    <dgm:sp3d/>
+    <dgm:txPr/>
+    <dgm:style>
+      <a:lnRef idx="2">
+        <a:scrgbClr r="0" g="0" b="0"/>
+      </a:lnRef>
+      <a:fillRef idx="1">
+        <a:scrgbClr r="0" g="0" b="0"/>
+      </a:fillRef>
+      <a:effectRef idx="0">
+        <a:scrgbClr r="0" g="0" b="0"/>
+      </a:effectRef>
+      <a:fontRef idx="minor">
+        <a:schemeClr val="lt1"/>
+      </a:fontRef>
+    </dgm:style>
+  </dgm:styleLbl>
+  <dgm:styleLbl name="parChTrans2D3">
+    <dgm:scene3d>
+      <a:camera prst="orthographicFront"/>
+      <a:lightRig rig="threePt" dir="t"/>
+    </dgm:scene3d>
+    <dgm:sp3d/>
+    <dgm:txPr/>
+    <dgm:style>
+      <a:lnRef idx="2">
+        <a:scrgbClr r="0" g="0" b="0"/>
+      </a:lnRef>
+      <a:fillRef idx="1">
+        <a:scrgbClr r="0" g="0" b="0"/>
+      </a:fillRef>
+      <a:effectRef idx="0">
+        <a:scrgbClr r="0" g="0" b="0"/>
+      </a:effectRef>
+      <a:fontRef idx="minor">
+        <a:schemeClr val="lt1"/>
+      </a:fontRef>
+    </dgm:style>
+  </dgm:styleLbl>
+  <dgm:styleLbl name="parChTrans2D4">
+    <dgm:scene3d>
+      <a:camera prst="orthographicFront"/>
+      <a:lightRig rig="threePt" dir="t"/>
+    </dgm:scene3d>
+    <dgm:sp3d/>
+    <dgm:txPr/>
+    <dgm:style>
+      <a:lnRef idx="2">
+        <a:scrgbClr r="0" g="0" b="0"/>
+      </a:lnRef>
+      <a:fillRef idx="1">
+        <a:scrgbClr r="0" g="0" b="0"/>
+      </a:fillRef>
+      <a:effectRef idx="0">
+        <a:scrgbClr r="0" g="0" b="0"/>
+      </a:effectRef>
+      <a:fontRef idx="minor">
+        <a:schemeClr val="lt1"/>
+      </a:fontRef>
+    </dgm:style>
+  </dgm:styleLbl>
+  <dgm:styleLbl name="parChTrans1D1">
+    <dgm:scene3d>
+      <a:camera prst="orthographicFront"/>
+      <a:lightRig rig="threePt" dir="t"/>
+    </dgm:scene3d>
+    <dgm:sp3d/>
+    <dgm:txPr/>
+    <dgm:style>
+      <a:lnRef idx="2">
+        <a:scrgbClr r="0" g="0" b="0"/>
+      </a:lnRef>
+      <a:fillRef idx="0">
+        <a:scrgbClr r="0" g="0" b="0"/>
+      </a:fillRef>
+      <a:effectRef idx="0">
+        <a:scrgbClr r="0" g="0" b="0"/>
+      </a:effectRef>
+      <a:fontRef idx="minor"/>
+    </dgm:style>
+  </dgm:styleLbl>
+  <dgm:styleLbl name="parChTrans1D2">
+    <dgm:scene3d>
+      <a:camera prst="orthographicFront"/>
+      <a:lightRig rig="threePt" dir="t"/>
+    </dgm:scene3d>
+    <dgm:sp3d/>
+    <dgm:txPr/>
+    <dgm:style>
+      <a:lnRef idx="2">
+        <a:scrgbClr r="0" g="0" b="0"/>
+      </a:lnRef>
+      <a:fillRef idx="0">
+        <a:scrgbClr r="0" g="0" b="0"/>
+      </a:fillRef>
+      <a:effectRef idx="0">
+        <a:scrgbClr r="0" g="0" b="0"/>
+      </a:effectRef>
+      <a:fontRef idx="minor"/>
+    </dgm:style>
+  </dgm:styleLbl>
+  <dgm:styleLbl name="parChTrans1D3">
+    <dgm:scene3d>
+      <a:camera prst="orthographicFront"/>
+      <a:lightRig rig="threePt" dir="t"/>
+    </dgm:scene3d>
+    <dgm:sp3d/>
+    <dgm:txPr/>
+    <dgm:style>
+      <a:lnRef idx="2">
+        <a:scrgbClr r="0" g="0" b="0"/>
+      </a:lnRef>
+      <a:fillRef idx="0">
+        <a:scrgbClr r="0" g="0" b="0"/>
+      </a:fillRef>
+      <a:effectRef idx="0">
+        <a:scrgbClr r="0" g="0" b="0"/>
+      </a:effectRef>
+      <a:fontRef idx="minor"/>
+    </dgm:style>
+  </dgm:styleLbl>
+  <dgm:styleLbl name="parChTrans1D4">
+    <dgm:scene3d>
+      <a:camera prst="orthographicFront"/>
+      <a:lightRig rig="threePt" dir="t"/>
+    </dgm:scene3d>
+    <dgm:sp3d/>
+    <dgm:txPr/>
+    <dgm:style>
+      <a:lnRef idx="2">
+        <a:scrgbClr r="0" g="0" b="0"/>
+      </a:lnRef>
+      <a:fillRef idx="0">
+        <a:scrgbClr r="0" g="0" b="0"/>
+      </a:fillRef>
+      <a:effectRef idx="0">
+        <a:scrgbClr r="0" g="0" b="0"/>
+      </a:effectRef>
+      <a:fontRef idx="minor"/>
+    </dgm:style>
+  </dgm:styleLbl>
+  <dgm:styleLbl name="fgAcc1">
+    <dgm:scene3d>
+      <a:camera prst="orthographicFront"/>
+      <a:lightRig rig="threePt" dir="t"/>
+    </dgm:scene3d>
+    <dgm:sp3d/>
+    <dgm:txPr/>
+    <dgm:style>
+      <a:lnRef idx="2">
+        <a:scrgbClr r="0" g="0" b="0"/>
+      </a:lnRef>
+      <a:fillRef idx="1">
+        <a:scrgbClr r="0" g="0" b="0"/>
+      </a:fillRef>
+      <a:effectRef idx="0">
+        <a:scrgbClr r="0" g="0" b="0"/>
+      </a:effectRef>
+      <a:fontRef idx="minor"/>
+    </dgm:style>
+  </dgm:styleLbl>
+  <dgm:styleLbl name="conFgAcc1">
+    <dgm:scene3d>
+      <a:camera prst="orthographicFront"/>
+      <a:lightRig rig="threePt" dir="t"/>
+    </dgm:scene3d>
+    <dgm:sp3d/>
+    <dgm:txPr/>
+    <dgm:style>
+      <a:lnRef idx="2">
+        <a:scrgbClr r="0" g="0" b="0"/>
+      </a:lnRef>
+      <a:fillRef idx="1">
+        <a:scrgbClr r="0" g="0" b="0"/>
+      </a:fillRef>
+      <a:effectRef idx="0">
+        <a:scrgbClr r="0" g="0" b="0"/>
+      </a:effectRef>
+      <a:fontRef idx="minor"/>
+    </dgm:style>
+  </dgm:styleLbl>
+  <dgm:styleLbl name="alignAcc1">
+    <dgm:scene3d>
+      <a:camera prst="orthographicFront"/>
+      <a:lightRig rig="threePt" dir="t"/>
+    </dgm:scene3d>
+    <dgm:sp3d/>
+    <dgm:txPr/>
+    <dgm:style>
+      <a:lnRef idx="2">
+        <a:scrgbClr r="0" g="0" b="0"/>
+      </a:lnRef>
+      <a:fillRef idx="1">
+        <a:scrgbClr r="0" g="0" b="0"/>
+      </a:fillRef>
+      <a:effectRef idx="0">
+        <a:scrgbClr r="0" g="0" b="0"/>
+      </a:effectRef>
+      <a:fontRef idx="minor"/>
+    </dgm:style>
+  </dgm:styleLbl>
+  <dgm:styleLbl name="trAlignAcc1">
+    <dgm:scene3d>
+      <a:camera prst="orthographicFront"/>
+      <a:lightRig rig="threePt" dir="t"/>
+    </dgm:scene3d>
+    <dgm:sp3d/>
+    <dgm:txPr/>
+    <dgm:style>
+      <a:lnRef idx="1">
+        <a:scrgbClr r="0" g="0" b="0"/>
+      </a:lnRef>
+      <a:fillRef idx="1">
+        <a:scrgbClr r="0" g="0" b="0"/>
+      </a:fillRef>
+      <a:effectRef idx="0">
+        <a:scrgbClr r="0" g="0" b="0"/>
+      </a:effectRef>
+      <a:fontRef idx="minor"/>
+    </dgm:style>
+  </dgm:styleLbl>
+  <dgm:styleLbl name="bgAcc1">
+    <dgm:scene3d>
+      <a:camera prst="orthographicFront"/>
+      <a:lightRig rig="threePt" dir="t"/>
+    </dgm:scene3d>
+    <dgm:sp3d/>
+    <dgm:txPr/>
+    <dgm:style>
+      <a:lnRef idx="2">
+        <a:scrgbClr r="0" g="0" b="0"/>
+      </a:lnRef>
+      <a:fillRef idx="1">
+        <a:scrgbClr r="0" g="0" b="0"/>
+      </a:fillRef>
+      <a:effectRef idx="0">
+        <a:scrgbClr r="0" g="0" b="0"/>
+      </a:effectRef>
+      <a:fontRef idx="minor"/>
+    </dgm:style>
+  </dgm:styleLbl>
+  <dgm:styleLbl name="solidFgAcc1">
+    <dgm:scene3d>
+      <a:camera prst="orthographicFront"/>
+      <a:lightRig rig="threePt" dir="t"/>
+    </dgm:scene3d>
+    <dgm:sp3d/>
+    <dgm:txPr/>
+    <dgm:style>
+      <a:lnRef idx="2">
+        <a:scrgbClr r="0" g="0" b="0"/>
+      </a:lnRef>
+      <a:fillRef idx="1">
+        <a:scrgbClr r="0" g="0" b="0"/>
+      </a:fillRef>
+      <a:effectRef idx="0">
+        <a:scrgbClr r="0" g="0" b="0"/>
+      </a:effectRef>
+      <a:fontRef idx="minor"/>
+    </dgm:style>
+  </dgm:styleLbl>
+  <dgm:styleLbl name="solidAlignAcc1">
+    <dgm:scene3d>
+      <a:camera prst="orthographicFront"/>
+      <a:lightRig rig="threePt" dir="t"/>
+    </dgm:scene3d>
+    <dgm:sp3d/>
+    <dgm:txPr/>
+    <dgm:style>
+      <a:lnRef idx="2">
+        <a:scrgbClr r="0" g="0" b="0"/>
+      </a:lnRef>
+      <a:fillRef idx="1">
+        <a:scrgbClr r="0" g="0" b="0"/>
+      </a:fillRef>
+      <a:effectRef idx="0">
+        <a:scrgbClr r="0" g="0" b="0"/>
+      </a:effectRef>
+      <a:fontRef idx="minor"/>
+    </dgm:style>
+  </dgm:styleLbl>
+  <dgm:styleLbl name="solidBgAcc1">
+    <dgm:scene3d>
+      <a:camera prst="orthographicFront"/>
+      <a:lightRig rig="threePt" dir="t"/>
+    </dgm:scene3d>
+    <dgm:sp3d/>
+    <dgm:txPr/>
+    <dgm:style>
+      <a:lnRef idx="2">
+        <a:scrgbClr r="0" g="0" b="0"/>
+      </a:lnRef>
+      <a:fillRef idx="1">
+        <a:scrgbClr r="0" g="0" b="0"/>
+      </a:fillRef>
+      <a:effectRef idx="0">
+        <a:scrgbClr r="0" g="0" b="0"/>
+      </a:effectRef>
+      <a:fontRef idx="minor"/>
+    </dgm:style>
+  </dgm:styleLbl>
+  <dgm:styleLbl name="fgAccFollowNode1">
+    <dgm:scene3d>
+      <a:camera prst="orthographicFront"/>
+      <a:lightRig rig="threePt" dir="t"/>
+    </dgm:scene3d>
+    <dgm:sp3d/>
+    <dgm:txPr/>
+    <dgm:style>
+      <a:lnRef idx="2">
+        <a:scrgbClr r="0" g="0" b="0"/>
+      </a:lnRef>
+      <a:fillRef idx="1">
+        <a:scrgbClr r="0" g="0" b="0"/>
+      </a:fillRef>
+      <a:effectRef idx="0">
+        <a:scrgbClr r="0" g="0" b="0"/>
+      </a:effectRef>
+      <a:fontRef idx="minor"/>
+    </dgm:style>
+  </dgm:styleLbl>
+  <dgm:styleLbl name="alignAccFollowNode1">
+    <dgm:scene3d>
+      <a:camera prst="orthographicFront"/>
+      <a:lightRig rig="threePt" dir="t"/>
+    </dgm:scene3d>
+    <dgm:sp3d/>
+    <dgm:txPr/>
+    <dgm:style>
+      <a:lnRef idx="2">
+        <a:scrgbClr r="0" g="0" b="0"/>
+      </a:lnRef>
+      <a:fillRef idx="1">
+        <a:scrgbClr r="0" g="0" b="0"/>
+      </a:fillRef>
+      <a:effectRef idx="0">
+        <a:scrgbClr r="0" g="0" b="0"/>
+      </a:effectRef>
+      <a:fontRef idx="minor"/>
+    </dgm:style>
+  </dgm:styleLbl>
+  <dgm:styleLbl name="bgAccFollowNode1">
+    <dgm:scene3d>
+      <a:camera prst="orthographicFront"/>
+      <a:lightRig rig="threePt" dir="t"/>
+    </dgm:scene3d>
+    <dgm:sp3d/>
+    <dgm:txPr/>
+    <dgm:style>
+      <a:lnRef idx="2">
+        <a:scrgbClr r="0" g="0" b="0"/>
+      </a:lnRef>
+      <a:fillRef idx="1">
+        <a:scrgbClr r="0" g="0" b="0"/>
+      </a:fillRef>
+      <a:effectRef idx="0">
+        <a:scrgbClr r="0" g="0" b="0"/>
+      </a:effectRef>
+      <a:fontRef idx="minor"/>
+    </dgm:style>
+  </dgm:styleLbl>
+  <dgm:styleLbl name="fgAcc0">
+    <dgm:scene3d>
+      <a:camera prst="orthographicFront"/>
+      <a:lightRig rig="threePt" dir="t"/>
+    </dgm:scene3d>
+    <dgm:sp3d/>
+    <dgm:txPr/>
+    <dgm:style>
+      <a:lnRef idx="2">
+        <a:scrgbClr r="0" g="0" b="0"/>
+      </a:lnRef>
+      <a:fillRef idx="1">
+        <a:scrgbClr r="0" g="0" b="0"/>
+      </a:fillRef>
+      <a:effectRef idx="0">
+        <a:scrgbClr r="0" g="0" b="0"/>
+      </a:effectRef>
+      <a:fontRef idx="minor"/>
+    </dgm:style>
+  </dgm:styleLbl>
+  <dgm:styleLbl name="fgAcc2">
+    <dgm:scene3d>
+      <a:camera prst="orthographicFront"/>
+      <a:lightRig rig="threePt" dir="t"/>
+    </dgm:scene3d>
+    <dgm:sp3d/>
+    <dgm:txPr/>
+    <dgm:style>
+      <a:lnRef idx="2">
+        <a:scrgbClr r="0" g="0" b="0"/>
+      </a:lnRef>
+      <a:fillRef idx="1">
+        <a:scrgbClr r="0" g="0" b="0"/>
+      </a:fillRef>
+      <a:effectRef idx="0">
+        <a:scrgbClr r="0" g="0" b="0"/>
+      </a:effectRef>
+      <a:fontRef idx="minor"/>
+    </dgm:style>
+  </dgm:styleLbl>
+  <dgm:styleLbl name="fgAcc3">
+    <dgm:scene3d>
+      <a:camera prst="orthographicFront"/>
+      <a:lightRig rig="threePt" dir="t"/>
+    </dgm:scene3d>
+    <dgm:sp3d/>
+    <dgm:txPr/>
+    <dgm:style>
+      <a:lnRef idx="2">
+        <a:scrgbClr r="0" g="0" b="0"/>
+      </a:lnRef>
+      <a:fillRef idx="1">
+        <a:scrgbClr r="0" g="0" b="0"/>
+      </a:fillRef>
+      <a:effectRef idx="0">
+        <a:scrgbClr r="0" g="0" b="0"/>
+      </a:effectRef>
+      <a:fontRef idx="minor"/>
+    </dgm:style>
+  </dgm:styleLbl>
+  <dgm:styleLbl name="fgAcc4">
+    <dgm:scene3d>
+      <a:camera prst="orthographicFront"/>
+      <a:lightRig rig="threePt" dir="t"/>
+    </dgm:scene3d>
+    <dgm:sp3d/>
+    <dgm:txPr/>
+    <dgm:style>
+      <a:lnRef idx="2">
+        <a:scrgbClr r="0" g="0" b="0"/>
+      </a:lnRef>
+      <a:fillRef idx="1">
+        <a:scrgbClr r="0" g="0" b="0"/>
+      </a:fillRef>
+      <a:effectRef idx="0">
+        <a:scrgbClr r="0" g="0" b="0"/>
+      </a:effectRef>
+      <a:fontRef idx="minor"/>
+    </dgm:style>
+  </dgm:styleLbl>
+  <dgm:styleLbl name="bgShp">
+    <dgm:scene3d>
+      <a:camera prst="orthographicFront"/>
+      <a:lightRig rig="threePt" dir="t"/>
+    </dgm:scene3d>
+    <dgm:sp3d/>
+    <dgm:txPr/>
+    <dgm:style>
+      <a:lnRef idx="0">
+        <a:scrgbClr r="0" g="0" b="0"/>
+      </a:lnRef>
+      <a:fillRef idx="1">
+        <a:scrgbClr r="0" g="0" b="0"/>
+      </a:fillRef>
+      <a:effectRef idx="0">
+        <a:scrgbClr r="0" g="0" b="0"/>
+      </a:effectRef>
+      <a:fontRef idx="minor"/>
+    </dgm:style>
+  </dgm:styleLbl>
+  <dgm:styleLbl name="dkBgShp">
+    <dgm:scene3d>
+      <a:camera prst="orthographicFront"/>
+      <a:lightRig rig="threePt" dir="t"/>
+    </dgm:scene3d>
+    <dgm:sp3d/>
+    <dgm:txPr/>
+    <dgm:style>
+      <a:lnRef idx="0">
+        <a:scrgbClr r="0" g="0" b="0"/>
+      </a:lnRef>
+      <a:fillRef idx="1">
+        <a:scrgbClr r="0" g="0" b="0"/>
+      </a:fillRef>
+      <a:effectRef idx="0">
+        <a:scrgbClr r="0" g="0" b="0"/>
+      </a:effectRef>
+      <a:fontRef idx="minor"/>
+    </dgm:style>
+  </dgm:styleLbl>
+  <dgm:styleLbl name="trBgShp">
+    <dgm:scene3d>
+      <a:camera prst="orthographicFront"/>
+      <a:lightRig rig="threePt" dir="t"/>
+    </dgm:scene3d>
+    <dgm:sp3d/>
+    <dgm:txPr/>
+    <dgm:style>
+      <a:lnRef idx="0">
+        <a:scrgbClr r="0" g="0" b="0"/>
+      </a:lnRef>
+      <a:fillRef idx="1">
+        <a:scrgbClr r="0" g="0" b="0"/>
+      </a:fillRef>
+      <a:effectRef idx="0">
+        <a:scrgbClr r="0" g="0" b="0"/>
+      </a:effectRef>
+      <a:fontRef idx="minor"/>
+    </dgm:style>
+  </dgm:styleLbl>
+  <dgm:styleLbl name="fgShp">
+    <dgm:scene3d>
+      <a:camera prst="orthographicFront"/>
+      <a:lightRig rig="threePt" dir="t"/>
+    </dgm:scene3d>
+    <dgm:sp3d/>
+    <dgm:txPr/>
+    <dgm:style>
+      <a:lnRef idx="2">
+        <a:scrgbClr r="0" g="0" b="0"/>
+      </a:lnRef>
+      <a:fillRef idx="1">
+        <a:scrgbClr r="0" g="0" b="0"/>
+      </a:fillRef>
+      <a:effectRef idx="0">
+        <a:scrgbClr r="0" g="0" b="0"/>
+      </a:effectRef>
+      <a:fontRef idx="minor"/>
+    </dgm:style>
+  </dgm:styleLbl>
+  <dgm:styleLbl name="revTx">
+    <dgm:scene3d>
+      <a:camera prst="orthographicFront"/>
+      <a:lightRig rig="threePt" dir="t"/>
+    </dgm:scene3d>
+    <dgm:sp3d/>
+    <dgm:txPr/>
+    <dgm:style>
+      <a:lnRef idx="0">
+        <a:scrgbClr r="0" g="0" b="0"/>
+      </a:lnRef>
+      <a:fillRef idx="0">
+        <a:scrgbClr r="0" g="0" b="0"/>
+      </a:fillRef>
+      <a:effectRef idx="0">
+        <a:scrgbClr r="0" g="0" b="0"/>
+      </a:effectRef>
+      <a:fontRef idx="minor"/>
+    </dgm:style>
+  </dgm:styleLbl>
+</dgm:styleDef>
+</file>
+
 <file path=ppt/notesMasters/notesMaster1.xml><?xml version="1.0" encoding="utf-8"?>
 <p:notesMaster xmlns:a="http://schemas.openxmlformats.org/drawingml/2006/main" xmlns:r="http://schemas.openxmlformats.org/officeDocument/2006/relationships" xmlns:p="http://schemas.openxmlformats.org/presentationml/2006/main">
   <p:cSld>
@@ -217,7 +4441,7 @@
           <a:p>
             <a:fld id="{3AC54121-D6F6-4C33-B49C-E67A50D5504C}" type="datetimeFigureOut">
               <a:rPr lang="en-US" smtClean="0"/>
-              <a:t>2/25/2020</a:t>
+              <a:t>11/16/2020</a:t>
             </a:fld>
             <a:endParaRPr lang="en-US"/>
           </a:p>
@@ -552,7 +4776,7 @@
           <a:p>
             <a:fld id="{1A6D8924-F9BB-4D73-9BF9-0F7F99802865}" type="slidenum">
               <a:rPr lang="en-US" smtClean="0"/>
-              <a:t>3</a:t>
+              <a:t>4</a:t>
             </a:fld>
             <a:endParaRPr lang="en-US"/>
           </a:p>
@@ -648,7 +4872,7 @@
           <a:p>
             <a:fld id="{1A6D8924-F9BB-4D73-9BF9-0F7F99802865}" type="slidenum">
               <a:rPr lang="en-US" smtClean="0"/>
-              <a:t>4</a:t>
+              <a:t>5</a:t>
             </a:fld>
             <a:endParaRPr lang="en-US"/>
           </a:p>
@@ -735,7 +4959,7 @@
           <a:p>
             <a:fld id="{1A6D8924-F9BB-4D73-9BF9-0F7F99802865}" type="slidenum">
               <a:rPr lang="en-US" smtClean="0"/>
-              <a:t>5</a:t>
+              <a:t>6</a:t>
             </a:fld>
             <a:endParaRPr lang="en-US"/>
           </a:p>
@@ -822,7 +5046,7 @@
           <a:p>
             <a:fld id="{1A6D8924-F9BB-4D73-9BF9-0F7F99802865}" type="slidenum">
               <a:rPr lang="en-US" smtClean="0"/>
-              <a:t>6</a:t>
+              <a:t>7</a:t>
             </a:fld>
             <a:endParaRPr lang="en-US"/>
           </a:p>
@@ -909,7 +5133,7 @@
           <a:p>
             <a:fld id="{1A6D8924-F9BB-4D73-9BF9-0F7F99802865}" type="slidenum">
               <a:rPr lang="en-US" smtClean="0"/>
-              <a:t>7</a:t>
+              <a:t>8</a:t>
             </a:fld>
             <a:endParaRPr lang="en-US"/>
           </a:p>
@@ -996,7 +5220,7 @@
           <a:p>
             <a:fld id="{1A6D8924-F9BB-4D73-9BF9-0F7F99802865}" type="slidenum">
               <a:rPr lang="en-US" smtClean="0"/>
-              <a:t>8</a:t>
+              <a:t>9</a:t>
             </a:fld>
             <a:endParaRPr lang="en-US"/>
           </a:p>
@@ -1083,7 +5307,7 @@
           <a:p>
             <a:fld id="{1A6D8924-F9BB-4D73-9BF9-0F7F99802865}" type="slidenum">
               <a:rPr lang="en-US" smtClean="0"/>
-              <a:t>17</a:t>
+              <a:t>18</a:t>
             </a:fld>
             <a:endParaRPr lang="en-US"/>
           </a:p>
@@ -1170,7 +5394,7 @@
           <a:p>
             <a:fld id="{1A6D8924-F9BB-4D73-9BF9-0F7F99802865}" type="slidenum">
               <a:rPr lang="en-US" smtClean="0"/>
-              <a:t>18</a:t>
+              <a:t>19</a:t>
             </a:fld>
             <a:endParaRPr lang="en-US"/>
           </a:p>
@@ -1254,7 +5478,7 @@
           <a:p>
             <a:fld id="{1A6D8924-F9BB-4D73-9BF9-0F7F99802865}" type="slidenum">
               <a:rPr lang="en-US" smtClean="0"/>
-              <a:t>19</a:t>
+              <a:t>20</a:t>
             </a:fld>
             <a:endParaRPr lang="en-US"/>
           </a:p>
@@ -1442,7 +5666,7 @@
           <a:p>
             <a:fld id="{304E4740-B399-47BF-B5A6-2EA85B90FBD9}" type="datetimeFigureOut">
               <a:rPr lang="en-US" smtClean="0"/>
-              <a:t>2/25/2020</a:t>
+              <a:t>11/16/2020</a:t>
             </a:fld>
             <a:endParaRPr lang="en-US"/>
           </a:p>
@@ -1777,7 +6001,7 @@
           <a:p>
             <a:fld id="{304E4740-B399-47BF-B5A6-2EA85B90FBD9}" type="datetimeFigureOut">
               <a:rPr lang="en-US" smtClean="0"/>
-              <a:t>2/25/2020</a:t>
+              <a:t>11/16/2020</a:t>
             </a:fld>
             <a:endParaRPr lang="en-US"/>
           </a:p>
@@ -1957,7 +6181,7 @@
           <a:p>
             <a:fld id="{304E4740-B399-47BF-B5A6-2EA85B90FBD9}" type="datetimeFigureOut">
               <a:rPr lang="en-US" smtClean="0"/>
-              <a:t>2/25/2020</a:t>
+              <a:t>11/16/2020</a:t>
             </a:fld>
             <a:endParaRPr lang="en-US"/>
           </a:p>
@@ -2127,7 +6351,7 @@
           <a:p>
             <a:fld id="{304E4740-B399-47BF-B5A6-2EA85B90FBD9}" type="datetimeFigureOut">
               <a:rPr lang="en-US" smtClean="0"/>
-              <a:t>2/25/2020</a:t>
+              <a:t>11/16/2020</a:t>
             </a:fld>
             <a:endParaRPr lang="en-US"/>
           </a:p>
@@ -2404,7 +6628,7 @@
           <a:p>
             <a:fld id="{304E4740-B399-47BF-B5A6-2EA85B90FBD9}" type="datetimeFigureOut">
               <a:rPr lang="en-US" smtClean="0"/>
-              <a:t>2/25/2020</a:t>
+              <a:t>11/16/2020</a:t>
             </a:fld>
             <a:endParaRPr lang="en-US"/>
           </a:p>
@@ -2798,7 +7022,7 @@
           <a:p>
             <a:fld id="{304E4740-B399-47BF-B5A6-2EA85B90FBD9}" type="datetimeFigureOut">
               <a:rPr lang="en-US" smtClean="0"/>
-              <a:t>2/25/2020</a:t>
+              <a:t>11/16/2020</a:t>
             </a:fld>
             <a:endParaRPr lang="en-US"/>
           </a:p>
@@ -3275,7 +7499,7 @@
           <a:p>
             <a:fld id="{304E4740-B399-47BF-B5A6-2EA85B90FBD9}" type="datetimeFigureOut">
               <a:rPr lang="en-US" smtClean="0"/>
-              <a:t>2/25/2020</a:t>
+              <a:t>11/16/2020</a:t>
             </a:fld>
             <a:endParaRPr lang="en-US"/>
           </a:p>
@@ -3393,7 +7617,7 @@
           <a:p>
             <a:fld id="{304E4740-B399-47BF-B5A6-2EA85B90FBD9}" type="datetimeFigureOut">
               <a:rPr lang="en-US" smtClean="0"/>
-              <a:t>2/25/2020</a:t>
+              <a:t>11/16/2020</a:t>
             </a:fld>
             <a:endParaRPr lang="en-US"/>
           </a:p>
@@ -3488,7 +7712,7 @@
           <a:p>
             <a:fld id="{304E4740-B399-47BF-B5A6-2EA85B90FBD9}" type="datetimeFigureOut">
               <a:rPr lang="en-US" smtClean="0"/>
-              <a:t>2/25/2020</a:t>
+              <a:t>11/16/2020</a:t>
             </a:fld>
             <a:endParaRPr lang="en-US"/>
           </a:p>
@@ -3839,7 +8063,7 @@
           <a:p>
             <a:fld id="{304E4740-B399-47BF-B5A6-2EA85B90FBD9}" type="datetimeFigureOut">
               <a:rPr lang="en-US" smtClean="0"/>
-              <a:t>2/25/2020</a:t>
+              <a:t>11/16/2020</a:t>
             </a:fld>
             <a:endParaRPr lang="en-US"/>
           </a:p>
@@ -4227,7 +8451,7 @@
           <a:p>
             <a:fld id="{304E4740-B399-47BF-B5A6-2EA85B90FBD9}" type="datetimeFigureOut">
               <a:rPr lang="en-US" smtClean="0"/>
-              <a:t>2/25/2020</a:t>
+              <a:t>11/16/2020</a:t>
             </a:fld>
             <a:endParaRPr lang="en-US"/>
           </a:p>
@@ -4505,7 +8729,7 @@
           <a:p>
             <a:fld id="{304E4740-B399-47BF-B5A6-2EA85B90FBD9}" type="datetimeFigureOut">
               <a:rPr lang="en-US" smtClean="0"/>
-              <a:t>2/25/2020</a:t>
+              <a:t>11/16/2020</a:t>
             </a:fld>
             <a:endParaRPr lang="en-US"/>
           </a:p>
@@ -5108,7 +9332,7 @@
           <p:cNvPr id="2" name="Title 1">
             <a:extLst>
               <a:ext uri="{FF2B5EF4-FFF2-40B4-BE49-F238E27FC236}">
-                <a16:creationId xmlns:a16="http://schemas.microsoft.com/office/drawing/2014/main" id="{2107398C-C9F6-4BFE-BAE5-B39B1BD7F361}"/>
+                <a16:creationId xmlns:a16="http://schemas.microsoft.com/office/drawing/2014/main" id="{771A3C2B-D06F-4627-BE8A-A9208E64726A}"/>
               </a:ext>
             </a:extLst>
           </p:cNvPr>
@@ -5126,7 +9350,7 @@
           <a:p>
             <a:r>
               <a:rPr lang="en-US" dirty="0"/>
-              <a:t>Bipartition</a:t>
+              <a:t>Simulations</a:t>
             </a:r>
           </a:p>
         </p:txBody>
@@ -5136,7 +9360,7 @@
           <p:cNvPr id="3" name="Content Placeholder 2">
             <a:extLst>
               <a:ext uri="{FF2B5EF4-FFF2-40B4-BE49-F238E27FC236}">
-                <a16:creationId xmlns:a16="http://schemas.microsoft.com/office/drawing/2014/main" id="{2E61FCCF-ADB1-4D16-9FE9-A6754EAC0ACF}"/>
+                <a16:creationId xmlns:a16="http://schemas.microsoft.com/office/drawing/2014/main" id="{75F8180F-83FB-4460-B63E-B9BF95996242}"/>
               </a:ext>
             </a:extLst>
           </p:cNvPr>
@@ -5153,12 +9377,8 @@
           <a:lstStyle/>
           <a:p>
             <a:r>
-              <a:rPr lang="en-US" dirty="0">
-                <a:solidFill>
-                  <a:srgbClr val="FF0000"/>
-                </a:solidFill>
-              </a:rPr>
-              <a:t>Tree diagram (build – slide_1)</a:t>
+              <a:rPr lang="en-US" dirty="0"/>
+              <a:t>True tree</a:t>
             </a:r>
           </a:p>
         </p:txBody>
@@ -5166,7 +9386,7 @@
     </p:spTree>
     <p:extLst>
       <p:ext uri="{BB962C8B-B14F-4D97-AF65-F5344CB8AC3E}">
-        <p14:creationId xmlns:p14="http://schemas.microsoft.com/office/powerpoint/2010/main" val="3437789769"/>
+        <p14:creationId xmlns:p14="http://schemas.microsoft.com/office/powerpoint/2010/main" val="4232178544"/>
       </p:ext>
     </p:extLst>
   </p:cSld>
@@ -5198,7 +9418,7 @@
           <p:cNvPr id="2" name="Title 1">
             <a:extLst>
               <a:ext uri="{FF2B5EF4-FFF2-40B4-BE49-F238E27FC236}">
-                <a16:creationId xmlns:a16="http://schemas.microsoft.com/office/drawing/2014/main" id="{3B38CDF1-777B-415A-8A63-65558373EDD2}"/>
+                <a16:creationId xmlns:a16="http://schemas.microsoft.com/office/drawing/2014/main" id="{2107398C-C9F6-4BFE-BAE5-B39B1BD7F361}"/>
               </a:ext>
             </a:extLst>
           </p:cNvPr>
@@ -5226,7 +9446,7 @@
           <p:cNvPr id="3" name="Content Placeholder 2">
             <a:extLst>
               <a:ext uri="{FF2B5EF4-FFF2-40B4-BE49-F238E27FC236}">
-                <a16:creationId xmlns:a16="http://schemas.microsoft.com/office/drawing/2014/main" id="{E3854C25-AA3B-4373-B99E-DE55FE90174D}"/>
+                <a16:creationId xmlns:a16="http://schemas.microsoft.com/office/drawing/2014/main" id="{2E61FCCF-ADB1-4D16-9FE9-A6754EAC0ACF}"/>
               </a:ext>
             </a:extLst>
           </p:cNvPr>
@@ -5243,20 +9463,12 @@
           <a:lstStyle/>
           <a:p>
             <a:r>
-              <a:rPr lang="en-US" dirty="0" err="1">
+              <a:rPr lang="en-US" dirty="0">
                 <a:solidFill>
                   <a:srgbClr val="FF0000"/>
                 </a:solidFill>
               </a:rPr>
-              <a:t>Biparted</a:t>
-            </a:r>
-            <a:r>
-              <a:rPr lang="en-US" dirty="0">
-                <a:solidFill>
-                  <a:srgbClr val="FF0000"/>
-                </a:solidFill>
-              </a:rPr>
-              <a:t> tree diagram (build – slide_2)</a:t>
+              <a:t>Tree diagram (build – slide_1)</a:t>
             </a:r>
           </a:p>
         </p:txBody>
@@ -5264,7 +9476,7 @@
     </p:spTree>
     <p:extLst>
       <p:ext uri="{BB962C8B-B14F-4D97-AF65-F5344CB8AC3E}">
-        <p14:creationId xmlns:p14="http://schemas.microsoft.com/office/powerpoint/2010/main" val="2215564459"/>
+        <p14:creationId xmlns:p14="http://schemas.microsoft.com/office/powerpoint/2010/main" val="3437789769"/>
       </p:ext>
     </p:extLst>
   </p:cSld>
@@ -5296,7 +9508,7 @@
           <p:cNvPr id="2" name="Title 1">
             <a:extLst>
               <a:ext uri="{FF2B5EF4-FFF2-40B4-BE49-F238E27FC236}">
-                <a16:creationId xmlns:a16="http://schemas.microsoft.com/office/drawing/2014/main" id="{E52AC21D-BCB2-4F1B-AC0C-618152ABC0CF}"/>
+                <a16:creationId xmlns:a16="http://schemas.microsoft.com/office/drawing/2014/main" id="{3B38CDF1-777B-415A-8A63-65558373EDD2}"/>
               </a:ext>
             </a:extLst>
           </p:cNvPr>
@@ -5314,7 +9526,7 @@
           <a:p>
             <a:r>
               <a:rPr lang="en-US" dirty="0"/>
-              <a:t>Phylogeny Estimation: Quantifying Error</a:t>
+              <a:t>Bipartition</a:t>
             </a:r>
           </a:p>
         </p:txBody>
@@ -5324,7 +9536,7 @@
           <p:cNvPr id="3" name="Content Placeholder 2">
             <a:extLst>
               <a:ext uri="{FF2B5EF4-FFF2-40B4-BE49-F238E27FC236}">
-                <a16:creationId xmlns:a16="http://schemas.microsoft.com/office/drawing/2014/main" id="{12ECD62E-214D-4312-BD79-4B10F3E0423B}"/>
+                <a16:creationId xmlns:a16="http://schemas.microsoft.com/office/drawing/2014/main" id="{E3854C25-AA3B-4373-B99E-DE55FE90174D}"/>
               </a:ext>
             </a:extLst>
           </p:cNvPr>
@@ -5341,95 +9553,28 @@
           <a:lstStyle/>
           <a:p>
             <a:r>
-              <a:rPr lang="en-US" dirty="0"/>
-              <a:t>False Negatives</a:t>
-            </a:r>
-          </a:p>
-          <a:p>
-            <a:pPr lvl="1"/>
+              <a:rPr lang="en-US" dirty="0" err="1">
+                <a:solidFill>
+                  <a:srgbClr val="FF0000"/>
+                </a:solidFill>
+              </a:rPr>
+              <a:t>Biparted</a:t>
+            </a:r>
             <a:r>
               <a:rPr lang="en-US" dirty="0">
                 <a:solidFill>
                   <a:srgbClr val="FF0000"/>
                 </a:solidFill>
               </a:rPr>
-              <a:t>Bipartitions in true tree, not in T*</a:t>
-            </a:r>
-          </a:p>
-          <a:p>
-            <a:r>
-              <a:rPr lang="en-US" dirty="0"/>
-              <a:t>False Positives</a:t>
-            </a:r>
-          </a:p>
-          <a:p>
-            <a:pPr lvl="1"/>
-            <a:r>
-              <a:rPr lang="en-US" dirty="0">
-                <a:solidFill>
-                  <a:srgbClr val="FF0000"/>
-                </a:solidFill>
-              </a:rPr>
-              <a:t>Bipartitions in T not in true-tree</a:t>
-            </a:r>
-          </a:p>
-          <a:p>
-            <a:r>
-              <a:rPr lang="en-US" dirty="0"/>
-              <a:t>Robinson-</a:t>
-            </a:r>
-            <a:r>
-              <a:rPr lang="en-US" dirty="0" err="1"/>
-              <a:t>Foulds</a:t>
-            </a:r>
-            <a:r>
-              <a:rPr lang="en-US" dirty="0"/>
-              <a:t> (RF) Distance</a:t>
-            </a:r>
-          </a:p>
-          <a:p>
-            <a:pPr lvl="1"/>
-            <a:r>
-              <a:rPr lang="en-US" dirty="0">
-                <a:solidFill>
-                  <a:srgbClr val="FF0000"/>
-                </a:solidFill>
-              </a:rPr>
-              <a:t>Number of non-trivial bipartitions present in one tree but not the other</a:t>
-            </a:r>
-          </a:p>
-          <a:p>
-            <a:pPr lvl="1"/>
-            <a:r>
-              <a:rPr lang="en-US" dirty="0">
-                <a:solidFill>
-                  <a:srgbClr val="FF0000"/>
-                </a:solidFill>
-              </a:rPr>
-              <a:t>FN + FP / 2n - 6</a:t>
-            </a:r>
-          </a:p>
-          <a:p>
-            <a:pPr lvl="1"/>
-            <a:endParaRPr lang="en-US" dirty="0">
-              <a:solidFill>
-                <a:srgbClr val="FF0000"/>
-              </a:solidFill>
-            </a:endParaRPr>
-          </a:p>
-          <a:p>
-            <a:endParaRPr lang="en-US" dirty="0">
-              <a:solidFill>
-                <a:srgbClr val="FF0000"/>
-              </a:solidFill>
-            </a:endParaRPr>
+              <a:t> tree diagram (build – slide_2)</a:t>
+            </a:r>
           </a:p>
         </p:txBody>
       </p:sp>
     </p:spTree>
     <p:extLst>
       <p:ext uri="{BB962C8B-B14F-4D97-AF65-F5344CB8AC3E}">
-        <p14:creationId xmlns:p14="http://schemas.microsoft.com/office/powerpoint/2010/main" val="862714329"/>
+        <p14:creationId xmlns:p14="http://schemas.microsoft.com/office/powerpoint/2010/main" val="2215564459"/>
       </p:ext>
     </p:extLst>
   </p:cSld>
@@ -5461,7 +9606,7 @@
           <p:cNvPr id="2" name="Title 1">
             <a:extLst>
               <a:ext uri="{FF2B5EF4-FFF2-40B4-BE49-F238E27FC236}">
-                <a16:creationId xmlns:a16="http://schemas.microsoft.com/office/drawing/2014/main" id="{E0A4890A-D855-4A36-A6AB-D93272C23400}"/>
+                <a16:creationId xmlns:a16="http://schemas.microsoft.com/office/drawing/2014/main" id="{E52AC21D-BCB2-4F1B-AC0C-618152ABC0CF}"/>
               </a:ext>
             </a:extLst>
           </p:cNvPr>
@@ -5479,7 +9624,7 @@
           <a:p>
             <a:r>
               <a:rPr lang="en-US" dirty="0"/>
-              <a:t>Symmetric Difference</a:t>
+              <a:t>Phylogeny Estimation: Quantifying Error</a:t>
             </a:r>
           </a:p>
         </p:txBody>
@@ -5489,7 +9634,7 @@
           <p:cNvPr id="3" name="Content Placeholder 2">
             <a:extLst>
               <a:ext uri="{FF2B5EF4-FFF2-40B4-BE49-F238E27FC236}">
-                <a16:creationId xmlns:a16="http://schemas.microsoft.com/office/drawing/2014/main" id="{8444557C-6CB3-4AB7-9F18-4678258D8DDD}"/>
+                <a16:creationId xmlns:a16="http://schemas.microsoft.com/office/drawing/2014/main" id="{12ECD62E-214D-4312-BD79-4B10F3E0423B}"/>
               </a:ext>
             </a:extLst>
           </p:cNvPr>
@@ -5500,66 +9645,82 @@
             <p:ph idx="1"/>
           </p:nvPr>
         </p:nvSpPr>
-        <p:spPr>
-          <a:xfrm>
-            <a:off x="1371600" y="2286000"/>
-            <a:ext cx="9601200" cy="3581400"/>
-          </a:xfrm>
-        </p:spPr>
+        <p:spPr/>
         <p:txBody>
           <a:bodyPr/>
           <a:lstStyle/>
           <a:p>
             <a:r>
               <a:rPr lang="en-US" dirty="0"/>
-              <a:t>Range:</a:t>
+              <a:t>False Negatives</a:t>
             </a:r>
           </a:p>
           <a:p>
             <a:pPr lvl="1"/>
             <a:r>
+              <a:rPr lang="en-US" dirty="0">
+                <a:solidFill>
+                  <a:srgbClr val="FF0000"/>
+                </a:solidFill>
+              </a:rPr>
+              <a:t>Bipartitions in true tree, not in T*</a:t>
+            </a:r>
+          </a:p>
+          <a:p>
+            <a:r>
               <a:rPr lang="en-US" dirty="0"/>
-              <a:t>0 – Identical structures</a:t>
+              <a:t>False Positives</a:t>
             </a:r>
           </a:p>
           <a:p>
             <a:pPr lvl="1"/>
             <a:r>
+              <a:rPr lang="en-US" dirty="0">
+                <a:solidFill>
+                  <a:srgbClr val="FF0000"/>
+                </a:solidFill>
+              </a:rPr>
+              <a:t>Bipartitions in T not in true-tree</a:t>
+            </a:r>
+          </a:p>
+          <a:p>
+            <a:r>
               <a:rPr lang="en-US" dirty="0"/>
-              <a:t>2n – 6 – maximally different trees</a:t>
-            </a:r>
-          </a:p>
-          <a:p>
-            <a:pPr lvl="2"/>
+              <a:t>Robinson-</a:t>
+            </a:r>
+            <a:r>
+              <a:rPr lang="en-US" dirty="0" err="1"/>
+              <a:t>Foulds</a:t>
+            </a:r>
+            <a:r>
+              <a:rPr lang="en-US" dirty="0"/>
+              <a:t> (RF) Distance</a:t>
+            </a:r>
+          </a:p>
+          <a:p>
+            <a:pPr lvl="1"/>
             <a:r>
               <a:rPr lang="en-US" dirty="0">
                 <a:solidFill>
                   <a:srgbClr val="FF0000"/>
                 </a:solidFill>
               </a:rPr>
-              <a:t>N – 3 internal edges</a:t>
-            </a:r>
-          </a:p>
-          <a:p>
-            <a:pPr marL="0" indent="0">
-              <a:buNone/>
-            </a:pPr>
+              <a:t>Number of non-trivial bipartitions present in one tree but not the other</a:t>
+            </a:r>
+          </a:p>
+          <a:p>
+            <a:pPr lvl="1"/>
             <a:r>
               <a:rPr lang="en-US" dirty="0">
                 <a:solidFill>
                   <a:srgbClr val="FF0000"/>
                 </a:solidFill>
               </a:rPr>
-              <a:t> - importance of difference in </a:t>
-            </a:r>
-            <a:r>
-              <a:rPr lang="en-US" dirty="0" err="1">
-                <a:solidFill>
-                  <a:srgbClr val="FF0000"/>
-                </a:solidFill>
-              </a:rPr>
-              <a:t>biparititons</a:t>
-            </a:r>
+              <a:t>FN + FP / 2n - 6</a:t>
+            </a:r>
+          </a:p>
+          <a:p>
+            <a:pPr lvl="1"/>
             <a:endParaRPr lang="en-US" dirty="0">
               <a:solidFill>
                 <a:srgbClr val="FF0000"/>
@@ -5567,20 +9728,18 @@
             </a:endParaRPr>
           </a:p>
           <a:p>
-            <a:pPr marL="0" indent="0">
-              <a:buNone/>
-            </a:pPr>
-            <a:r>
-              <a:rPr lang="en-US" dirty="0"/>
-              <a:t>(fitting into biological standard ) proof of concept</a:t>
-            </a:r>
+            <a:endParaRPr lang="en-US" dirty="0">
+              <a:solidFill>
+                <a:srgbClr val="FF0000"/>
+              </a:solidFill>
+            </a:endParaRPr>
           </a:p>
         </p:txBody>
       </p:sp>
     </p:spTree>
     <p:extLst>
       <p:ext uri="{BB962C8B-B14F-4D97-AF65-F5344CB8AC3E}">
-        <p14:creationId xmlns:p14="http://schemas.microsoft.com/office/powerpoint/2010/main" val="3323507255"/>
+        <p14:creationId xmlns:p14="http://schemas.microsoft.com/office/powerpoint/2010/main" val="862714329"/>
       </p:ext>
     </p:extLst>
   </p:cSld>
@@ -5612,7 +9771,7 @@
           <p:cNvPr id="2" name="Title 1">
             <a:extLst>
               <a:ext uri="{FF2B5EF4-FFF2-40B4-BE49-F238E27FC236}">
-                <a16:creationId xmlns:a16="http://schemas.microsoft.com/office/drawing/2014/main" id="{04A1F292-AFDD-4FB5-A3BC-97CA483E0F6C}"/>
+                <a16:creationId xmlns:a16="http://schemas.microsoft.com/office/drawing/2014/main" id="{E0A4890A-D855-4A36-A6AB-D93272C23400}"/>
               </a:ext>
             </a:extLst>
           </p:cNvPr>
@@ -5630,7 +9789,7 @@
           <a:p>
             <a:r>
               <a:rPr lang="en-US" dirty="0"/>
-              <a:t>Homeomorphic Subtrees</a:t>
+              <a:t>Symmetric Difference</a:t>
             </a:r>
           </a:p>
         </p:txBody>
@@ -5640,7 +9799,7 @@
           <p:cNvPr id="3" name="Content Placeholder 2">
             <a:extLst>
               <a:ext uri="{FF2B5EF4-FFF2-40B4-BE49-F238E27FC236}">
-                <a16:creationId xmlns:a16="http://schemas.microsoft.com/office/drawing/2014/main" id="{22436093-9924-4B60-8213-D05CA4A64296}"/>
+                <a16:creationId xmlns:a16="http://schemas.microsoft.com/office/drawing/2014/main" id="{8444557C-6CB3-4AB7-9F18-4678258D8DDD}"/>
               </a:ext>
             </a:extLst>
           </p:cNvPr>
@@ -5651,40 +9810,65 @@
             <p:ph idx="1"/>
           </p:nvPr>
         </p:nvSpPr>
-        <p:spPr/>
+        <p:spPr>
+          <a:xfrm>
+            <a:off x="1371600" y="2286000"/>
+            <a:ext cx="9601200" cy="3581400"/>
+          </a:xfrm>
+        </p:spPr>
         <p:txBody>
-          <a:bodyPr>
-            <a:normAutofit lnSpcReduction="10000"/>
-          </a:bodyPr>
+          <a:bodyPr/>
           <a:lstStyle/>
           <a:p>
             <a:r>
+              <a:rPr lang="en-US" dirty="0"/>
+              <a:t>Range:</a:t>
+            </a:r>
+          </a:p>
+          <a:p>
+            <a:pPr lvl="1"/>
+            <a:r>
+              <a:rPr lang="en-US" dirty="0"/>
+              <a:t>0 – Identical structures</a:t>
+            </a:r>
+          </a:p>
+          <a:p>
+            <a:pPr lvl="1"/>
+            <a:r>
+              <a:rPr lang="en-US" dirty="0"/>
+              <a:t>2n – 6 – maximally different trees</a:t>
+            </a:r>
+          </a:p>
+          <a:p>
+            <a:pPr lvl="2"/>
+            <a:r>
               <a:rPr lang="en-US" dirty="0">
                 <a:solidFill>
                   <a:srgbClr val="FF0000"/>
                 </a:solidFill>
               </a:rPr>
-              <a:t>EXAMPLE! (build)</a:t>
-            </a:r>
-          </a:p>
-          <a:p>
-            <a:pPr lvl="1"/>
+              <a:t>N – 3 internal edges</a:t>
+            </a:r>
+          </a:p>
+          <a:p>
+            <a:pPr marL="0" indent="0">
+              <a:buNone/>
+            </a:pPr>
             <a:r>
               <a:rPr lang="en-US" dirty="0">
                 <a:solidFill>
                   <a:srgbClr val="FF0000"/>
                 </a:solidFill>
               </a:rPr>
-              <a:t>Large-tree </a:t>
-            </a:r>
-            <a:r>
-              <a:rPr lang="en-US" dirty="0">
+              <a:t> - importance of difference in </a:t>
+            </a:r>
+            <a:r>
+              <a:rPr lang="en-US" dirty="0" err="1">
                 <a:solidFill>
                   <a:srgbClr val="FF0000"/>
                 </a:solidFill>
-                <a:sym typeface="Wingdings" panose="05000000000000000000" pitchFamily="2" charset="2"/>
               </a:rPr>
-              <a:t> induced tree highlighted  induced tree refined and extracted</a:t>
+              <a:t>biparititons</a:t>
             </a:r>
             <a:endParaRPr lang="en-US" dirty="0">
               <a:solidFill>
@@ -5693,31 +9877,12 @@
             </a:endParaRPr>
           </a:p>
           <a:p>
-            <a:endParaRPr lang="en-US" dirty="0"/>
-          </a:p>
-          <a:p>
-            <a:endParaRPr lang="en-US" dirty="0"/>
-          </a:p>
-          <a:p>
-            <a:endParaRPr lang="en-US" dirty="0"/>
-          </a:p>
-          <a:p>
-            <a:endParaRPr lang="en-US" dirty="0"/>
-          </a:p>
-          <a:p>
-            <a:endParaRPr lang="en-US" dirty="0"/>
-          </a:p>
-          <a:p>
+            <a:pPr marL="0" indent="0">
+              <a:buNone/>
+            </a:pPr>
             <a:r>
               <a:rPr lang="en-US" dirty="0"/>
-              <a:t>Homeomorphic subtree of T induced by X</a:t>
-            </a:r>
-          </a:p>
-          <a:p>
-            <a:pPr lvl="1"/>
-            <a:r>
-              <a:rPr lang="en-US" dirty="0"/>
-              <a:t>AKA: T|X</a:t>
+              <a:t>(fitting into biological standard ) proof of concept</a:t>
             </a:r>
           </a:p>
         </p:txBody>
@@ -5725,7 +9890,7 @@
     </p:spTree>
     <p:extLst>
       <p:ext uri="{BB962C8B-B14F-4D97-AF65-F5344CB8AC3E}">
-        <p14:creationId xmlns:p14="http://schemas.microsoft.com/office/powerpoint/2010/main" val="164477223"/>
+        <p14:creationId xmlns:p14="http://schemas.microsoft.com/office/powerpoint/2010/main" val="3323507255"/>
       </p:ext>
     </p:extLst>
   </p:cSld>
@@ -5757,7 +9922,7 @@
           <p:cNvPr id="2" name="Title 1">
             <a:extLst>
               <a:ext uri="{FF2B5EF4-FFF2-40B4-BE49-F238E27FC236}">
-                <a16:creationId xmlns:a16="http://schemas.microsoft.com/office/drawing/2014/main" id="{1DA41681-B73B-4C7B-9403-9B676704E574}"/>
+                <a16:creationId xmlns:a16="http://schemas.microsoft.com/office/drawing/2014/main" id="{04A1F292-AFDD-4FB5-A3BC-97CA483E0F6C}"/>
               </a:ext>
             </a:extLst>
           </p:cNvPr>
@@ -5775,7 +9940,7 @@
           <a:p>
             <a:r>
               <a:rPr lang="en-US" dirty="0"/>
-              <a:t>Compatibility</a:t>
+              <a:t>Homeomorphic Subtrees</a:t>
             </a:r>
           </a:p>
         </p:txBody>
@@ -5785,7 +9950,7 @@
           <p:cNvPr id="3" name="Content Placeholder 2">
             <a:extLst>
               <a:ext uri="{FF2B5EF4-FFF2-40B4-BE49-F238E27FC236}">
-                <a16:creationId xmlns:a16="http://schemas.microsoft.com/office/drawing/2014/main" id="{677896E2-6BA8-4B78-B2F2-48B1F155C856}"/>
+                <a16:creationId xmlns:a16="http://schemas.microsoft.com/office/drawing/2014/main" id="{22436093-9924-4B60-8213-D05CA4A64296}"/>
               </a:ext>
             </a:extLst>
           </p:cNvPr>
@@ -5799,34 +9964,37 @@
         <p:spPr/>
         <p:txBody>
           <a:bodyPr>
-            <a:normAutofit fontScale="70000" lnSpcReduction="20000"/>
+            <a:normAutofit lnSpcReduction="10000"/>
           </a:bodyPr>
           <a:lstStyle/>
           <a:p>
             <a:r>
-              <a:rPr lang="en-US" dirty="0"/>
-              <a:t>Identical trees / Total tree count</a:t>
-            </a:r>
-          </a:p>
-          <a:p>
-            <a:endParaRPr lang="en-US" dirty="0"/>
-          </a:p>
-          <a:p>
-            <a:r>
               <a:rPr lang="en-US" dirty="0">
                 <a:solidFill>
                   <a:srgbClr val="FF0000"/>
                 </a:solidFill>
               </a:rPr>
-              <a:t>Wilson-rogers </a:t>
-            </a:r>
-            <a:r>
-              <a:rPr lang="en-US" dirty="0" err="1">
+              <a:t>EXAMPLE! (build)</a:t>
+            </a:r>
+          </a:p>
+          <a:p>
+            <a:pPr lvl="1"/>
+            <a:r>
+              <a:rPr lang="en-US" dirty="0">
                 <a:solidFill>
                   <a:srgbClr val="FF0000"/>
                 </a:solidFill>
               </a:rPr>
-              <a:t>compatability</a:t>
+              <a:t>Large-tree </a:t>
+            </a:r>
+            <a:r>
+              <a:rPr lang="en-US" dirty="0">
+                <a:solidFill>
+                  <a:srgbClr val="FF0000"/>
+                </a:solidFill>
+                <a:sym typeface="Wingdings" panose="05000000000000000000" pitchFamily="2" charset="2"/>
+              </a:rPr>
+              <a:t> induced tree highlighted  induced tree refined and extracted</a:t>
             </a:r>
             <a:endParaRPr lang="en-US" dirty="0">
               <a:solidFill>
@@ -5835,218 +10003,39 @@
             </a:endParaRPr>
           </a:p>
           <a:p>
-            <a:r>
-              <a:rPr lang="en-US" dirty="0">
-                <a:solidFill>
-                  <a:srgbClr val="FF0000"/>
-                </a:solidFill>
-                <a:sym typeface="Wingdings" panose="05000000000000000000" pitchFamily="2" charset="2"/>
-              </a:rPr>
-              <a:t>Quartet compatibility – induced quartets compared to directly generated quartets</a:t>
+            <a:endParaRPr lang="en-US" dirty="0"/>
+          </a:p>
+          <a:p>
+            <a:endParaRPr lang="en-US" dirty="0"/>
+          </a:p>
+          <a:p>
+            <a:endParaRPr lang="en-US" dirty="0"/>
+          </a:p>
+          <a:p>
+            <a:endParaRPr lang="en-US" dirty="0"/>
+          </a:p>
+          <a:p>
+            <a:endParaRPr lang="en-US" dirty="0"/>
+          </a:p>
+          <a:p>
+            <a:r>
+              <a:rPr lang="en-US" dirty="0"/>
+              <a:t>Homeomorphic subtree of T induced by X</a:t>
             </a:r>
           </a:p>
           <a:p>
             <a:pPr lvl="1"/>
             <a:r>
-              <a:rPr lang="en-US" dirty="0">
-                <a:solidFill>
-                  <a:srgbClr val="FF0000"/>
-                </a:solidFill>
-                <a:sym typeface="Wingdings" panose="05000000000000000000" pitchFamily="2" charset="2"/>
-              </a:rPr>
-              <a:t>(p. 91) St. John et al (2003) proved induced quartets from NJ more </a:t>
-            </a:r>
-            <a:r>
-              <a:rPr lang="en-US" dirty="0" err="1">
-                <a:solidFill>
-                  <a:srgbClr val="FF0000"/>
-                </a:solidFill>
-                <a:sym typeface="Wingdings" panose="05000000000000000000" pitchFamily="2" charset="2"/>
-              </a:rPr>
-              <a:t>accuarete</a:t>
-            </a:r>
-            <a:r>
-              <a:rPr lang="en-US" dirty="0">
-                <a:solidFill>
-                  <a:srgbClr val="FF0000"/>
-                </a:solidFill>
-                <a:sym typeface="Wingdings" panose="05000000000000000000" pitchFamily="2" charset="2"/>
-              </a:rPr>
-              <a:t> than directly generated Quartets from FPM</a:t>
-            </a:r>
-          </a:p>
-          <a:p>
-            <a:pPr lvl="1"/>
-            <a:r>
-              <a:rPr lang="en-US" dirty="0">
-                <a:solidFill>
-                  <a:srgbClr val="FF0000"/>
-                </a:solidFill>
-                <a:sym typeface="Wingdings" panose="05000000000000000000" pitchFamily="2" charset="2"/>
-              </a:rPr>
-              <a:t>WHY QUARTETS?</a:t>
-            </a:r>
-          </a:p>
-          <a:p>
-            <a:pPr lvl="2"/>
-            <a:r>
-              <a:rPr lang="en-US" dirty="0">
-                <a:solidFill>
-                  <a:srgbClr val="FF0000"/>
-                </a:solidFill>
-                <a:sym typeface="Wingdings" panose="05000000000000000000" pitchFamily="2" charset="2"/>
-              </a:rPr>
-              <a:t>Smallest unit -- Building blocks???</a:t>
-            </a:r>
-          </a:p>
-          <a:p>
-            <a:r>
-              <a:rPr lang="en-US" dirty="0">
-                <a:solidFill>
-                  <a:srgbClr val="FF0000"/>
-                </a:solidFill>
-                <a:sym typeface="Wingdings" panose="05000000000000000000" pitchFamily="2" charset="2"/>
-              </a:rPr>
-              <a:t>(behaving like </a:t>
-            </a:r>
-            <a:r>
-              <a:rPr lang="en-US" dirty="0" err="1">
-                <a:solidFill>
-                  <a:srgbClr val="FF0000"/>
-                </a:solidFill>
-                <a:sym typeface="Wingdings" panose="05000000000000000000" pitchFamily="2" charset="2"/>
-              </a:rPr>
-              <a:t>mrBayes</a:t>
-            </a:r>
-            <a:r>
-              <a:rPr lang="en-US" dirty="0">
-                <a:solidFill>
-                  <a:srgbClr val="FF0000"/>
-                </a:solidFill>
-                <a:sym typeface="Wingdings" panose="05000000000000000000" pitchFamily="2" charset="2"/>
-              </a:rPr>
-              <a:t> – proof of concept)</a:t>
-            </a:r>
-          </a:p>
-          <a:p>
-            <a:r>
-              <a:rPr lang="en-US" dirty="0">
-                <a:solidFill>
-                  <a:srgbClr val="FF0000"/>
-                </a:solidFill>
-                <a:sym typeface="Wingdings" panose="05000000000000000000" pitchFamily="2" charset="2"/>
-              </a:rPr>
-              <a:t>T &amp; t</a:t>
-            </a:r>
-          </a:p>
-          <a:p>
-            <a:pPr lvl="1"/>
-            <a:r>
-              <a:rPr lang="en-US" dirty="0">
-                <a:solidFill>
-                  <a:srgbClr val="FF0000"/>
-                </a:solidFill>
-                <a:sym typeface="Wingdings" panose="05000000000000000000" pitchFamily="2" charset="2"/>
-              </a:rPr>
-              <a:t>If T|X is refinement of t ( i.e. C(T|X) contains all bipartitions of C(t) )</a:t>
-            </a:r>
-          </a:p>
-          <a:p>
-            <a:pPr lvl="2"/>
-            <a:r>
-              <a:rPr lang="en-US" dirty="0">
-                <a:solidFill>
-                  <a:srgbClr val="FF0000"/>
-                </a:solidFill>
-                <a:sym typeface="Wingdings" panose="05000000000000000000" pitchFamily="2" charset="2"/>
-              </a:rPr>
-              <a:t>NOTE: C(T|X) may have additional </a:t>
-            </a:r>
-            <a:r>
-              <a:rPr lang="en-US" dirty="0" err="1">
-                <a:solidFill>
-                  <a:srgbClr val="FF0000"/>
-                </a:solidFill>
-                <a:sym typeface="Wingdings" panose="05000000000000000000" pitchFamily="2" charset="2"/>
-              </a:rPr>
-              <a:t>bipparitions</a:t>
-            </a:r>
-            <a:r>
-              <a:rPr lang="en-US" dirty="0">
-                <a:solidFill>
-                  <a:srgbClr val="FF0000"/>
-                </a:solidFill>
-                <a:sym typeface="Wingdings" panose="05000000000000000000" pitchFamily="2" charset="2"/>
-              </a:rPr>
-              <a:t> (refinement)</a:t>
-            </a:r>
-          </a:p>
-          <a:p>
-            <a:pPr lvl="2"/>
-            <a:r>
-              <a:rPr lang="en-US" dirty="0">
-                <a:solidFill>
-                  <a:srgbClr val="FF0000"/>
-                </a:solidFill>
-                <a:sym typeface="Wingdings" panose="05000000000000000000" pitchFamily="2" charset="2"/>
-              </a:rPr>
-              <a:t>(p. 52)  For every tree (t-</a:t>
-            </a:r>
-            <a:r>
-              <a:rPr lang="en-US" dirty="0" err="1">
-                <a:solidFill>
-                  <a:srgbClr val="FF0000"/>
-                </a:solidFill>
-                <a:sym typeface="Wingdings" panose="05000000000000000000" pitchFamily="2" charset="2"/>
-              </a:rPr>
-              <a:t>i</a:t>
-            </a:r>
-            <a:r>
-              <a:rPr lang="en-US" dirty="0">
-                <a:solidFill>
-                  <a:srgbClr val="FF0000"/>
-                </a:solidFill>
-                <a:sym typeface="Wingdings" panose="05000000000000000000" pitchFamily="2" charset="2"/>
-              </a:rPr>
-              <a:t>) in tree set, sum of RF(</a:t>
-            </a:r>
-            <a:r>
-              <a:rPr lang="en-US" dirty="0" err="1">
-                <a:solidFill>
-                  <a:srgbClr val="FF0000"/>
-                </a:solidFill>
-                <a:sym typeface="Wingdings" panose="05000000000000000000" pitchFamily="2" charset="2"/>
-              </a:rPr>
-              <a:t>T|t-i</a:t>
-            </a:r>
-            <a:r>
-              <a:rPr lang="en-US" dirty="0">
-                <a:solidFill>
-                  <a:srgbClr val="FF0000"/>
-                </a:solidFill>
-                <a:sym typeface="Wingdings" panose="05000000000000000000" pitchFamily="2" charset="2"/>
-              </a:rPr>
-              <a:t>) == 0</a:t>
-            </a:r>
-          </a:p>
-          <a:p>
-            <a:pPr marL="0" indent="0">
-              <a:buNone/>
-            </a:pPr>
-            <a:endParaRPr lang="en-US" dirty="0"/>
-          </a:p>
-          <a:p>
-            <a:pPr marL="0" indent="0">
-              <a:buNone/>
-            </a:pPr>
-            <a:endParaRPr lang="en-US" dirty="0"/>
+              <a:rPr lang="en-US" dirty="0"/>
+              <a:t>AKA: T|X</a:t>
+            </a:r>
           </a:p>
         </p:txBody>
       </p:sp>
     </p:spTree>
     <p:extLst>
       <p:ext uri="{BB962C8B-B14F-4D97-AF65-F5344CB8AC3E}">
-        <p14:creationId xmlns:p14="http://schemas.microsoft.com/office/powerpoint/2010/main" val="79932279"/>
+        <p14:creationId xmlns:p14="http://schemas.microsoft.com/office/powerpoint/2010/main" val="164477223"/>
       </p:ext>
     </p:extLst>
   </p:cSld>
@@ -6078,7 +10067,7 @@
           <p:cNvPr id="2" name="Title 1">
             <a:extLst>
               <a:ext uri="{FF2B5EF4-FFF2-40B4-BE49-F238E27FC236}">
-                <a16:creationId xmlns:a16="http://schemas.microsoft.com/office/drawing/2014/main" id="{1F654729-F01B-4F9F-8EA4-A870B05B28CF}"/>
+                <a16:creationId xmlns:a16="http://schemas.microsoft.com/office/drawing/2014/main" id="{1DA41681-B73B-4C7B-9403-9B676704E574}"/>
               </a:ext>
             </a:extLst>
           </p:cNvPr>
@@ -6096,7 +10085,7 @@
           <a:p>
             <a:r>
               <a:rPr lang="en-US" dirty="0"/>
-              <a:t>Agreement</a:t>
+              <a:t>Compatibility</a:t>
             </a:r>
           </a:p>
         </p:txBody>
@@ -6106,7 +10095,7 @@
           <p:cNvPr id="3" name="Content Placeholder 2">
             <a:extLst>
               <a:ext uri="{FF2B5EF4-FFF2-40B4-BE49-F238E27FC236}">
-                <a16:creationId xmlns:a16="http://schemas.microsoft.com/office/drawing/2014/main" id="{41842C8C-5488-46EF-86AA-79550E6AB743}"/>
+                <a16:creationId xmlns:a16="http://schemas.microsoft.com/office/drawing/2014/main" id="{677896E2-6BA8-4B78-B2F2-48B1F155C856}"/>
               </a:ext>
             </a:extLst>
           </p:cNvPr>
@@ -6120,53 +10109,50 @@
         <p:spPr/>
         <p:txBody>
           <a:bodyPr>
-            <a:normAutofit fontScale="92500" lnSpcReduction="10000"/>
+            <a:normAutofit fontScale="70000" lnSpcReduction="20000"/>
           </a:bodyPr>
           <a:lstStyle/>
           <a:p>
             <a:r>
               <a:rPr lang="en-US" dirty="0"/>
-              <a:t>Q(T0) (intersection) Q(T)</a:t>
-            </a:r>
-          </a:p>
-          <a:p>
-            <a:pPr lvl="1"/>
+              <a:t>Identical trees / Total tree count</a:t>
+            </a:r>
+          </a:p>
+          <a:p>
+            <a:endParaRPr lang="en-US" dirty="0"/>
+          </a:p>
+          <a:p>
             <a:r>
               <a:rPr lang="en-US" dirty="0">
                 <a:solidFill>
                   <a:srgbClr val="FF0000"/>
                 </a:solidFill>
               </a:rPr>
-              <a:t>T0 </a:t>
-            </a:r>
-            <a:r>
-              <a:rPr lang="en-US" dirty="0">
+              <a:t>Wilson-rogers </a:t>
+            </a:r>
+            <a:r>
+              <a:rPr lang="en-US" dirty="0" err="1">
                 <a:solidFill>
                   <a:srgbClr val="FF0000"/>
                 </a:solidFill>
-                <a:sym typeface="Wingdings" panose="05000000000000000000" pitchFamily="2" charset="2"/>
               </a:rPr>
-              <a:t> “true tree”</a:t>
-            </a:r>
-          </a:p>
-          <a:p>
-            <a:pPr lvl="1"/>
+              <a:t>compatability</a:t>
+            </a:r>
             <a:endParaRPr lang="en-US" dirty="0">
               <a:solidFill>
                 <a:srgbClr val="FF0000"/>
               </a:solidFill>
-              <a:sym typeface="Wingdings" panose="05000000000000000000" pitchFamily="2" charset="2"/>
             </a:endParaRPr>
           </a:p>
           <a:p>
             <a:r>
               <a:rPr lang="en-US" dirty="0">
                 <a:solidFill>
-                  <a:schemeClr val="tx1"/>
+                  <a:srgbClr val="FF0000"/>
                 </a:solidFill>
                 <a:sym typeface="Wingdings" panose="05000000000000000000" pitchFamily="2" charset="2"/>
               </a:rPr>
-              <a:t>Quartet Agreement</a:t>
+              <a:t>Quartet compatibility – induced quartets compared to directly generated quartets</a:t>
             </a:r>
           </a:p>
           <a:p>
@@ -6178,22 +10164,17 @@
                 </a:solidFill>
                 <a:sym typeface="Wingdings" panose="05000000000000000000" pitchFamily="2" charset="2"/>
               </a:rPr>
-              <a:t>Agreement between directly generated quartet trees </a:t>
-            </a:r>
-          </a:p>
-          <a:p>
-            <a:r>
-              <a:rPr lang="en-US" dirty="0">
-                <a:solidFill>
-                  <a:schemeClr val="tx1"/>
+              <a:t>(p. 91) St. John et al (2003) proved induced quartets from NJ more </a:t>
+            </a:r>
+            <a:r>
+              <a:rPr lang="en-US" dirty="0" err="1">
+                <a:solidFill>
+                  <a:srgbClr val="FF0000"/>
                 </a:solidFill>
                 <a:sym typeface="Wingdings" panose="05000000000000000000" pitchFamily="2" charset="2"/>
               </a:rPr>
-              <a:t>Induced Quartet Agreement</a:t>
-            </a:r>
-          </a:p>
-          <a:p>
-            <a:pPr lvl="1"/>
+              <a:t>accuarete</a:t>
+            </a:r>
             <a:r>
               <a:rPr lang="en-US" dirty="0">
                 <a:solidFill>
@@ -6201,17 +10182,8 @@
                 </a:solidFill>
                 <a:sym typeface="Wingdings" panose="05000000000000000000" pitchFamily="2" charset="2"/>
               </a:rPr>
-              <a:t>Agreement between induced quartet trees </a:t>
-            </a:r>
-          </a:p>
-          <a:p>
-            <a:pPr lvl="1"/>
-            <a:endParaRPr lang="en-US" dirty="0">
-              <a:solidFill>
-                <a:srgbClr val="FF0000"/>
-              </a:solidFill>
-              <a:sym typeface="Wingdings" panose="05000000000000000000" pitchFamily="2" charset="2"/>
-            </a:endParaRPr>
+              <a:t> than directly generated Quartets from FPM</a:t>
+            </a:r>
           </a:p>
           <a:p>
             <a:pPr lvl="1"/>
@@ -6222,11 +10194,11 @@
                 </a:solidFill>
                 <a:sym typeface="Wingdings" panose="05000000000000000000" pitchFamily="2" charset="2"/>
               </a:rPr>
-              <a:t>What does this result say???</a:t>
-            </a:r>
-          </a:p>
-          <a:p>
-            <a:pPr lvl="1"/>
+              <a:t>WHY QUARTETS?</a:t>
+            </a:r>
+          </a:p>
+          <a:p>
+            <a:pPr lvl="2"/>
             <a:r>
               <a:rPr lang="en-US" dirty="0">
                 <a:solidFill>
@@ -6234,42 +10206,157 @@
                 </a:solidFill>
                 <a:sym typeface="Wingdings" panose="05000000000000000000" pitchFamily="2" charset="2"/>
               </a:rPr>
-              <a:t>Why quartets???</a:t>
-            </a:r>
-          </a:p>
-          <a:p>
-            <a:endParaRPr lang="en-US" dirty="0">
-              <a:solidFill>
-                <a:schemeClr val="tx1"/>
-              </a:solidFill>
-              <a:sym typeface="Wingdings" panose="05000000000000000000" pitchFamily="2" charset="2"/>
-            </a:endParaRPr>
-          </a:p>
-          <a:p>
-            <a:endParaRPr lang="en-US" dirty="0">
-              <a:solidFill>
-                <a:schemeClr val="tx1"/>
-              </a:solidFill>
-              <a:sym typeface="Wingdings" panose="05000000000000000000" pitchFamily="2" charset="2"/>
-            </a:endParaRPr>
+              <a:t>Smallest unit -- Building blocks???</a:t>
+            </a:r>
+          </a:p>
+          <a:p>
+            <a:r>
+              <a:rPr lang="en-US" dirty="0">
+                <a:solidFill>
+                  <a:srgbClr val="FF0000"/>
+                </a:solidFill>
+                <a:sym typeface="Wingdings" panose="05000000000000000000" pitchFamily="2" charset="2"/>
+              </a:rPr>
+              <a:t>(behaving like </a:t>
+            </a:r>
+            <a:r>
+              <a:rPr lang="en-US" dirty="0" err="1">
+                <a:solidFill>
+                  <a:srgbClr val="FF0000"/>
+                </a:solidFill>
+                <a:sym typeface="Wingdings" panose="05000000000000000000" pitchFamily="2" charset="2"/>
+              </a:rPr>
+              <a:t>mrBayes</a:t>
+            </a:r>
+            <a:r>
+              <a:rPr lang="en-US" dirty="0">
+                <a:solidFill>
+                  <a:srgbClr val="FF0000"/>
+                </a:solidFill>
+                <a:sym typeface="Wingdings" panose="05000000000000000000" pitchFamily="2" charset="2"/>
+              </a:rPr>
+              <a:t> – proof of concept)</a:t>
+            </a:r>
+          </a:p>
+          <a:p>
+            <a:r>
+              <a:rPr lang="en-US" dirty="0">
+                <a:solidFill>
+                  <a:srgbClr val="FF0000"/>
+                </a:solidFill>
+                <a:sym typeface="Wingdings" panose="05000000000000000000" pitchFamily="2" charset="2"/>
+              </a:rPr>
+              <a:t>T &amp; t</a:t>
+            </a:r>
+          </a:p>
+          <a:p>
+            <a:pPr lvl="1"/>
+            <a:r>
+              <a:rPr lang="en-US" dirty="0">
+                <a:solidFill>
+                  <a:srgbClr val="FF0000"/>
+                </a:solidFill>
+                <a:sym typeface="Wingdings" panose="05000000000000000000" pitchFamily="2" charset="2"/>
+              </a:rPr>
+              <a:t>If T|X is refinement of t ( i.e. C(T|X) contains all bipartitions of C(t) )</a:t>
+            </a:r>
+          </a:p>
+          <a:p>
+            <a:pPr lvl="2"/>
+            <a:r>
+              <a:rPr lang="en-US" dirty="0">
+                <a:solidFill>
+                  <a:srgbClr val="FF0000"/>
+                </a:solidFill>
+                <a:sym typeface="Wingdings" panose="05000000000000000000" pitchFamily="2" charset="2"/>
+              </a:rPr>
+              <a:t>NOTE: C(T|X) may have additional </a:t>
+            </a:r>
+            <a:r>
+              <a:rPr lang="en-US" dirty="0" err="1">
+                <a:solidFill>
+                  <a:srgbClr val="FF0000"/>
+                </a:solidFill>
+                <a:sym typeface="Wingdings" panose="05000000000000000000" pitchFamily="2" charset="2"/>
+              </a:rPr>
+              <a:t>bipparitions</a:t>
+            </a:r>
+            <a:r>
+              <a:rPr lang="en-US" dirty="0">
+                <a:solidFill>
+                  <a:srgbClr val="FF0000"/>
+                </a:solidFill>
+                <a:sym typeface="Wingdings" panose="05000000000000000000" pitchFamily="2" charset="2"/>
+              </a:rPr>
+              <a:t> (refinement)</a:t>
+            </a:r>
+          </a:p>
+          <a:p>
+            <a:pPr lvl="2"/>
+            <a:r>
+              <a:rPr lang="en-US" dirty="0">
+                <a:solidFill>
+                  <a:srgbClr val="FF0000"/>
+                </a:solidFill>
+                <a:sym typeface="Wingdings" panose="05000000000000000000" pitchFamily="2" charset="2"/>
+              </a:rPr>
+              <a:t>(p. 52)  For every tree (t-</a:t>
+            </a:r>
+            <a:r>
+              <a:rPr lang="en-US" dirty="0" err="1">
+                <a:solidFill>
+                  <a:srgbClr val="FF0000"/>
+                </a:solidFill>
+                <a:sym typeface="Wingdings" panose="05000000000000000000" pitchFamily="2" charset="2"/>
+              </a:rPr>
+              <a:t>i</a:t>
+            </a:r>
+            <a:r>
+              <a:rPr lang="en-US" dirty="0">
+                <a:solidFill>
+                  <a:srgbClr val="FF0000"/>
+                </a:solidFill>
+                <a:sym typeface="Wingdings" panose="05000000000000000000" pitchFamily="2" charset="2"/>
+              </a:rPr>
+              <a:t>) in tree set, sum of RF(</a:t>
+            </a:r>
+            <a:r>
+              <a:rPr lang="en-US" dirty="0" err="1">
+                <a:solidFill>
+                  <a:srgbClr val="FF0000"/>
+                </a:solidFill>
+                <a:sym typeface="Wingdings" panose="05000000000000000000" pitchFamily="2" charset="2"/>
+              </a:rPr>
+              <a:t>T|t-i</a:t>
+            </a:r>
+            <a:r>
+              <a:rPr lang="en-US" dirty="0">
+                <a:solidFill>
+                  <a:srgbClr val="FF0000"/>
+                </a:solidFill>
+                <a:sym typeface="Wingdings" panose="05000000000000000000" pitchFamily="2" charset="2"/>
+              </a:rPr>
+              <a:t>) == 0</a:t>
+            </a:r>
           </a:p>
           <a:p>
             <a:pPr marL="0" indent="0">
               <a:buNone/>
             </a:pPr>
-            <a:endParaRPr lang="en-US" dirty="0">
-              <a:solidFill>
-                <a:srgbClr val="FF0000"/>
-              </a:solidFill>
-              <a:sym typeface="Wingdings" panose="05000000000000000000" pitchFamily="2" charset="2"/>
-            </a:endParaRPr>
+            <a:endParaRPr lang="en-US" dirty="0"/>
+          </a:p>
+          <a:p>
+            <a:pPr marL="0" indent="0">
+              <a:buNone/>
+            </a:pPr>
+            <a:endParaRPr lang="en-US" dirty="0"/>
           </a:p>
         </p:txBody>
       </p:sp>
     </p:spTree>
     <p:extLst>
       <p:ext uri="{BB962C8B-B14F-4D97-AF65-F5344CB8AC3E}">
-        <p14:creationId xmlns:p14="http://schemas.microsoft.com/office/powerpoint/2010/main" val="2890113839"/>
+        <p14:creationId xmlns:p14="http://schemas.microsoft.com/office/powerpoint/2010/main" val="79932279"/>
       </p:ext>
     </p:extLst>
   </p:cSld>
@@ -6301,7 +10388,7 @@
           <p:cNvPr id="2" name="Title 1">
             <a:extLst>
               <a:ext uri="{FF2B5EF4-FFF2-40B4-BE49-F238E27FC236}">
-                <a16:creationId xmlns:a16="http://schemas.microsoft.com/office/drawing/2014/main" id="{7C71A0DC-6AE4-4E73-BF5B-8273443BA46C}"/>
+                <a16:creationId xmlns:a16="http://schemas.microsoft.com/office/drawing/2014/main" id="{1F654729-F01B-4F9F-8EA4-A870B05B28CF}"/>
               </a:ext>
             </a:extLst>
           </p:cNvPr>
@@ -6319,7 +10406,7 @@
           <a:p>
             <a:r>
               <a:rPr lang="en-US" dirty="0"/>
-              <a:t>Results</a:t>
+              <a:t>Agreement</a:t>
             </a:r>
           </a:p>
         </p:txBody>
@@ -6329,7 +10416,7 @@
           <p:cNvPr id="3" name="Content Placeholder 2">
             <a:extLst>
               <a:ext uri="{FF2B5EF4-FFF2-40B4-BE49-F238E27FC236}">
-                <a16:creationId xmlns:a16="http://schemas.microsoft.com/office/drawing/2014/main" id="{E558FABB-F62F-4198-88B3-5DE192B19659}"/>
+                <a16:creationId xmlns:a16="http://schemas.microsoft.com/office/drawing/2014/main" id="{41842C8C-5488-46EF-86AA-79550E6AB743}"/>
               </a:ext>
             </a:extLst>
           </p:cNvPr>
@@ -6342,20 +10429,157 @@
         </p:nvSpPr>
         <p:spPr/>
         <p:txBody>
-          <a:bodyPr/>
+          <a:bodyPr>
+            <a:normAutofit fontScale="92500" lnSpcReduction="10000"/>
+          </a:bodyPr>
           <a:lstStyle/>
           <a:p>
             <a:r>
               <a:rPr lang="en-US" dirty="0"/>
-              <a:t>Pick tables that show argument</a:t>
-            </a:r>
+              <a:t>Q(T0) (intersection) Q(T)</a:t>
+            </a:r>
+          </a:p>
+          <a:p>
+            <a:pPr lvl="1"/>
+            <a:r>
+              <a:rPr lang="en-US" dirty="0">
+                <a:solidFill>
+                  <a:srgbClr val="FF0000"/>
+                </a:solidFill>
+              </a:rPr>
+              <a:t>T0 </a:t>
+            </a:r>
+            <a:r>
+              <a:rPr lang="en-US" dirty="0">
+                <a:solidFill>
+                  <a:srgbClr val="FF0000"/>
+                </a:solidFill>
+                <a:sym typeface="Wingdings" panose="05000000000000000000" pitchFamily="2" charset="2"/>
+              </a:rPr>
+              <a:t> “true tree”</a:t>
+            </a:r>
+          </a:p>
+          <a:p>
+            <a:pPr lvl="1"/>
+            <a:endParaRPr lang="en-US" dirty="0">
+              <a:solidFill>
+                <a:srgbClr val="FF0000"/>
+              </a:solidFill>
+              <a:sym typeface="Wingdings" panose="05000000000000000000" pitchFamily="2" charset="2"/>
+            </a:endParaRPr>
+          </a:p>
+          <a:p>
+            <a:r>
+              <a:rPr lang="en-US" dirty="0">
+                <a:solidFill>
+                  <a:schemeClr val="tx1"/>
+                </a:solidFill>
+                <a:sym typeface="Wingdings" panose="05000000000000000000" pitchFamily="2" charset="2"/>
+              </a:rPr>
+              <a:t>Quartet Agreement</a:t>
+            </a:r>
+          </a:p>
+          <a:p>
+            <a:pPr lvl="1"/>
+            <a:r>
+              <a:rPr lang="en-US" dirty="0">
+                <a:solidFill>
+                  <a:srgbClr val="FF0000"/>
+                </a:solidFill>
+                <a:sym typeface="Wingdings" panose="05000000000000000000" pitchFamily="2" charset="2"/>
+              </a:rPr>
+              <a:t>Agreement between directly generated quartet trees </a:t>
+            </a:r>
+          </a:p>
+          <a:p>
+            <a:r>
+              <a:rPr lang="en-US" dirty="0">
+                <a:solidFill>
+                  <a:schemeClr val="tx1"/>
+                </a:solidFill>
+                <a:sym typeface="Wingdings" panose="05000000000000000000" pitchFamily="2" charset="2"/>
+              </a:rPr>
+              <a:t>Induced Quartet Agreement</a:t>
+            </a:r>
+          </a:p>
+          <a:p>
+            <a:pPr lvl="1"/>
+            <a:r>
+              <a:rPr lang="en-US" dirty="0">
+                <a:solidFill>
+                  <a:srgbClr val="FF0000"/>
+                </a:solidFill>
+                <a:sym typeface="Wingdings" panose="05000000000000000000" pitchFamily="2" charset="2"/>
+              </a:rPr>
+              <a:t>Agreement between induced quartet trees </a:t>
+            </a:r>
+          </a:p>
+          <a:p>
+            <a:pPr lvl="1"/>
+            <a:endParaRPr lang="en-US" dirty="0">
+              <a:solidFill>
+                <a:srgbClr val="FF0000"/>
+              </a:solidFill>
+              <a:sym typeface="Wingdings" panose="05000000000000000000" pitchFamily="2" charset="2"/>
+            </a:endParaRPr>
+          </a:p>
+          <a:p>
+            <a:pPr lvl="1"/>
+            <a:r>
+              <a:rPr lang="en-US" dirty="0">
+                <a:solidFill>
+                  <a:srgbClr val="FF0000"/>
+                </a:solidFill>
+                <a:sym typeface="Wingdings" panose="05000000000000000000" pitchFamily="2" charset="2"/>
+              </a:rPr>
+              <a:t>What does this result say???</a:t>
+            </a:r>
+          </a:p>
+          <a:p>
+            <a:pPr lvl="1"/>
+            <a:r>
+              <a:rPr lang="en-US" dirty="0">
+                <a:solidFill>
+                  <a:srgbClr val="FF0000"/>
+                </a:solidFill>
+                <a:sym typeface="Wingdings" panose="05000000000000000000" pitchFamily="2" charset="2"/>
+              </a:rPr>
+              <a:t>Why quartets???</a:t>
+            </a:r>
+          </a:p>
+          <a:p>
+            <a:endParaRPr lang="en-US" dirty="0">
+              <a:solidFill>
+                <a:schemeClr val="tx1"/>
+              </a:solidFill>
+              <a:sym typeface="Wingdings" panose="05000000000000000000" pitchFamily="2" charset="2"/>
+            </a:endParaRPr>
+          </a:p>
+          <a:p>
+            <a:endParaRPr lang="en-US" dirty="0">
+              <a:solidFill>
+                <a:schemeClr val="tx1"/>
+              </a:solidFill>
+              <a:sym typeface="Wingdings" panose="05000000000000000000" pitchFamily="2" charset="2"/>
+            </a:endParaRPr>
+          </a:p>
+          <a:p>
+            <a:pPr marL="0" indent="0">
+              <a:buNone/>
+            </a:pPr>
+            <a:endParaRPr lang="en-US" dirty="0">
+              <a:solidFill>
+                <a:srgbClr val="FF0000"/>
+              </a:solidFill>
+              <a:sym typeface="Wingdings" panose="05000000000000000000" pitchFamily="2" charset="2"/>
+            </a:endParaRPr>
           </a:p>
         </p:txBody>
       </p:sp>
     </p:spTree>
     <p:extLst>
       <p:ext uri="{BB962C8B-B14F-4D97-AF65-F5344CB8AC3E}">
-        <p14:creationId xmlns:p14="http://schemas.microsoft.com/office/powerpoint/2010/main" val="1478176425"/>
+        <p14:creationId xmlns:p14="http://schemas.microsoft.com/office/powerpoint/2010/main" val="2890113839"/>
       </p:ext>
     </p:extLst>
   </p:cSld>
@@ -6387,7 +10611,7 @@
           <p:cNvPr id="2" name="Title 1">
             <a:extLst>
               <a:ext uri="{FF2B5EF4-FFF2-40B4-BE49-F238E27FC236}">
-                <a16:creationId xmlns:a16="http://schemas.microsoft.com/office/drawing/2014/main" id="{89778CF9-C0C2-4E5A-9498-8E5A3EFBEE1C}"/>
+                <a16:creationId xmlns:a16="http://schemas.microsoft.com/office/drawing/2014/main" id="{7C71A0DC-6AE4-4E73-BF5B-8273443BA46C}"/>
               </a:ext>
             </a:extLst>
           </p:cNvPr>
@@ -6405,7 +10629,7 @@
           <a:p>
             <a:r>
               <a:rPr lang="en-US" dirty="0"/>
-              <a:t>Timings</a:t>
+              <a:t>Results</a:t>
             </a:r>
           </a:p>
         </p:txBody>
@@ -6415,7 +10639,7 @@
           <p:cNvPr id="3" name="Content Placeholder 2">
             <a:extLst>
               <a:ext uri="{FF2B5EF4-FFF2-40B4-BE49-F238E27FC236}">
-                <a16:creationId xmlns:a16="http://schemas.microsoft.com/office/drawing/2014/main" id="{9C662559-6FC7-4036-9067-313195B78470}"/>
+                <a16:creationId xmlns:a16="http://schemas.microsoft.com/office/drawing/2014/main" id="{E558FABB-F62F-4198-88B3-5DE192B19659}"/>
               </a:ext>
             </a:extLst>
           </p:cNvPr>
@@ -6431,14 +10655,17 @@
           <a:bodyPr/>
           <a:lstStyle/>
           <a:p>
-            <a:endParaRPr lang="en-US"/>
+            <a:r>
+              <a:rPr lang="en-US" dirty="0"/>
+              <a:t>Pick tables that show argument</a:t>
+            </a:r>
           </a:p>
         </p:txBody>
       </p:sp>
     </p:spTree>
     <p:extLst>
       <p:ext uri="{BB962C8B-B14F-4D97-AF65-F5344CB8AC3E}">
-        <p14:creationId xmlns:p14="http://schemas.microsoft.com/office/powerpoint/2010/main" val="834576793"/>
+        <p14:creationId xmlns:p14="http://schemas.microsoft.com/office/powerpoint/2010/main" val="1478176425"/>
       </p:ext>
     </p:extLst>
   </p:cSld>
@@ -6470,7 +10697,7 @@
           <p:cNvPr id="2" name="Title 1">
             <a:extLst>
               <a:ext uri="{FF2B5EF4-FFF2-40B4-BE49-F238E27FC236}">
-                <a16:creationId xmlns:a16="http://schemas.microsoft.com/office/drawing/2014/main" id="{D03F5BF0-0AD7-4B01-BD13-01EDFD009E2E}"/>
+                <a16:creationId xmlns:a16="http://schemas.microsoft.com/office/drawing/2014/main" id="{89778CF9-C0C2-4E5A-9498-8E5A3EFBEE1C}"/>
               </a:ext>
             </a:extLst>
           </p:cNvPr>
@@ -6487,10 +10714,9 @@
           <a:lstStyle/>
           <a:p>
             <a:r>
-              <a:rPr lang="en-US" dirty="0" err="1"/>
-              <a:t>PhyloTools</a:t>
-            </a:r>
-            <a:endParaRPr lang="en-US" dirty="0"/>
+              <a:rPr lang="en-US" dirty="0"/>
+              <a:t>Timings</a:t>
+            </a:r>
           </a:p>
         </p:txBody>
       </p:sp>
@@ -6499,7 +10725,7 @@
           <p:cNvPr id="3" name="Content Placeholder 2">
             <a:extLst>
               <a:ext uri="{FF2B5EF4-FFF2-40B4-BE49-F238E27FC236}">
-                <a16:creationId xmlns:a16="http://schemas.microsoft.com/office/drawing/2014/main" id="{0967048B-71FB-4B8F-84A2-0201BFF4D0FE}"/>
+                <a16:creationId xmlns:a16="http://schemas.microsoft.com/office/drawing/2014/main" id="{9C662559-6FC7-4036-9067-313195B78470}"/>
               </a:ext>
             </a:extLst>
           </p:cNvPr>
@@ -6515,63 +10741,14 @@
           <a:bodyPr/>
           <a:lstStyle/>
           <a:p>
-            <a:r>
-              <a:rPr lang="en-US" dirty="0"/>
-              <a:t>Swiss army knife</a:t>
-            </a:r>
-          </a:p>
-          <a:p>
-            <a:pPr lvl="1"/>
-            <a:r>
-              <a:rPr lang="en-US" dirty="0"/>
-              <a:t>Input:</a:t>
-            </a:r>
-          </a:p>
-          <a:p>
-            <a:pPr lvl="2"/>
-            <a:r>
-              <a:rPr lang="en-US" dirty="0"/>
-              <a:t>FASTA sequences</a:t>
-            </a:r>
-          </a:p>
-          <a:p>
-            <a:pPr lvl="2"/>
-            <a:r>
-              <a:rPr lang="en-US" dirty="0"/>
-              <a:t>…</a:t>
-            </a:r>
-          </a:p>
-          <a:p>
-            <a:pPr lvl="1"/>
-            <a:r>
-              <a:rPr lang="en-US" dirty="0"/>
-              <a:t>Output:</a:t>
-            </a:r>
-          </a:p>
-          <a:p>
-            <a:pPr lvl="2"/>
-            <a:r>
-              <a:rPr lang="en-US" dirty="0"/>
-              <a:t>Tree analysis document</a:t>
-            </a:r>
-          </a:p>
-          <a:p>
-            <a:pPr lvl="2"/>
-            <a:r>
-              <a:rPr lang="en-US" dirty="0"/>
-              <a:t>…</a:t>
-            </a:r>
-          </a:p>
-          <a:p>
-            <a:pPr lvl="1"/>
-            <a:endParaRPr lang="en-US" dirty="0"/>
+            <a:endParaRPr lang="en-US"/>
           </a:p>
         </p:txBody>
       </p:sp>
     </p:spTree>
     <p:extLst>
       <p:ext uri="{BB962C8B-B14F-4D97-AF65-F5344CB8AC3E}">
-        <p14:creationId xmlns:p14="http://schemas.microsoft.com/office/powerpoint/2010/main" val="1581292021"/>
+        <p14:creationId xmlns:p14="http://schemas.microsoft.com/office/powerpoint/2010/main" val="834576793"/>
       </p:ext>
     </p:extLst>
   </p:cSld>
@@ -6928,6 +11105,139 @@
           <p:cNvPr id="2" name="Title 1">
             <a:extLst>
               <a:ext uri="{FF2B5EF4-FFF2-40B4-BE49-F238E27FC236}">
+                <a16:creationId xmlns:a16="http://schemas.microsoft.com/office/drawing/2014/main" id="{D03F5BF0-0AD7-4B01-BD13-01EDFD009E2E}"/>
+              </a:ext>
+            </a:extLst>
+          </p:cNvPr>
+          <p:cNvSpPr>
+            <a:spLocks noGrp="1"/>
+          </p:cNvSpPr>
+          <p:nvPr>
+            <p:ph type="title"/>
+          </p:nvPr>
+        </p:nvSpPr>
+        <p:spPr/>
+        <p:txBody>
+          <a:bodyPr/>
+          <a:lstStyle/>
+          <a:p>
+            <a:r>
+              <a:rPr lang="en-US" dirty="0" err="1"/>
+              <a:t>PhyloTools</a:t>
+            </a:r>
+            <a:endParaRPr lang="en-US" dirty="0"/>
+          </a:p>
+        </p:txBody>
+      </p:sp>
+      <p:sp>
+        <p:nvSpPr>
+          <p:cNvPr id="3" name="Content Placeholder 2">
+            <a:extLst>
+              <a:ext uri="{FF2B5EF4-FFF2-40B4-BE49-F238E27FC236}">
+                <a16:creationId xmlns:a16="http://schemas.microsoft.com/office/drawing/2014/main" id="{0967048B-71FB-4B8F-84A2-0201BFF4D0FE}"/>
+              </a:ext>
+            </a:extLst>
+          </p:cNvPr>
+          <p:cNvSpPr>
+            <a:spLocks noGrp="1"/>
+          </p:cNvSpPr>
+          <p:nvPr>
+            <p:ph idx="1"/>
+          </p:nvPr>
+        </p:nvSpPr>
+        <p:spPr/>
+        <p:txBody>
+          <a:bodyPr/>
+          <a:lstStyle/>
+          <a:p>
+            <a:r>
+              <a:rPr lang="en-US" dirty="0"/>
+              <a:t>Swiss army knife</a:t>
+            </a:r>
+          </a:p>
+          <a:p>
+            <a:pPr lvl="1"/>
+            <a:r>
+              <a:rPr lang="en-US" dirty="0"/>
+              <a:t>Input:</a:t>
+            </a:r>
+          </a:p>
+          <a:p>
+            <a:pPr lvl="2"/>
+            <a:r>
+              <a:rPr lang="en-US" dirty="0"/>
+              <a:t>FASTA sequences</a:t>
+            </a:r>
+          </a:p>
+          <a:p>
+            <a:pPr lvl="2"/>
+            <a:r>
+              <a:rPr lang="en-US" dirty="0"/>
+              <a:t>…</a:t>
+            </a:r>
+          </a:p>
+          <a:p>
+            <a:pPr lvl="1"/>
+            <a:r>
+              <a:rPr lang="en-US" dirty="0"/>
+              <a:t>Output:</a:t>
+            </a:r>
+          </a:p>
+          <a:p>
+            <a:pPr lvl="2"/>
+            <a:r>
+              <a:rPr lang="en-US" dirty="0"/>
+              <a:t>Tree analysis document</a:t>
+            </a:r>
+          </a:p>
+          <a:p>
+            <a:pPr lvl="2"/>
+            <a:r>
+              <a:rPr lang="en-US" dirty="0"/>
+              <a:t>…</a:t>
+            </a:r>
+          </a:p>
+          <a:p>
+            <a:pPr lvl="1"/>
+            <a:endParaRPr lang="en-US" dirty="0"/>
+          </a:p>
+        </p:txBody>
+      </p:sp>
+    </p:spTree>
+    <p:extLst>
+      <p:ext uri="{BB962C8B-B14F-4D97-AF65-F5344CB8AC3E}">
+        <p14:creationId xmlns:p14="http://schemas.microsoft.com/office/powerpoint/2010/main" val="1581292021"/>
+      </p:ext>
+    </p:extLst>
+  </p:cSld>
+  <p:clrMapOvr>
+    <a:masterClrMapping/>
+  </p:clrMapOvr>
+</p:sld>
+</file>
+
+<file path=ppt/slides/slide21.xml><?xml version="1.0" encoding="utf-8"?>
+<p:sld xmlns:a="http://schemas.openxmlformats.org/drawingml/2006/main" xmlns:r="http://schemas.openxmlformats.org/officeDocument/2006/relationships" xmlns:p="http://schemas.openxmlformats.org/presentationml/2006/main">
+  <p:cSld>
+    <p:spTree>
+      <p:nvGrpSpPr>
+        <p:cNvPr id="1" name=""/>
+        <p:cNvGrpSpPr/>
+        <p:nvPr/>
+      </p:nvGrpSpPr>
+      <p:grpSpPr>
+        <a:xfrm>
+          <a:off x="0" y="0"/>
+          <a:ext cx="0" cy="0"/>
+          <a:chOff x="0" y="0"/>
+          <a:chExt cx="0" cy="0"/>
+        </a:xfrm>
+      </p:grpSpPr>
+      <p:sp>
+        <p:nvSpPr>
+          <p:cNvPr id="2" name="Title 1">
+            <a:extLst>
+              <a:ext uri="{FF2B5EF4-FFF2-40B4-BE49-F238E27FC236}">
                 <a16:creationId xmlns:a16="http://schemas.microsoft.com/office/drawing/2014/main" id="{4F31E323-9959-48AA-B336-2E14EFCC13B7}"/>
               </a:ext>
             </a:extLst>
@@ -7006,7 +11316,7 @@
 </p:sld>
 </file>
 
-<file path=ppt/slides/slide21.xml><?xml version="1.0" encoding="utf-8"?>
+<file path=ppt/slides/slide22.xml><?xml version="1.0" encoding="utf-8"?>
 <p:sld xmlns:a="http://schemas.openxmlformats.org/drawingml/2006/main" xmlns:r="http://schemas.openxmlformats.org/officeDocument/2006/relationships" xmlns:p="http://schemas.openxmlformats.org/presentationml/2006/main">
   <p:cSld>
     <p:bg>
@@ -7293,6 +11603,14 @@
 <file path=ppt/slides/slide3.xml><?xml version="1.0" encoding="utf-8"?>
 <p:sld xmlns:a="http://schemas.openxmlformats.org/drawingml/2006/main" xmlns:r="http://schemas.openxmlformats.org/officeDocument/2006/relationships" xmlns:p="http://schemas.openxmlformats.org/presentationml/2006/main">
   <p:cSld>
+    <p:bg>
+      <p:bgPr>
+        <a:solidFill>
+          <a:schemeClr val="bg2"/>
+        </a:solidFill>
+        <a:effectLst/>
+      </p:bgPr>
+    </p:bg>
     <p:spTree>
       <p:nvGrpSpPr>
         <p:cNvPr id="1" name=""/>
@@ -7307,12 +11625,72 @@
           <a:chExt cx="0" cy="0"/>
         </a:xfrm>
       </p:grpSpPr>
+      <p:sp useBgFill="1">
+        <p:nvSpPr>
+          <p:cNvPr id="17" name="Rectangle 16">
+            <a:extLst>
+              <a:ext uri="{FF2B5EF4-FFF2-40B4-BE49-F238E27FC236}">
+                <a16:creationId xmlns:a16="http://schemas.microsoft.com/office/drawing/2014/main" id="{30BC9609-A8AF-411F-A9E0-C3B93C8945CA}"/>
+              </a:ext>
+              <a:ext uri="{C183D7F6-B498-43B3-948B-1728B52AA6E4}">
+                <adec:decorative xmlns:adec="http://schemas.microsoft.com/office/drawing/2017/decorative" val="1"/>
+              </a:ext>
+            </a:extLst>
+          </p:cNvPr>
+          <p:cNvSpPr>
+            <a:spLocks noGrp="1" noRot="1" noChangeAspect="1" noMove="1" noResize="1" noEditPoints="1" noAdjustHandles="1" noChangeArrowheads="1" noChangeShapeType="1" noTextEdit="1"/>
+          </p:cNvSpPr>
+          <p:nvPr>
+            <p:extLst>
+              <p:ext uri="{386F3935-93C4-4BCD-93E2-E3B085C9AB24}">
+                <p16:designElem xmlns:p16="http://schemas.microsoft.com/office/powerpoint/2015/main" val="1"/>
+              </p:ext>
+            </p:extLst>
+          </p:nvPr>
+        </p:nvSpPr>
+        <p:spPr>
+          <a:xfrm>
+            <a:off x="0" y="0"/>
+            <a:ext cx="12192000" cy="6858000"/>
+          </a:xfrm>
+          <a:prstGeom prst="rect">
+            <a:avLst/>
+          </a:prstGeom>
+          <a:ln>
+            <a:noFill/>
+          </a:ln>
+        </p:spPr>
+        <p:style>
+          <a:lnRef idx="2">
+            <a:schemeClr val="accent1">
+              <a:shade val="50000"/>
+            </a:schemeClr>
+          </a:lnRef>
+          <a:fillRef idx="1">
+            <a:schemeClr val="accent1"/>
+          </a:fillRef>
+          <a:effectRef idx="0">
+            <a:schemeClr val="accent1"/>
+          </a:effectRef>
+          <a:fontRef idx="minor">
+            <a:schemeClr val="lt1"/>
+          </a:fontRef>
+        </p:style>
+        <p:txBody>
+          <a:bodyPr rtlCol="0" anchor="ctr"/>
+          <a:lstStyle/>
+          <a:p>
+            <a:pPr algn="ctr"/>
+            <a:endParaRPr lang="en-US"/>
+          </a:p>
+        </p:txBody>
+      </p:sp>
       <p:sp>
         <p:nvSpPr>
           <p:cNvPr id="2" name="Title 1">
             <a:extLst>
               <a:ext uri="{FF2B5EF4-FFF2-40B4-BE49-F238E27FC236}">
-                <a16:creationId xmlns:a16="http://schemas.microsoft.com/office/drawing/2014/main" id="{DE0A93FF-5FB1-46C4-A1CB-AEE69ADE5616}"/>
+                <a16:creationId xmlns:a16="http://schemas.microsoft.com/office/drawing/2014/main" id="{12F8F973-E7DE-41A2-B4B7-C9550A2C3834}"/>
               </a:ext>
             </a:extLst>
           </p:cNvPr>
@@ -7323,129 +11701,61 @@
             <p:ph type="title"/>
           </p:nvPr>
         </p:nvSpPr>
-        <p:spPr/>
+        <p:spPr>
+          <a:xfrm>
+            <a:off x="640080" y="639704"/>
+            <a:ext cx="3299579" cy="5577840"/>
+          </a:xfrm>
+        </p:spPr>
         <p:txBody>
-          <a:bodyPr/>
+          <a:bodyPr anchor="ctr">
+            <a:normAutofit/>
+          </a:bodyPr>
           <a:lstStyle/>
           <a:p>
-            <a:r>
-              <a:rPr lang="en-US" dirty="0"/>
-              <a:t>Computational Phylogenetics</a:t>
+            <a:pPr algn="ctr"/>
+            <a:r>
+              <a:rPr lang="en-US" u="sng"/>
+              <a:t>Outline</a:t>
             </a:r>
           </a:p>
         </p:txBody>
       </p:sp>
-      <p:sp>
-        <p:nvSpPr>
-          <p:cNvPr id="3" name="Content Placeholder 2">
+      <p:graphicFrame>
+        <p:nvGraphicFramePr>
+          <p:cNvPr id="13" name="Content Placeholder 2">
             <a:extLst>
               <a:ext uri="{FF2B5EF4-FFF2-40B4-BE49-F238E27FC236}">
-                <a16:creationId xmlns:a16="http://schemas.microsoft.com/office/drawing/2014/main" id="{88B5F14B-31E6-4A5F-B894-3BB828C939F2}"/>
+                <a16:creationId xmlns:a16="http://schemas.microsoft.com/office/drawing/2014/main" id="{DBCC5521-30E7-4A7A-BF53-693144963F97}"/>
               </a:ext>
             </a:extLst>
           </p:cNvPr>
-          <p:cNvSpPr>
-            <a:spLocks noGrp="1"/>
-          </p:cNvSpPr>
+          <p:cNvGraphicFramePr>
+            <a:graphicFrameLocks noGrp="1"/>
+          </p:cNvGraphicFramePr>
           <p:nvPr>
             <p:ph idx="1"/>
-          </p:nvPr>
-        </p:nvSpPr>
-        <p:spPr/>
-        <p:txBody>
-          <a:bodyPr/>
-          <a:lstStyle/>
-          <a:p>
-            <a:r>
-              <a:rPr lang="en-US" dirty="0"/>
-              <a:t>Phylogeny estimation</a:t>
-            </a:r>
-          </a:p>
-          <a:p>
-            <a:pPr lvl="1"/>
-            <a:r>
-              <a:rPr lang="en-US" dirty="0"/>
-              <a:t>DNA sequences </a:t>
-            </a:r>
-            <a:r>
-              <a:rPr lang="en-US" dirty="0">
-                <a:sym typeface="Wingdings" panose="05000000000000000000" pitchFamily="2" charset="2"/>
-              </a:rPr>
-              <a:t> Phylogenetic trees</a:t>
-            </a:r>
-          </a:p>
-          <a:p>
-            <a:pPr lvl="2"/>
-            <a:r>
-              <a:rPr lang="en-US" dirty="0">
-                <a:solidFill>
-                  <a:srgbClr val="FF0000"/>
-                </a:solidFill>
-              </a:rPr>
-              <a:t>Phylogenetic Trees identify evolutionary relationships between species</a:t>
-            </a:r>
-          </a:p>
-          <a:p>
-            <a:r>
-              <a:rPr lang="en-US" dirty="0">
-                <a:solidFill>
-                  <a:schemeClr val="tx1"/>
-                </a:solidFill>
-              </a:rPr>
-              <a:t>From single gene phylogenies </a:t>
-            </a:r>
-            <a:r>
-              <a:rPr lang="en-US" dirty="0">
-                <a:solidFill>
-                  <a:schemeClr val="tx1"/>
-                </a:solidFill>
-                <a:sym typeface="Wingdings" panose="05000000000000000000" pitchFamily="2" charset="2"/>
-              </a:rPr>
-              <a:t></a:t>
-            </a:r>
-            <a:r>
-              <a:rPr lang="en-US" dirty="0">
-                <a:solidFill>
-                  <a:schemeClr val="tx1"/>
-                </a:solidFill>
-              </a:rPr>
-              <a:t> Genome-scale phylogenies</a:t>
-            </a:r>
-          </a:p>
-          <a:p>
-            <a:pPr lvl="1"/>
-            <a:r>
-              <a:rPr lang="en-US" dirty="0">
-                <a:solidFill>
-                  <a:srgbClr val="FF0000"/>
-                </a:solidFill>
-              </a:rPr>
-              <a:t>As with everything, hardware can only improve so much, many of the standard or best methods are fat too computationally expensive</a:t>
-            </a:r>
-          </a:p>
-          <a:p>
-            <a:pPr lvl="2"/>
-            <a:r>
-              <a:rPr lang="en-US" dirty="0">
-                <a:solidFill>
-                  <a:srgbClr val="FF0000"/>
-                </a:solidFill>
-              </a:rPr>
-              <a:t>Improved DNA sequencing allows readily available genomes + algorithms</a:t>
-            </a:r>
-          </a:p>
-          <a:p>
-            <a:pPr marL="530352" lvl="1" indent="0">
-              <a:buNone/>
-            </a:pPr>
-            <a:endParaRPr lang="en-US" dirty="0"/>
-          </a:p>
-        </p:txBody>
-      </p:sp>
+            <p:extLst>
+              <p:ext uri="{D42A27DB-BD31-4B8C-83A1-F6EECF244321}">
+                <p14:modId xmlns:p14="http://schemas.microsoft.com/office/powerpoint/2010/main" val="4012014975"/>
+              </p:ext>
+            </p:extLst>
+          </p:nvPr>
+        </p:nvGraphicFramePr>
+        <p:xfrm>
+          <a:off x="4901472" y="639705"/>
+          <a:ext cx="6506304" cy="5577840"/>
+        </p:xfrm>
+        <a:graphic>
+          <a:graphicData uri="http://schemas.openxmlformats.org/drawingml/2006/diagram">
+            <dgm:relIds xmlns:dgm="http://schemas.openxmlformats.org/drawingml/2006/diagram" xmlns:r="http://schemas.openxmlformats.org/officeDocument/2006/relationships" r:dm="rId2" r:lo="rId3" r:qs="rId4" r:cs="rId5"/>
+          </a:graphicData>
+        </a:graphic>
+      </p:graphicFrame>
     </p:spTree>
     <p:extLst>
       <p:ext uri="{BB962C8B-B14F-4D97-AF65-F5344CB8AC3E}">
-        <p14:creationId xmlns:p14="http://schemas.microsoft.com/office/powerpoint/2010/main" val="4159312235"/>
+        <p14:creationId xmlns:p14="http://schemas.microsoft.com/office/powerpoint/2010/main" val="2529414777"/>
       </p:ext>
     </p:extLst>
   </p:cSld>
@@ -7477,7 +11787,7 @@
           <p:cNvPr id="2" name="Title 1">
             <a:extLst>
               <a:ext uri="{FF2B5EF4-FFF2-40B4-BE49-F238E27FC236}">
-                <a16:creationId xmlns:a16="http://schemas.microsoft.com/office/drawing/2014/main" id="{9470F08C-39B6-47E9-A8BC-9BCC9AFBD55B}"/>
+                <a16:creationId xmlns:a16="http://schemas.microsoft.com/office/drawing/2014/main" id="{DE0A93FF-5FB1-46C4-A1CB-AEE69ADE5616}"/>
               </a:ext>
             </a:extLst>
           </p:cNvPr>
@@ -7495,7 +11805,7 @@
           <a:p>
             <a:r>
               <a:rPr lang="en-US" dirty="0"/>
-              <a:t>Timings</a:t>
+              <a:t>Computational Phylogenetics</a:t>
             </a:r>
           </a:p>
         </p:txBody>
@@ -7505,7 +11815,7 @@
           <p:cNvPr id="3" name="Content Placeholder 2">
             <a:extLst>
               <a:ext uri="{FF2B5EF4-FFF2-40B4-BE49-F238E27FC236}">
-                <a16:creationId xmlns:a16="http://schemas.microsoft.com/office/drawing/2014/main" id="{DB1F95AF-FF81-414C-BACB-88CE1D7B791C}"/>
+                <a16:creationId xmlns:a16="http://schemas.microsoft.com/office/drawing/2014/main" id="{88B5F14B-31E6-4A5F-B894-3BB828C939F2}"/>
               </a:ext>
             </a:extLst>
           </p:cNvPr>
@@ -7516,93 +11826,93 @@
             <p:ph idx="1"/>
           </p:nvPr>
         </p:nvSpPr>
-        <p:spPr>
-          <a:xfrm>
-            <a:off x="1371600" y="2285999"/>
-            <a:ext cx="9601200" cy="4211053"/>
-          </a:xfrm>
-        </p:spPr>
+        <p:spPr/>
         <p:txBody>
           <a:bodyPr/>
           <a:lstStyle/>
           <a:p>
             <a:r>
               <a:rPr lang="en-US" dirty="0"/>
-              <a:t>Our horse: NCD</a:t>
+              <a:t>Phylogeny estimation</a:t>
             </a:r>
           </a:p>
           <a:p>
             <a:pPr lvl="1"/>
             <a:r>
               <a:rPr lang="en-US" dirty="0"/>
-              <a:t>16 DNA sequences</a:t>
+              <a:t>DNA sequences </a:t>
+            </a:r>
+            <a:r>
+              <a:rPr lang="en-US" dirty="0">
+                <a:sym typeface="Wingdings" panose="05000000000000000000" pitchFamily="2" charset="2"/>
+              </a:rPr>
+              <a:t> Phylogenetic trees</a:t>
             </a:r>
           </a:p>
           <a:p>
             <a:pPr lvl="2"/>
             <a:r>
-              <a:rPr lang="en-US" dirty="0"/>
-              <a:t>XXXXX</a:t>
+              <a:rPr lang="en-US" dirty="0">
+                <a:solidFill>
+                  <a:srgbClr val="FF0000"/>
+                </a:solidFill>
+              </a:rPr>
+              <a:t>Phylogenetic Trees identify evolutionary relationships between species</a:t>
+            </a:r>
+          </a:p>
+          <a:p>
+            <a:r>
+              <a:rPr lang="en-US" dirty="0">
+                <a:solidFill>
+                  <a:schemeClr val="tx1"/>
+                </a:solidFill>
+              </a:rPr>
+              <a:t>From single gene phylogenies </a:t>
+            </a:r>
+            <a:r>
+              <a:rPr lang="en-US" dirty="0">
+                <a:solidFill>
+                  <a:schemeClr val="tx1"/>
+                </a:solidFill>
+                <a:sym typeface="Wingdings" panose="05000000000000000000" pitchFamily="2" charset="2"/>
+              </a:rPr>
+              <a:t></a:t>
+            </a:r>
+            <a:r>
+              <a:rPr lang="en-US" dirty="0">
+                <a:solidFill>
+                  <a:schemeClr val="tx1"/>
+                </a:solidFill>
+              </a:rPr>
+              <a:t> Genome-scale phylogenies</a:t>
             </a:r>
           </a:p>
           <a:p>
             <a:pPr lvl="1"/>
             <a:r>
-              <a:rPr lang="en-US" dirty="0"/>
-              <a:t>59 DNA sequences</a:t>
+              <a:rPr lang="en-US" dirty="0">
+                <a:solidFill>
+                  <a:srgbClr val="FF0000"/>
+                </a:solidFill>
+              </a:rPr>
+              <a:t>As with everything, hardware can only improve so much, many of the standard or best methods are fat too computationally expensive</a:t>
             </a:r>
           </a:p>
           <a:p>
             <a:pPr lvl="2"/>
             <a:r>
-              <a:rPr lang="en-US" dirty="0"/>
-              <a:t>XXXXX</a:t>
-            </a:r>
-          </a:p>
-          <a:p>
-            <a:r>
-              <a:rPr lang="en-US" dirty="0"/>
-              <a:t>The standard: </a:t>
-            </a:r>
-            <a:r>
-              <a:rPr lang="en-US" dirty="0" err="1"/>
-              <a:t>MrBayes</a:t>
-            </a:r>
-            <a:endParaRPr lang="en-US" dirty="0"/>
-          </a:p>
-          <a:p>
-            <a:pPr lvl="1"/>
-            <a:r>
-              <a:rPr lang="en-US" dirty="0"/>
-              <a:t>16 DNA sequences</a:t>
-            </a:r>
-          </a:p>
-          <a:p>
-            <a:pPr lvl="2"/>
-            <a:r>
-              <a:rPr lang="en-US" dirty="0"/>
-              <a:t>XXXXX</a:t>
-            </a:r>
-          </a:p>
-          <a:p>
-            <a:pPr lvl="1"/>
-            <a:r>
-              <a:rPr lang="en-US" dirty="0"/>
-              <a:t>59 DNA sequences</a:t>
-            </a:r>
-          </a:p>
-          <a:p>
-            <a:pPr lvl="2"/>
-            <a:r>
-              <a:rPr lang="en-US" dirty="0"/>
-              <a:t>XXXXX</a:t>
-            </a:r>
-          </a:p>
-          <a:p>
-            <a:pPr lvl="1"/>
-            <a:endParaRPr lang="en-US" dirty="0"/>
-          </a:p>
-          <a:p>
+              <a:rPr lang="en-US" dirty="0">
+                <a:solidFill>
+                  <a:srgbClr val="FF0000"/>
+                </a:solidFill>
+              </a:rPr>
+              <a:t>Improved DNA sequencing allows readily available genomes + algorithms</a:t>
+            </a:r>
+          </a:p>
+          <a:p>
+            <a:pPr marL="530352" lvl="1" indent="0">
+              <a:buNone/>
+            </a:pPr>
             <a:endParaRPr lang="en-US" dirty="0"/>
           </a:p>
         </p:txBody>
@@ -7610,7 +11920,7 @@
     </p:spTree>
     <p:extLst>
       <p:ext uri="{BB962C8B-B14F-4D97-AF65-F5344CB8AC3E}">
-        <p14:creationId xmlns:p14="http://schemas.microsoft.com/office/powerpoint/2010/main" val="3945352384"/>
+        <p14:creationId xmlns:p14="http://schemas.microsoft.com/office/powerpoint/2010/main" val="4159312235"/>
       </p:ext>
     </p:extLst>
   </p:cSld>
@@ -7642,7 +11952,7 @@
           <p:cNvPr id="2" name="Title 1">
             <a:extLst>
               <a:ext uri="{FF2B5EF4-FFF2-40B4-BE49-F238E27FC236}">
-                <a16:creationId xmlns:a16="http://schemas.microsoft.com/office/drawing/2014/main" id="{6D7D0C52-DC7C-45D3-AC0E-28C38B193E6B}"/>
+                <a16:creationId xmlns:a16="http://schemas.microsoft.com/office/drawing/2014/main" id="{9470F08C-39B6-47E9-A8BC-9BCC9AFBD55B}"/>
               </a:ext>
             </a:extLst>
           </p:cNvPr>
@@ -7659,10 +11969,9 @@
           <a:lstStyle/>
           <a:p>
             <a:r>
-              <a:rPr lang="en-US" dirty="0" err="1"/>
-              <a:t>MrBayes</a:t>
-            </a:r>
-            <a:endParaRPr lang="en-US" dirty="0"/>
+              <a:rPr lang="en-US" dirty="0"/>
+              <a:t>Timings</a:t>
+            </a:r>
           </a:p>
         </p:txBody>
       </p:sp>
@@ -7671,7 +11980,7 @@
           <p:cNvPr id="3" name="Content Placeholder 2">
             <a:extLst>
               <a:ext uri="{FF2B5EF4-FFF2-40B4-BE49-F238E27FC236}">
-                <a16:creationId xmlns:a16="http://schemas.microsoft.com/office/drawing/2014/main" id="{0DB335AE-6DCC-4845-BFE7-7799466B000D}"/>
+                <a16:creationId xmlns:a16="http://schemas.microsoft.com/office/drawing/2014/main" id="{DB1F95AF-FF81-414C-BACB-88CE1D7B791C}"/>
               </a:ext>
             </a:extLst>
           </p:cNvPr>
@@ -7684,8 +11993,8 @@
         </p:nvSpPr>
         <p:spPr>
           <a:xfrm>
-            <a:off x="1295400" y="2171700"/>
-            <a:ext cx="9601200" cy="3581400"/>
+            <a:off x="1371600" y="2285999"/>
+            <a:ext cx="9601200" cy="4211053"/>
           </a:xfrm>
         </p:spPr>
         <p:txBody>
@@ -7694,54 +12003,89 @@
           <a:p>
             <a:r>
               <a:rPr lang="en-US" dirty="0"/>
-              <a:t>Markov Chain Monte Carlo</a:t>
+              <a:t>Our horse: NCD</a:t>
             </a:r>
           </a:p>
           <a:p>
             <a:pPr lvl="1"/>
             <a:r>
-              <a:rPr lang="en-US" dirty="0">
-                <a:solidFill>
-                  <a:srgbClr val="FF0000"/>
-                </a:solidFill>
-              </a:rPr>
-              <a:t>Process + Speed</a:t>
-            </a:r>
-          </a:p>
-          <a:p>
-            <a:r>
-              <a:rPr lang="en-US" dirty="0">
-                <a:solidFill>
-                  <a:schemeClr val="tx1"/>
-                </a:solidFill>
-              </a:rPr>
-              <a:t>Multiple Sequence Alignment</a:t>
+              <a:rPr lang="en-US" dirty="0"/>
+              <a:t>16 DNA sequences</a:t>
+            </a:r>
+          </a:p>
+          <a:p>
+            <a:pPr lvl="2"/>
+            <a:r>
+              <a:rPr lang="en-US" dirty="0"/>
+              <a:t>XXXXX</a:t>
             </a:r>
           </a:p>
           <a:p>
             <a:pPr lvl="1"/>
             <a:r>
-              <a:rPr lang="en-US" dirty="0">
-                <a:solidFill>
-                  <a:srgbClr val="FF0000"/>
-                </a:solidFill>
-              </a:rPr>
-              <a:t>costly precursor</a:t>
-            </a:r>
-          </a:p>
-          <a:p>
-            <a:endParaRPr lang="en-US" dirty="0">
-              <a:solidFill>
-                <a:srgbClr val="FF0000"/>
-              </a:solidFill>
-            </a:endParaRPr>
+              <a:rPr lang="en-US" dirty="0"/>
+              <a:t>59 DNA sequences</a:t>
+            </a:r>
+          </a:p>
+          <a:p>
+            <a:pPr lvl="2"/>
+            <a:r>
+              <a:rPr lang="en-US" dirty="0"/>
+              <a:t>XXXXX</a:t>
+            </a:r>
+          </a:p>
+          <a:p>
+            <a:r>
+              <a:rPr lang="en-US" dirty="0"/>
+              <a:t>The standard: </a:t>
+            </a:r>
+            <a:r>
+              <a:rPr lang="en-US" dirty="0" err="1"/>
+              <a:t>MrBayes</a:t>
+            </a:r>
+            <a:endParaRPr lang="en-US" dirty="0"/>
+          </a:p>
+          <a:p>
+            <a:pPr lvl="1"/>
+            <a:r>
+              <a:rPr lang="en-US" dirty="0"/>
+              <a:t>16 DNA sequences</a:t>
+            </a:r>
+          </a:p>
+          <a:p>
+            <a:pPr lvl="2"/>
+            <a:r>
+              <a:rPr lang="en-US" dirty="0"/>
+              <a:t>XXXXX</a:t>
+            </a:r>
+          </a:p>
+          <a:p>
+            <a:pPr lvl="1"/>
+            <a:r>
+              <a:rPr lang="en-US" dirty="0"/>
+              <a:t>59 DNA sequences</a:t>
+            </a:r>
+          </a:p>
+          <a:p>
+            <a:pPr lvl="2"/>
+            <a:r>
+              <a:rPr lang="en-US" dirty="0"/>
+              <a:t>XXXXX</a:t>
+            </a:r>
+          </a:p>
+          <a:p>
+            <a:pPr lvl="1"/>
+            <a:endParaRPr lang="en-US" dirty="0"/>
+          </a:p>
+          <a:p>
+            <a:endParaRPr lang="en-US" dirty="0"/>
           </a:p>
         </p:txBody>
       </p:sp>
     </p:spTree>
     <p:extLst>
       <p:ext uri="{BB962C8B-B14F-4D97-AF65-F5344CB8AC3E}">
-        <p14:creationId xmlns:p14="http://schemas.microsoft.com/office/powerpoint/2010/main" val="4157485910"/>
+        <p14:creationId xmlns:p14="http://schemas.microsoft.com/office/powerpoint/2010/main" val="3945352384"/>
       </p:ext>
     </p:extLst>
   </p:cSld>
@@ -7773,7 +12117,7 @@
           <p:cNvPr id="2" name="Title 1">
             <a:extLst>
               <a:ext uri="{FF2B5EF4-FFF2-40B4-BE49-F238E27FC236}">
-                <a16:creationId xmlns:a16="http://schemas.microsoft.com/office/drawing/2014/main" id="{C2DF30AA-B778-4C77-AD26-A44D5A662C36}"/>
+                <a16:creationId xmlns:a16="http://schemas.microsoft.com/office/drawing/2014/main" id="{6D7D0C52-DC7C-45D3-AC0E-28C38B193E6B}"/>
               </a:ext>
             </a:extLst>
           </p:cNvPr>
@@ -7790,9 +12134,10 @@
           <a:lstStyle/>
           <a:p>
             <a:r>
-              <a:rPr lang="en-US" dirty="0"/>
-              <a:t>Normalized Compression Distance</a:t>
-            </a:r>
+              <a:rPr lang="en-US" dirty="0" err="1"/>
+              <a:t>MrBayes</a:t>
+            </a:r>
+            <a:endParaRPr lang="en-US" dirty="0"/>
           </a:p>
         </p:txBody>
       </p:sp>
@@ -7801,7 +12146,7 @@
           <p:cNvPr id="3" name="Content Placeholder 2">
             <a:extLst>
               <a:ext uri="{FF2B5EF4-FFF2-40B4-BE49-F238E27FC236}">
-                <a16:creationId xmlns:a16="http://schemas.microsoft.com/office/drawing/2014/main" id="{9DC339F9-8FD2-40A7-9BCF-740739412217}"/>
+                <a16:creationId xmlns:a16="http://schemas.microsoft.com/office/drawing/2014/main" id="{0DB335AE-6DCC-4845-BFE7-7799466B000D}"/>
               </a:ext>
             </a:extLst>
           </p:cNvPr>
@@ -7812,126 +12157,66 @@
             <p:ph idx="1"/>
           </p:nvPr>
         </p:nvSpPr>
-        <p:spPr/>
+        <p:spPr>
+          <a:xfrm>
+            <a:off x="1295400" y="2171700"/>
+            <a:ext cx="9601200" cy="3581400"/>
+          </a:xfrm>
+        </p:spPr>
         <p:txBody>
           <a:bodyPr/>
           <a:lstStyle/>
           <a:p>
             <a:r>
+              <a:rPr lang="en-US" dirty="0"/>
+              <a:t>Markov Chain Monte Carlo</a:t>
+            </a:r>
+          </a:p>
+          <a:p>
+            <a:pPr lvl="1"/>
+            <a:r>
               <a:rPr lang="en-US" dirty="0">
                 <a:solidFill>
                   <a:srgbClr val="FF0000"/>
                 </a:solidFill>
               </a:rPr>
-              <a:t>Based on </a:t>
-            </a:r>
-            <a:r>
-              <a:rPr lang="en-US" dirty="0" err="1">
+              <a:t>Process + Speed</a:t>
+            </a:r>
+          </a:p>
+          <a:p>
+            <a:r>
+              <a:rPr lang="en-US" dirty="0">
+                <a:solidFill>
+                  <a:schemeClr val="tx1"/>
+                </a:solidFill>
+              </a:rPr>
+              <a:t>Multiple Sequence Alignment</a:t>
+            </a:r>
+          </a:p>
+          <a:p>
+            <a:pPr lvl="1"/>
+            <a:r>
+              <a:rPr lang="en-US" dirty="0">
                 <a:solidFill>
                   <a:srgbClr val="FF0000"/>
                 </a:solidFill>
               </a:rPr>
-              <a:t>Kolomogrov</a:t>
-            </a:r>
-            <a:r>
-              <a:rPr lang="en-US" dirty="0">
-                <a:solidFill>
-                  <a:srgbClr val="FF0000"/>
-                </a:solidFill>
-              </a:rPr>
-              <a:t> Complexity</a:t>
-            </a:r>
-          </a:p>
-          <a:p>
-            <a:pPr lvl="1"/>
-            <a:r>
-              <a:rPr lang="en-US" dirty="0">
-                <a:solidFill>
-                  <a:srgbClr val="FF0000"/>
-                </a:solidFill>
-              </a:rPr>
-              <a:t>Based on Normalized information distance</a:t>
-            </a:r>
-          </a:p>
-          <a:p>
-            <a:pPr lvl="2"/>
-            <a:r>
-              <a:rPr lang="en-US" dirty="0">
-                <a:solidFill>
-                  <a:srgbClr val="FF0000"/>
-                </a:solidFill>
-              </a:rPr>
-              <a:t>Unprovable… NCD is based on</a:t>
-            </a:r>
-            <a:r>
-              <a:rPr lang="en-US" dirty="0"/>
-              <a:t>………………</a:t>
-            </a:r>
-          </a:p>
-          <a:p>
-            <a:pPr lvl="1"/>
-            <a:r>
-              <a:rPr lang="en-US" dirty="0">
-                <a:solidFill>
-                  <a:srgbClr val="FF0000"/>
-                </a:solidFill>
-              </a:rPr>
-              <a:t>Used in </a:t>
-            </a:r>
-            <a:r>
-              <a:rPr lang="en-US" dirty="0" err="1">
-                <a:solidFill>
-                  <a:srgbClr val="FF0000"/>
-                </a:solidFill>
-              </a:rPr>
-              <a:t>vitany</a:t>
-            </a:r>
-            <a:r>
-              <a:rPr lang="en-US" dirty="0">
-                <a:solidFill>
-                  <a:srgbClr val="FF0000"/>
-                </a:solidFill>
-              </a:rPr>
-              <a:t> paper as example, we are trying to prove with results, that it is a valid method for phylogeny creation.</a:t>
-            </a:r>
-          </a:p>
-          <a:p>
-            <a:pPr marL="530352" lvl="1" indent="0">
-              <a:buNone/>
-            </a:pPr>
+              <a:t>costly precursor</a:t>
+            </a:r>
+          </a:p>
+          <a:p>
             <a:endParaRPr lang="en-US" dirty="0">
               <a:solidFill>
                 <a:srgbClr val="FF0000"/>
               </a:solidFill>
             </a:endParaRPr>
           </a:p>
-          <a:p>
-            <a:r>
-              <a:rPr lang="en-US" dirty="0">
-                <a:solidFill>
-                  <a:srgbClr val="FF0000"/>
-                </a:solidFill>
-              </a:rPr>
-              <a:t>Avoids Multiple Sequence Alignment</a:t>
-            </a:r>
-          </a:p>
-          <a:p>
-            <a:pPr lvl="1"/>
-            <a:r>
-              <a:rPr lang="en-US" dirty="0">
-                <a:solidFill>
-                  <a:srgbClr val="FF0000"/>
-                </a:solidFill>
-              </a:rPr>
-              <a:t>Muscle timings</a:t>
-            </a:r>
-          </a:p>
         </p:txBody>
       </p:sp>
     </p:spTree>
     <p:extLst>
       <p:ext uri="{BB962C8B-B14F-4D97-AF65-F5344CB8AC3E}">
-        <p14:creationId xmlns:p14="http://schemas.microsoft.com/office/powerpoint/2010/main" val="30004457"/>
+        <p14:creationId xmlns:p14="http://schemas.microsoft.com/office/powerpoint/2010/main" val="4157485910"/>
       </p:ext>
     </p:extLst>
   </p:cSld>
@@ -7963,7 +12248,7 @@
           <p:cNvPr id="2" name="Title 1">
             <a:extLst>
               <a:ext uri="{FF2B5EF4-FFF2-40B4-BE49-F238E27FC236}">
-                <a16:creationId xmlns:a16="http://schemas.microsoft.com/office/drawing/2014/main" id="{3673D775-B4F9-4624-8CDA-E8C4FE7386A7}"/>
+                <a16:creationId xmlns:a16="http://schemas.microsoft.com/office/drawing/2014/main" id="{C2DF30AA-B778-4C77-AD26-A44D5A662C36}"/>
               </a:ext>
             </a:extLst>
           </p:cNvPr>
@@ -7981,7 +12266,7 @@
           <a:p>
             <a:r>
               <a:rPr lang="en-US" dirty="0"/>
-              <a:t>Compression</a:t>
+              <a:t>Normalized Compression Distance</a:t>
             </a:r>
           </a:p>
         </p:txBody>
@@ -7991,7 +12276,7 @@
           <p:cNvPr id="3" name="Content Placeholder 2">
             <a:extLst>
               <a:ext uri="{FF2B5EF4-FFF2-40B4-BE49-F238E27FC236}">
-                <a16:creationId xmlns:a16="http://schemas.microsoft.com/office/drawing/2014/main" id="{42FB947C-9282-4E13-BBB7-1AE33FCD611D}"/>
+                <a16:creationId xmlns:a16="http://schemas.microsoft.com/office/drawing/2014/main" id="{9DC339F9-8FD2-40A7-9BCF-740739412217}"/>
               </a:ext>
             </a:extLst>
           </p:cNvPr>
@@ -8008,15 +12293,101 @@
           <a:lstStyle/>
           <a:p>
             <a:r>
+              <a:rPr lang="en-US" dirty="0">
+                <a:solidFill>
+                  <a:srgbClr val="FF0000"/>
+                </a:solidFill>
+              </a:rPr>
+              <a:t>Based on </a:t>
+            </a:r>
+            <a:r>
+              <a:rPr lang="en-US" dirty="0" err="1">
+                <a:solidFill>
+                  <a:srgbClr val="FF0000"/>
+                </a:solidFill>
+              </a:rPr>
+              <a:t>Kolomogrov</a:t>
+            </a:r>
+            <a:r>
+              <a:rPr lang="en-US" dirty="0">
+                <a:solidFill>
+                  <a:srgbClr val="FF0000"/>
+                </a:solidFill>
+              </a:rPr>
+              <a:t> Complexity</a:t>
+            </a:r>
+          </a:p>
+          <a:p>
+            <a:pPr lvl="1"/>
+            <a:r>
+              <a:rPr lang="en-US" dirty="0">
+                <a:solidFill>
+                  <a:srgbClr val="FF0000"/>
+                </a:solidFill>
+              </a:rPr>
+              <a:t>Based on Normalized information distance</a:t>
+            </a:r>
+          </a:p>
+          <a:p>
+            <a:pPr lvl="2"/>
+            <a:r>
+              <a:rPr lang="en-US" dirty="0">
+                <a:solidFill>
+                  <a:srgbClr val="FF0000"/>
+                </a:solidFill>
+              </a:rPr>
+              <a:t>Unprovable… NCD is based on</a:t>
+            </a:r>
+            <a:r>
               <a:rPr lang="en-US" dirty="0"/>
-              <a:t>Compression algorithms</a:t>
+              <a:t>………………</a:t>
             </a:r>
           </a:p>
           <a:p>
             <a:pPr lvl="1"/>
             <a:r>
-              <a:rPr lang="en-US" dirty="0"/>
-              <a:t>Basis…</a:t>
+              <a:rPr lang="en-US" dirty="0">
+                <a:solidFill>
+                  <a:srgbClr val="FF0000"/>
+                </a:solidFill>
+              </a:rPr>
+              <a:t>Used in </a:t>
+            </a:r>
+            <a:r>
+              <a:rPr lang="en-US" dirty="0" err="1">
+                <a:solidFill>
+                  <a:srgbClr val="FF0000"/>
+                </a:solidFill>
+              </a:rPr>
+              <a:t>vitany</a:t>
+            </a:r>
+            <a:r>
+              <a:rPr lang="en-US" dirty="0">
+                <a:solidFill>
+                  <a:srgbClr val="FF0000"/>
+                </a:solidFill>
+              </a:rPr>
+              <a:t> paper as example, we are trying to prove with results, that it is a valid method for phylogeny creation.</a:t>
+            </a:r>
+          </a:p>
+          <a:p>
+            <a:pPr marL="530352" lvl="1" indent="0">
+              <a:buNone/>
+            </a:pPr>
+            <a:endParaRPr lang="en-US" dirty="0">
+              <a:solidFill>
+                <a:srgbClr val="FF0000"/>
+              </a:solidFill>
+            </a:endParaRPr>
+          </a:p>
+          <a:p>
+            <a:r>
+              <a:rPr lang="en-US" dirty="0">
+                <a:solidFill>
+                  <a:srgbClr val="FF0000"/>
+                </a:solidFill>
+              </a:rPr>
+              <a:t>Avoids Multiple Sequence Alignment</a:t>
             </a:r>
           </a:p>
           <a:p>
@@ -8027,7 +12398,7 @@
                   <a:srgbClr val="FF0000"/>
                 </a:solidFill>
               </a:rPr>
-              <a:t>Speed</a:t>
+              <a:t>Muscle timings</a:t>
             </a:r>
           </a:p>
         </p:txBody>
@@ -8035,7 +12406,7 @@
     </p:spTree>
     <p:extLst>
       <p:ext uri="{BB962C8B-B14F-4D97-AF65-F5344CB8AC3E}">
-        <p14:creationId xmlns:p14="http://schemas.microsoft.com/office/powerpoint/2010/main" val="745249164"/>
+        <p14:creationId xmlns:p14="http://schemas.microsoft.com/office/powerpoint/2010/main" val="30004457"/>
       </p:ext>
     </p:extLst>
   </p:cSld>
@@ -8067,7 +12438,7 @@
           <p:cNvPr id="2" name="Title 1">
             <a:extLst>
               <a:ext uri="{FF2B5EF4-FFF2-40B4-BE49-F238E27FC236}">
-                <a16:creationId xmlns:a16="http://schemas.microsoft.com/office/drawing/2014/main" id="{F2753AB0-CE2B-4C43-BD64-9435EDD80A7B}"/>
+                <a16:creationId xmlns:a16="http://schemas.microsoft.com/office/drawing/2014/main" id="{3673D775-B4F9-4624-8CDA-E8C4FE7386A7}"/>
               </a:ext>
             </a:extLst>
           </p:cNvPr>
@@ -8085,7 +12456,7 @@
           <a:p>
             <a:r>
               <a:rPr lang="en-US" dirty="0"/>
-              <a:t>Analysis Tools</a:t>
+              <a:t>Compression</a:t>
             </a:r>
           </a:p>
         </p:txBody>
@@ -8095,7 +12466,7 @@
           <p:cNvPr id="3" name="Content Placeholder 2">
             <a:extLst>
               <a:ext uri="{FF2B5EF4-FFF2-40B4-BE49-F238E27FC236}">
-                <a16:creationId xmlns:a16="http://schemas.microsoft.com/office/drawing/2014/main" id="{B6335BD8-A76C-49CC-A64D-8ED787927886}"/>
+                <a16:creationId xmlns:a16="http://schemas.microsoft.com/office/drawing/2014/main" id="{42FB947C-9282-4E13-BBB7-1AE33FCD611D}"/>
               </a:ext>
             </a:extLst>
           </p:cNvPr>
@@ -8108,351 +12479,38 @@
         </p:nvSpPr>
         <p:spPr/>
         <p:txBody>
-          <a:bodyPr>
-            <a:normAutofit fontScale="55000" lnSpcReduction="20000"/>
-          </a:bodyPr>
+          <a:bodyPr/>
           <a:lstStyle/>
           <a:p>
-            <a:pPr lvl="1">
-              <a:lnSpc>
-                <a:spcPct val="101000"/>
-              </a:lnSpc>
-            </a:pPr>
             <a:r>
               <a:rPr lang="en-US" dirty="0"/>
-              <a:t>Symmetric Difference</a:t>
-            </a:r>
-          </a:p>
-          <a:p>
-            <a:pPr lvl="1">
-              <a:lnSpc>
-                <a:spcPct val="101000"/>
-              </a:lnSpc>
-            </a:pPr>
+              <a:t>Compression algorithms</a:t>
+            </a:r>
+          </a:p>
+          <a:p>
+            <a:pPr lvl="1"/>
             <a:r>
               <a:rPr lang="en-US" dirty="0"/>
-              <a:t>Quartet Compatibility</a:t>
-            </a:r>
-          </a:p>
-          <a:p>
-            <a:pPr lvl="1">
-              <a:lnSpc>
-                <a:spcPct val="101000"/>
-              </a:lnSpc>
-            </a:pPr>
-            <a:r>
-              <a:rPr lang="en-US" dirty="0"/>
-              <a:t>Quartet Agreement</a:t>
-            </a:r>
-          </a:p>
-          <a:p>
-            <a:pPr lvl="1">
-              <a:lnSpc>
-                <a:spcPct val="101000"/>
-              </a:lnSpc>
-            </a:pPr>
-            <a:r>
-              <a:rPr lang="en-US" dirty="0"/>
-              <a:t>Induced Quartet Agreement</a:t>
-            </a:r>
-          </a:p>
-          <a:p>
-            <a:pPr lvl="1">
-              <a:lnSpc>
-                <a:spcPct val="101000"/>
-              </a:lnSpc>
-            </a:pPr>
-            <a:endParaRPr lang="en-US" dirty="0"/>
-          </a:p>
-          <a:p>
-            <a:pPr lvl="1">
-              <a:lnSpc>
-                <a:spcPct val="101000"/>
-              </a:lnSpc>
-            </a:pPr>
+              <a:t>Basis…</a:t>
+            </a:r>
+          </a:p>
+          <a:p>
+            <a:pPr lvl="1"/>
             <a:r>
               <a:rPr lang="en-US" dirty="0">
                 <a:solidFill>
-                  <a:srgbClr val="7030A0"/>
+                  <a:srgbClr val="FF0000"/>
                 </a:solidFill>
               </a:rPr>
-              <a:t>Quartet Compatibility</a:t>
-            </a:r>
-          </a:p>
-          <a:p>
-            <a:pPr lvl="2">
-              <a:lnSpc>
-                <a:spcPct val="101000"/>
-              </a:lnSpc>
-            </a:pPr>
-            <a:r>
-              <a:rPr lang="en-US" dirty="0">
-                <a:solidFill>
-                  <a:srgbClr val="7030A0"/>
-                </a:solidFill>
-              </a:rPr>
-              <a:t>Sum of RF distance for each pairing</a:t>
-            </a:r>
-          </a:p>
-          <a:p>
-            <a:pPr lvl="3">
-              <a:lnSpc>
-                <a:spcPct val="101000"/>
-              </a:lnSpc>
-            </a:pPr>
-            <a:r>
-              <a:rPr lang="en-US" dirty="0" err="1">
-                <a:solidFill>
-                  <a:srgbClr val="7030A0"/>
-                </a:solidFill>
-              </a:rPr>
-              <a:t>LargeTree</a:t>
-            </a:r>
-            <a:r>
-              <a:rPr lang="en-US" dirty="0">
-                <a:solidFill>
-                  <a:srgbClr val="7030A0"/>
-                </a:solidFill>
-              </a:rPr>
-              <a:t> </a:t>
-            </a:r>
-            <a:r>
-              <a:rPr lang="en-US" dirty="0">
-                <a:solidFill>
-                  <a:srgbClr val="7030A0"/>
-                </a:solidFill>
-                <a:sym typeface="Wingdings" panose="05000000000000000000" pitchFamily="2" charset="2"/>
-              </a:rPr>
-              <a:t> </a:t>
-            </a:r>
-            <a:r>
-              <a:rPr lang="en-US" dirty="0">
-                <a:solidFill>
-                  <a:srgbClr val="7030A0"/>
-                </a:solidFill>
-              </a:rPr>
-              <a:t> </a:t>
-            </a:r>
-            <a:r>
-              <a:rPr lang="en-US" dirty="0">
-                <a:solidFill>
-                  <a:srgbClr val="7030A0"/>
-                </a:solidFill>
-                <a:sym typeface="Wingdings" panose="05000000000000000000" pitchFamily="2" charset="2"/>
-              </a:rPr>
-              <a:t></a:t>
-            </a:r>
-            <a:r>
-              <a:rPr lang="en-US" dirty="0">
-                <a:solidFill>
-                  <a:srgbClr val="7030A0"/>
-                </a:solidFill>
-              </a:rPr>
-              <a:t> </a:t>
-            </a:r>
-            <a:r>
-              <a:rPr lang="en-US" dirty="0" err="1">
-                <a:solidFill>
-                  <a:srgbClr val="7030A0"/>
-                </a:solidFill>
-              </a:rPr>
-              <a:t>LargeTree</a:t>
-            </a:r>
-            <a:endParaRPr lang="en-US" dirty="0">
-              <a:solidFill>
-                <a:srgbClr val="7030A0"/>
-              </a:solidFill>
-            </a:endParaRPr>
-          </a:p>
-          <a:p>
-            <a:pPr lvl="4">
-              <a:lnSpc>
-                <a:spcPct val="101000"/>
-              </a:lnSpc>
-            </a:pPr>
-            <a:r>
-              <a:rPr lang="en-US" dirty="0">
-                <a:solidFill>
-                  <a:srgbClr val="7030A0"/>
-                </a:solidFill>
-              </a:rPr>
-              <a:t>True distance</a:t>
-            </a:r>
-          </a:p>
-          <a:p>
-            <a:pPr lvl="3">
-              <a:lnSpc>
-                <a:spcPct val="101000"/>
-              </a:lnSpc>
-            </a:pPr>
-            <a:r>
-              <a:rPr lang="en-US" dirty="0">
-                <a:solidFill>
-                  <a:srgbClr val="7030A0"/>
-                </a:solidFill>
-              </a:rPr>
-              <a:t>Induced Quartets </a:t>
-            </a:r>
-            <a:r>
-              <a:rPr lang="en-US" dirty="0">
-                <a:solidFill>
-                  <a:srgbClr val="7030A0"/>
-                </a:solidFill>
-                <a:sym typeface="Wingdings" panose="05000000000000000000" pitchFamily="2" charset="2"/>
-              </a:rPr>
-              <a:t> Quartets</a:t>
-            </a:r>
-          </a:p>
-          <a:p>
-            <a:pPr lvl="4">
-              <a:lnSpc>
-                <a:spcPct val="101000"/>
-              </a:lnSpc>
-            </a:pPr>
-            <a:r>
-              <a:rPr lang="en-US" dirty="0">
-                <a:solidFill>
-                  <a:srgbClr val="7030A0"/>
-                </a:solidFill>
-                <a:sym typeface="Wingdings" panose="05000000000000000000" pitchFamily="2" charset="2"/>
-              </a:rPr>
-              <a:t>??? Purpose</a:t>
-            </a:r>
-          </a:p>
-          <a:p>
-            <a:pPr lvl="3">
-              <a:lnSpc>
-                <a:spcPct val="101000"/>
-              </a:lnSpc>
-            </a:pPr>
-            <a:r>
-              <a:rPr lang="en-US" dirty="0">
-                <a:solidFill>
-                  <a:srgbClr val="7030A0"/>
-                </a:solidFill>
-                <a:sym typeface="Wingdings" panose="05000000000000000000" pitchFamily="2" charset="2"/>
-              </a:rPr>
-              <a:t>Quartets  Quartets</a:t>
-            </a:r>
-          </a:p>
-          <a:p>
-            <a:pPr lvl="4">
-              <a:lnSpc>
-                <a:spcPct val="101000"/>
-              </a:lnSpc>
-            </a:pPr>
-            <a:r>
-              <a:rPr lang="en-US" dirty="0">
-                <a:solidFill>
-                  <a:srgbClr val="7030A0"/>
-                </a:solidFill>
-                <a:sym typeface="Wingdings" panose="05000000000000000000" pitchFamily="2" charset="2"/>
-              </a:rPr>
-              <a:t>??? Purpose</a:t>
-            </a:r>
-          </a:p>
-          <a:p>
-            <a:pPr lvl="4">
-              <a:lnSpc>
-                <a:spcPct val="101000"/>
-              </a:lnSpc>
-            </a:pPr>
-            <a:r>
-              <a:rPr lang="en-US" dirty="0">
-                <a:solidFill>
-                  <a:srgbClr val="7030A0"/>
-                </a:solidFill>
-                <a:sym typeface="Wingdings" panose="05000000000000000000" pitchFamily="2" charset="2"/>
-              </a:rPr>
-              <a:t>Analyzing tree on smaller scale -&gt; results</a:t>
-            </a:r>
-          </a:p>
-          <a:p>
-            <a:pPr lvl="3">
-              <a:lnSpc>
-                <a:spcPct val="101000"/>
-              </a:lnSpc>
-            </a:pPr>
-            <a:r>
-              <a:rPr lang="en-US" dirty="0">
-                <a:solidFill>
-                  <a:srgbClr val="7030A0"/>
-                </a:solidFill>
-                <a:sym typeface="Wingdings" panose="05000000000000000000" pitchFamily="2" charset="2"/>
-              </a:rPr>
-              <a:t>Induced Quartets  Induced Quartet </a:t>
-            </a:r>
-          </a:p>
-          <a:p>
-            <a:pPr lvl="4">
-              <a:lnSpc>
-                <a:spcPct val="101000"/>
-              </a:lnSpc>
-            </a:pPr>
-            <a:r>
-              <a:rPr lang="en-US" dirty="0">
-                <a:solidFill>
-                  <a:srgbClr val="7030A0"/>
-                </a:solidFill>
-                <a:sym typeface="Wingdings" panose="05000000000000000000" pitchFamily="2" charset="2"/>
-              </a:rPr>
-              <a:t>Should be similar (identical relations?) results to </a:t>
-            </a:r>
-            <a:r>
-              <a:rPr lang="en-US" dirty="0" err="1">
-                <a:solidFill>
-                  <a:srgbClr val="7030A0"/>
-                </a:solidFill>
-                <a:sym typeface="Wingdings" panose="05000000000000000000" pitchFamily="2" charset="2"/>
-              </a:rPr>
-              <a:t>largetree</a:t>
-            </a:r>
-            <a:r>
-              <a:rPr lang="en-US" dirty="0">
-                <a:solidFill>
-                  <a:srgbClr val="7030A0"/>
-                </a:solidFill>
-                <a:sym typeface="Wingdings" panose="05000000000000000000" pitchFamily="2" charset="2"/>
-              </a:rPr>
-              <a:t>  </a:t>
-            </a:r>
-            <a:r>
-              <a:rPr lang="en-US" dirty="0" err="1">
-                <a:solidFill>
-                  <a:srgbClr val="7030A0"/>
-                </a:solidFill>
-                <a:sym typeface="Wingdings" panose="05000000000000000000" pitchFamily="2" charset="2"/>
-              </a:rPr>
-              <a:t>largetree</a:t>
-            </a:r>
-            <a:endParaRPr lang="en-US" dirty="0">
-              <a:solidFill>
-                <a:srgbClr val="7030A0"/>
-              </a:solidFill>
-              <a:sym typeface="Wingdings" panose="05000000000000000000" pitchFamily="2" charset="2"/>
-            </a:endParaRPr>
-          </a:p>
-          <a:p>
-            <a:pPr lvl="3">
-              <a:lnSpc>
-                <a:spcPct val="101000"/>
-              </a:lnSpc>
-            </a:pPr>
-            <a:endParaRPr lang="en-US" dirty="0">
-              <a:solidFill>
-                <a:srgbClr val="7030A0"/>
-              </a:solidFill>
-            </a:endParaRPr>
-          </a:p>
-          <a:p>
-            <a:endParaRPr lang="en-US" dirty="0"/>
+              <a:t>Speed</a:t>
+            </a:r>
           </a:p>
         </p:txBody>
       </p:sp>
     </p:spTree>
     <p:extLst>
       <p:ext uri="{BB962C8B-B14F-4D97-AF65-F5344CB8AC3E}">
-        <p14:creationId xmlns:p14="http://schemas.microsoft.com/office/powerpoint/2010/main" val="3959847900"/>
+        <p14:creationId xmlns:p14="http://schemas.microsoft.com/office/powerpoint/2010/main" val="745249164"/>
       </p:ext>
     </p:extLst>
   </p:cSld>
@@ -8484,7 +12542,7 @@
           <p:cNvPr id="2" name="Title 1">
             <a:extLst>
               <a:ext uri="{FF2B5EF4-FFF2-40B4-BE49-F238E27FC236}">
-                <a16:creationId xmlns:a16="http://schemas.microsoft.com/office/drawing/2014/main" id="{771A3C2B-D06F-4627-BE8A-A9208E64726A}"/>
+                <a16:creationId xmlns:a16="http://schemas.microsoft.com/office/drawing/2014/main" id="{F2753AB0-CE2B-4C43-BD64-9435EDD80A7B}"/>
               </a:ext>
             </a:extLst>
           </p:cNvPr>
@@ -8502,7 +12560,7 @@
           <a:p>
             <a:r>
               <a:rPr lang="en-US" dirty="0"/>
-              <a:t>Simulations</a:t>
+              <a:t>Analysis Tools</a:t>
             </a:r>
           </a:p>
         </p:txBody>
@@ -8512,7 +12570,7 @@
           <p:cNvPr id="3" name="Content Placeholder 2">
             <a:extLst>
               <a:ext uri="{FF2B5EF4-FFF2-40B4-BE49-F238E27FC236}">
-                <a16:creationId xmlns:a16="http://schemas.microsoft.com/office/drawing/2014/main" id="{75F8180F-83FB-4460-B63E-B9BF95996242}"/>
+                <a16:creationId xmlns:a16="http://schemas.microsoft.com/office/drawing/2014/main" id="{B6335BD8-A76C-49CC-A64D-8ED787927886}"/>
               </a:ext>
             </a:extLst>
           </p:cNvPr>
@@ -8525,20 +12583,351 @@
         </p:nvSpPr>
         <p:spPr/>
         <p:txBody>
-          <a:bodyPr/>
+          <a:bodyPr>
+            <a:normAutofit fontScale="55000" lnSpcReduction="20000"/>
+          </a:bodyPr>
           <a:lstStyle/>
           <a:p>
+            <a:pPr lvl="1">
+              <a:lnSpc>
+                <a:spcPct val="101000"/>
+              </a:lnSpc>
+            </a:pPr>
             <a:r>
               <a:rPr lang="en-US" dirty="0"/>
-              <a:t>True tree</a:t>
-            </a:r>
+              <a:t>Symmetric Difference</a:t>
+            </a:r>
+          </a:p>
+          <a:p>
+            <a:pPr lvl="1">
+              <a:lnSpc>
+                <a:spcPct val="101000"/>
+              </a:lnSpc>
+            </a:pPr>
+            <a:r>
+              <a:rPr lang="en-US" dirty="0"/>
+              <a:t>Quartet Compatibility</a:t>
+            </a:r>
+          </a:p>
+          <a:p>
+            <a:pPr lvl="1">
+              <a:lnSpc>
+                <a:spcPct val="101000"/>
+              </a:lnSpc>
+            </a:pPr>
+            <a:r>
+              <a:rPr lang="en-US" dirty="0"/>
+              <a:t>Quartet Agreement</a:t>
+            </a:r>
+          </a:p>
+          <a:p>
+            <a:pPr lvl="1">
+              <a:lnSpc>
+                <a:spcPct val="101000"/>
+              </a:lnSpc>
+            </a:pPr>
+            <a:r>
+              <a:rPr lang="en-US" dirty="0"/>
+              <a:t>Induced Quartet Agreement</a:t>
+            </a:r>
+          </a:p>
+          <a:p>
+            <a:pPr lvl="1">
+              <a:lnSpc>
+                <a:spcPct val="101000"/>
+              </a:lnSpc>
+            </a:pPr>
+            <a:endParaRPr lang="en-US" dirty="0"/>
+          </a:p>
+          <a:p>
+            <a:pPr lvl="1">
+              <a:lnSpc>
+                <a:spcPct val="101000"/>
+              </a:lnSpc>
+            </a:pPr>
+            <a:r>
+              <a:rPr lang="en-US" dirty="0">
+                <a:solidFill>
+                  <a:srgbClr val="7030A0"/>
+                </a:solidFill>
+              </a:rPr>
+              <a:t>Quartet Compatibility</a:t>
+            </a:r>
+          </a:p>
+          <a:p>
+            <a:pPr lvl="2">
+              <a:lnSpc>
+                <a:spcPct val="101000"/>
+              </a:lnSpc>
+            </a:pPr>
+            <a:r>
+              <a:rPr lang="en-US" dirty="0">
+                <a:solidFill>
+                  <a:srgbClr val="7030A0"/>
+                </a:solidFill>
+              </a:rPr>
+              <a:t>Sum of RF distance for each pairing</a:t>
+            </a:r>
+          </a:p>
+          <a:p>
+            <a:pPr lvl="3">
+              <a:lnSpc>
+                <a:spcPct val="101000"/>
+              </a:lnSpc>
+            </a:pPr>
+            <a:r>
+              <a:rPr lang="en-US" dirty="0" err="1">
+                <a:solidFill>
+                  <a:srgbClr val="7030A0"/>
+                </a:solidFill>
+              </a:rPr>
+              <a:t>LargeTree</a:t>
+            </a:r>
+            <a:r>
+              <a:rPr lang="en-US" dirty="0">
+                <a:solidFill>
+                  <a:srgbClr val="7030A0"/>
+                </a:solidFill>
+              </a:rPr>
+              <a:t> </a:t>
+            </a:r>
+            <a:r>
+              <a:rPr lang="en-US" dirty="0">
+                <a:solidFill>
+                  <a:srgbClr val="7030A0"/>
+                </a:solidFill>
+                <a:sym typeface="Wingdings" panose="05000000000000000000" pitchFamily="2" charset="2"/>
+              </a:rPr>
+              <a:t> </a:t>
+            </a:r>
+            <a:r>
+              <a:rPr lang="en-US" dirty="0">
+                <a:solidFill>
+                  <a:srgbClr val="7030A0"/>
+                </a:solidFill>
+              </a:rPr>
+              <a:t> </a:t>
+            </a:r>
+            <a:r>
+              <a:rPr lang="en-US" dirty="0">
+                <a:solidFill>
+                  <a:srgbClr val="7030A0"/>
+                </a:solidFill>
+                <a:sym typeface="Wingdings" panose="05000000000000000000" pitchFamily="2" charset="2"/>
+              </a:rPr>
+              <a:t></a:t>
+            </a:r>
+            <a:r>
+              <a:rPr lang="en-US" dirty="0">
+                <a:solidFill>
+                  <a:srgbClr val="7030A0"/>
+                </a:solidFill>
+              </a:rPr>
+              <a:t> </a:t>
+            </a:r>
+            <a:r>
+              <a:rPr lang="en-US" dirty="0" err="1">
+                <a:solidFill>
+                  <a:srgbClr val="7030A0"/>
+                </a:solidFill>
+              </a:rPr>
+              <a:t>LargeTree</a:t>
+            </a:r>
+            <a:endParaRPr lang="en-US" dirty="0">
+              <a:solidFill>
+                <a:srgbClr val="7030A0"/>
+              </a:solidFill>
+            </a:endParaRPr>
+          </a:p>
+          <a:p>
+            <a:pPr lvl="4">
+              <a:lnSpc>
+                <a:spcPct val="101000"/>
+              </a:lnSpc>
+            </a:pPr>
+            <a:r>
+              <a:rPr lang="en-US" dirty="0">
+                <a:solidFill>
+                  <a:srgbClr val="7030A0"/>
+                </a:solidFill>
+              </a:rPr>
+              <a:t>True distance</a:t>
+            </a:r>
+          </a:p>
+          <a:p>
+            <a:pPr lvl="3">
+              <a:lnSpc>
+                <a:spcPct val="101000"/>
+              </a:lnSpc>
+            </a:pPr>
+            <a:r>
+              <a:rPr lang="en-US" dirty="0">
+                <a:solidFill>
+                  <a:srgbClr val="7030A0"/>
+                </a:solidFill>
+              </a:rPr>
+              <a:t>Induced Quartets </a:t>
+            </a:r>
+            <a:r>
+              <a:rPr lang="en-US" dirty="0">
+                <a:solidFill>
+                  <a:srgbClr val="7030A0"/>
+                </a:solidFill>
+                <a:sym typeface="Wingdings" panose="05000000000000000000" pitchFamily="2" charset="2"/>
+              </a:rPr>
+              <a:t> Quartets</a:t>
+            </a:r>
+          </a:p>
+          <a:p>
+            <a:pPr lvl="4">
+              <a:lnSpc>
+                <a:spcPct val="101000"/>
+              </a:lnSpc>
+            </a:pPr>
+            <a:r>
+              <a:rPr lang="en-US" dirty="0">
+                <a:solidFill>
+                  <a:srgbClr val="7030A0"/>
+                </a:solidFill>
+                <a:sym typeface="Wingdings" panose="05000000000000000000" pitchFamily="2" charset="2"/>
+              </a:rPr>
+              <a:t>??? Purpose</a:t>
+            </a:r>
+          </a:p>
+          <a:p>
+            <a:pPr lvl="3">
+              <a:lnSpc>
+                <a:spcPct val="101000"/>
+              </a:lnSpc>
+            </a:pPr>
+            <a:r>
+              <a:rPr lang="en-US" dirty="0">
+                <a:solidFill>
+                  <a:srgbClr val="7030A0"/>
+                </a:solidFill>
+                <a:sym typeface="Wingdings" panose="05000000000000000000" pitchFamily="2" charset="2"/>
+              </a:rPr>
+              <a:t>Quartets  Quartets</a:t>
+            </a:r>
+          </a:p>
+          <a:p>
+            <a:pPr lvl="4">
+              <a:lnSpc>
+                <a:spcPct val="101000"/>
+              </a:lnSpc>
+            </a:pPr>
+            <a:r>
+              <a:rPr lang="en-US" dirty="0">
+                <a:solidFill>
+                  <a:srgbClr val="7030A0"/>
+                </a:solidFill>
+                <a:sym typeface="Wingdings" panose="05000000000000000000" pitchFamily="2" charset="2"/>
+              </a:rPr>
+              <a:t>??? Purpose</a:t>
+            </a:r>
+          </a:p>
+          <a:p>
+            <a:pPr lvl="4">
+              <a:lnSpc>
+                <a:spcPct val="101000"/>
+              </a:lnSpc>
+            </a:pPr>
+            <a:r>
+              <a:rPr lang="en-US" dirty="0">
+                <a:solidFill>
+                  <a:srgbClr val="7030A0"/>
+                </a:solidFill>
+                <a:sym typeface="Wingdings" panose="05000000000000000000" pitchFamily="2" charset="2"/>
+              </a:rPr>
+              <a:t>Analyzing tree on smaller scale -&gt; results</a:t>
+            </a:r>
+          </a:p>
+          <a:p>
+            <a:pPr lvl="3">
+              <a:lnSpc>
+                <a:spcPct val="101000"/>
+              </a:lnSpc>
+            </a:pPr>
+            <a:r>
+              <a:rPr lang="en-US" dirty="0">
+                <a:solidFill>
+                  <a:srgbClr val="7030A0"/>
+                </a:solidFill>
+                <a:sym typeface="Wingdings" panose="05000000000000000000" pitchFamily="2" charset="2"/>
+              </a:rPr>
+              <a:t>Induced Quartets  Induced Quartet </a:t>
+            </a:r>
+          </a:p>
+          <a:p>
+            <a:pPr lvl="4">
+              <a:lnSpc>
+                <a:spcPct val="101000"/>
+              </a:lnSpc>
+            </a:pPr>
+            <a:r>
+              <a:rPr lang="en-US" dirty="0">
+                <a:solidFill>
+                  <a:srgbClr val="7030A0"/>
+                </a:solidFill>
+                <a:sym typeface="Wingdings" panose="05000000000000000000" pitchFamily="2" charset="2"/>
+              </a:rPr>
+              <a:t>Should be similar (identical relations?) results to </a:t>
+            </a:r>
+            <a:r>
+              <a:rPr lang="en-US" dirty="0" err="1">
+                <a:solidFill>
+                  <a:srgbClr val="7030A0"/>
+                </a:solidFill>
+                <a:sym typeface="Wingdings" panose="05000000000000000000" pitchFamily="2" charset="2"/>
+              </a:rPr>
+              <a:t>largetree</a:t>
+            </a:r>
+            <a:r>
+              <a:rPr lang="en-US" dirty="0">
+                <a:solidFill>
+                  <a:srgbClr val="7030A0"/>
+                </a:solidFill>
+                <a:sym typeface="Wingdings" panose="05000000000000000000" pitchFamily="2" charset="2"/>
+              </a:rPr>
+              <a:t>  </a:t>
+            </a:r>
+            <a:r>
+              <a:rPr lang="en-US" dirty="0" err="1">
+                <a:solidFill>
+                  <a:srgbClr val="7030A0"/>
+                </a:solidFill>
+                <a:sym typeface="Wingdings" panose="05000000000000000000" pitchFamily="2" charset="2"/>
+              </a:rPr>
+              <a:t>largetree</a:t>
+            </a:r>
+            <a:endParaRPr lang="en-US" dirty="0">
+              <a:solidFill>
+                <a:srgbClr val="7030A0"/>
+              </a:solidFill>
+              <a:sym typeface="Wingdings" panose="05000000000000000000" pitchFamily="2" charset="2"/>
+            </a:endParaRPr>
+          </a:p>
+          <a:p>
+            <a:pPr lvl="3">
+              <a:lnSpc>
+                <a:spcPct val="101000"/>
+              </a:lnSpc>
+            </a:pPr>
+            <a:endParaRPr lang="en-US" dirty="0">
+              <a:solidFill>
+                <a:srgbClr val="7030A0"/>
+              </a:solidFill>
+            </a:endParaRPr>
+          </a:p>
+          <a:p>
+            <a:endParaRPr lang="en-US" dirty="0"/>
           </a:p>
         </p:txBody>
       </p:sp>
     </p:spTree>
     <p:extLst>
       <p:ext uri="{BB962C8B-B14F-4D97-AF65-F5344CB8AC3E}">
-        <p14:creationId xmlns:p14="http://schemas.microsoft.com/office/powerpoint/2010/main" val="4232178544"/>
+        <p14:creationId xmlns:p14="http://schemas.microsoft.com/office/powerpoint/2010/main" val="3959847900"/>
       </p:ext>
     </p:extLst>
   </p:cSld>
